--- a/Presentation/BranchMergeDBCode.pptx
+++ b/Presentation/BranchMergeDBCode.pptx
@@ -9,32 +9,38 @@
     <p:sldMasterId id="2147483695" r:id="rId5"/>
   </p:sldMasterIdLst>
   <p:notesMasterIdLst>
-    <p:notesMasterId r:id="rId29"/>
+    <p:notesMasterId r:id="rId35"/>
   </p:notesMasterIdLst>
   <p:sldIdLst>
     <p:sldId id="256" r:id="rId6"/>
     <p:sldId id="257" r:id="rId7"/>
     <p:sldId id="258" r:id="rId8"/>
     <p:sldId id="288" r:id="rId9"/>
-    <p:sldId id="303" r:id="rId10"/>
-    <p:sldId id="286" r:id="rId11"/>
-    <p:sldId id="304" r:id="rId12"/>
-    <p:sldId id="289" r:id="rId13"/>
-    <p:sldId id="290" r:id="rId14"/>
-    <p:sldId id="295" r:id="rId15"/>
-    <p:sldId id="294" r:id="rId16"/>
-    <p:sldId id="296" r:id="rId17"/>
-    <p:sldId id="306" r:id="rId18"/>
-    <p:sldId id="302" r:id="rId19"/>
-    <p:sldId id="299" r:id="rId20"/>
-    <p:sldId id="298" r:id="rId21"/>
-    <p:sldId id="300" r:id="rId22"/>
-    <p:sldId id="301" r:id="rId23"/>
-    <p:sldId id="284" r:id="rId24"/>
-    <p:sldId id="292" r:id="rId25"/>
-    <p:sldId id="291" r:id="rId26"/>
-    <p:sldId id="260" r:id="rId27"/>
-    <p:sldId id="261" r:id="rId28"/>
+    <p:sldId id="286" r:id="rId10"/>
+    <p:sldId id="304" r:id="rId11"/>
+    <p:sldId id="290" r:id="rId12"/>
+    <p:sldId id="295" r:id="rId13"/>
+    <p:sldId id="294" r:id="rId14"/>
+    <p:sldId id="302" r:id="rId15"/>
+    <p:sldId id="299" r:id="rId16"/>
+    <p:sldId id="298" r:id="rId17"/>
+    <p:sldId id="300" r:id="rId18"/>
+    <p:sldId id="312" r:id="rId19"/>
+    <p:sldId id="313" r:id="rId20"/>
+    <p:sldId id="314" r:id="rId21"/>
+    <p:sldId id="296" r:id="rId22"/>
+    <p:sldId id="306" r:id="rId23"/>
+    <p:sldId id="310" r:id="rId24"/>
+    <p:sldId id="311" r:id="rId25"/>
+    <p:sldId id="301" r:id="rId26"/>
+    <p:sldId id="315" r:id="rId27"/>
+    <p:sldId id="316" r:id="rId28"/>
+    <p:sldId id="308" r:id="rId29"/>
+    <p:sldId id="317" r:id="rId30"/>
+    <p:sldId id="309" r:id="rId31"/>
+    <p:sldId id="307" r:id="rId32"/>
+    <p:sldId id="260" r:id="rId33"/>
+    <p:sldId id="261" r:id="rId34"/>
   </p:sldIdLst>
   <p:sldSz cx="9144000" cy="6858000" type="screen4x3"/>
   <p:notesSz cx="6858000" cy="9144000"/>
@@ -234,7 +240,7 @@
           <a:p>
             <a:fld id="{F2F907C9-8666-45EC-BDB3-62480554DCC1}" type="datetimeFigureOut">
               <a:rPr lang="en-US" smtClean="0"/>
-              <a:t>8/12/2015</a:t>
+              <a:t>8/13/2015</a:t>
             </a:fld>
             <a:endParaRPr lang="en-US"/>
           </a:p>
@@ -529,12 +535,7 @@
             <p:ph type="sldImg"/>
           </p:nvPr>
         </p:nvSpPr>
-        <p:spPr>
-          <a:xfrm>
-            <a:off x="1371600" y="1143000"/>
-            <a:ext cx="4114800" cy="3086100"/>
-          </a:xfrm>
-        </p:spPr>
+        <p:spPr/>
       </p:sp>
       <p:sp>
         <p:nvSpPr>
@@ -551,7 +552,7 @@
           <a:bodyPr/>
           <a:lstStyle/>
           <a:p>
-            <a:endParaRPr lang="en-US" dirty="0"/>
+            <a:endParaRPr lang="en-US"/>
           </a:p>
         </p:txBody>
       </p:sp>
@@ -570,27 +571,374 @@
           <a:bodyPr/>
           <a:lstStyle/>
           <a:p>
-            <a:fld id="{D967BA51-0EB4-4220-BB57-0E06A05A64BC}" type="slidenum">
-              <a:rPr lang="en-GB" smtClean="0">
-                <a:solidFill>
-                  <a:prstClr val="black"/>
-                </a:solidFill>
-              </a:rPr>
-              <a:pPr/>
-              <a:t>4</a:t>
+            <a:fld id="{E332A5C1-A9B8-4707-ACEF-98CB367ABD38}" type="slidenum">
+              <a:rPr lang="en-US" smtClean="0"/>
+              <a:t>2</a:t>
             </a:fld>
-            <a:endParaRPr lang="en-GB" dirty="0">
-              <a:solidFill>
-                <a:prstClr val="black"/>
-              </a:solidFill>
-            </a:endParaRPr>
+            <a:endParaRPr lang="en-US"/>
           </a:p>
         </p:txBody>
       </p:sp>
     </p:spTree>
     <p:extLst>
       <p:ext uri="{BB962C8B-B14F-4D97-AF65-F5344CB8AC3E}">
-        <p14:creationId xmlns:p14="http://schemas.microsoft.com/office/powerpoint/2010/main" val="1981509510"/>
+        <p14:creationId xmlns:p14="http://schemas.microsoft.com/office/powerpoint/2010/main" val="2041570555"/>
+      </p:ext>
+    </p:extLst>
+  </p:cSld>
+  <p:clrMapOvr>
+    <a:masterClrMapping/>
+  </p:clrMapOvr>
+</p:notes>
+</file>
+
+<file path=ppt/notesSlides/notesSlide10.xml><?xml version="1.0" encoding="utf-8"?>
+<p:notes xmlns:a="http://schemas.openxmlformats.org/drawingml/2006/main" xmlns:r="http://schemas.openxmlformats.org/officeDocument/2006/relationships" xmlns:p="http://schemas.openxmlformats.org/presentationml/2006/main">
+  <p:cSld>
+    <p:spTree>
+      <p:nvGrpSpPr>
+        <p:cNvPr id="1" name=""/>
+        <p:cNvGrpSpPr/>
+        <p:nvPr/>
+      </p:nvGrpSpPr>
+      <p:grpSpPr>
+        <a:xfrm>
+          <a:off x="0" y="0"/>
+          <a:ext cx="0" cy="0"/>
+          <a:chOff x="0" y="0"/>
+          <a:chExt cx="0" cy="0"/>
+        </a:xfrm>
+      </p:grpSpPr>
+      <p:sp>
+        <p:nvSpPr>
+          <p:cNvPr id="2" name="Slide Image Placeholder 1"/>
+          <p:cNvSpPr>
+            <a:spLocks noGrp="1" noRot="1" noChangeAspect="1"/>
+          </p:cNvSpPr>
+          <p:nvPr>
+            <p:ph type="sldImg"/>
+          </p:nvPr>
+        </p:nvSpPr>
+        <p:spPr/>
+      </p:sp>
+      <p:sp>
+        <p:nvSpPr>
+          <p:cNvPr id="3" name="Notes Placeholder 2"/>
+          <p:cNvSpPr>
+            <a:spLocks noGrp="1"/>
+          </p:cNvSpPr>
+          <p:nvPr>
+            <p:ph type="body" idx="1"/>
+          </p:nvPr>
+        </p:nvSpPr>
+        <p:spPr/>
+        <p:txBody>
+          <a:bodyPr/>
+          <a:lstStyle/>
+          <a:p>
+            <a:r>
+              <a:rPr lang="en-US" dirty="0" smtClean="0"/>
+              <a:t>Two views, DB stuff together,</a:t>
+            </a:r>
+            <a:r>
+              <a:rPr lang="en-US" baseline="0" dirty="0" smtClean="0"/>
+              <a:t> or all applications stuff together.</a:t>
+            </a:r>
+            <a:endParaRPr lang="en-US" dirty="0"/>
+          </a:p>
+        </p:txBody>
+      </p:sp>
+      <p:sp>
+        <p:nvSpPr>
+          <p:cNvPr id="4" name="Slide Number Placeholder 3"/>
+          <p:cNvSpPr>
+            <a:spLocks noGrp="1"/>
+          </p:cNvSpPr>
+          <p:nvPr>
+            <p:ph type="sldNum" sz="quarter" idx="10"/>
+          </p:nvPr>
+        </p:nvSpPr>
+        <p:spPr/>
+        <p:txBody>
+          <a:bodyPr/>
+          <a:lstStyle/>
+          <a:p>
+            <a:fld id="{E332A5C1-A9B8-4707-ACEF-98CB367ABD38}" type="slidenum">
+              <a:rPr lang="en-US" smtClean="0"/>
+              <a:t>19</a:t>
+            </a:fld>
+            <a:endParaRPr lang="en-US"/>
+          </a:p>
+        </p:txBody>
+      </p:sp>
+    </p:spTree>
+    <p:extLst>
+      <p:ext uri="{BB962C8B-B14F-4D97-AF65-F5344CB8AC3E}">
+        <p14:creationId xmlns:p14="http://schemas.microsoft.com/office/powerpoint/2010/main" val="407951254"/>
+      </p:ext>
+    </p:extLst>
+  </p:cSld>
+  <p:clrMapOvr>
+    <a:masterClrMapping/>
+  </p:clrMapOvr>
+</p:notes>
+</file>
+
+<file path=ppt/notesSlides/notesSlide11.xml><?xml version="1.0" encoding="utf-8"?>
+<p:notes xmlns:a="http://schemas.openxmlformats.org/drawingml/2006/main" xmlns:r="http://schemas.openxmlformats.org/officeDocument/2006/relationships" xmlns:p="http://schemas.openxmlformats.org/presentationml/2006/main">
+  <p:cSld>
+    <p:spTree>
+      <p:nvGrpSpPr>
+        <p:cNvPr id="1" name=""/>
+        <p:cNvGrpSpPr/>
+        <p:nvPr/>
+      </p:nvGrpSpPr>
+      <p:grpSpPr>
+        <a:xfrm>
+          <a:off x="0" y="0"/>
+          <a:ext cx="0" cy="0"/>
+          <a:chOff x="0" y="0"/>
+          <a:chExt cx="0" cy="0"/>
+        </a:xfrm>
+      </p:grpSpPr>
+      <p:sp>
+        <p:nvSpPr>
+          <p:cNvPr id="2" name="Slide Image Placeholder 1"/>
+          <p:cNvSpPr>
+            <a:spLocks noGrp="1" noRot="1" noChangeAspect="1"/>
+          </p:cNvSpPr>
+          <p:nvPr>
+            <p:ph type="sldImg"/>
+          </p:nvPr>
+        </p:nvSpPr>
+        <p:spPr/>
+      </p:sp>
+      <p:sp>
+        <p:nvSpPr>
+          <p:cNvPr id="3" name="Notes Placeholder 2"/>
+          <p:cNvSpPr>
+            <a:spLocks noGrp="1"/>
+          </p:cNvSpPr>
+          <p:nvPr>
+            <p:ph type="body" idx="1"/>
+          </p:nvPr>
+        </p:nvSpPr>
+        <p:spPr/>
+        <p:txBody>
+          <a:bodyPr/>
+          <a:lstStyle/>
+          <a:p>
+            <a:r>
+              <a:rPr lang="en-US" dirty="0" smtClean="0"/>
+              <a:t>Database problems with having table alters in two places.</a:t>
+            </a:r>
+            <a:endParaRPr lang="en-US" dirty="0"/>
+          </a:p>
+        </p:txBody>
+      </p:sp>
+      <p:sp>
+        <p:nvSpPr>
+          <p:cNvPr id="4" name="Slide Number Placeholder 3"/>
+          <p:cNvSpPr>
+            <a:spLocks noGrp="1"/>
+          </p:cNvSpPr>
+          <p:nvPr>
+            <p:ph type="sldNum" sz="quarter" idx="10"/>
+          </p:nvPr>
+        </p:nvSpPr>
+        <p:spPr/>
+        <p:txBody>
+          <a:bodyPr/>
+          <a:lstStyle/>
+          <a:p>
+            <a:fld id="{E332A5C1-A9B8-4707-ACEF-98CB367ABD38}" type="slidenum">
+              <a:rPr lang="en-US" smtClean="0"/>
+              <a:t>21</a:t>
+            </a:fld>
+            <a:endParaRPr lang="en-US"/>
+          </a:p>
+        </p:txBody>
+      </p:sp>
+    </p:spTree>
+    <p:extLst>
+      <p:ext uri="{BB962C8B-B14F-4D97-AF65-F5344CB8AC3E}">
+        <p14:creationId xmlns:p14="http://schemas.microsoft.com/office/powerpoint/2010/main" val="2610162191"/>
+      </p:ext>
+    </p:extLst>
+  </p:cSld>
+  <p:clrMapOvr>
+    <a:masterClrMapping/>
+  </p:clrMapOvr>
+</p:notes>
+</file>
+
+<file path=ppt/notesSlides/notesSlide12.xml><?xml version="1.0" encoding="utf-8"?>
+<p:notes xmlns:a="http://schemas.openxmlformats.org/drawingml/2006/main" xmlns:r="http://schemas.openxmlformats.org/officeDocument/2006/relationships" xmlns:p="http://schemas.openxmlformats.org/presentationml/2006/main">
+  <p:cSld>
+    <p:spTree>
+      <p:nvGrpSpPr>
+        <p:cNvPr id="1" name=""/>
+        <p:cNvGrpSpPr/>
+        <p:nvPr/>
+      </p:nvGrpSpPr>
+      <p:grpSpPr>
+        <a:xfrm>
+          <a:off x="0" y="0"/>
+          <a:ext cx="0" cy="0"/>
+          <a:chOff x="0" y="0"/>
+          <a:chExt cx="0" cy="0"/>
+        </a:xfrm>
+      </p:grpSpPr>
+      <p:sp>
+        <p:nvSpPr>
+          <p:cNvPr id="2" name="Slide Image Placeholder 1"/>
+          <p:cNvSpPr>
+            <a:spLocks noGrp="1" noRot="1" noChangeAspect="1"/>
+          </p:cNvSpPr>
+          <p:nvPr>
+            <p:ph type="sldImg"/>
+          </p:nvPr>
+        </p:nvSpPr>
+        <p:spPr/>
+      </p:sp>
+      <p:sp>
+        <p:nvSpPr>
+          <p:cNvPr id="3" name="Notes Placeholder 2"/>
+          <p:cNvSpPr>
+            <a:spLocks noGrp="1"/>
+          </p:cNvSpPr>
+          <p:nvPr>
+            <p:ph type="body" idx="1"/>
+          </p:nvPr>
+        </p:nvSpPr>
+        <p:spPr/>
+        <p:txBody>
+          <a:bodyPr/>
+          <a:lstStyle/>
+          <a:p>
+            <a:r>
+              <a:rPr lang="en-US" dirty="0" smtClean="0"/>
+              <a:t>Database problems with having table alters in two places.</a:t>
+            </a:r>
+            <a:endParaRPr lang="en-US" dirty="0"/>
+          </a:p>
+        </p:txBody>
+      </p:sp>
+      <p:sp>
+        <p:nvSpPr>
+          <p:cNvPr id="4" name="Slide Number Placeholder 3"/>
+          <p:cNvSpPr>
+            <a:spLocks noGrp="1"/>
+          </p:cNvSpPr>
+          <p:nvPr>
+            <p:ph type="sldNum" sz="quarter" idx="10"/>
+          </p:nvPr>
+        </p:nvSpPr>
+        <p:spPr/>
+        <p:txBody>
+          <a:bodyPr/>
+          <a:lstStyle/>
+          <a:p>
+            <a:fld id="{E332A5C1-A9B8-4707-ACEF-98CB367ABD38}" type="slidenum">
+              <a:rPr lang="en-US" smtClean="0"/>
+              <a:t>24</a:t>
+            </a:fld>
+            <a:endParaRPr lang="en-US"/>
+          </a:p>
+        </p:txBody>
+      </p:sp>
+    </p:spTree>
+    <p:extLst>
+      <p:ext uri="{BB962C8B-B14F-4D97-AF65-F5344CB8AC3E}">
+        <p14:creationId xmlns:p14="http://schemas.microsoft.com/office/powerpoint/2010/main" val="2426956326"/>
+      </p:ext>
+    </p:extLst>
+  </p:cSld>
+  <p:clrMapOvr>
+    <a:masterClrMapping/>
+  </p:clrMapOvr>
+</p:notes>
+</file>
+
+<file path=ppt/notesSlides/notesSlide13.xml><?xml version="1.0" encoding="utf-8"?>
+<p:notes xmlns:a="http://schemas.openxmlformats.org/drawingml/2006/main" xmlns:r="http://schemas.openxmlformats.org/officeDocument/2006/relationships" xmlns:p="http://schemas.openxmlformats.org/presentationml/2006/main">
+  <p:cSld>
+    <p:spTree>
+      <p:nvGrpSpPr>
+        <p:cNvPr id="1" name=""/>
+        <p:cNvGrpSpPr/>
+        <p:nvPr/>
+      </p:nvGrpSpPr>
+      <p:grpSpPr>
+        <a:xfrm>
+          <a:off x="0" y="0"/>
+          <a:ext cx="0" cy="0"/>
+          <a:chOff x="0" y="0"/>
+          <a:chExt cx="0" cy="0"/>
+        </a:xfrm>
+      </p:grpSpPr>
+      <p:sp>
+        <p:nvSpPr>
+          <p:cNvPr id="2" name="Slide Image Placeholder 1"/>
+          <p:cNvSpPr>
+            <a:spLocks noGrp="1" noRot="1" noChangeAspect="1"/>
+          </p:cNvSpPr>
+          <p:nvPr>
+            <p:ph type="sldImg"/>
+          </p:nvPr>
+        </p:nvSpPr>
+        <p:spPr/>
+      </p:sp>
+      <p:sp>
+        <p:nvSpPr>
+          <p:cNvPr id="3" name="Notes Placeholder 2"/>
+          <p:cNvSpPr>
+            <a:spLocks noGrp="1"/>
+          </p:cNvSpPr>
+          <p:nvPr>
+            <p:ph type="body" idx="1"/>
+          </p:nvPr>
+        </p:nvSpPr>
+        <p:spPr/>
+        <p:txBody>
+          <a:bodyPr/>
+          <a:lstStyle/>
+          <a:p>
+            <a:r>
+              <a:rPr lang="en-US" dirty="0" smtClean="0"/>
+              <a:t>Database problems with having table alters in two places.</a:t>
+            </a:r>
+            <a:endParaRPr lang="en-US" dirty="0"/>
+          </a:p>
+        </p:txBody>
+      </p:sp>
+      <p:sp>
+        <p:nvSpPr>
+          <p:cNvPr id="4" name="Slide Number Placeholder 3"/>
+          <p:cNvSpPr>
+            <a:spLocks noGrp="1"/>
+          </p:cNvSpPr>
+          <p:nvPr>
+            <p:ph type="sldNum" sz="quarter" idx="10"/>
+          </p:nvPr>
+        </p:nvSpPr>
+        <p:spPr/>
+        <p:txBody>
+          <a:bodyPr/>
+          <a:lstStyle/>
+          <a:p>
+            <a:fld id="{E332A5C1-A9B8-4707-ACEF-98CB367ABD38}" type="slidenum">
+              <a:rPr lang="en-US" smtClean="0"/>
+              <a:t>26</a:t>
+            </a:fld>
+            <a:endParaRPr lang="en-US"/>
+          </a:p>
+        </p:txBody>
+      </p:sp>
+    </p:spTree>
+    <p:extLst>
+      <p:ext uri="{BB962C8B-B14F-4D97-AF65-F5344CB8AC3E}">
+        <p14:creationId xmlns:p14="http://schemas.microsoft.com/office/powerpoint/2010/main" val="2459449640"/>
       </p:ext>
     </p:extLst>
   </p:cSld>
@@ -627,7 +975,12 @@
             <p:ph type="sldImg"/>
           </p:nvPr>
         </p:nvSpPr>
-        <p:spPr/>
+        <p:spPr>
+          <a:xfrm>
+            <a:off x="1371600" y="1143000"/>
+            <a:ext cx="4114800" cy="3086100"/>
+          </a:xfrm>
+        </p:spPr>
       </p:sp>
       <p:sp>
         <p:nvSpPr>
@@ -644,10 +997,6 @@
           <a:bodyPr/>
           <a:lstStyle/>
           <a:p>
-            <a:r>
-              <a:rPr lang="en-US" dirty="0" smtClean="0"/>
-              <a:t>http://gregheartsfield.com/2009/05/26/version-control-diagrams-with-tikz.html</a:t>
-            </a:r>
             <a:endParaRPr lang="en-US" dirty="0"/>
           </a:p>
         </p:txBody>
@@ -667,18 +1016,27 @@
           <a:bodyPr/>
           <a:lstStyle/>
           <a:p>
-            <a:fld id="{E332A5C1-A9B8-4707-ACEF-98CB367ABD38}" type="slidenum">
-              <a:rPr lang="en-US" smtClean="0"/>
-              <a:t>9</a:t>
+            <a:fld id="{D967BA51-0EB4-4220-BB57-0E06A05A64BC}" type="slidenum">
+              <a:rPr lang="en-GB" smtClean="0">
+                <a:solidFill>
+                  <a:prstClr val="black"/>
+                </a:solidFill>
+              </a:rPr>
+              <a:pPr/>
+              <a:t>4</a:t>
             </a:fld>
-            <a:endParaRPr lang="en-US"/>
+            <a:endParaRPr lang="en-GB" dirty="0">
+              <a:solidFill>
+                <a:prstClr val="black"/>
+              </a:solidFill>
+            </a:endParaRPr>
           </a:p>
         </p:txBody>
       </p:sp>
     </p:spTree>
     <p:extLst>
       <p:ext uri="{BB962C8B-B14F-4D97-AF65-F5344CB8AC3E}">
-        <p14:creationId xmlns:p14="http://schemas.microsoft.com/office/powerpoint/2010/main" val="370389758"/>
+        <p14:creationId xmlns:p14="http://schemas.microsoft.com/office/powerpoint/2010/main" val="1981509510"/>
       </p:ext>
     </p:extLst>
   </p:cSld>
@@ -757,7 +1115,7 @@
           <a:p>
             <a:fld id="{E332A5C1-A9B8-4707-ACEF-98CB367ABD38}" type="slidenum">
               <a:rPr lang="en-US" smtClean="0"/>
-              <a:t>10</a:t>
+              <a:t>7</a:t>
             </a:fld>
             <a:endParaRPr lang="en-US"/>
           </a:p>
@@ -766,7 +1124,7 @@
     </p:spTree>
     <p:extLst>
       <p:ext uri="{BB962C8B-B14F-4D97-AF65-F5344CB8AC3E}">
-        <p14:creationId xmlns:p14="http://schemas.microsoft.com/office/powerpoint/2010/main" val="466532019"/>
+        <p14:creationId xmlns:p14="http://schemas.microsoft.com/office/powerpoint/2010/main" val="370389758"/>
       </p:ext>
     </p:extLst>
   </p:cSld>
@@ -822,7 +1180,7 @@
           <a:p>
             <a:r>
               <a:rPr lang="en-US" dirty="0" smtClean="0"/>
-              <a:t>http://accu.org/index.php/journals/439</a:t>
+              <a:t>http://gregheartsfield.com/2009/05/26/version-control-diagrams-with-tikz.html</a:t>
             </a:r>
             <a:endParaRPr lang="en-US" dirty="0"/>
           </a:p>
@@ -845,7 +1203,7 @@
           <a:p>
             <a:fld id="{E332A5C1-A9B8-4707-ACEF-98CB367ABD38}" type="slidenum">
               <a:rPr lang="en-US" smtClean="0"/>
-              <a:t>11</a:t>
+              <a:t>8</a:t>
             </a:fld>
             <a:endParaRPr lang="en-US"/>
           </a:p>
@@ -854,7 +1212,7 @@
     </p:spTree>
     <p:extLst>
       <p:ext uri="{BB962C8B-B14F-4D97-AF65-F5344CB8AC3E}">
-        <p14:creationId xmlns:p14="http://schemas.microsoft.com/office/powerpoint/2010/main" val="2795702536"/>
+        <p14:creationId xmlns:p14="http://schemas.microsoft.com/office/powerpoint/2010/main" val="466532019"/>
       </p:ext>
     </p:extLst>
   </p:cSld>
@@ -910,7 +1268,7 @@
           <a:p>
             <a:r>
               <a:rPr lang="en-US" dirty="0" smtClean="0"/>
-              <a:t>http://svnbook.red-bean.com/en/1.6/images/ch04dia3.png</a:t>
+              <a:t>http://accu.org/index.php/journals/439</a:t>
             </a:r>
             <a:endParaRPr lang="en-US" dirty="0"/>
           </a:p>
@@ -933,7 +1291,7 @@
           <a:p>
             <a:fld id="{E332A5C1-A9B8-4707-ACEF-98CB367ABD38}" type="slidenum">
               <a:rPr lang="en-US" smtClean="0"/>
-              <a:t>12</a:t>
+              <a:t>9</a:t>
             </a:fld>
             <a:endParaRPr lang="en-US"/>
           </a:p>
@@ -942,7 +1300,7 @@
     </p:spTree>
     <p:extLst>
       <p:ext uri="{BB962C8B-B14F-4D97-AF65-F5344CB8AC3E}">
-        <p14:creationId xmlns:p14="http://schemas.microsoft.com/office/powerpoint/2010/main" val="1113470866"/>
+        <p14:creationId xmlns:p14="http://schemas.microsoft.com/office/powerpoint/2010/main" val="2795702536"/>
       </p:ext>
     </p:extLst>
   </p:cSld>
@@ -998,11 +1356,11 @@
           <a:p>
             <a:r>
               <a:rPr lang="en-US" dirty="0" smtClean="0"/>
-              <a:t>Two views, DB stuff together,</a:t>
+              <a:t>There are lots of names, but really all branches of for</a:t>
             </a:r>
             <a:r>
               <a:rPr lang="en-US" baseline="0" dirty="0" smtClean="0"/>
-              <a:t> or all applications stuff together.</a:t>
+              <a:t> one of these reasons.</a:t>
             </a:r>
             <a:endParaRPr lang="en-US" dirty="0"/>
           </a:p>
@@ -1025,7 +1383,7 @@
           <a:p>
             <a:fld id="{E332A5C1-A9B8-4707-ACEF-98CB367ABD38}" type="slidenum">
               <a:rPr lang="en-US" smtClean="0"/>
-              <a:t>13</a:t>
+              <a:t>10</a:t>
             </a:fld>
             <a:endParaRPr lang="en-US"/>
           </a:p>
@@ -1034,7 +1392,7 @@
     </p:spTree>
     <p:extLst>
       <p:ext uri="{BB962C8B-B14F-4D97-AF65-F5344CB8AC3E}">
-        <p14:creationId xmlns:p14="http://schemas.microsoft.com/office/powerpoint/2010/main" val="3295225639"/>
+        <p14:creationId xmlns:p14="http://schemas.microsoft.com/office/powerpoint/2010/main" val="1327657223"/>
       </p:ext>
     </p:extLst>
   </p:cSld>
@@ -1090,11 +1448,15 @@
           <a:p>
             <a:r>
               <a:rPr lang="en-US" dirty="0" smtClean="0"/>
-              <a:t>There are lots of names, but really all branches of for</a:t>
+              <a:t>Image:</a:t>
             </a:r>
             <a:r>
               <a:rPr lang="en-US" baseline="0" dirty="0" smtClean="0"/>
-              <a:t> one of these reasons.</a:t>
+              <a:t> </a:t>
+            </a:r>
+            <a:r>
+              <a:rPr lang="en-US" dirty="0" smtClean="0"/>
+              <a:t>https://civil3d.wordpress.com/</a:t>
             </a:r>
             <a:endParaRPr lang="en-US" dirty="0"/>
           </a:p>
@@ -1117,7 +1479,7 @@
           <a:p>
             <a:fld id="{E332A5C1-A9B8-4707-ACEF-98CB367ABD38}" type="slidenum">
               <a:rPr lang="en-US" smtClean="0"/>
-              <a:t>14</a:t>
+              <a:t>11</a:t>
             </a:fld>
             <a:endParaRPr lang="en-US"/>
           </a:p>
@@ -1126,7 +1488,7 @@
     </p:spTree>
     <p:extLst>
       <p:ext uri="{BB962C8B-B14F-4D97-AF65-F5344CB8AC3E}">
-        <p14:creationId xmlns:p14="http://schemas.microsoft.com/office/powerpoint/2010/main" val="1327657223"/>
+        <p14:creationId xmlns:p14="http://schemas.microsoft.com/office/powerpoint/2010/main" val="1957187406"/>
       </p:ext>
     </p:extLst>
   </p:cSld>
@@ -1182,15 +1544,7 @@
           <a:p>
             <a:r>
               <a:rPr lang="en-US" dirty="0" smtClean="0"/>
-              <a:t>Image:</a:t>
-            </a:r>
-            <a:r>
-              <a:rPr lang="en-US" baseline="0" dirty="0" smtClean="0"/>
-              <a:t> </a:t>
-            </a:r>
-            <a:r>
-              <a:rPr lang="en-US" dirty="0" smtClean="0"/>
-              <a:t>https://civil3d.wordpress.com/</a:t>
+              <a:t>http://svnbook.red-bean.com/en/1.6/images/ch04dia3.png</a:t>
             </a:r>
             <a:endParaRPr lang="en-US" dirty="0"/>
           </a:p>
@@ -1213,7 +1567,7 @@
           <a:p>
             <a:fld id="{E332A5C1-A9B8-4707-ACEF-98CB367ABD38}" type="slidenum">
               <a:rPr lang="en-US" smtClean="0"/>
-              <a:t>15</a:t>
+              <a:t>17</a:t>
             </a:fld>
             <a:endParaRPr lang="en-US"/>
           </a:p>
@@ -1222,7 +1576,7 @@
     </p:spTree>
     <p:extLst>
       <p:ext uri="{BB962C8B-B14F-4D97-AF65-F5344CB8AC3E}">
-        <p14:creationId xmlns:p14="http://schemas.microsoft.com/office/powerpoint/2010/main" val="1957187406"/>
+        <p14:creationId xmlns:p14="http://schemas.microsoft.com/office/powerpoint/2010/main" val="1113470866"/>
       </p:ext>
     </p:extLst>
   </p:cSld>
@@ -1278,7 +1632,11 @@
           <a:p>
             <a:r>
               <a:rPr lang="en-US" dirty="0" smtClean="0"/>
-              <a:t>Database problems with having table alters in two places.</a:t>
+              <a:t>Two views, DB stuff together,</a:t>
+            </a:r>
+            <a:r>
+              <a:rPr lang="en-US" baseline="0" dirty="0" smtClean="0"/>
+              <a:t> or all applications stuff together.</a:t>
             </a:r>
             <a:endParaRPr lang="en-US" dirty="0"/>
           </a:p>
@@ -1310,7 +1668,7 @@
     </p:spTree>
     <p:extLst>
       <p:ext uri="{BB962C8B-B14F-4D97-AF65-F5344CB8AC3E}">
-        <p14:creationId xmlns:p14="http://schemas.microsoft.com/office/powerpoint/2010/main" val="2610162191"/>
+        <p14:creationId xmlns:p14="http://schemas.microsoft.com/office/powerpoint/2010/main" val="3295225639"/>
       </p:ext>
     </p:extLst>
   </p:cSld>
@@ -1417,696 +1775,6 @@
 </file>
 
 <file path=ppt/slideLayouts/slideLayout10.xml><?xml version="1.0" encoding="utf-8"?>
-<p:sldLayout xmlns:a="http://schemas.openxmlformats.org/drawingml/2006/main" xmlns:r="http://schemas.openxmlformats.org/officeDocument/2006/relationships" xmlns:p="http://schemas.openxmlformats.org/presentationml/2006/main" type="twoObj" preserve="1">
-  <p:cSld name="Two Content">
-    <p:spTree>
-      <p:nvGrpSpPr>
-        <p:cNvPr id="1" name=""/>
-        <p:cNvGrpSpPr/>
-        <p:nvPr/>
-      </p:nvGrpSpPr>
-      <p:grpSpPr>
-        <a:xfrm>
-          <a:off x="0" y="0"/>
-          <a:ext cx="0" cy="0"/>
-          <a:chOff x="0" y="0"/>
-          <a:chExt cx="0" cy="0"/>
-        </a:xfrm>
-      </p:grpSpPr>
-      <p:sp>
-        <p:nvSpPr>
-          <p:cNvPr id="2" name="Title 1"/>
-          <p:cNvSpPr>
-            <a:spLocks noGrp="1"/>
-          </p:cNvSpPr>
-          <p:nvPr>
-            <p:ph type="title"/>
-          </p:nvPr>
-        </p:nvSpPr>
-        <p:spPr>
-          <a:xfrm>
-            <a:off x="457200" y="522648"/>
-            <a:ext cx="8229600" cy="1143000"/>
-          </a:xfrm>
-          <a:prstGeom prst="rect">
-            <a:avLst/>
-          </a:prstGeom>
-        </p:spPr>
-        <p:txBody>
-          <a:bodyPr/>
-          <a:lstStyle/>
-          <a:p>
-            <a:r>
-              <a:rPr lang="en-US" smtClean="0"/>
-              <a:t>Click to edit Master title style</a:t>
-            </a:r>
-            <a:endParaRPr lang="en-US" dirty="0"/>
-          </a:p>
-        </p:txBody>
-      </p:sp>
-      <p:sp>
-        <p:nvSpPr>
-          <p:cNvPr id="3" name="Content Placeholder 2"/>
-          <p:cNvSpPr>
-            <a:spLocks noGrp="1"/>
-          </p:cNvSpPr>
-          <p:nvPr>
-            <p:ph sz="half" idx="1"/>
-          </p:nvPr>
-        </p:nvSpPr>
-        <p:spPr>
-          <a:xfrm>
-            <a:off x="457200" y="1704403"/>
-            <a:ext cx="4038600" cy="4183188"/>
-          </a:xfrm>
-          <a:prstGeom prst="rect">
-            <a:avLst/>
-          </a:prstGeom>
-        </p:spPr>
-        <p:txBody>
-          <a:bodyPr/>
-          <a:lstStyle>
-            <a:lvl1pPr>
-              <a:defRPr sz="2800"/>
-            </a:lvl1pPr>
-            <a:lvl2pPr>
-              <a:defRPr sz="2400"/>
-            </a:lvl2pPr>
-            <a:lvl3pPr>
-              <a:defRPr sz="2000"/>
-            </a:lvl3pPr>
-            <a:lvl4pPr>
-              <a:defRPr sz="1800"/>
-            </a:lvl4pPr>
-            <a:lvl5pPr>
-              <a:defRPr sz="1800"/>
-            </a:lvl5pPr>
-            <a:lvl6pPr>
-              <a:defRPr sz="1800"/>
-            </a:lvl6pPr>
-            <a:lvl7pPr>
-              <a:defRPr sz="1800"/>
-            </a:lvl7pPr>
-            <a:lvl8pPr>
-              <a:defRPr sz="1800"/>
-            </a:lvl8pPr>
-            <a:lvl9pPr>
-              <a:defRPr sz="1800"/>
-            </a:lvl9pPr>
-          </a:lstStyle>
-          <a:p>
-            <a:pPr lvl="0"/>
-            <a:r>
-              <a:rPr lang="en-US" smtClean="0"/>
-              <a:t>Click to edit Master text styles</a:t>
-            </a:r>
-          </a:p>
-          <a:p>
-            <a:pPr lvl="1"/>
-            <a:r>
-              <a:rPr lang="en-US" smtClean="0"/>
-              <a:t>Second level</a:t>
-            </a:r>
-          </a:p>
-          <a:p>
-            <a:pPr lvl="2"/>
-            <a:r>
-              <a:rPr lang="en-US" smtClean="0"/>
-              <a:t>Third level</a:t>
-            </a:r>
-          </a:p>
-          <a:p>
-            <a:pPr lvl="3"/>
-            <a:r>
-              <a:rPr lang="en-US" smtClean="0"/>
-              <a:t>Fourth level</a:t>
-            </a:r>
-          </a:p>
-          <a:p>
-            <a:pPr lvl="4"/>
-            <a:r>
-              <a:rPr lang="en-US" smtClean="0"/>
-              <a:t>Fifth level</a:t>
-            </a:r>
-            <a:endParaRPr lang="en-US" dirty="0"/>
-          </a:p>
-        </p:txBody>
-      </p:sp>
-      <p:sp>
-        <p:nvSpPr>
-          <p:cNvPr id="4" name="Content Placeholder 3"/>
-          <p:cNvSpPr>
-            <a:spLocks noGrp="1"/>
-          </p:cNvSpPr>
-          <p:nvPr>
-            <p:ph sz="half" idx="2"/>
-          </p:nvPr>
-        </p:nvSpPr>
-        <p:spPr>
-          <a:xfrm>
-            <a:off x="4648200" y="1704404"/>
-            <a:ext cx="4038600" cy="4183187"/>
-          </a:xfrm>
-          <a:prstGeom prst="rect">
-            <a:avLst/>
-          </a:prstGeom>
-        </p:spPr>
-        <p:txBody>
-          <a:bodyPr/>
-          <a:lstStyle>
-            <a:lvl1pPr>
-              <a:defRPr sz="2800"/>
-            </a:lvl1pPr>
-            <a:lvl2pPr>
-              <a:defRPr sz="2400"/>
-            </a:lvl2pPr>
-            <a:lvl3pPr>
-              <a:defRPr sz="2000"/>
-            </a:lvl3pPr>
-            <a:lvl4pPr>
-              <a:defRPr sz="1800"/>
-            </a:lvl4pPr>
-            <a:lvl5pPr>
-              <a:defRPr sz="1800"/>
-            </a:lvl5pPr>
-            <a:lvl6pPr>
-              <a:defRPr sz="1800"/>
-            </a:lvl6pPr>
-            <a:lvl7pPr>
-              <a:defRPr sz="1800"/>
-            </a:lvl7pPr>
-            <a:lvl8pPr>
-              <a:defRPr sz="1800"/>
-            </a:lvl8pPr>
-            <a:lvl9pPr>
-              <a:defRPr sz="1800"/>
-            </a:lvl9pPr>
-          </a:lstStyle>
-          <a:p>
-            <a:pPr lvl="0"/>
-            <a:r>
-              <a:rPr lang="en-US" smtClean="0"/>
-              <a:t>Click to edit Master text styles</a:t>
-            </a:r>
-          </a:p>
-          <a:p>
-            <a:pPr lvl="1"/>
-            <a:r>
-              <a:rPr lang="en-US" smtClean="0"/>
-              <a:t>Second level</a:t>
-            </a:r>
-          </a:p>
-          <a:p>
-            <a:pPr lvl="2"/>
-            <a:r>
-              <a:rPr lang="en-US" smtClean="0"/>
-              <a:t>Third level</a:t>
-            </a:r>
-          </a:p>
-          <a:p>
-            <a:pPr lvl="3"/>
-            <a:r>
-              <a:rPr lang="en-US" smtClean="0"/>
-              <a:t>Fourth level</a:t>
-            </a:r>
-          </a:p>
-          <a:p>
-            <a:pPr lvl="4"/>
-            <a:r>
-              <a:rPr lang="en-US" smtClean="0"/>
-              <a:t>Fifth level</a:t>
-            </a:r>
-            <a:endParaRPr lang="en-US"/>
-          </a:p>
-        </p:txBody>
-      </p:sp>
-      <p:sp>
-        <p:nvSpPr>
-          <p:cNvPr id="5" name="Footer Placeholder 4"/>
-          <p:cNvSpPr>
-            <a:spLocks noGrp="1"/>
-          </p:cNvSpPr>
-          <p:nvPr>
-            <p:ph type="ftr" sz="quarter" idx="10"/>
-          </p:nvPr>
-        </p:nvSpPr>
-        <p:spPr/>
-        <p:txBody>
-          <a:bodyPr rtlCol="0"/>
-          <a:lstStyle>
-            <a:lvl1pPr defTabSz="457200" fontAlgn="auto">
-              <a:spcBef>
-                <a:spcPts val="0"/>
-              </a:spcBef>
-              <a:spcAft>
-                <a:spcPts val="0"/>
-              </a:spcAft>
-              <a:defRPr>
-                <a:latin typeface="+mn-lt"/>
-                <a:ea typeface="+mn-ea"/>
-              </a:defRPr>
-            </a:lvl1pPr>
-          </a:lstStyle>
-          <a:p>
-            <a:pPr>
-              <a:defRPr/>
-            </a:pPr>
-            <a:r>
-              <a:rPr lang="en-US"/>
-              <a:t>#ITDEVCON</a:t>
-            </a:r>
-          </a:p>
-        </p:txBody>
-      </p:sp>
-    </p:spTree>
-    <p:extLst>
-      <p:ext uri="{BB962C8B-B14F-4D97-AF65-F5344CB8AC3E}">
-        <p14:creationId xmlns:p14="http://schemas.microsoft.com/office/powerpoint/2010/main" val="1333968560"/>
-      </p:ext>
-    </p:extLst>
-  </p:cSld>
-  <p:clrMapOvr>
-    <a:masterClrMapping/>
-  </p:clrMapOvr>
-</p:sldLayout>
-</file>
-
-<file path=ppt/slideLayouts/slideLayout11.xml><?xml version="1.0" encoding="utf-8"?>
-<p:sldLayout xmlns:a="http://schemas.openxmlformats.org/drawingml/2006/main" xmlns:r="http://schemas.openxmlformats.org/officeDocument/2006/relationships" xmlns:p="http://schemas.openxmlformats.org/presentationml/2006/main" type="twoTxTwoObj" preserve="1">
-  <p:cSld name="Comparison">
-    <p:spTree>
-      <p:nvGrpSpPr>
-        <p:cNvPr id="1" name=""/>
-        <p:cNvGrpSpPr/>
-        <p:nvPr/>
-      </p:nvGrpSpPr>
-      <p:grpSpPr>
-        <a:xfrm>
-          <a:off x="0" y="0"/>
-          <a:ext cx="0" cy="0"/>
-          <a:chOff x="0" y="0"/>
-          <a:chExt cx="0" cy="0"/>
-        </a:xfrm>
-      </p:grpSpPr>
-      <p:sp>
-        <p:nvSpPr>
-          <p:cNvPr id="2" name="Title 1"/>
-          <p:cNvSpPr>
-            <a:spLocks noGrp="1"/>
-          </p:cNvSpPr>
-          <p:nvPr>
-            <p:ph type="title"/>
-          </p:nvPr>
-        </p:nvSpPr>
-        <p:spPr>
-          <a:xfrm>
-            <a:off x="457200" y="535673"/>
-            <a:ext cx="8229600" cy="1143000"/>
-          </a:xfrm>
-          <a:prstGeom prst="rect">
-            <a:avLst/>
-          </a:prstGeom>
-        </p:spPr>
-        <p:txBody>
-          <a:bodyPr/>
-          <a:lstStyle>
-            <a:lvl1pPr>
-              <a:defRPr/>
-            </a:lvl1pPr>
-          </a:lstStyle>
-          <a:p>
-            <a:r>
-              <a:rPr lang="en-US" smtClean="0"/>
-              <a:t>Click to edit Master title style</a:t>
-            </a:r>
-            <a:endParaRPr lang="en-US" dirty="0"/>
-          </a:p>
-        </p:txBody>
-      </p:sp>
-      <p:sp>
-        <p:nvSpPr>
-          <p:cNvPr id="3" name="Text Placeholder 2"/>
-          <p:cNvSpPr>
-            <a:spLocks noGrp="1"/>
-          </p:cNvSpPr>
-          <p:nvPr>
-            <p:ph type="body" idx="1"/>
-          </p:nvPr>
-        </p:nvSpPr>
-        <p:spPr>
-          <a:xfrm>
-            <a:off x="457200" y="2146775"/>
-            <a:ext cx="4040188" cy="641349"/>
-          </a:xfrm>
-          <a:prstGeom prst="rect">
-            <a:avLst/>
-          </a:prstGeom>
-        </p:spPr>
-        <p:txBody>
-          <a:bodyPr anchor="b"/>
-          <a:lstStyle>
-            <a:lvl1pPr marL="0" indent="0">
-              <a:buNone/>
-              <a:defRPr sz="2400" b="1"/>
-            </a:lvl1pPr>
-            <a:lvl2pPr marL="457200" indent="0">
-              <a:buNone/>
-              <a:defRPr sz="2000" b="1"/>
-            </a:lvl2pPr>
-            <a:lvl3pPr marL="914400" indent="0">
-              <a:buNone/>
-              <a:defRPr sz="1800" b="1"/>
-            </a:lvl3pPr>
-            <a:lvl4pPr marL="1371600" indent="0">
-              <a:buNone/>
-              <a:defRPr sz="1600" b="1"/>
-            </a:lvl4pPr>
-            <a:lvl5pPr marL="1828800" indent="0">
-              <a:buNone/>
-              <a:defRPr sz="1600" b="1"/>
-            </a:lvl5pPr>
-            <a:lvl6pPr marL="2286000" indent="0">
-              <a:buNone/>
-              <a:defRPr sz="1600" b="1"/>
-            </a:lvl6pPr>
-            <a:lvl7pPr marL="2743200" indent="0">
-              <a:buNone/>
-              <a:defRPr sz="1600" b="1"/>
-            </a:lvl7pPr>
-            <a:lvl8pPr marL="3200400" indent="0">
-              <a:buNone/>
-              <a:defRPr sz="1600" b="1"/>
-            </a:lvl8pPr>
-            <a:lvl9pPr marL="3657600" indent="0">
-              <a:buNone/>
-              <a:defRPr sz="1600" b="1"/>
-            </a:lvl9pPr>
-          </a:lstStyle>
-          <a:p>
-            <a:pPr lvl="0"/>
-            <a:r>
-              <a:rPr lang="en-US" smtClean="0"/>
-              <a:t>Click to edit Master text styles</a:t>
-            </a:r>
-          </a:p>
-        </p:txBody>
-      </p:sp>
-      <p:sp>
-        <p:nvSpPr>
-          <p:cNvPr id="4" name="Content Placeholder 3"/>
-          <p:cNvSpPr>
-            <a:spLocks noGrp="1"/>
-          </p:cNvSpPr>
-          <p:nvPr>
-            <p:ph sz="half" idx="2"/>
-          </p:nvPr>
-        </p:nvSpPr>
-        <p:spPr>
-          <a:xfrm>
-            <a:off x="457200" y="2644847"/>
-            <a:ext cx="4040188" cy="3529301"/>
-          </a:xfrm>
-          <a:prstGeom prst="rect">
-            <a:avLst/>
-          </a:prstGeom>
-        </p:spPr>
-        <p:txBody>
-          <a:bodyPr/>
-          <a:lstStyle>
-            <a:lvl1pPr>
-              <a:defRPr sz="2400"/>
-            </a:lvl1pPr>
-            <a:lvl2pPr>
-              <a:defRPr sz="2000"/>
-            </a:lvl2pPr>
-            <a:lvl3pPr>
-              <a:defRPr sz="1800"/>
-            </a:lvl3pPr>
-            <a:lvl4pPr>
-              <a:defRPr sz="1600"/>
-            </a:lvl4pPr>
-            <a:lvl5pPr>
-              <a:defRPr sz="1600"/>
-            </a:lvl5pPr>
-            <a:lvl6pPr>
-              <a:defRPr sz="1600"/>
-            </a:lvl6pPr>
-            <a:lvl7pPr>
-              <a:defRPr sz="1600"/>
-            </a:lvl7pPr>
-            <a:lvl8pPr>
-              <a:defRPr sz="1600"/>
-            </a:lvl8pPr>
-            <a:lvl9pPr>
-              <a:defRPr sz="1600"/>
-            </a:lvl9pPr>
-          </a:lstStyle>
-          <a:p>
-            <a:pPr lvl="0"/>
-            <a:r>
-              <a:rPr lang="en-US" smtClean="0"/>
-              <a:t>Click to edit Master text styles</a:t>
-            </a:r>
-          </a:p>
-          <a:p>
-            <a:pPr lvl="1"/>
-            <a:r>
-              <a:rPr lang="en-US" smtClean="0"/>
-              <a:t>Second level</a:t>
-            </a:r>
-          </a:p>
-          <a:p>
-            <a:pPr lvl="2"/>
-            <a:r>
-              <a:rPr lang="en-US" smtClean="0"/>
-              <a:t>Third level</a:t>
-            </a:r>
-          </a:p>
-          <a:p>
-            <a:pPr lvl="3"/>
-            <a:r>
-              <a:rPr lang="en-US" smtClean="0"/>
-              <a:t>Fourth level</a:t>
-            </a:r>
-          </a:p>
-          <a:p>
-            <a:pPr lvl="4"/>
-            <a:r>
-              <a:rPr lang="en-US" smtClean="0"/>
-              <a:t>Fifth level</a:t>
-            </a:r>
-            <a:endParaRPr lang="en-US" dirty="0"/>
-          </a:p>
-        </p:txBody>
-      </p:sp>
-      <p:sp>
-        <p:nvSpPr>
-          <p:cNvPr id="5" name="Text Placeholder 4"/>
-          <p:cNvSpPr>
-            <a:spLocks noGrp="1"/>
-          </p:cNvSpPr>
-          <p:nvPr>
-            <p:ph type="body" sz="quarter" idx="3"/>
-          </p:nvPr>
-        </p:nvSpPr>
-        <p:spPr>
-          <a:xfrm>
-            <a:off x="4645026" y="2146775"/>
-            <a:ext cx="4041775" cy="641349"/>
-          </a:xfrm>
-          <a:prstGeom prst="rect">
-            <a:avLst/>
-          </a:prstGeom>
-        </p:spPr>
-        <p:txBody>
-          <a:bodyPr anchor="b"/>
-          <a:lstStyle>
-            <a:lvl1pPr marL="0" indent="0">
-              <a:buNone/>
-              <a:defRPr sz="2400" b="1"/>
-            </a:lvl1pPr>
-            <a:lvl2pPr marL="457200" indent="0">
-              <a:buNone/>
-              <a:defRPr sz="2000" b="1"/>
-            </a:lvl2pPr>
-            <a:lvl3pPr marL="914400" indent="0">
-              <a:buNone/>
-              <a:defRPr sz="1800" b="1"/>
-            </a:lvl3pPr>
-            <a:lvl4pPr marL="1371600" indent="0">
-              <a:buNone/>
-              <a:defRPr sz="1600" b="1"/>
-            </a:lvl4pPr>
-            <a:lvl5pPr marL="1828800" indent="0">
-              <a:buNone/>
-              <a:defRPr sz="1600" b="1"/>
-            </a:lvl5pPr>
-            <a:lvl6pPr marL="2286000" indent="0">
-              <a:buNone/>
-              <a:defRPr sz="1600" b="1"/>
-            </a:lvl6pPr>
-            <a:lvl7pPr marL="2743200" indent="0">
-              <a:buNone/>
-              <a:defRPr sz="1600" b="1"/>
-            </a:lvl7pPr>
-            <a:lvl8pPr marL="3200400" indent="0">
-              <a:buNone/>
-              <a:defRPr sz="1600" b="1"/>
-            </a:lvl8pPr>
-            <a:lvl9pPr marL="3657600" indent="0">
-              <a:buNone/>
-              <a:defRPr sz="1600" b="1"/>
-            </a:lvl9pPr>
-          </a:lstStyle>
-          <a:p>
-            <a:pPr lvl="0"/>
-            <a:r>
-              <a:rPr lang="en-US" smtClean="0"/>
-              <a:t>Click to edit Master text styles</a:t>
-            </a:r>
-          </a:p>
-        </p:txBody>
-      </p:sp>
-      <p:sp>
-        <p:nvSpPr>
-          <p:cNvPr id="6" name="Content Placeholder 5"/>
-          <p:cNvSpPr>
-            <a:spLocks noGrp="1"/>
-          </p:cNvSpPr>
-          <p:nvPr>
-            <p:ph sz="quarter" idx="4"/>
-          </p:nvPr>
-        </p:nvSpPr>
-        <p:spPr>
-          <a:xfrm>
-            <a:off x="4645026" y="2644846"/>
-            <a:ext cx="4041775" cy="3529303"/>
-          </a:xfrm>
-          <a:prstGeom prst="rect">
-            <a:avLst/>
-          </a:prstGeom>
-        </p:spPr>
-        <p:txBody>
-          <a:bodyPr/>
-          <a:lstStyle>
-            <a:lvl1pPr>
-              <a:defRPr sz="2400"/>
-            </a:lvl1pPr>
-            <a:lvl2pPr>
-              <a:defRPr sz="2000"/>
-            </a:lvl2pPr>
-            <a:lvl3pPr>
-              <a:defRPr sz="1800"/>
-            </a:lvl3pPr>
-            <a:lvl4pPr>
-              <a:defRPr sz="1600"/>
-            </a:lvl4pPr>
-            <a:lvl5pPr>
-              <a:defRPr sz="1600"/>
-            </a:lvl5pPr>
-            <a:lvl6pPr>
-              <a:defRPr sz="1600"/>
-            </a:lvl6pPr>
-            <a:lvl7pPr>
-              <a:defRPr sz="1600"/>
-            </a:lvl7pPr>
-            <a:lvl8pPr>
-              <a:defRPr sz="1600"/>
-            </a:lvl8pPr>
-            <a:lvl9pPr>
-              <a:defRPr sz="1600"/>
-            </a:lvl9pPr>
-          </a:lstStyle>
-          <a:p>
-            <a:pPr lvl="0"/>
-            <a:r>
-              <a:rPr lang="en-US" smtClean="0"/>
-              <a:t>Click to edit Master text styles</a:t>
-            </a:r>
-          </a:p>
-          <a:p>
-            <a:pPr lvl="1"/>
-            <a:r>
-              <a:rPr lang="en-US" smtClean="0"/>
-              <a:t>Second level</a:t>
-            </a:r>
-          </a:p>
-          <a:p>
-            <a:pPr lvl="2"/>
-            <a:r>
-              <a:rPr lang="en-US" smtClean="0"/>
-              <a:t>Third level</a:t>
-            </a:r>
-          </a:p>
-          <a:p>
-            <a:pPr lvl="3"/>
-            <a:r>
-              <a:rPr lang="en-US" smtClean="0"/>
-              <a:t>Fourth level</a:t>
-            </a:r>
-          </a:p>
-          <a:p>
-            <a:pPr lvl="4"/>
-            <a:r>
-              <a:rPr lang="en-US" smtClean="0"/>
-              <a:t>Fifth level</a:t>
-            </a:r>
-            <a:endParaRPr lang="en-US" dirty="0"/>
-          </a:p>
-        </p:txBody>
-      </p:sp>
-      <p:sp>
-        <p:nvSpPr>
-          <p:cNvPr id="7" name="Footer Placeholder 4"/>
-          <p:cNvSpPr>
-            <a:spLocks noGrp="1"/>
-          </p:cNvSpPr>
-          <p:nvPr>
-            <p:ph type="ftr" sz="quarter" idx="10"/>
-          </p:nvPr>
-        </p:nvSpPr>
-        <p:spPr/>
-        <p:txBody>
-          <a:bodyPr rtlCol="0"/>
-          <a:lstStyle>
-            <a:lvl1pPr defTabSz="457200" fontAlgn="auto">
-              <a:spcBef>
-                <a:spcPts val="0"/>
-              </a:spcBef>
-              <a:spcAft>
-                <a:spcPts val="0"/>
-              </a:spcAft>
-              <a:defRPr>
-                <a:latin typeface="+mn-lt"/>
-                <a:ea typeface="+mn-ea"/>
-              </a:defRPr>
-            </a:lvl1pPr>
-          </a:lstStyle>
-          <a:p>
-            <a:pPr>
-              <a:defRPr/>
-            </a:pPr>
-            <a:r>
-              <a:rPr lang="en-US"/>
-              <a:t>#ITDEVCON</a:t>
-            </a:r>
-          </a:p>
-        </p:txBody>
-      </p:sp>
-    </p:spTree>
-    <p:extLst>
-      <p:ext uri="{BB962C8B-B14F-4D97-AF65-F5344CB8AC3E}">
-        <p14:creationId xmlns:p14="http://schemas.microsoft.com/office/powerpoint/2010/main" val="2058092009"/>
-      </p:ext>
-    </p:extLst>
-  </p:cSld>
-  <p:clrMapOvr>
-    <a:masterClrMapping/>
-  </p:clrMapOvr>
-</p:sldLayout>
-</file>
-
-<file path=ppt/slideLayouts/slideLayout12.xml><?xml version="1.0" encoding="utf-8"?>
 <p:sldLayout xmlns:a="http://schemas.openxmlformats.org/drawingml/2006/main" xmlns:r="http://schemas.openxmlformats.org/officeDocument/2006/relationships" xmlns:p="http://schemas.openxmlformats.org/presentationml/2006/main" type="titleOnly" preserve="1">
   <p:cSld name="Title Only">
     <p:spTree>
@@ -2205,7 +1873,7 @@
 </p:sldLayout>
 </file>
 
-<file path=ppt/slideLayouts/slideLayout13.xml><?xml version="1.0" encoding="utf-8"?>
+<file path=ppt/slideLayouts/slideLayout11.xml><?xml version="1.0" encoding="utf-8"?>
 <p:sldLayout xmlns:a="http://schemas.openxmlformats.org/drawingml/2006/main" xmlns:r="http://schemas.openxmlformats.org/officeDocument/2006/relationships" xmlns:p="http://schemas.openxmlformats.org/presentationml/2006/main" type="blank" preserve="1">
   <p:cSld name="Blank">
     <p:spTree>
@@ -2273,7 +1941,7 @@
 </p:sldLayout>
 </file>
 
-<file path=ppt/slideLayouts/slideLayout14.xml><?xml version="1.0" encoding="utf-8"?>
+<file path=ppt/slideLayouts/slideLayout12.xml><?xml version="1.0" encoding="utf-8"?>
 <p:sldLayout xmlns:a="http://schemas.openxmlformats.org/drawingml/2006/main" xmlns:r="http://schemas.openxmlformats.org/officeDocument/2006/relationships" xmlns:p="http://schemas.openxmlformats.org/presentationml/2006/main" type="objTx" preserve="1">
   <p:cSld name="Content with Caption">
     <p:spTree>
@@ -2532,7 +2200,7 @@
 </p:sldLayout>
 </file>
 
-<file path=ppt/slideLayouts/slideLayout15.xml><?xml version="1.0" encoding="utf-8"?>
+<file path=ppt/slideLayouts/slideLayout13.xml><?xml version="1.0" encoding="utf-8"?>
 <p:sldLayout xmlns:a="http://schemas.openxmlformats.org/drawingml/2006/main" xmlns:r="http://schemas.openxmlformats.org/officeDocument/2006/relationships" xmlns:p="http://schemas.openxmlformats.org/presentationml/2006/main" type="picTx" preserve="1">
   <p:cSld name="Picture with Caption">
     <p:spTree>
@@ -2651,7 +2319,6 @@
               <a:rPr lang="en-US" noProof="0" smtClean="0"/>
               <a:t>Click icon to add picture</a:t>
             </a:r>
-            <a:endParaRPr lang="en-US" noProof="0" smtClean="0"/>
           </a:p>
         </p:txBody>
       </p:sp>
@@ -2774,7 +2441,7 @@
 </p:sldLayout>
 </file>
 
-<file path=ppt/slideLayouts/slideLayout16.xml><?xml version="1.0" encoding="utf-8"?>
+<file path=ppt/slideLayouts/slideLayout14.xml><?xml version="1.0" encoding="utf-8"?>
 <p:sldLayout xmlns:a="http://schemas.openxmlformats.org/drawingml/2006/main" xmlns:r="http://schemas.openxmlformats.org/officeDocument/2006/relationships" xmlns:p="http://schemas.openxmlformats.org/presentationml/2006/main" type="title" preserve="1">
   <p:cSld name="Divider Title">
     <p:spTree>
@@ -2955,7 +2622,7 @@
 </p:sldLayout>
 </file>
 
-<file path=ppt/slideLayouts/slideLayout17.xml><?xml version="1.0" encoding="utf-8"?>
+<file path=ppt/slideLayouts/slideLayout15.xml><?xml version="1.0" encoding="utf-8"?>
 <p:sldLayout xmlns:a="http://schemas.openxmlformats.org/drawingml/2006/main" xmlns:r="http://schemas.openxmlformats.org/officeDocument/2006/relationships" xmlns:p="http://schemas.openxmlformats.org/presentationml/2006/main" preserve="1" userDrawn="1">
   <p:cSld name="Divider Blank">
     <p:spTree>
@@ -3014,7 +2681,7 @@
 </p:sldLayout>
 </file>
 
-<file path=ppt/slideLayouts/slideLayout18.xml><?xml version="1.0" encoding="utf-8"?>
+<file path=ppt/slideLayouts/slideLayout16.xml><?xml version="1.0" encoding="utf-8"?>
 <p:sldLayout xmlns:a="http://schemas.openxmlformats.org/drawingml/2006/main" xmlns:r="http://schemas.openxmlformats.org/officeDocument/2006/relationships" xmlns:p="http://schemas.openxmlformats.org/presentationml/2006/main" preserve="1" userDrawn="1">
   <p:cSld name="Title Slide">
     <p:spTree>
@@ -3277,7 +2944,7 @@
             <a:fld id="{1D8BD707-D9CF-40AE-B4C6-C98DA3205C09}" type="datetimeFigureOut">
               <a:rPr lang="en-US" smtClean="0"/>
               <a:pPr/>
-              <a:t>8/12/2015</a:t>
+              <a:t>8/13/2015</a:t>
             </a:fld>
             <a:endParaRPr lang="en-US"/>
           </a:p>
@@ -3348,210 +3015,6 @@
 </file>
 
 <file path=ppt/slideLayouts/slideLayout3.xml><?xml version="1.0" encoding="utf-8"?>
-<p:sldLayout xmlns:a="http://schemas.openxmlformats.org/drawingml/2006/main" xmlns:r="http://schemas.openxmlformats.org/officeDocument/2006/relationships" xmlns:p="http://schemas.openxmlformats.org/presentationml/2006/main" type="obj">
-  <p:cSld name="Title and Content">
-    <p:spTree>
-      <p:nvGrpSpPr>
-        <p:cNvPr id="1" name=""/>
-        <p:cNvGrpSpPr/>
-        <p:nvPr/>
-      </p:nvGrpSpPr>
-      <p:grpSpPr>
-        <a:xfrm>
-          <a:off x="0" y="0"/>
-          <a:ext cx="0" cy="0"/>
-          <a:chOff x="0" y="0"/>
-          <a:chExt cx="0" cy="0"/>
-        </a:xfrm>
-      </p:grpSpPr>
-      <p:sp>
-        <p:nvSpPr>
-          <p:cNvPr id="2" name="Title 1"/>
-          <p:cNvSpPr>
-            <a:spLocks noGrp="1"/>
-          </p:cNvSpPr>
-          <p:nvPr>
-            <p:ph type="title"/>
-          </p:nvPr>
-        </p:nvSpPr>
-        <p:spPr>
-          <a:xfrm>
-            <a:off x="457200" y="274638"/>
-            <a:ext cx="8229600" cy="1143000"/>
-          </a:xfrm>
-          <a:prstGeom prst="rect">
-            <a:avLst/>
-          </a:prstGeom>
-        </p:spPr>
-        <p:txBody>
-          <a:bodyPr/>
-          <a:lstStyle/>
-          <a:p>
-            <a:r>
-              <a:rPr lang="en-US" smtClean="0"/>
-              <a:t>Click to edit Master title style</a:t>
-            </a:r>
-            <a:endParaRPr lang="en-US"/>
-          </a:p>
-        </p:txBody>
-      </p:sp>
-      <p:sp>
-        <p:nvSpPr>
-          <p:cNvPr id="3" name="Content Placeholder 2"/>
-          <p:cNvSpPr>
-            <a:spLocks noGrp="1"/>
-          </p:cNvSpPr>
-          <p:nvPr>
-            <p:ph idx="1"/>
-          </p:nvPr>
-        </p:nvSpPr>
-        <p:spPr>
-          <a:xfrm>
-            <a:off x="457200" y="1600200"/>
-            <a:ext cx="8229600" cy="4525963"/>
-          </a:xfrm>
-          <a:prstGeom prst="rect">
-            <a:avLst/>
-          </a:prstGeom>
-        </p:spPr>
-        <p:txBody>
-          <a:bodyPr/>
-          <a:lstStyle/>
-          <a:p>
-            <a:pPr lvl="0"/>
-            <a:r>
-              <a:rPr lang="en-US" smtClean="0"/>
-              <a:t>Click to edit Master text styles</a:t>
-            </a:r>
-          </a:p>
-          <a:p>
-            <a:pPr lvl="1"/>
-            <a:r>
-              <a:rPr lang="en-US" smtClean="0"/>
-              <a:t>Second level</a:t>
-            </a:r>
-          </a:p>
-          <a:p>
-            <a:pPr lvl="2"/>
-            <a:r>
-              <a:rPr lang="en-US" smtClean="0"/>
-              <a:t>Third level</a:t>
-            </a:r>
-          </a:p>
-          <a:p>
-            <a:pPr lvl="3"/>
-            <a:r>
-              <a:rPr lang="en-US" smtClean="0"/>
-              <a:t>Fourth level</a:t>
-            </a:r>
-          </a:p>
-          <a:p>
-            <a:pPr lvl="4"/>
-            <a:r>
-              <a:rPr lang="en-US" smtClean="0"/>
-              <a:t>Fifth level</a:t>
-            </a:r>
-            <a:endParaRPr lang="en-US"/>
-          </a:p>
-        </p:txBody>
-      </p:sp>
-      <p:sp>
-        <p:nvSpPr>
-          <p:cNvPr id="4" name="Date Placeholder 3"/>
-          <p:cNvSpPr>
-            <a:spLocks noGrp="1"/>
-          </p:cNvSpPr>
-          <p:nvPr>
-            <p:ph type="dt" sz="half" idx="10"/>
-          </p:nvPr>
-        </p:nvSpPr>
-        <p:spPr>
-          <a:xfrm>
-            <a:off x="457200" y="6356350"/>
-            <a:ext cx="2133600" cy="365125"/>
-          </a:xfrm>
-          <a:prstGeom prst="rect">
-            <a:avLst/>
-          </a:prstGeom>
-        </p:spPr>
-        <p:txBody>
-          <a:bodyPr/>
-          <a:lstStyle/>
-          <a:p>
-            <a:fld id="{1D8BD707-D9CF-40AE-B4C6-C98DA3205C09}" type="datetimeFigureOut">
-              <a:rPr lang="en-US" smtClean="0"/>
-              <a:pPr/>
-              <a:t>8/12/2015</a:t>
-            </a:fld>
-            <a:endParaRPr lang="en-US"/>
-          </a:p>
-        </p:txBody>
-      </p:sp>
-      <p:sp>
-        <p:nvSpPr>
-          <p:cNvPr id="5" name="Footer Placeholder 4"/>
-          <p:cNvSpPr>
-            <a:spLocks noGrp="1"/>
-          </p:cNvSpPr>
-          <p:nvPr>
-            <p:ph type="ftr" sz="quarter" idx="11"/>
-          </p:nvPr>
-        </p:nvSpPr>
-        <p:spPr/>
-        <p:txBody>
-          <a:bodyPr/>
-          <a:lstStyle/>
-          <a:p>
-            <a:endParaRPr lang="en-US"/>
-          </a:p>
-        </p:txBody>
-      </p:sp>
-      <p:sp>
-        <p:nvSpPr>
-          <p:cNvPr id="6" name="Slide Number Placeholder 5"/>
-          <p:cNvSpPr>
-            <a:spLocks noGrp="1"/>
-          </p:cNvSpPr>
-          <p:nvPr>
-            <p:ph type="sldNum" sz="quarter" idx="12"/>
-          </p:nvPr>
-        </p:nvSpPr>
-        <p:spPr>
-          <a:xfrm>
-            <a:off x="6553200" y="6356350"/>
-            <a:ext cx="2133600" cy="365125"/>
-          </a:xfrm>
-          <a:prstGeom prst="rect">
-            <a:avLst/>
-          </a:prstGeom>
-        </p:spPr>
-        <p:txBody>
-          <a:bodyPr/>
-          <a:lstStyle/>
-          <a:p>
-            <a:fld id="{B6F15528-21DE-4FAA-801E-634DDDAF4B2B}" type="slidenum">
-              <a:rPr lang="en-US" smtClean="0"/>
-              <a:pPr/>
-              <a:t>‹#›</a:t>
-            </a:fld>
-            <a:endParaRPr lang="en-US"/>
-          </a:p>
-        </p:txBody>
-      </p:sp>
-    </p:spTree>
-    <p:extLst>
-      <p:ext uri="{BB962C8B-B14F-4D97-AF65-F5344CB8AC3E}">
-        <p14:creationId xmlns:p14="http://schemas.microsoft.com/office/powerpoint/2010/main" val="2308214355"/>
-      </p:ext>
-    </p:extLst>
-  </p:cSld>
-  <p:clrMapOvr>
-    <a:masterClrMapping/>
-  </p:clrMapOvr>
-</p:sldLayout>
-</file>
-
-<file path=ppt/slideLayouts/slideLayout4.xml><?xml version="1.0" encoding="utf-8"?>
 <p:sldLayout xmlns:a="http://schemas.openxmlformats.org/drawingml/2006/main" xmlns:r="http://schemas.openxmlformats.org/officeDocument/2006/relationships" xmlns:p="http://schemas.openxmlformats.org/presentationml/2006/main" type="tx">
   <p:cSld name="Title and Text">
     <p:spTree>
@@ -3741,8 +3204,350 @@
 </p:sldLayout>
 </file>
 
+<file path=ppt/slideLayouts/slideLayout4.xml><?xml version="1.0" encoding="utf-8"?>
+<p:sldLayout xmlns:a="http://schemas.openxmlformats.org/drawingml/2006/main" xmlns:r="http://schemas.openxmlformats.org/officeDocument/2006/relationships" xmlns:p="http://schemas.openxmlformats.org/presentationml/2006/main" preserve="1" userDrawn="1">
+  <p:cSld name="Title Slide">
+    <p:spTree>
+      <p:nvGrpSpPr>
+        <p:cNvPr id="1" name=""/>
+        <p:cNvGrpSpPr/>
+        <p:nvPr/>
+      </p:nvGrpSpPr>
+      <p:grpSpPr>
+        <a:xfrm>
+          <a:off x="0" y="0"/>
+          <a:ext cx="0" cy="0"/>
+          <a:chOff x="0" y="0"/>
+          <a:chExt cx="0" cy="0"/>
+        </a:xfrm>
+      </p:grpSpPr>
+      <p:sp>
+        <p:nvSpPr>
+          <p:cNvPr id="2" name="Title 1"/>
+          <p:cNvSpPr>
+            <a:spLocks noGrp="1"/>
+          </p:cNvSpPr>
+          <p:nvPr>
+            <p:ph type="ctrTitle"/>
+          </p:nvPr>
+        </p:nvSpPr>
+        <p:spPr>
+          <a:xfrm>
+            <a:off x="685800" y="3445214"/>
+            <a:ext cx="7772400" cy="1468967"/>
+          </a:xfrm>
+          <a:prstGeom prst="rect">
+            <a:avLst/>
+          </a:prstGeom>
+        </p:spPr>
+        <p:txBody>
+          <a:bodyPr/>
+          <a:lstStyle>
+            <a:lvl1pPr>
+              <a:defRPr>
+                <a:solidFill>
+                  <a:srgbClr val="FFFFFF"/>
+                </a:solidFill>
+              </a:defRPr>
+            </a:lvl1pPr>
+          </a:lstStyle>
+          <a:p>
+            <a:r>
+              <a:rPr lang="en-US" smtClean="0"/>
+              <a:t>Click to edit Master title style</a:t>
+            </a:r>
+            <a:endParaRPr lang="en-US" dirty="0"/>
+          </a:p>
+        </p:txBody>
+      </p:sp>
+      <p:sp>
+        <p:nvSpPr>
+          <p:cNvPr id="3" name="Footer Placeholder 4"/>
+          <p:cNvSpPr>
+            <a:spLocks noGrp="1"/>
+          </p:cNvSpPr>
+          <p:nvPr>
+            <p:ph type="ftr" sz="quarter" idx="10"/>
+          </p:nvPr>
+        </p:nvSpPr>
+        <p:spPr>
+          <a:xfrm>
+            <a:off x="533400" y="6328833"/>
+            <a:ext cx="5811838" cy="364067"/>
+          </a:xfrm>
+        </p:spPr>
+        <p:txBody>
+          <a:bodyPr rtlCol="0"/>
+          <a:lstStyle>
+            <a:lvl1pPr defTabSz="457200" fontAlgn="auto">
+              <a:spcBef>
+                <a:spcPts val="0"/>
+              </a:spcBef>
+              <a:spcAft>
+                <a:spcPts val="0"/>
+              </a:spcAft>
+              <a:defRPr>
+                <a:latin typeface="+mn-lt"/>
+                <a:ea typeface="+mn-ea"/>
+              </a:defRPr>
+            </a:lvl1pPr>
+          </a:lstStyle>
+          <a:p>
+            <a:pPr>
+              <a:defRPr/>
+            </a:pPr>
+            <a:r>
+              <a:rPr lang="en-US"/>
+              <a:t>#ITDEVCON</a:t>
+            </a:r>
+          </a:p>
+        </p:txBody>
+      </p:sp>
+    </p:spTree>
+    <p:extLst>
+      <p:ext uri="{BB962C8B-B14F-4D97-AF65-F5344CB8AC3E}">
+        <p14:creationId xmlns:p14="http://schemas.microsoft.com/office/powerpoint/2010/main" val="3713943057"/>
+      </p:ext>
+    </p:extLst>
+  </p:cSld>
+  <p:clrMapOvr>
+    <a:masterClrMapping/>
+  </p:clrMapOvr>
+</p:sldLayout>
+</file>
+
 <file path=ppt/slideLayouts/slideLayout5.xml><?xml version="1.0" encoding="utf-8"?>
-<p:sldLayout xmlns:a="http://schemas.openxmlformats.org/drawingml/2006/main" xmlns:r="http://schemas.openxmlformats.org/officeDocument/2006/relationships" xmlns:p="http://schemas.openxmlformats.org/presentationml/2006/main" type="secHead">
+<p:sldLayout xmlns:a="http://schemas.openxmlformats.org/drawingml/2006/main" xmlns:r="http://schemas.openxmlformats.org/officeDocument/2006/relationships" xmlns:p="http://schemas.openxmlformats.org/presentationml/2006/main" preserve="1" userDrawn="1">
+  <p:cSld name="Blank Title">
+    <p:spTree>
+      <p:nvGrpSpPr>
+        <p:cNvPr id="1" name=""/>
+        <p:cNvGrpSpPr/>
+        <p:nvPr/>
+      </p:nvGrpSpPr>
+      <p:grpSpPr>
+        <a:xfrm>
+          <a:off x="0" y="0"/>
+          <a:ext cx="0" cy="0"/>
+          <a:chOff x="0" y="0"/>
+          <a:chExt cx="0" cy="0"/>
+        </a:xfrm>
+      </p:grpSpPr>
+      <p:sp>
+        <p:nvSpPr>
+          <p:cNvPr id="2" name="Footer Placeholder 4"/>
+          <p:cNvSpPr>
+            <a:spLocks noGrp="1"/>
+          </p:cNvSpPr>
+          <p:nvPr>
+            <p:ph type="ftr" sz="quarter" idx="10"/>
+          </p:nvPr>
+        </p:nvSpPr>
+        <p:spPr>
+          <a:ln/>
+        </p:spPr>
+        <p:txBody>
+          <a:bodyPr/>
+          <a:lstStyle>
+            <a:lvl1pPr>
+              <a:defRPr/>
+            </a:lvl1pPr>
+          </a:lstStyle>
+          <a:p>
+            <a:pPr>
+              <a:defRPr/>
+            </a:pPr>
+            <a:r>
+              <a:rPr lang="en-US" altLang="en-US"/>
+              <a:t>#ITDEVCON  </a:t>
+            </a:r>
+          </a:p>
+        </p:txBody>
+      </p:sp>
+    </p:spTree>
+    <p:extLst>
+      <p:ext uri="{BB962C8B-B14F-4D97-AF65-F5344CB8AC3E}">
+        <p14:creationId xmlns:p14="http://schemas.microsoft.com/office/powerpoint/2010/main" val="1165336316"/>
+      </p:ext>
+    </p:extLst>
+  </p:cSld>
+  <p:clrMapOvr>
+    <a:masterClrMapping/>
+  </p:clrMapOvr>
+</p:sldLayout>
+</file>
+
+<file path=ppt/slideLayouts/slideLayout6.xml><?xml version="1.0" encoding="utf-8"?>
+<p:sldLayout xmlns:a="http://schemas.openxmlformats.org/drawingml/2006/main" xmlns:r="http://schemas.openxmlformats.org/officeDocument/2006/relationships" xmlns:p="http://schemas.openxmlformats.org/presentationml/2006/main" type="obj" preserve="1">
+  <p:cSld name="Title and Content">
+    <p:spTree>
+      <p:nvGrpSpPr>
+        <p:cNvPr id="1" name=""/>
+        <p:cNvGrpSpPr/>
+        <p:nvPr/>
+      </p:nvGrpSpPr>
+      <p:grpSpPr>
+        <a:xfrm>
+          <a:off x="0" y="0"/>
+          <a:ext cx="0" cy="0"/>
+          <a:chOff x="0" y="0"/>
+          <a:chExt cx="0" cy="0"/>
+        </a:xfrm>
+      </p:grpSpPr>
+      <p:sp>
+        <p:nvSpPr>
+          <p:cNvPr id="2" name="Title 1"/>
+          <p:cNvSpPr>
+            <a:spLocks noGrp="1"/>
+          </p:cNvSpPr>
+          <p:nvPr>
+            <p:ph type="title"/>
+          </p:nvPr>
+        </p:nvSpPr>
+        <p:spPr>
+          <a:xfrm>
+            <a:off x="457200" y="483572"/>
+            <a:ext cx="8229600" cy="1143000"/>
+          </a:xfrm>
+          <a:prstGeom prst="rect">
+            <a:avLst/>
+          </a:prstGeom>
+        </p:spPr>
+        <p:txBody>
+          <a:bodyPr/>
+          <a:lstStyle/>
+          <a:p>
+            <a:r>
+              <a:rPr lang="en-US" smtClean="0"/>
+              <a:t>Click to edit Master title style</a:t>
+            </a:r>
+            <a:endParaRPr lang="en-US" dirty="0"/>
+          </a:p>
+        </p:txBody>
+      </p:sp>
+      <p:sp>
+        <p:nvSpPr>
+          <p:cNvPr id="3" name="Content Placeholder 2"/>
+          <p:cNvSpPr>
+            <a:spLocks noGrp="1"/>
+          </p:cNvSpPr>
+          <p:nvPr>
+            <p:ph idx="1"/>
+          </p:nvPr>
+        </p:nvSpPr>
+        <p:spPr>
+          <a:xfrm>
+            <a:off x="457200" y="1600201"/>
+            <a:ext cx="8229600" cy="4525433"/>
+          </a:xfrm>
+          <a:prstGeom prst="rect">
+            <a:avLst/>
+          </a:prstGeom>
+        </p:spPr>
+        <p:txBody>
+          <a:bodyPr/>
+          <a:lstStyle>
+            <a:lvl2pPr>
+              <a:defRPr>
+                <a:solidFill>
+                  <a:schemeClr val="accent2">
+                    <a:lumMod val="50000"/>
+                  </a:schemeClr>
+                </a:solidFill>
+              </a:defRPr>
+            </a:lvl2pPr>
+          </a:lstStyle>
+          <a:p>
+            <a:pPr lvl="0"/>
+            <a:r>
+              <a:rPr lang="en-US" smtClean="0"/>
+              <a:t>Click to edit Master text styles</a:t>
+            </a:r>
+          </a:p>
+          <a:p>
+            <a:pPr lvl="1"/>
+            <a:r>
+              <a:rPr lang="en-US" smtClean="0"/>
+              <a:t>Second level</a:t>
+            </a:r>
+          </a:p>
+          <a:p>
+            <a:pPr lvl="2"/>
+            <a:r>
+              <a:rPr lang="en-US" smtClean="0"/>
+              <a:t>Third level</a:t>
+            </a:r>
+          </a:p>
+          <a:p>
+            <a:pPr lvl="3"/>
+            <a:r>
+              <a:rPr lang="en-US" smtClean="0"/>
+              <a:t>Fourth level</a:t>
+            </a:r>
+          </a:p>
+          <a:p>
+            <a:pPr lvl="4"/>
+            <a:r>
+              <a:rPr lang="en-US" smtClean="0"/>
+              <a:t>Fifth level</a:t>
+            </a:r>
+            <a:endParaRPr lang="en-US" dirty="0"/>
+          </a:p>
+        </p:txBody>
+      </p:sp>
+      <p:sp>
+        <p:nvSpPr>
+          <p:cNvPr id="4" name="Footer Placeholder 4"/>
+          <p:cNvSpPr>
+            <a:spLocks noGrp="1"/>
+          </p:cNvSpPr>
+          <p:nvPr>
+            <p:ph type="ftr" sz="quarter" idx="10"/>
+          </p:nvPr>
+        </p:nvSpPr>
+        <p:spPr/>
+        <p:txBody>
+          <a:bodyPr rtlCol="0"/>
+          <a:lstStyle>
+            <a:lvl1pPr defTabSz="457200" fontAlgn="auto">
+              <a:spcBef>
+                <a:spcPts val="0"/>
+              </a:spcBef>
+              <a:spcAft>
+                <a:spcPts val="0"/>
+              </a:spcAft>
+              <a:defRPr>
+                <a:latin typeface="+mn-lt"/>
+                <a:ea typeface="+mn-ea"/>
+              </a:defRPr>
+            </a:lvl1pPr>
+          </a:lstStyle>
+          <a:p>
+            <a:pPr>
+              <a:defRPr/>
+            </a:pPr>
+            <a:r>
+              <a:rPr lang="en-US"/>
+              <a:t>#ITDEVCON</a:t>
+            </a:r>
+          </a:p>
+        </p:txBody>
+      </p:sp>
+    </p:spTree>
+    <p:extLst>
+      <p:ext uri="{BB962C8B-B14F-4D97-AF65-F5344CB8AC3E}">
+        <p14:creationId xmlns:p14="http://schemas.microsoft.com/office/powerpoint/2010/main" val="2545522386"/>
+      </p:ext>
+    </p:extLst>
+  </p:cSld>
+  <p:clrMapOvr>
+    <a:masterClrMapping/>
+  </p:clrMapOvr>
+</p:sldLayout>
+</file>
+
+<file path=ppt/slideLayouts/slideLayout7.xml><?xml version="1.0" encoding="utf-8"?>
+<p:sldLayout xmlns:a="http://schemas.openxmlformats.org/drawingml/2006/main" xmlns:r="http://schemas.openxmlformats.org/officeDocument/2006/relationships" xmlns:p="http://schemas.openxmlformats.org/presentationml/2006/main" type="secHead" preserve="1">
   <p:cSld name="Section Header">
     <p:spTree>
       <p:nvGrpSpPr>
@@ -3770,8 +3575,8 @@
         </p:nvSpPr>
         <p:spPr>
           <a:xfrm>
-            <a:off x="722313" y="4406900"/>
-            <a:ext cx="7772400" cy="1362075"/>
+            <a:off x="722313" y="3430000"/>
+            <a:ext cx="7772400" cy="1363133"/>
           </a:xfrm>
           <a:prstGeom prst="rect">
             <a:avLst/>
@@ -3781,7 +3586,7 @@
           <a:bodyPr anchor="t"/>
           <a:lstStyle>
             <a:lvl1pPr algn="l">
-              <a:defRPr sz="4000" b="1" cap="all"/>
+              <a:defRPr sz="4000" b="0" cap="all"/>
             </a:lvl1pPr>
           </a:lstStyle>
           <a:p>
@@ -3789,7 +3594,7 @@
               <a:rPr lang="en-US" smtClean="0"/>
               <a:t>Click to edit Master title style</a:t>
             </a:r>
-            <a:endParaRPr lang="en-US"/>
+            <a:endParaRPr lang="en-US" dirty="0"/>
           </a:p>
         </p:txBody>
       </p:sp>
@@ -3805,8 +3610,8 @@
         </p:nvSpPr>
         <p:spPr>
           <a:xfrm>
-            <a:off x="722313" y="2906713"/>
-            <a:ext cx="7772400" cy="1500187"/>
+            <a:off x="722313" y="1929285"/>
+            <a:ext cx="7772400" cy="1500716"/>
           </a:xfrm>
           <a:prstGeom prst="rect">
             <a:avLst/>
@@ -3917,172 +3722,15 @@
       </p:sp>
       <p:sp>
         <p:nvSpPr>
-          <p:cNvPr id="4" name="Date Placeholder 3"/>
+          <p:cNvPr id="4" name="Footer Placeholder 4"/>
           <p:cNvSpPr>
             <a:spLocks noGrp="1"/>
           </p:cNvSpPr>
           <p:nvPr>
-            <p:ph type="dt" sz="half" idx="10"/>
-          </p:nvPr>
-        </p:nvSpPr>
-        <p:spPr>
-          <a:xfrm>
-            <a:off x="457200" y="6356350"/>
-            <a:ext cx="2133600" cy="365125"/>
-          </a:xfrm>
-          <a:prstGeom prst="rect">
-            <a:avLst/>
-          </a:prstGeom>
-        </p:spPr>
-        <p:txBody>
-          <a:bodyPr/>
-          <a:lstStyle/>
-          <a:p>
-            <a:fld id="{1D8BD707-D9CF-40AE-B4C6-C98DA3205C09}" type="datetimeFigureOut">
-              <a:rPr lang="en-US" smtClean="0"/>
-              <a:pPr/>
-              <a:t>8/12/2015</a:t>
-            </a:fld>
-            <a:endParaRPr lang="en-US"/>
-          </a:p>
-        </p:txBody>
-      </p:sp>
-      <p:sp>
-        <p:nvSpPr>
-          <p:cNvPr id="5" name="Footer Placeholder 4"/>
-          <p:cNvSpPr>
-            <a:spLocks noGrp="1"/>
-          </p:cNvSpPr>
-          <p:nvPr>
-            <p:ph type="ftr" sz="quarter" idx="11"/>
+            <p:ph type="ftr" sz="quarter" idx="10"/>
           </p:nvPr>
         </p:nvSpPr>
         <p:spPr/>
-        <p:txBody>
-          <a:bodyPr/>
-          <a:lstStyle/>
-          <a:p>
-            <a:endParaRPr lang="en-US"/>
-          </a:p>
-        </p:txBody>
-      </p:sp>
-      <p:sp>
-        <p:nvSpPr>
-          <p:cNvPr id="6" name="Slide Number Placeholder 5"/>
-          <p:cNvSpPr>
-            <a:spLocks noGrp="1"/>
-          </p:cNvSpPr>
-          <p:nvPr>
-            <p:ph type="sldNum" sz="quarter" idx="12"/>
-          </p:nvPr>
-        </p:nvSpPr>
-        <p:spPr>
-          <a:xfrm>
-            <a:off x="6553200" y="6356350"/>
-            <a:ext cx="2133600" cy="365125"/>
-          </a:xfrm>
-          <a:prstGeom prst="rect">
-            <a:avLst/>
-          </a:prstGeom>
-        </p:spPr>
-        <p:txBody>
-          <a:bodyPr/>
-          <a:lstStyle/>
-          <a:p>
-            <a:fld id="{B6F15528-21DE-4FAA-801E-634DDDAF4B2B}" type="slidenum">
-              <a:rPr lang="en-US" smtClean="0"/>
-              <a:pPr/>
-              <a:t>‹#›</a:t>
-            </a:fld>
-            <a:endParaRPr lang="en-US"/>
-          </a:p>
-        </p:txBody>
-      </p:sp>
-    </p:spTree>
-    <p:extLst>
-      <p:ext uri="{BB962C8B-B14F-4D97-AF65-F5344CB8AC3E}">
-        <p14:creationId xmlns:p14="http://schemas.microsoft.com/office/powerpoint/2010/main" val="1586154153"/>
-      </p:ext>
-    </p:extLst>
-  </p:cSld>
-  <p:clrMapOvr>
-    <a:masterClrMapping/>
-  </p:clrMapOvr>
-</p:sldLayout>
-</file>
-
-<file path=ppt/slideLayouts/slideLayout6.xml><?xml version="1.0" encoding="utf-8"?>
-<p:sldLayout xmlns:a="http://schemas.openxmlformats.org/drawingml/2006/main" xmlns:r="http://schemas.openxmlformats.org/officeDocument/2006/relationships" xmlns:p="http://schemas.openxmlformats.org/presentationml/2006/main" preserve="1" userDrawn="1">
-  <p:cSld name="Title Slide">
-    <p:spTree>
-      <p:nvGrpSpPr>
-        <p:cNvPr id="1" name=""/>
-        <p:cNvGrpSpPr/>
-        <p:nvPr/>
-      </p:nvGrpSpPr>
-      <p:grpSpPr>
-        <a:xfrm>
-          <a:off x="0" y="0"/>
-          <a:ext cx="0" cy="0"/>
-          <a:chOff x="0" y="0"/>
-          <a:chExt cx="0" cy="0"/>
-        </a:xfrm>
-      </p:grpSpPr>
-      <p:sp>
-        <p:nvSpPr>
-          <p:cNvPr id="2" name="Title 1"/>
-          <p:cNvSpPr>
-            <a:spLocks noGrp="1"/>
-          </p:cNvSpPr>
-          <p:nvPr>
-            <p:ph type="ctrTitle"/>
-          </p:nvPr>
-        </p:nvSpPr>
-        <p:spPr>
-          <a:xfrm>
-            <a:off x="685800" y="3445214"/>
-            <a:ext cx="7772400" cy="1468967"/>
-          </a:xfrm>
-          <a:prstGeom prst="rect">
-            <a:avLst/>
-          </a:prstGeom>
-        </p:spPr>
-        <p:txBody>
-          <a:bodyPr/>
-          <a:lstStyle>
-            <a:lvl1pPr>
-              <a:defRPr>
-                <a:solidFill>
-                  <a:srgbClr val="FFFFFF"/>
-                </a:solidFill>
-              </a:defRPr>
-            </a:lvl1pPr>
-          </a:lstStyle>
-          <a:p>
-            <a:r>
-              <a:rPr lang="en-US" smtClean="0"/>
-              <a:t>Click to edit Master title style</a:t>
-            </a:r>
-            <a:endParaRPr lang="en-US" dirty="0"/>
-          </a:p>
-        </p:txBody>
-      </p:sp>
-      <p:sp>
-        <p:nvSpPr>
-          <p:cNvPr id="3" name="Footer Placeholder 4"/>
-          <p:cNvSpPr>
-            <a:spLocks noGrp="1"/>
-          </p:cNvSpPr>
-          <p:nvPr>
-            <p:ph type="ftr" sz="quarter" idx="10"/>
-          </p:nvPr>
-        </p:nvSpPr>
-        <p:spPr>
-          <a:xfrm>
-            <a:off x="533400" y="6328833"/>
-            <a:ext cx="5811838" cy="364067"/>
-          </a:xfrm>
-        </p:spPr>
         <p:txBody>
           <a:bodyPr rtlCol="0"/>
           <a:lstStyle>
@@ -4113,7 +3761,7 @@
     </p:spTree>
     <p:extLst>
       <p:ext uri="{BB962C8B-B14F-4D97-AF65-F5344CB8AC3E}">
-        <p14:creationId xmlns:p14="http://schemas.microsoft.com/office/powerpoint/2010/main" val="3713943057"/>
+        <p14:creationId xmlns:p14="http://schemas.microsoft.com/office/powerpoint/2010/main" val="2588675595"/>
       </p:ext>
     </p:extLst>
   </p:cSld>
@@ -4123,9 +3771,9 @@
 </p:sldLayout>
 </file>
 
-<file path=ppt/slideLayouts/slideLayout7.xml><?xml version="1.0" encoding="utf-8"?>
-<p:sldLayout xmlns:a="http://schemas.openxmlformats.org/drawingml/2006/main" xmlns:r="http://schemas.openxmlformats.org/officeDocument/2006/relationships" xmlns:p="http://schemas.openxmlformats.org/presentationml/2006/main" preserve="1" userDrawn="1">
-  <p:cSld name="Blank Title">
+<file path=ppt/slideLayouts/slideLayout8.xml><?xml version="1.0" encoding="utf-8"?>
+<p:sldLayout xmlns:a="http://schemas.openxmlformats.org/drawingml/2006/main" xmlns:r="http://schemas.openxmlformats.org/officeDocument/2006/relationships" xmlns:p="http://schemas.openxmlformats.org/presentationml/2006/main" type="twoObj" preserve="1">
+  <p:cSld name="Two Content">
     <p:spTree>
       <p:nvGrpSpPr>
         <p:cNvPr id="1" name=""/>
@@ -4142,67 +3790,6 @@
       </p:grpSpPr>
       <p:sp>
         <p:nvSpPr>
-          <p:cNvPr id="2" name="Footer Placeholder 4"/>
-          <p:cNvSpPr>
-            <a:spLocks noGrp="1"/>
-          </p:cNvSpPr>
-          <p:nvPr>
-            <p:ph type="ftr" sz="quarter" idx="10"/>
-          </p:nvPr>
-        </p:nvSpPr>
-        <p:spPr>
-          <a:ln/>
-        </p:spPr>
-        <p:txBody>
-          <a:bodyPr/>
-          <a:lstStyle>
-            <a:lvl1pPr>
-              <a:defRPr/>
-            </a:lvl1pPr>
-          </a:lstStyle>
-          <a:p>
-            <a:pPr>
-              <a:defRPr/>
-            </a:pPr>
-            <a:r>
-              <a:rPr lang="en-US" altLang="en-US"/>
-              <a:t>#ITDEVCON  </a:t>
-            </a:r>
-          </a:p>
-        </p:txBody>
-      </p:sp>
-    </p:spTree>
-    <p:extLst>
-      <p:ext uri="{BB962C8B-B14F-4D97-AF65-F5344CB8AC3E}">
-        <p14:creationId xmlns:p14="http://schemas.microsoft.com/office/powerpoint/2010/main" val="1165336316"/>
-      </p:ext>
-    </p:extLst>
-  </p:cSld>
-  <p:clrMapOvr>
-    <a:masterClrMapping/>
-  </p:clrMapOvr>
-</p:sldLayout>
-</file>
-
-<file path=ppt/slideLayouts/slideLayout8.xml><?xml version="1.0" encoding="utf-8"?>
-<p:sldLayout xmlns:a="http://schemas.openxmlformats.org/drawingml/2006/main" xmlns:r="http://schemas.openxmlformats.org/officeDocument/2006/relationships" xmlns:p="http://schemas.openxmlformats.org/presentationml/2006/main" type="obj" preserve="1">
-  <p:cSld name="Title and Content">
-    <p:spTree>
-      <p:nvGrpSpPr>
-        <p:cNvPr id="1" name=""/>
-        <p:cNvGrpSpPr/>
-        <p:nvPr/>
-      </p:nvGrpSpPr>
-      <p:grpSpPr>
-        <a:xfrm>
-          <a:off x="0" y="0"/>
-          <a:ext cx="0" cy="0"/>
-          <a:chOff x="0" y="0"/>
-          <a:chExt cx="0" cy="0"/>
-        </a:xfrm>
-      </p:grpSpPr>
-      <p:sp>
-        <p:nvSpPr>
           <p:cNvPr id="2" name="Title 1"/>
           <p:cNvSpPr>
             <a:spLocks noGrp="1"/>
@@ -4213,7 +3800,7 @@
         </p:nvSpPr>
         <p:spPr>
           <a:xfrm>
-            <a:off x="457200" y="483572"/>
+            <a:off x="457200" y="522648"/>
             <a:ext cx="8229600" cy="1143000"/>
           </a:xfrm>
           <a:prstGeom prst="rect">
@@ -4239,13 +3826,13 @@
             <a:spLocks noGrp="1"/>
           </p:cNvSpPr>
           <p:nvPr>
-            <p:ph idx="1"/>
+            <p:ph sz="half" idx="1"/>
           </p:nvPr>
         </p:nvSpPr>
         <p:spPr>
           <a:xfrm>
-            <a:off x="457200" y="1600201"/>
-            <a:ext cx="8229600" cy="4525433"/>
+            <a:off x="457200" y="1704403"/>
+            <a:ext cx="4038600" cy="4183188"/>
           </a:xfrm>
           <a:prstGeom prst="rect">
             <a:avLst/>
@@ -4254,15 +3841,33 @@
         <p:txBody>
           <a:bodyPr/>
           <a:lstStyle>
+            <a:lvl1pPr>
+              <a:defRPr sz="2800"/>
+            </a:lvl1pPr>
             <a:lvl2pPr>
-              <a:defRPr>
-                <a:solidFill>
-                  <a:schemeClr val="accent2">
-                    <a:lumMod val="50000"/>
-                  </a:schemeClr>
-                </a:solidFill>
-              </a:defRPr>
+              <a:defRPr sz="2400"/>
             </a:lvl2pPr>
+            <a:lvl3pPr>
+              <a:defRPr sz="2000"/>
+            </a:lvl3pPr>
+            <a:lvl4pPr>
+              <a:defRPr sz="1800"/>
+            </a:lvl4pPr>
+            <a:lvl5pPr>
+              <a:defRPr sz="1800"/>
+            </a:lvl5pPr>
+            <a:lvl6pPr>
+              <a:defRPr sz="1800"/>
+            </a:lvl6pPr>
+            <a:lvl7pPr>
+              <a:defRPr sz="1800"/>
+            </a:lvl7pPr>
+            <a:lvl8pPr>
+              <a:defRPr sz="1800"/>
+            </a:lvl8pPr>
+            <a:lvl9pPr>
+              <a:defRPr sz="1800"/>
+            </a:lvl9pPr>
           </a:lstStyle>
           <a:p>
             <a:pPr lvl="0"/>
@@ -4304,7 +3909,95 @@
       </p:sp>
       <p:sp>
         <p:nvSpPr>
-          <p:cNvPr id="4" name="Footer Placeholder 4"/>
+          <p:cNvPr id="4" name="Content Placeholder 3"/>
+          <p:cNvSpPr>
+            <a:spLocks noGrp="1"/>
+          </p:cNvSpPr>
+          <p:nvPr>
+            <p:ph sz="half" idx="2"/>
+          </p:nvPr>
+        </p:nvSpPr>
+        <p:spPr>
+          <a:xfrm>
+            <a:off x="4648200" y="1704404"/>
+            <a:ext cx="4038600" cy="4183187"/>
+          </a:xfrm>
+          <a:prstGeom prst="rect">
+            <a:avLst/>
+          </a:prstGeom>
+        </p:spPr>
+        <p:txBody>
+          <a:bodyPr/>
+          <a:lstStyle>
+            <a:lvl1pPr>
+              <a:defRPr sz="2800"/>
+            </a:lvl1pPr>
+            <a:lvl2pPr>
+              <a:defRPr sz="2400"/>
+            </a:lvl2pPr>
+            <a:lvl3pPr>
+              <a:defRPr sz="2000"/>
+            </a:lvl3pPr>
+            <a:lvl4pPr>
+              <a:defRPr sz="1800"/>
+            </a:lvl4pPr>
+            <a:lvl5pPr>
+              <a:defRPr sz="1800"/>
+            </a:lvl5pPr>
+            <a:lvl6pPr>
+              <a:defRPr sz="1800"/>
+            </a:lvl6pPr>
+            <a:lvl7pPr>
+              <a:defRPr sz="1800"/>
+            </a:lvl7pPr>
+            <a:lvl8pPr>
+              <a:defRPr sz="1800"/>
+            </a:lvl8pPr>
+            <a:lvl9pPr>
+              <a:defRPr sz="1800"/>
+            </a:lvl9pPr>
+          </a:lstStyle>
+          <a:p>
+            <a:pPr lvl="0"/>
+            <a:r>
+              <a:rPr lang="en-US" smtClean="0"/>
+              <a:t>Click to edit Master text styles</a:t>
+            </a:r>
+          </a:p>
+          <a:p>
+            <a:pPr lvl="1"/>
+            <a:r>
+              <a:rPr lang="en-US" smtClean="0"/>
+              <a:t>Second level</a:t>
+            </a:r>
+          </a:p>
+          <a:p>
+            <a:pPr lvl="2"/>
+            <a:r>
+              <a:rPr lang="en-US" smtClean="0"/>
+              <a:t>Third level</a:t>
+            </a:r>
+          </a:p>
+          <a:p>
+            <a:pPr lvl="3"/>
+            <a:r>
+              <a:rPr lang="en-US" smtClean="0"/>
+              <a:t>Fourth level</a:t>
+            </a:r>
+          </a:p>
+          <a:p>
+            <a:pPr lvl="4"/>
+            <a:r>
+              <a:rPr lang="en-US" smtClean="0"/>
+              <a:t>Fifth level</a:t>
+            </a:r>
+            <a:endParaRPr lang="en-US"/>
+          </a:p>
+        </p:txBody>
+      </p:sp>
+      <p:sp>
+        <p:nvSpPr>
+          <p:cNvPr id="5" name="Footer Placeholder 4"/>
           <p:cNvSpPr>
             <a:spLocks noGrp="1"/>
           </p:cNvSpPr>
@@ -4343,7 +4036,7 @@
     </p:spTree>
     <p:extLst>
       <p:ext uri="{BB962C8B-B14F-4D97-AF65-F5344CB8AC3E}">
-        <p14:creationId xmlns:p14="http://schemas.microsoft.com/office/powerpoint/2010/main" val="2545522386"/>
+        <p14:creationId xmlns:p14="http://schemas.microsoft.com/office/powerpoint/2010/main" val="1333968560"/>
       </p:ext>
     </p:extLst>
   </p:cSld>
@@ -4354,8 +4047,8 @@
 </file>
 
 <file path=ppt/slideLayouts/slideLayout9.xml><?xml version="1.0" encoding="utf-8"?>
-<p:sldLayout xmlns:a="http://schemas.openxmlformats.org/drawingml/2006/main" xmlns:r="http://schemas.openxmlformats.org/officeDocument/2006/relationships" xmlns:p="http://schemas.openxmlformats.org/presentationml/2006/main" type="secHead" preserve="1">
-  <p:cSld name="Section Header">
+<p:sldLayout xmlns:a="http://schemas.openxmlformats.org/drawingml/2006/main" xmlns:r="http://schemas.openxmlformats.org/officeDocument/2006/relationships" xmlns:p="http://schemas.openxmlformats.org/presentationml/2006/main" type="twoTxTwoObj" preserve="1">
+  <p:cSld name="Comparison">
     <p:spTree>
       <p:nvGrpSpPr>
         <p:cNvPr id="1" name=""/>
@@ -4382,18 +4075,18 @@
         </p:nvSpPr>
         <p:spPr>
           <a:xfrm>
-            <a:off x="722313" y="3430000"/>
-            <a:ext cx="7772400" cy="1363133"/>
+            <a:off x="457200" y="535673"/>
+            <a:ext cx="8229600" cy="1143000"/>
           </a:xfrm>
           <a:prstGeom prst="rect">
             <a:avLst/>
           </a:prstGeom>
         </p:spPr>
         <p:txBody>
-          <a:bodyPr anchor="t"/>
+          <a:bodyPr/>
           <a:lstStyle>
-            <a:lvl1pPr algn="l">
-              <a:defRPr sz="4000" b="0" cap="all"/>
+            <a:lvl1pPr>
+              <a:defRPr/>
             </a:lvl1pPr>
           </a:lstStyle>
           <a:p>
@@ -4417,8 +4110,8 @@
         </p:nvSpPr>
         <p:spPr>
           <a:xfrm>
-            <a:off x="722313" y="1929285"/>
-            <a:ext cx="7772400" cy="1500716"/>
+            <a:off x="457200" y="2146775"/>
+            <a:ext cx="4040188" cy="641349"/>
           </a:xfrm>
           <a:prstGeom prst="rect">
             <a:avLst/>
@@ -4429,93 +4122,39 @@
           <a:lstStyle>
             <a:lvl1pPr marL="0" indent="0">
               <a:buNone/>
-              <a:defRPr sz="2000">
-                <a:solidFill>
-                  <a:schemeClr val="tx1">
-                    <a:tint val="75000"/>
-                  </a:schemeClr>
-                </a:solidFill>
-              </a:defRPr>
+              <a:defRPr sz="2400" b="1"/>
             </a:lvl1pPr>
             <a:lvl2pPr marL="457200" indent="0">
               <a:buNone/>
-              <a:defRPr sz="1800">
-                <a:solidFill>
-                  <a:schemeClr val="tx1">
-                    <a:tint val="75000"/>
-                  </a:schemeClr>
-                </a:solidFill>
-              </a:defRPr>
+              <a:defRPr sz="2000" b="1"/>
             </a:lvl2pPr>
             <a:lvl3pPr marL="914400" indent="0">
               <a:buNone/>
-              <a:defRPr sz="1600">
-                <a:solidFill>
-                  <a:schemeClr val="tx1">
-                    <a:tint val="75000"/>
-                  </a:schemeClr>
-                </a:solidFill>
-              </a:defRPr>
+              <a:defRPr sz="1800" b="1"/>
             </a:lvl3pPr>
             <a:lvl4pPr marL="1371600" indent="0">
               <a:buNone/>
-              <a:defRPr sz="1400">
-                <a:solidFill>
-                  <a:schemeClr val="tx1">
-                    <a:tint val="75000"/>
-                  </a:schemeClr>
-                </a:solidFill>
-              </a:defRPr>
+              <a:defRPr sz="1600" b="1"/>
             </a:lvl4pPr>
             <a:lvl5pPr marL="1828800" indent="0">
               <a:buNone/>
-              <a:defRPr sz="1400">
-                <a:solidFill>
-                  <a:schemeClr val="tx1">
-                    <a:tint val="75000"/>
-                  </a:schemeClr>
-                </a:solidFill>
-              </a:defRPr>
+              <a:defRPr sz="1600" b="1"/>
             </a:lvl5pPr>
             <a:lvl6pPr marL="2286000" indent="0">
               <a:buNone/>
-              <a:defRPr sz="1400">
-                <a:solidFill>
-                  <a:schemeClr val="tx1">
-                    <a:tint val="75000"/>
-                  </a:schemeClr>
-                </a:solidFill>
-              </a:defRPr>
+              <a:defRPr sz="1600" b="1"/>
             </a:lvl6pPr>
             <a:lvl7pPr marL="2743200" indent="0">
               <a:buNone/>
-              <a:defRPr sz="1400">
-                <a:solidFill>
-                  <a:schemeClr val="tx1">
-                    <a:tint val="75000"/>
-                  </a:schemeClr>
-                </a:solidFill>
-              </a:defRPr>
+              <a:defRPr sz="1600" b="1"/>
             </a:lvl7pPr>
             <a:lvl8pPr marL="3200400" indent="0">
               <a:buNone/>
-              <a:defRPr sz="1400">
-                <a:solidFill>
-                  <a:schemeClr val="tx1">
-                    <a:tint val="75000"/>
-                  </a:schemeClr>
-                </a:solidFill>
-              </a:defRPr>
+              <a:defRPr sz="1600" b="1"/>
             </a:lvl8pPr>
             <a:lvl9pPr marL="3657600" indent="0">
               <a:buNone/>
-              <a:defRPr sz="1400">
-                <a:solidFill>
-                  <a:schemeClr val="tx1">
-                    <a:tint val="75000"/>
-                  </a:schemeClr>
-                </a:solidFill>
-              </a:defRPr>
+              <a:defRPr sz="1600" b="1"/>
             </a:lvl9pPr>
           </a:lstStyle>
           <a:p>
@@ -4529,7 +4168,251 @@
       </p:sp>
       <p:sp>
         <p:nvSpPr>
-          <p:cNvPr id="4" name="Footer Placeholder 4"/>
+          <p:cNvPr id="4" name="Content Placeholder 3"/>
+          <p:cNvSpPr>
+            <a:spLocks noGrp="1"/>
+          </p:cNvSpPr>
+          <p:nvPr>
+            <p:ph sz="half" idx="2"/>
+          </p:nvPr>
+        </p:nvSpPr>
+        <p:spPr>
+          <a:xfrm>
+            <a:off x="457200" y="2644847"/>
+            <a:ext cx="4040188" cy="3529301"/>
+          </a:xfrm>
+          <a:prstGeom prst="rect">
+            <a:avLst/>
+          </a:prstGeom>
+        </p:spPr>
+        <p:txBody>
+          <a:bodyPr/>
+          <a:lstStyle>
+            <a:lvl1pPr>
+              <a:defRPr sz="2400"/>
+            </a:lvl1pPr>
+            <a:lvl2pPr>
+              <a:defRPr sz="2000"/>
+            </a:lvl2pPr>
+            <a:lvl3pPr>
+              <a:defRPr sz="1800"/>
+            </a:lvl3pPr>
+            <a:lvl4pPr>
+              <a:defRPr sz="1600"/>
+            </a:lvl4pPr>
+            <a:lvl5pPr>
+              <a:defRPr sz="1600"/>
+            </a:lvl5pPr>
+            <a:lvl6pPr>
+              <a:defRPr sz="1600"/>
+            </a:lvl6pPr>
+            <a:lvl7pPr>
+              <a:defRPr sz="1600"/>
+            </a:lvl7pPr>
+            <a:lvl8pPr>
+              <a:defRPr sz="1600"/>
+            </a:lvl8pPr>
+            <a:lvl9pPr>
+              <a:defRPr sz="1600"/>
+            </a:lvl9pPr>
+          </a:lstStyle>
+          <a:p>
+            <a:pPr lvl="0"/>
+            <a:r>
+              <a:rPr lang="en-US" smtClean="0"/>
+              <a:t>Click to edit Master text styles</a:t>
+            </a:r>
+          </a:p>
+          <a:p>
+            <a:pPr lvl="1"/>
+            <a:r>
+              <a:rPr lang="en-US" smtClean="0"/>
+              <a:t>Second level</a:t>
+            </a:r>
+          </a:p>
+          <a:p>
+            <a:pPr lvl="2"/>
+            <a:r>
+              <a:rPr lang="en-US" smtClean="0"/>
+              <a:t>Third level</a:t>
+            </a:r>
+          </a:p>
+          <a:p>
+            <a:pPr lvl="3"/>
+            <a:r>
+              <a:rPr lang="en-US" smtClean="0"/>
+              <a:t>Fourth level</a:t>
+            </a:r>
+          </a:p>
+          <a:p>
+            <a:pPr lvl="4"/>
+            <a:r>
+              <a:rPr lang="en-US" smtClean="0"/>
+              <a:t>Fifth level</a:t>
+            </a:r>
+            <a:endParaRPr lang="en-US" dirty="0"/>
+          </a:p>
+        </p:txBody>
+      </p:sp>
+      <p:sp>
+        <p:nvSpPr>
+          <p:cNvPr id="5" name="Text Placeholder 4"/>
+          <p:cNvSpPr>
+            <a:spLocks noGrp="1"/>
+          </p:cNvSpPr>
+          <p:nvPr>
+            <p:ph type="body" sz="quarter" idx="3"/>
+          </p:nvPr>
+        </p:nvSpPr>
+        <p:spPr>
+          <a:xfrm>
+            <a:off x="4645026" y="2146775"/>
+            <a:ext cx="4041775" cy="641349"/>
+          </a:xfrm>
+          <a:prstGeom prst="rect">
+            <a:avLst/>
+          </a:prstGeom>
+        </p:spPr>
+        <p:txBody>
+          <a:bodyPr anchor="b"/>
+          <a:lstStyle>
+            <a:lvl1pPr marL="0" indent="0">
+              <a:buNone/>
+              <a:defRPr sz="2400" b="1"/>
+            </a:lvl1pPr>
+            <a:lvl2pPr marL="457200" indent="0">
+              <a:buNone/>
+              <a:defRPr sz="2000" b="1"/>
+            </a:lvl2pPr>
+            <a:lvl3pPr marL="914400" indent="0">
+              <a:buNone/>
+              <a:defRPr sz="1800" b="1"/>
+            </a:lvl3pPr>
+            <a:lvl4pPr marL="1371600" indent="0">
+              <a:buNone/>
+              <a:defRPr sz="1600" b="1"/>
+            </a:lvl4pPr>
+            <a:lvl5pPr marL="1828800" indent="0">
+              <a:buNone/>
+              <a:defRPr sz="1600" b="1"/>
+            </a:lvl5pPr>
+            <a:lvl6pPr marL="2286000" indent="0">
+              <a:buNone/>
+              <a:defRPr sz="1600" b="1"/>
+            </a:lvl6pPr>
+            <a:lvl7pPr marL="2743200" indent="0">
+              <a:buNone/>
+              <a:defRPr sz="1600" b="1"/>
+            </a:lvl7pPr>
+            <a:lvl8pPr marL="3200400" indent="0">
+              <a:buNone/>
+              <a:defRPr sz="1600" b="1"/>
+            </a:lvl8pPr>
+            <a:lvl9pPr marL="3657600" indent="0">
+              <a:buNone/>
+              <a:defRPr sz="1600" b="1"/>
+            </a:lvl9pPr>
+          </a:lstStyle>
+          <a:p>
+            <a:pPr lvl="0"/>
+            <a:r>
+              <a:rPr lang="en-US" smtClean="0"/>
+              <a:t>Click to edit Master text styles</a:t>
+            </a:r>
+          </a:p>
+        </p:txBody>
+      </p:sp>
+      <p:sp>
+        <p:nvSpPr>
+          <p:cNvPr id="6" name="Content Placeholder 5"/>
+          <p:cNvSpPr>
+            <a:spLocks noGrp="1"/>
+          </p:cNvSpPr>
+          <p:nvPr>
+            <p:ph sz="quarter" idx="4"/>
+          </p:nvPr>
+        </p:nvSpPr>
+        <p:spPr>
+          <a:xfrm>
+            <a:off x="4645026" y="2644846"/>
+            <a:ext cx="4041775" cy="3529303"/>
+          </a:xfrm>
+          <a:prstGeom prst="rect">
+            <a:avLst/>
+          </a:prstGeom>
+        </p:spPr>
+        <p:txBody>
+          <a:bodyPr/>
+          <a:lstStyle>
+            <a:lvl1pPr>
+              <a:defRPr sz="2400"/>
+            </a:lvl1pPr>
+            <a:lvl2pPr>
+              <a:defRPr sz="2000"/>
+            </a:lvl2pPr>
+            <a:lvl3pPr>
+              <a:defRPr sz="1800"/>
+            </a:lvl3pPr>
+            <a:lvl4pPr>
+              <a:defRPr sz="1600"/>
+            </a:lvl4pPr>
+            <a:lvl5pPr>
+              <a:defRPr sz="1600"/>
+            </a:lvl5pPr>
+            <a:lvl6pPr>
+              <a:defRPr sz="1600"/>
+            </a:lvl6pPr>
+            <a:lvl7pPr>
+              <a:defRPr sz="1600"/>
+            </a:lvl7pPr>
+            <a:lvl8pPr>
+              <a:defRPr sz="1600"/>
+            </a:lvl8pPr>
+            <a:lvl9pPr>
+              <a:defRPr sz="1600"/>
+            </a:lvl9pPr>
+          </a:lstStyle>
+          <a:p>
+            <a:pPr lvl="0"/>
+            <a:r>
+              <a:rPr lang="en-US" smtClean="0"/>
+              <a:t>Click to edit Master text styles</a:t>
+            </a:r>
+          </a:p>
+          <a:p>
+            <a:pPr lvl="1"/>
+            <a:r>
+              <a:rPr lang="en-US" smtClean="0"/>
+              <a:t>Second level</a:t>
+            </a:r>
+          </a:p>
+          <a:p>
+            <a:pPr lvl="2"/>
+            <a:r>
+              <a:rPr lang="en-US" smtClean="0"/>
+              <a:t>Third level</a:t>
+            </a:r>
+          </a:p>
+          <a:p>
+            <a:pPr lvl="3"/>
+            <a:r>
+              <a:rPr lang="en-US" smtClean="0"/>
+              <a:t>Fourth level</a:t>
+            </a:r>
+          </a:p>
+          <a:p>
+            <a:pPr lvl="4"/>
+            <a:r>
+              <a:rPr lang="en-US" smtClean="0"/>
+              <a:t>Fifth level</a:t>
+            </a:r>
+            <a:endParaRPr lang="en-US" dirty="0"/>
+          </a:p>
+        </p:txBody>
+      </p:sp>
+      <p:sp>
+        <p:nvSpPr>
+          <p:cNvPr id="7" name="Footer Placeholder 4"/>
           <p:cNvSpPr>
             <a:spLocks noGrp="1"/>
           </p:cNvSpPr>
@@ -4568,7 +4451,7 @@
     </p:spTree>
     <p:extLst>
       <p:ext uri="{BB962C8B-B14F-4D97-AF65-F5344CB8AC3E}">
-        <p14:creationId xmlns:p14="http://schemas.microsoft.com/office/powerpoint/2010/main" val="2588675595"/>
+        <p14:creationId xmlns:p14="http://schemas.microsoft.com/office/powerpoint/2010/main" val="2058092009"/>
       </p:ext>
     </p:extLst>
   </p:cSld>
@@ -4795,7 +4678,7 @@
           <p:nvPr/>
         </p:nvPicPr>
         <p:blipFill>
-          <a:blip r:embed="rId7">
+          <a:blip r:embed="rId5">
             <a:extLst>
               <a:ext uri="{28A0092B-C50C-407E-A947-70E740481C1C}">
                 <a14:useLocalDpi xmlns:a14="http://schemas.microsoft.com/office/drawing/2010/main" val="0"/>
@@ -4851,9 +4734,7 @@
   <p:sldLayoutIdLst>
     <p:sldLayoutId id="2147483675" r:id="rId1"/>
     <p:sldLayoutId id="2147483676" r:id="rId2"/>
-    <p:sldLayoutId id="2147483677" r:id="rId3"/>
-    <p:sldLayoutId id="2147483678" r:id="rId4"/>
-    <p:sldLayoutId id="2147483679" r:id="rId5"/>
+    <p:sldLayoutId id="2147483678" r:id="rId3"/>
   </p:sldLayoutIdLst>
   <p:txStyles>
     <p:titleStyle>
@@ -6380,7 +6261,6 @@
               <a:rPr lang="en-US" altLang="en-US" smtClean="0"/>
               <a:t>Fifth level</a:t>
             </a:r>
-            <a:endParaRPr lang="en-US" altLang="en-US" smtClean="0"/>
           </a:p>
         </p:txBody>
       </p:sp>
@@ -8311,45 +8191,65 @@
           <a:p>
             <a:r>
               <a:rPr lang="en-US" dirty="0" smtClean="0"/>
-              <a:t>Branching</a:t>
+              <a:t>Branching Types</a:t>
             </a:r>
             <a:endParaRPr lang="en-US" dirty="0"/>
           </a:p>
         </p:txBody>
       </p:sp>
-      <p:pic>
-        <p:nvPicPr>
-          <p:cNvPr id="5" name="Content Placeholder 4"/>
-          <p:cNvPicPr>
-            <a:picLocks noGrp="1" noChangeAspect="1"/>
-          </p:cNvPicPr>
+      <p:sp>
+        <p:nvSpPr>
+          <p:cNvPr id="3" name="Content Placeholder 2"/>
+          <p:cNvSpPr>
+            <a:spLocks noGrp="1"/>
+          </p:cNvSpPr>
           <p:nvPr>
             <p:ph idx="1"/>
           </p:nvPr>
-        </p:nvPicPr>
-        <p:blipFill>
-          <a:blip r:embed="rId3">
-            <a:extLst>
-              <a:ext uri="{28A0092B-C50C-407E-A947-70E740481C1C}">
-                <a14:useLocalDpi xmlns:a14="http://schemas.microsoft.com/office/drawing/2010/main" val="0"/>
-              </a:ext>
-            </a:extLst>
-          </a:blip>
-          <a:stretch>
-            <a:fillRect/>
-          </a:stretch>
-        </p:blipFill>
-        <p:spPr>
-          <a:xfrm>
-            <a:off x="2438400" y="2910681"/>
-            <a:ext cx="4267200" cy="1905000"/>
-          </a:xfrm>
-        </p:spPr>
-      </p:pic>
+        </p:nvSpPr>
+        <p:spPr/>
+        <p:txBody>
+          <a:bodyPr/>
+          <a:lstStyle/>
+          <a:p>
+            <a:r>
+              <a:rPr lang="en-US" dirty="0" smtClean="0"/>
+              <a:t>Feature Branches</a:t>
+            </a:r>
+          </a:p>
+          <a:p>
+            <a:r>
+              <a:rPr lang="en-US" dirty="0" smtClean="0"/>
+              <a:t>Release Branches</a:t>
+            </a:r>
+          </a:p>
+          <a:p>
+            <a:pPr marL="0" indent="0">
+              <a:buNone/>
+            </a:pPr>
+            <a:endParaRPr lang="en-US" dirty="0"/>
+          </a:p>
+          <a:p>
+            <a:pPr marL="0" indent="0">
+              <a:buNone/>
+            </a:pPr>
+            <a:r>
+              <a:rPr lang="en-US" dirty="0" smtClean="0"/>
+              <a:t>Any of these can work with databases, however…</a:t>
+            </a:r>
+          </a:p>
+          <a:p>
+            <a:pPr marL="0" indent="0">
+              <a:buNone/>
+            </a:pPr>
+            <a:endParaRPr lang="en-US" dirty="0"/>
+          </a:p>
+        </p:txBody>
+      </p:sp>
     </p:spTree>
     <p:extLst>
       <p:ext uri="{BB962C8B-B14F-4D97-AF65-F5344CB8AC3E}">
-        <p14:creationId xmlns:p14="http://schemas.microsoft.com/office/powerpoint/2010/main" val="2870144613"/>
+        <p14:creationId xmlns:p14="http://schemas.microsoft.com/office/powerpoint/2010/main" val="2263365525"/>
       </p:ext>
     </p:extLst>
   </p:cSld>
@@ -8393,7 +8293,7 @@
           <a:p>
             <a:r>
               <a:rPr lang="en-US" dirty="0" smtClean="0"/>
-              <a:t>Branching</a:t>
+              <a:t>We have data</a:t>
             </a:r>
             <a:endParaRPr lang="en-US" dirty="0"/>
           </a:p>
@@ -8423,15 +8323,15 @@
         </p:blipFill>
         <p:spPr>
           <a:xfrm>
-            <a:off x="1714500" y="2386806"/>
-            <a:ext cx="5715000" cy="2952750"/>
+            <a:off x="1943100" y="1752600"/>
+            <a:ext cx="5257800" cy="3938275"/>
           </a:xfrm>
         </p:spPr>
       </p:pic>
     </p:spTree>
     <p:extLst>
       <p:ext uri="{BB962C8B-B14F-4D97-AF65-F5344CB8AC3E}">
-        <p14:creationId xmlns:p14="http://schemas.microsoft.com/office/powerpoint/2010/main" val="3213046857"/>
+        <p14:creationId xmlns:p14="http://schemas.microsoft.com/office/powerpoint/2010/main" val="1258524786"/>
       </p:ext>
     </p:extLst>
   </p:cSld>
@@ -8442,6 +8342,1013 @@
 </file>
 
 <file path=ppt/slides/slide12.xml><?xml version="1.0" encoding="utf-8"?>
+<p:sld xmlns:a="http://schemas.openxmlformats.org/drawingml/2006/main" xmlns:r="http://schemas.openxmlformats.org/officeDocument/2006/relationships" xmlns:p="http://schemas.openxmlformats.org/presentationml/2006/main">
+  <p:cSld>
+    <p:spTree>
+      <p:nvGrpSpPr>
+        <p:cNvPr id="1" name=""/>
+        <p:cNvGrpSpPr/>
+        <p:nvPr/>
+      </p:nvGrpSpPr>
+      <p:grpSpPr>
+        <a:xfrm>
+          <a:off x="0" y="0"/>
+          <a:ext cx="0" cy="0"/>
+          <a:chOff x="0" y="0"/>
+          <a:chExt cx="0" cy="0"/>
+        </a:xfrm>
+      </p:grpSpPr>
+      <p:sp>
+        <p:nvSpPr>
+          <p:cNvPr id="2" name="Title 1"/>
+          <p:cNvSpPr>
+            <a:spLocks noGrp="1"/>
+          </p:cNvSpPr>
+          <p:nvPr>
+            <p:ph type="title"/>
+          </p:nvPr>
+        </p:nvSpPr>
+        <p:spPr/>
+        <p:txBody>
+          <a:bodyPr/>
+          <a:lstStyle/>
+          <a:p>
+            <a:r>
+              <a:rPr lang="en-US" dirty="0" smtClean="0"/>
+              <a:t>What about the data?</a:t>
+            </a:r>
+            <a:endParaRPr lang="en-US" dirty="0"/>
+          </a:p>
+        </p:txBody>
+      </p:sp>
+      <p:sp>
+        <p:nvSpPr>
+          <p:cNvPr id="3" name="Content Placeholder 2"/>
+          <p:cNvSpPr>
+            <a:spLocks noGrp="1"/>
+          </p:cNvSpPr>
+          <p:nvPr>
+            <p:ph idx="1"/>
+          </p:nvPr>
+        </p:nvSpPr>
+        <p:spPr/>
+        <p:txBody>
+          <a:bodyPr anchor="t"/>
+          <a:lstStyle/>
+          <a:p>
+            <a:r>
+              <a:rPr lang="en-US" dirty="0" smtClean="0"/>
+              <a:t>We can’t drop and recreate our table objects to match a branch of code.</a:t>
+            </a:r>
+          </a:p>
+          <a:p>
+            <a:r>
+              <a:rPr lang="en-US" dirty="0" smtClean="0"/>
+              <a:t>Copying data makes branching more complex</a:t>
+            </a:r>
+          </a:p>
+          <a:p>
+            <a:r>
+              <a:rPr lang="en-US" dirty="0" smtClean="0"/>
+              <a:t>Our schema isn’t just “code”</a:t>
+            </a:r>
+            <a:endParaRPr lang="en-US" dirty="0"/>
+          </a:p>
+        </p:txBody>
+      </p:sp>
+    </p:spTree>
+    <p:extLst>
+      <p:ext uri="{BB962C8B-B14F-4D97-AF65-F5344CB8AC3E}">
+        <p14:creationId xmlns:p14="http://schemas.microsoft.com/office/powerpoint/2010/main" val="1222131821"/>
+      </p:ext>
+    </p:extLst>
+  </p:cSld>
+  <p:clrMapOvr>
+    <a:masterClrMapping/>
+  </p:clrMapOvr>
+</p:sld>
+</file>
+
+<file path=ppt/slides/slide13.xml><?xml version="1.0" encoding="utf-8"?>
+<p:sld xmlns:a="http://schemas.openxmlformats.org/drawingml/2006/main" xmlns:r="http://schemas.openxmlformats.org/officeDocument/2006/relationships" xmlns:p="http://schemas.openxmlformats.org/presentationml/2006/main">
+  <p:cSld>
+    <p:spTree>
+      <p:nvGrpSpPr>
+        <p:cNvPr id="1" name=""/>
+        <p:cNvGrpSpPr/>
+        <p:nvPr/>
+      </p:nvGrpSpPr>
+      <p:grpSpPr>
+        <a:xfrm>
+          <a:off x="0" y="0"/>
+          <a:ext cx="0" cy="0"/>
+          <a:chOff x="0" y="0"/>
+          <a:chExt cx="0" cy="0"/>
+        </a:xfrm>
+      </p:grpSpPr>
+      <p:sp>
+        <p:nvSpPr>
+          <p:cNvPr id="2" name="Title 1"/>
+          <p:cNvSpPr>
+            <a:spLocks noGrp="1"/>
+          </p:cNvSpPr>
+          <p:nvPr>
+            <p:ph type="title"/>
+          </p:nvPr>
+        </p:nvSpPr>
+        <p:spPr>
+          <a:xfrm>
+            <a:off x="457200" y="685800"/>
+            <a:ext cx="8229600" cy="1143000"/>
+          </a:xfrm>
+        </p:spPr>
+        <p:txBody>
+          <a:bodyPr/>
+          <a:lstStyle/>
+          <a:p>
+            <a:r>
+              <a:rPr lang="en-US" dirty="0" smtClean="0"/>
+              <a:t>Why </a:t>
+            </a:r>
+            <a:r>
+              <a:rPr lang="en-US" dirty="0" smtClean="0"/>
+              <a:t>is</a:t>
+            </a:r>
+            <a:r>
+              <a:rPr lang="en-US" dirty="0" smtClean="0"/>
+              <a:t> </a:t>
+            </a:r>
+            <a:r>
+              <a:rPr lang="en-US" dirty="0" smtClean="0"/>
+              <a:t>this hard?</a:t>
+            </a:r>
+            <a:endParaRPr lang="en-US" dirty="0"/>
+          </a:p>
+        </p:txBody>
+      </p:sp>
+      <p:sp>
+        <p:nvSpPr>
+          <p:cNvPr id="3" name="Content Placeholder 2"/>
+          <p:cNvSpPr>
+            <a:spLocks noGrp="1"/>
+          </p:cNvSpPr>
+          <p:nvPr>
+            <p:ph idx="1"/>
+          </p:nvPr>
+        </p:nvSpPr>
+        <p:spPr>
+          <a:xfrm>
+            <a:off x="432335" y="1828800"/>
+            <a:ext cx="8229600" cy="3810000"/>
+          </a:xfrm>
+        </p:spPr>
+        <p:txBody>
+          <a:bodyPr anchor="t"/>
+          <a:lstStyle/>
+          <a:p>
+            <a:r>
+              <a:rPr lang="en-US" dirty="0" smtClean="0"/>
+              <a:t>The table is a container</a:t>
+            </a:r>
+          </a:p>
+          <a:p>
+            <a:r>
+              <a:rPr lang="en-US" dirty="0" smtClean="0"/>
+              <a:t>Some parts of schema alteration mean we have extra or no buckets.</a:t>
+            </a:r>
+            <a:endParaRPr lang="en-US" dirty="0"/>
+          </a:p>
+        </p:txBody>
+      </p:sp>
+    </p:spTree>
+    <p:extLst>
+      <p:ext uri="{BB962C8B-B14F-4D97-AF65-F5344CB8AC3E}">
+        <p14:creationId xmlns:p14="http://schemas.microsoft.com/office/powerpoint/2010/main" val="323030245"/>
+      </p:ext>
+    </p:extLst>
+  </p:cSld>
+  <p:clrMapOvr>
+    <a:masterClrMapping/>
+  </p:clrMapOvr>
+</p:sld>
+</file>
+
+<file path=ppt/slides/slide14.xml><?xml version="1.0" encoding="utf-8"?>
+<p:sld xmlns:a="http://schemas.openxmlformats.org/drawingml/2006/main" xmlns:r="http://schemas.openxmlformats.org/officeDocument/2006/relationships" xmlns:p="http://schemas.openxmlformats.org/presentationml/2006/main">
+  <p:cSld>
+    <p:spTree>
+      <p:nvGrpSpPr>
+        <p:cNvPr id="1" name=""/>
+        <p:cNvGrpSpPr/>
+        <p:nvPr/>
+      </p:nvGrpSpPr>
+      <p:grpSpPr>
+        <a:xfrm>
+          <a:off x="0" y="0"/>
+          <a:ext cx="0" cy="0"/>
+          <a:chOff x="0" y="0"/>
+          <a:chExt cx="0" cy="0"/>
+        </a:xfrm>
+      </p:grpSpPr>
+      <p:sp>
+        <p:nvSpPr>
+          <p:cNvPr id="5" name="Title 4"/>
+          <p:cNvSpPr>
+            <a:spLocks noGrp="1"/>
+          </p:cNvSpPr>
+          <p:nvPr>
+            <p:ph type="title"/>
+          </p:nvPr>
+        </p:nvSpPr>
+        <p:spPr/>
+        <p:txBody>
+          <a:bodyPr/>
+          <a:lstStyle/>
+          <a:p>
+            <a:r>
+              <a:rPr lang="en-US" dirty="0" smtClean="0"/>
+              <a:t>Branch Problems</a:t>
+            </a:r>
+            <a:endParaRPr lang="en-US" dirty="0"/>
+          </a:p>
+        </p:txBody>
+      </p:sp>
+      <p:pic>
+        <p:nvPicPr>
+          <p:cNvPr id="7" name="Content Placeholder 6"/>
+          <p:cNvPicPr>
+            <a:picLocks noGrp="1" noChangeAspect="1"/>
+          </p:cNvPicPr>
+          <p:nvPr>
+            <p:ph idx="1"/>
+          </p:nvPr>
+        </p:nvPicPr>
+        <p:blipFill>
+          <a:blip r:embed="rId2">
+            <a:extLst>
+              <a:ext uri="{28A0092B-C50C-407E-A947-70E740481C1C}">
+                <a14:useLocalDpi xmlns:a14="http://schemas.microsoft.com/office/drawing/2010/main" val="0"/>
+              </a:ext>
+            </a:extLst>
+          </a:blip>
+          <a:stretch>
+            <a:fillRect/>
+          </a:stretch>
+        </p:blipFill>
+        <p:spPr>
+          <a:xfrm>
+            <a:off x="649186" y="2362200"/>
+            <a:ext cx="2794144" cy="2692538"/>
+          </a:xfrm>
+        </p:spPr>
+      </p:pic>
+      <p:sp>
+        <p:nvSpPr>
+          <p:cNvPr id="4" name="Footer Placeholder 3"/>
+          <p:cNvSpPr>
+            <a:spLocks noGrp="1"/>
+          </p:cNvSpPr>
+          <p:nvPr>
+            <p:ph type="ftr" sz="quarter" idx="10"/>
+          </p:nvPr>
+        </p:nvSpPr>
+        <p:spPr/>
+        <p:txBody>
+          <a:bodyPr/>
+          <a:lstStyle/>
+          <a:p>
+            <a:pPr>
+              <a:defRPr/>
+            </a:pPr>
+            <a:r>
+              <a:rPr lang="en-US" smtClean="0"/>
+              <a:t>#ITDEVCON</a:t>
+            </a:r>
+            <a:endParaRPr lang="en-US"/>
+          </a:p>
+        </p:txBody>
+      </p:sp>
+      <p:sp>
+        <p:nvSpPr>
+          <p:cNvPr id="8" name="TextBox 7"/>
+          <p:cNvSpPr txBox="1"/>
+          <p:nvPr/>
+        </p:nvSpPr>
+        <p:spPr>
+          <a:xfrm>
+            <a:off x="914400" y="1828800"/>
+            <a:ext cx="1981200" cy="461665"/>
+          </a:xfrm>
+          <a:prstGeom prst="rect">
+            <a:avLst/>
+          </a:prstGeom>
+          <a:noFill/>
+        </p:spPr>
+        <p:txBody>
+          <a:bodyPr wrap="square" rtlCol="0">
+            <a:spAutoFit/>
+          </a:bodyPr>
+          <a:lstStyle/>
+          <a:p>
+            <a:pPr algn="ctr"/>
+            <a:r>
+              <a:rPr lang="en-US" sz="2400" b="1" dirty="0" smtClean="0"/>
+              <a:t>Trunk</a:t>
+            </a:r>
+            <a:endParaRPr lang="en-US" sz="2400" b="1" dirty="0"/>
+          </a:p>
+        </p:txBody>
+      </p:sp>
+      <p:sp>
+        <p:nvSpPr>
+          <p:cNvPr id="9" name="TextBox 8"/>
+          <p:cNvSpPr txBox="1"/>
+          <p:nvPr/>
+        </p:nvSpPr>
+        <p:spPr>
+          <a:xfrm>
+            <a:off x="5486400" y="1900535"/>
+            <a:ext cx="2667000" cy="461665"/>
+          </a:xfrm>
+          <a:prstGeom prst="rect">
+            <a:avLst/>
+          </a:prstGeom>
+          <a:noFill/>
+        </p:spPr>
+        <p:txBody>
+          <a:bodyPr wrap="square" rtlCol="0">
+            <a:spAutoFit/>
+          </a:bodyPr>
+          <a:lstStyle/>
+          <a:p>
+            <a:pPr algn="ctr"/>
+            <a:r>
+              <a:rPr lang="en-US" sz="2400" b="1" dirty="0" smtClean="0"/>
+              <a:t>Feature Branch</a:t>
+            </a:r>
+            <a:endParaRPr lang="en-US" sz="2400" b="1" dirty="0"/>
+          </a:p>
+        </p:txBody>
+      </p:sp>
+      <p:pic>
+        <p:nvPicPr>
+          <p:cNvPr id="10" name="Picture 9"/>
+          <p:cNvPicPr>
+            <a:picLocks noChangeAspect="1"/>
+          </p:cNvPicPr>
+          <p:nvPr/>
+        </p:nvPicPr>
+        <p:blipFill>
+          <a:blip r:embed="rId3">
+            <a:extLst>
+              <a:ext uri="{28A0092B-C50C-407E-A947-70E740481C1C}">
+                <a14:useLocalDpi xmlns:a14="http://schemas.microsoft.com/office/drawing/2010/main" val="0"/>
+              </a:ext>
+            </a:extLst>
+          </a:blip>
+          <a:stretch>
+            <a:fillRect/>
+          </a:stretch>
+        </p:blipFill>
+        <p:spPr>
+          <a:xfrm>
+            <a:off x="5562600" y="2438400"/>
+            <a:ext cx="2686188" cy="1803493"/>
+          </a:xfrm>
+          <a:prstGeom prst="rect">
+            <a:avLst/>
+          </a:prstGeom>
+        </p:spPr>
+      </p:pic>
+      <p:sp>
+        <p:nvSpPr>
+          <p:cNvPr id="11" name="Right Brace 10"/>
+          <p:cNvSpPr/>
+          <p:nvPr/>
+        </p:nvSpPr>
+        <p:spPr>
+          <a:xfrm>
+            <a:off x="3439319" y="3505200"/>
+            <a:ext cx="294481" cy="1066800"/>
+          </a:xfrm>
+          <a:prstGeom prst="rightBrace">
+            <a:avLst/>
+          </a:prstGeom>
+          <a:ln>
+            <a:solidFill>
+              <a:srgbClr val="FF0000"/>
+            </a:solidFill>
+          </a:ln>
+        </p:spPr>
+        <p:style>
+          <a:lnRef idx="2">
+            <a:schemeClr val="accent1"/>
+          </a:lnRef>
+          <a:fillRef idx="0">
+            <a:schemeClr val="accent1"/>
+          </a:fillRef>
+          <a:effectRef idx="1">
+            <a:schemeClr val="accent1"/>
+          </a:effectRef>
+          <a:fontRef idx="minor">
+            <a:schemeClr val="tx1"/>
+          </a:fontRef>
+        </p:style>
+        <p:txBody>
+          <a:bodyPr rtlCol="0" anchor="ctr"/>
+          <a:lstStyle/>
+          <a:p>
+            <a:pPr algn="ctr"/>
+            <a:endParaRPr lang="en-US"/>
+          </a:p>
+        </p:txBody>
+      </p:sp>
+      <p:sp>
+        <p:nvSpPr>
+          <p:cNvPr id="12" name="Left Brace 11"/>
+          <p:cNvSpPr/>
+          <p:nvPr/>
+        </p:nvSpPr>
+        <p:spPr>
+          <a:xfrm>
+            <a:off x="5181600" y="3581400"/>
+            <a:ext cx="381000" cy="304800"/>
+          </a:xfrm>
+          <a:prstGeom prst="leftBrace">
+            <a:avLst/>
+          </a:prstGeom>
+          <a:ln>
+            <a:solidFill>
+              <a:srgbClr val="FF0000"/>
+            </a:solidFill>
+          </a:ln>
+        </p:spPr>
+        <p:style>
+          <a:lnRef idx="2">
+            <a:schemeClr val="accent1"/>
+          </a:lnRef>
+          <a:fillRef idx="0">
+            <a:schemeClr val="accent1"/>
+          </a:fillRef>
+          <a:effectRef idx="1">
+            <a:schemeClr val="accent1"/>
+          </a:effectRef>
+          <a:fontRef idx="minor">
+            <a:schemeClr val="tx1"/>
+          </a:fontRef>
+        </p:style>
+        <p:txBody>
+          <a:bodyPr rtlCol="0" anchor="ctr"/>
+          <a:lstStyle/>
+          <a:p>
+            <a:pPr algn="ctr"/>
+            <a:endParaRPr lang="en-US"/>
+          </a:p>
+        </p:txBody>
+      </p:sp>
+      <p:cxnSp>
+        <p:nvCxnSpPr>
+          <p:cNvPr id="14" name="Straight Arrow Connector 13"/>
+          <p:cNvCxnSpPr>
+            <a:stCxn id="11" idx="1"/>
+            <a:endCxn id="12" idx="1"/>
+          </p:cNvCxnSpPr>
+          <p:nvPr/>
+        </p:nvCxnSpPr>
+        <p:spPr>
+          <a:xfrm flipV="1">
+            <a:off x="3733800" y="3733800"/>
+            <a:ext cx="1447800" cy="304800"/>
+          </a:xfrm>
+          <a:prstGeom prst="straightConnector1">
+            <a:avLst/>
+          </a:prstGeom>
+          <a:ln>
+            <a:solidFill>
+              <a:srgbClr val="FF0000"/>
+            </a:solidFill>
+            <a:headEnd type="triangle"/>
+            <a:tailEnd type="triangle"/>
+          </a:ln>
+        </p:spPr>
+        <p:style>
+          <a:lnRef idx="2">
+            <a:schemeClr val="accent1"/>
+          </a:lnRef>
+          <a:fillRef idx="0">
+            <a:schemeClr val="accent1"/>
+          </a:fillRef>
+          <a:effectRef idx="1">
+            <a:schemeClr val="accent1"/>
+          </a:effectRef>
+          <a:fontRef idx="minor">
+            <a:schemeClr val="tx1"/>
+          </a:fontRef>
+        </p:style>
+      </p:cxnSp>
+    </p:spTree>
+    <p:extLst>
+      <p:ext uri="{BB962C8B-B14F-4D97-AF65-F5344CB8AC3E}">
+        <p14:creationId xmlns:p14="http://schemas.microsoft.com/office/powerpoint/2010/main" val="4025930833"/>
+      </p:ext>
+    </p:extLst>
+  </p:cSld>
+  <p:clrMapOvr>
+    <a:masterClrMapping/>
+  </p:clrMapOvr>
+</p:sld>
+</file>
+
+<file path=ppt/slides/slide15.xml><?xml version="1.0" encoding="utf-8"?>
+<p:sld xmlns:a="http://schemas.openxmlformats.org/drawingml/2006/main" xmlns:r="http://schemas.openxmlformats.org/officeDocument/2006/relationships" xmlns:p="http://schemas.openxmlformats.org/presentationml/2006/main">
+  <p:cSld>
+    <p:spTree>
+      <p:nvGrpSpPr>
+        <p:cNvPr id="1" name=""/>
+        <p:cNvGrpSpPr/>
+        <p:nvPr/>
+      </p:nvGrpSpPr>
+      <p:grpSpPr>
+        <a:xfrm>
+          <a:off x="0" y="0"/>
+          <a:ext cx="0" cy="0"/>
+          <a:chOff x="0" y="0"/>
+          <a:chExt cx="0" cy="0"/>
+        </a:xfrm>
+      </p:grpSpPr>
+      <p:sp>
+        <p:nvSpPr>
+          <p:cNvPr id="5" name="Title 4"/>
+          <p:cNvSpPr>
+            <a:spLocks noGrp="1"/>
+          </p:cNvSpPr>
+          <p:nvPr>
+            <p:ph type="title"/>
+          </p:nvPr>
+        </p:nvSpPr>
+        <p:spPr/>
+        <p:txBody>
+          <a:bodyPr/>
+          <a:lstStyle/>
+          <a:p>
+            <a:r>
+              <a:rPr lang="en-US" dirty="0" smtClean="0"/>
+              <a:t>Branch Problems</a:t>
+            </a:r>
+            <a:endParaRPr lang="en-US" dirty="0"/>
+          </a:p>
+        </p:txBody>
+      </p:sp>
+      <p:pic>
+        <p:nvPicPr>
+          <p:cNvPr id="7" name="Content Placeholder 6"/>
+          <p:cNvPicPr>
+            <a:picLocks noGrp="1" noChangeAspect="1"/>
+          </p:cNvPicPr>
+          <p:nvPr>
+            <p:ph idx="1"/>
+          </p:nvPr>
+        </p:nvPicPr>
+        <p:blipFill>
+          <a:blip r:embed="rId2">
+            <a:extLst>
+              <a:ext uri="{28A0092B-C50C-407E-A947-70E740481C1C}">
+                <a14:useLocalDpi xmlns:a14="http://schemas.microsoft.com/office/drawing/2010/main" val="0"/>
+              </a:ext>
+            </a:extLst>
+          </a:blip>
+          <a:stretch>
+            <a:fillRect/>
+          </a:stretch>
+        </p:blipFill>
+        <p:spPr>
+          <a:xfrm>
+            <a:off x="649186" y="2362200"/>
+            <a:ext cx="2794144" cy="2692538"/>
+          </a:xfrm>
+        </p:spPr>
+      </p:pic>
+      <p:sp>
+        <p:nvSpPr>
+          <p:cNvPr id="4" name="Footer Placeholder 3"/>
+          <p:cNvSpPr>
+            <a:spLocks noGrp="1"/>
+          </p:cNvSpPr>
+          <p:nvPr>
+            <p:ph type="ftr" sz="quarter" idx="10"/>
+          </p:nvPr>
+        </p:nvSpPr>
+        <p:spPr/>
+        <p:txBody>
+          <a:bodyPr/>
+          <a:lstStyle/>
+          <a:p>
+            <a:pPr>
+              <a:defRPr/>
+            </a:pPr>
+            <a:r>
+              <a:rPr lang="en-US" smtClean="0"/>
+              <a:t>#ITDEVCON</a:t>
+            </a:r>
+            <a:endParaRPr lang="en-US"/>
+          </a:p>
+        </p:txBody>
+      </p:sp>
+      <p:sp>
+        <p:nvSpPr>
+          <p:cNvPr id="8" name="TextBox 7"/>
+          <p:cNvSpPr txBox="1"/>
+          <p:nvPr/>
+        </p:nvSpPr>
+        <p:spPr>
+          <a:xfrm>
+            <a:off x="914400" y="1828800"/>
+            <a:ext cx="1981200" cy="461665"/>
+          </a:xfrm>
+          <a:prstGeom prst="rect">
+            <a:avLst/>
+          </a:prstGeom>
+          <a:noFill/>
+        </p:spPr>
+        <p:txBody>
+          <a:bodyPr wrap="square" rtlCol="0">
+            <a:spAutoFit/>
+          </a:bodyPr>
+          <a:lstStyle/>
+          <a:p>
+            <a:pPr algn="ctr"/>
+            <a:r>
+              <a:rPr lang="en-US" sz="2400" b="1" dirty="0" smtClean="0"/>
+              <a:t>Trunk</a:t>
+            </a:r>
+            <a:endParaRPr lang="en-US" sz="2400" b="1" dirty="0"/>
+          </a:p>
+        </p:txBody>
+      </p:sp>
+      <p:sp>
+        <p:nvSpPr>
+          <p:cNvPr id="9" name="TextBox 8"/>
+          <p:cNvSpPr txBox="1"/>
+          <p:nvPr/>
+        </p:nvSpPr>
+        <p:spPr>
+          <a:xfrm>
+            <a:off x="5486400" y="1900535"/>
+            <a:ext cx="2667000" cy="461665"/>
+          </a:xfrm>
+          <a:prstGeom prst="rect">
+            <a:avLst/>
+          </a:prstGeom>
+          <a:noFill/>
+        </p:spPr>
+        <p:txBody>
+          <a:bodyPr wrap="square" rtlCol="0">
+            <a:spAutoFit/>
+          </a:bodyPr>
+          <a:lstStyle/>
+          <a:p>
+            <a:pPr algn="ctr"/>
+            <a:r>
+              <a:rPr lang="en-US" sz="2400" b="1" dirty="0" smtClean="0"/>
+              <a:t>Feature Branch</a:t>
+            </a:r>
+            <a:endParaRPr lang="en-US" sz="2400" b="1" dirty="0"/>
+          </a:p>
+        </p:txBody>
+      </p:sp>
+      <p:sp>
+        <p:nvSpPr>
+          <p:cNvPr id="11" name="Right Brace 10"/>
+          <p:cNvSpPr/>
+          <p:nvPr/>
+        </p:nvSpPr>
+        <p:spPr>
+          <a:xfrm>
+            <a:off x="3430496" y="5158385"/>
+            <a:ext cx="379504" cy="480415"/>
+          </a:xfrm>
+          <a:prstGeom prst="rightBrace">
+            <a:avLst/>
+          </a:prstGeom>
+          <a:ln>
+            <a:solidFill>
+              <a:srgbClr val="FF0000"/>
+            </a:solidFill>
+          </a:ln>
+        </p:spPr>
+        <p:style>
+          <a:lnRef idx="2">
+            <a:schemeClr val="accent1"/>
+          </a:lnRef>
+          <a:fillRef idx="0">
+            <a:schemeClr val="accent1"/>
+          </a:fillRef>
+          <a:effectRef idx="1">
+            <a:schemeClr val="accent1"/>
+          </a:effectRef>
+          <a:fontRef idx="minor">
+            <a:schemeClr val="tx1"/>
+          </a:fontRef>
+        </p:style>
+        <p:txBody>
+          <a:bodyPr rtlCol="0" anchor="ctr"/>
+          <a:lstStyle/>
+          <a:p>
+            <a:pPr algn="ctr"/>
+            <a:endParaRPr lang="en-US"/>
+          </a:p>
+        </p:txBody>
+      </p:sp>
+      <p:sp>
+        <p:nvSpPr>
+          <p:cNvPr id="12" name="Left Brace 11"/>
+          <p:cNvSpPr/>
+          <p:nvPr/>
+        </p:nvSpPr>
+        <p:spPr>
+          <a:xfrm>
+            <a:off x="5176677" y="4682954"/>
+            <a:ext cx="480970" cy="482738"/>
+          </a:xfrm>
+          <a:prstGeom prst="leftBrace">
+            <a:avLst/>
+          </a:prstGeom>
+          <a:ln>
+            <a:solidFill>
+              <a:srgbClr val="FF0000"/>
+            </a:solidFill>
+          </a:ln>
+        </p:spPr>
+        <p:style>
+          <a:lnRef idx="2">
+            <a:schemeClr val="accent1"/>
+          </a:lnRef>
+          <a:fillRef idx="0">
+            <a:schemeClr val="accent1"/>
+          </a:fillRef>
+          <a:effectRef idx="1">
+            <a:schemeClr val="accent1"/>
+          </a:effectRef>
+          <a:fontRef idx="minor">
+            <a:schemeClr val="tx1"/>
+          </a:fontRef>
+        </p:style>
+        <p:txBody>
+          <a:bodyPr rtlCol="0" anchor="ctr"/>
+          <a:lstStyle/>
+          <a:p>
+            <a:pPr algn="ctr"/>
+            <a:endParaRPr lang="en-US"/>
+          </a:p>
+        </p:txBody>
+      </p:sp>
+      <p:cxnSp>
+        <p:nvCxnSpPr>
+          <p:cNvPr id="14" name="Straight Arrow Connector 13"/>
+          <p:cNvCxnSpPr>
+            <a:stCxn id="11" idx="1"/>
+            <a:endCxn id="12" idx="1"/>
+          </p:cNvCxnSpPr>
+          <p:nvPr/>
+        </p:nvCxnSpPr>
+        <p:spPr>
+          <a:xfrm flipV="1">
+            <a:off x="3810000" y="4924323"/>
+            <a:ext cx="1366677" cy="474270"/>
+          </a:xfrm>
+          <a:prstGeom prst="straightConnector1">
+            <a:avLst/>
+          </a:prstGeom>
+          <a:ln>
+            <a:solidFill>
+              <a:srgbClr val="FF0000"/>
+            </a:solidFill>
+            <a:headEnd type="triangle"/>
+            <a:tailEnd type="triangle"/>
+          </a:ln>
+        </p:spPr>
+        <p:style>
+          <a:lnRef idx="2">
+            <a:schemeClr val="accent1"/>
+          </a:lnRef>
+          <a:fillRef idx="0">
+            <a:schemeClr val="accent1"/>
+          </a:fillRef>
+          <a:effectRef idx="1">
+            <a:schemeClr val="accent1"/>
+          </a:effectRef>
+          <a:fontRef idx="minor">
+            <a:schemeClr val="tx1"/>
+          </a:fontRef>
+        </p:style>
+      </p:cxnSp>
+      <p:sp>
+        <p:nvSpPr>
+          <p:cNvPr id="16" name="TextBox 15"/>
+          <p:cNvSpPr txBox="1"/>
+          <p:nvPr/>
+        </p:nvSpPr>
+        <p:spPr>
+          <a:xfrm>
+            <a:off x="1882726" y="5165692"/>
+            <a:ext cx="1066800" cy="646331"/>
+          </a:xfrm>
+          <a:prstGeom prst="rect">
+            <a:avLst/>
+          </a:prstGeom>
+          <a:noFill/>
+        </p:spPr>
+        <p:txBody>
+          <a:bodyPr wrap="square" rtlCol="0">
+            <a:spAutoFit/>
+          </a:bodyPr>
+          <a:lstStyle/>
+          <a:p>
+            <a:r>
+              <a:rPr lang="en-US" sz="3600" b="1" dirty="0">
+                <a:solidFill>
+                  <a:srgbClr val="FF0000"/>
+                </a:solidFill>
+              </a:rPr>
+              <a:t>?</a:t>
+            </a:r>
+          </a:p>
+        </p:txBody>
+      </p:sp>
+      <p:pic>
+        <p:nvPicPr>
+          <p:cNvPr id="17" name="Picture 16"/>
+          <p:cNvPicPr>
+            <a:picLocks noChangeAspect="1"/>
+          </p:cNvPicPr>
+          <p:nvPr/>
+        </p:nvPicPr>
+        <p:blipFill>
+          <a:blip r:embed="rId3">
+            <a:extLst>
+              <a:ext uri="{28A0092B-C50C-407E-A947-70E740481C1C}">
+                <a14:useLocalDpi xmlns:a14="http://schemas.microsoft.com/office/drawing/2010/main" val="0"/>
+              </a:ext>
+            </a:extLst>
+          </a:blip>
+          <a:stretch>
+            <a:fillRect/>
+          </a:stretch>
+        </p:blipFill>
+        <p:spPr>
+          <a:xfrm>
+            <a:off x="5670481" y="2438247"/>
+            <a:ext cx="2959252" cy="2971953"/>
+          </a:xfrm>
+          <a:prstGeom prst="rect">
+            <a:avLst/>
+          </a:prstGeom>
+        </p:spPr>
+      </p:pic>
+    </p:spTree>
+    <p:extLst>
+      <p:ext uri="{BB962C8B-B14F-4D97-AF65-F5344CB8AC3E}">
+        <p14:creationId xmlns:p14="http://schemas.microsoft.com/office/powerpoint/2010/main" val="79004310"/>
+      </p:ext>
+    </p:extLst>
+  </p:cSld>
+  <p:clrMapOvr>
+    <a:masterClrMapping/>
+  </p:clrMapOvr>
+</p:sld>
+</file>
+
+<file path=ppt/slides/slide16.xml><?xml version="1.0" encoding="utf-8"?>
+<p:sld xmlns:a="http://schemas.openxmlformats.org/drawingml/2006/main" xmlns:r="http://schemas.openxmlformats.org/officeDocument/2006/relationships" xmlns:p="http://schemas.openxmlformats.org/presentationml/2006/main">
+  <p:cSld>
+    <p:spTree>
+      <p:nvGrpSpPr>
+        <p:cNvPr id="1" name=""/>
+        <p:cNvGrpSpPr/>
+        <p:nvPr/>
+      </p:nvGrpSpPr>
+      <p:grpSpPr>
+        <a:xfrm>
+          <a:off x="0" y="0"/>
+          <a:ext cx="0" cy="0"/>
+          <a:chOff x="0" y="0"/>
+          <a:chExt cx="0" cy="0"/>
+        </a:xfrm>
+      </p:grpSpPr>
+      <p:sp>
+        <p:nvSpPr>
+          <p:cNvPr id="5" name="Title 4"/>
+          <p:cNvSpPr>
+            <a:spLocks noGrp="1"/>
+          </p:cNvSpPr>
+          <p:nvPr>
+            <p:ph type="title"/>
+          </p:nvPr>
+        </p:nvSpPr>
+        <p:spPr/>
+        <p:txBody>
+          <a:bodyPr/>
+          <a:lstStyle/>
+          <a:p>
+            <a:r>
+              <a:rPr lang="en-US" dirty="0" smtClean="0"/>
+              <a:t>What do we do?</a:t>
+            </a:r>
+            <a:endParaRPr lang="en-US" dirty="0"/>
+          </a:p>
+        </p:txBody>
+      </p:sp>
+      <p:sp>
+        <p:nvSpPr>
+          <p:cNvPr id="6" name="Content Placeholder 5"/>
+          <p:cNvSpPr>
+            <a:spLocks noGrp="1"/>
+          </p:cNvSpPr>
+          <p:nvPr>
+            <p:ph idx="1"/>
+          </p:nvPr>
+        </p:nvSpPr>
+        <p:spPr/>
+        <p:txBody>
+          <a:bodyPr anchor="t"/>
+          <a:lstStyle/>
+          <a:p>
+            <a:r>
+              <a:rPr lang="en-US" dirty="0" smtClean="0"/>
+              <a:t>Various Options</a:t>
+            </a:r>
+          </a:p>
+          <a:p>
+            <a:pPr lvl="1"/>
+            <a:r>
+              <a:rPr lang="en-US" dirty="0" smtClean="0"/>
+              <a:t>Shared database (not recommended)</a:t>
+            </a:r>
+          </a:p>
+          <a:p>
+            <a:pPr lvl="1"/>
+            <a:r>
+              <a:rPr lang="en-US" dirty="0" smtClean="0"/>
+              <a:t>Very short-lived branches (fast merges)</a:t>
+            </a:r>
+          </a:p>
+          <a:p>
+            <a:pPr lvl="1"/>
+            <a:r>
+              <a:rPr lang="en-US" dirty="0" smtClean="0"/>
+              <a:t>Good communication</a:t>
+            </a:r>
+          </a:p>
+          <a:p>
+            <a:pPr lvl="1"/>
+            <a:r>
+              <a:rPr lang="en-US" dirty="0" smtClean="0"/>
+              <a:t>Sample data scripts stored in VCS</a:t>
+            </a:r>
+            <a:endParaRPr lang="en-US" dirty="0"/>
+          </a:p>
+        </p:txBody>
+      </p:sp>
+      <p:sp>
+        <p:nvSpPr>
+          <p:cNvPr id="4" name="Footer Placeholder 3"/>
+          <p:cNvSpPr>
+            <a:spLocks noGrp="1"/>
+          </p:cNvSpPr>
+          <p:nvPr>
+            <p:ph type="ftr" sz="quarter" idx="10"/>
+          </p:nvPr>
+        </p:nvSpPr>
+        <p:spPr/>
+        <p:txBody>
+          <a:bodyPr/>
+          <a:lstStyle/>
+          <a:p>
+            <a:pPr>
+              <a:defRPr/>
+            </a:pPr>
+            <a:r>
+              <a:rPr lang="en-US" smtClean="0"/>
+              <a:t>#ITDEVCON</a:t>
+            </a:r>
+            <a:endParaRPr lang="en-US"/>
+          </a:p>
+        </p:txBody>
+      </p:sp>
+    </p:spTree>
+    <p:extLst>
+      <p:ext uri="{BB962C8B-B14F-4D97-AF65-F5344CB8AC3E}">
+        <p14:creationId xmlns:p14="http://schemas.microsoft.com/office/powerpoint/2010/main" val="681740000"/>
+      </p:ext>
+    </p:extLst>
+  </p:cSld>
+  <p:clrMapOvr>
+    <a:masterClrMapping/>
+  </p:clrMapOvr>
+</p:sld>
+</file>
+
+<file path=ppt/slides/slide17.xml><?xml version="1.0" encoding="utf-8"?>
 <p:sld xmlns:a="http://schemas.openxmlformats.org/drawingml/2006/main" xmlns:r="http://schemas.openxmlformats.org/officeDocument/2006/relationships" xmlns:p="http://schemas.openxmlformats.org/presentationml/2006/main">
   <p:cSld>
     <p:spTree>
@@ -8523,7 +9430,7 @@
 </p:sld>
 </file>
 
-<file path=ppt/slides/slide13.xml><?xml version="1.0" encoding="utf-8"?>
+<file path=ppt/slides/slide18.xml><?xml version="1.0" encoding="utf-8"?>
 <p:sld xmlns:a="http://schemas.openxmlformats.org/drawingml/2006/main" xmlns:r="http://schemas.openxmlformats.org/officeDocument/2006/relationships" xmlns:p="http://schemas.openxmlformats.org/presentationml/2006/main">
   <p:cSld>
     <p:spTree>
@@ -8661,483 +9568,6 @@
 </p:sld>
 </file>
 
-<file path=ppt/slides/slide14.xml><?xml version="1.0" encoding="utf-8"?>
-<p:sld xmlns:a="http://schemas.openxmlformats.org/drawingml/2006/main" xmlns:r="http://schemas.openxmlformats.org/officeDocument/2006/relationships" xmlns:p="http://schemas.openxmlformats.org/presentationml/2006/main">
-  <p:cSld>
-    <p:spTree>
-      <p:nvGrpSpPr>
-        <p:cNvPr id="1" name=""/>
-        <p:cNvGrpSpPr/>
-        <p:nvPr/>
-      </p:nvGrpSpPr>
-      <p:grpSpPr>
-        <a:xfrm>
-          <a:off x="0" y="0"/>
-          <a:ext cx="0" cy="0"/>
-          <a:chOff x="0" y="0"/>
-          <a:chExt cx="0" cy="0"/>
-        </a:xfrm>
-      </p:grpSpPr>
-      <p:sp>
-        <p:nvSpPr>
-          <p:cNvPr id="2" name="Title 1"/>
-          <p:cNvSpPr>
-            <a:spLocks noGrp="1"/>
-          </p:cNvSpPr>
-          <p:nvPr>
-            <p:ph type="title"/>
-          </p:nvPr>
-        </p:nvSpPr>
-        <p:spPr/>
-        <p:txBody>
-          <a:bodyPr/>
-          <a:lstStyle/>
-          <a:p>
-            <a:r>
-              <a:rPr lang="en-US" dirty="0" smtClean="0"/>
-              <a:t>Branching Types</a:t>
-            </a:r>
-            <a:endParaRPr lang="en-US" dirty="0"/>
-          </a:p>
-        </p:txBody>
-      </p:sp>
-      <p:sp>
-        <p:nvSpPr>
-          <p:cNvPr id="3" name="Content Placeholder 2"/>
-          <p:cNvSpPr>
-            <a:spLocks noGrp="1"/>
-          </p:cNvSpPr>
-          <p:nvPr>
-            <p:ph idx="1"/>
-          </p:nvPr>
-        </p:nvSpPr>
-        <p:spPr/>
-        <p:txBody>
-          <a:bodyPr/>
-          <a:lstStyle/>
-          <a:p>
-            <a:r>
-              <a:rPr lang="en-US" dirty="0" smtClean="0"/>
-              <a:t>Feature Branches</a:t>
-            </a:r>
-          </a:p>
-          <a:p>
-            <a:r>
-              <a:rPr lang="en-US" dirty="0" smtClean="0"/>
-              <a:t>Release Branches</a:t>
-            </a:r>
-          </a:p>
-          <a:p>
-            <a:pPr marL="0" indent="0">
-              <a:buNone/>
-            </a:pPr>
-            <a:endParaRPr lang="en-US" dirty="0"/>
-          </a:p>
-          <a:p>
-            <a:pPr marL="0" indent="0">
-              <a:buNone/>
-            </a:pPr>
-            <a:r>
-              <a:rPr lang="en-US" dirty="0" smtClean="0"/>
-              <a:t>Any of these can work with databases, however…</a:t>
-            </a:r>
-          </a:p>
-          <a:p>
-            <a:pPr marL="0" indent="0">
-              <a:buNone/>
-            </a:pPr>
-            <a:endParaRPr lang="en-US" dirty="0"/>
-          </a:p>
-        </p:txBody>
-      </p:sp>
-    </p:spTree>
-    <p:extLst>
-      <p:ext uri="{BB962C8B-B14F-4D97-AF65-F5344CB8AC3E}">
-        <p14:creationId xmlns:p14="http://schemas.microsoft.com/office/powerpoint/2010/main" val="2263365525"/>
-      </p:ext>
-    </p:extLst>
-  </p:cSld>
-  <p:clrMapOvr>
-    <a:masterClrMapping/>
-  </p:clrMapOvr>
-</p:sld>
-</file>
-
-<file path=ppt/slides/slide15.xml><?xml version="1.0" encoding="utf-8"?>
-<p:sld xmlns:a="http://schemas.openxmlformats.org/drawingml/2006/main" xmlns:r="http://schemas.openxmlformats.org/officeDocument/2006/relationships" xmlns:p="http://schemas.openxmlformats.org/presentationml/2006/main">
-  <p:cSld>
-    <p:spTree>
-      <p:nvGrpSpPr>
-        <p:cNvPr id="1" name=""/>
-        <p:cNvGrpSpPr/>
-        <p:nvPr/>
-      </p:nvGrpSpPr>
-      <p:grpSpPr>
-        <a:xfrm>
-          <a:off x="0" y="0"/>
-          <a:ext cx="0" cy="0"/>
-          <a:chOff x="0" y="0"/>
-          <a:chExt cx="0" cy="0"/>
-        </a:xfrm>
-      </p:grpSpPr>
-      <p:sp>
-        <p:nvSpPr>
-          <p:cNvPr id="2" name="Title 1"/>
-          <p:cNvSpPr>
-            <a:spLocks noGrp="1"/>
-          </p:cNvSpPr>
-          <p:nvPr>
-            <p:ph type="title"/>
-          </p:nvPr>
-        </p:nvSpPr>
-        <p:spPr/>
-        <p:txBody>
-          <a:bodyPr/>
-          <a:lstStyle/>
-          <a:p>
-            <a:r>
-              <a:rPr lang="en-US" dirty="0" smtClean="0"/>
-              <a:t>We have data</a:t>
-            </a:r>
-            <a:endParaRPr lang="en-US" dirty="0"/>
-          </a:p>
-        </p:txBody>
-      </p:sp>
-      <p:pic>
-        <p:nvPicPr>
-          <p:cNvPr id="4" name="Content Placeholder 3"/>
-          <p:cNvPicPr>
-            <a:picLocks noGrp="1" noChangeAspect="1"/>
-          </p:cNvPicPr>
-          <p:nvPr>
-            <p:ph idx="1"/>
-          </p:nvPr>
-        </p:nvPicPr>
-        <p:blipFill>
-          <a:blip r:embed="rId3">
-            <a:extLst>
-              <a:ext uri="{28A0092B-C50C-407E-A947-70E740481C1C}">
-                <a14:useLocalDpi xmlns:a14="http://schemas.microsoft.com/office/drawing/2010/main" val="0"/>
-              </a:ext>
-            </a:extLst>
-          </a:blip>
-          <a:stretch>
-            <a:fillRect/>
-          </a:stretch>
-        </p:blipFill>
-        <p:spPr>
-          <a:xfrm>
-            <a:off x="1943100" y="1752600"/>
-            <a:ext cx="5257800" cy="3938275"/>
-          </a:xfrm>
-        </p:spPr>
-      </p:pic>
-    </p:spTree>
-    <p:extLst>
-      <p:ext uri="{BB962C8B-B14F-4D97-AF65-F5344CB8AC3E}">
-        <p14:creationId xmlns:p14="http://schemas.microsoft.com/office/powerpoint/2010/main" val="1258524786"/>
-      </p:ext>
-    </p:extLst>
-  </p:cSld>
-  <p:clrMapOvr>
-    <a:masterClrMapping/>
-  </p:clrMapOvr>
-</p:sld>
-</file>
-
-<file path=ppt/slides/slide16.xml><?xml version="1.0" encoding="utf-8"?>
-<p:sld xmlns:a="http://schemas.openxmlformats.org/drawingml/2006/main" xmlns:r="http://schemas.openxmlformats.org/officeDocument/2006/relationships" xmlns:p="http://schemas.openxmlformats.org/presentationml/2006/main">
-  <p:cSld>
-    <p:spTree>
-      <p:nvGrpSpPr>
-        <p:cNvPr id="1" name=""/>
-        <p:cNvGrpSpPr/>
-        <p:nvPr/>
-      </p:nvGrpSpPr>
-      <p:grpSpPr>
-        <a:xfrm>
-          <a:off x="0" y="0"/>
-          <a:ext cx="0" cy="0"/>
-          <a:chOff x="0" y="0"/>
-          <a:chExt cx="0" cy="0"/>
-        </a:xfrm>
-      </p:grpSpPr>
-      <p:sp>
-        <p:nvSpPr>
-          <p:cNvPr id="2" name="Title 1"/>
-          <p:cNvSpPr>
-            <a:spLocks noGrp="1"/>
-          </p:cNvSpPr>
-          <p:nvPr>
-            <p:ph type="title"/>
-          </p:nvPr>
-        </p:nvSpPr>
-        <p:spPr/>
-        <p:txBody>
-          <a:bodyPr/>
-          <a:lstStyle/>
-          <a:p>
-            <a:r>
-              <a:rPr lang="en-US" dirty="0" smtClean="0"/>
-              <a:t>What about the data?</a:t>
-            </a:r>
-            <a:endParaRPr lang="en-US" dirty="0"/>
-          </a:p>
-        </p:txBody>
-      </p:sp>
-      <p:sp>
-        <p:nvSpPr>
-          <p:cNvPr id="3" name="Content Placeholder 2"/>
-          <p:cNvSpPr>
-            <a:spLocks noGrp="1"/>
-          </p:cNvSpPr>
-          <p:nvPr>
-            <p:ph idx="1"/>
-          </p:nvPr>
-        </p:nvSpPr>
-        <p:spPr/>
-        <p:txBody>
-          <a:bodyPr/>
-          <a:lstStyle/>
-          <a:p>
-            <a:r>
-              <a:rPr lang="en-US" dirty="0" smtClean="0"/>
-              <a:t>We can’t drop and recreate our table objects to match a branch of code.</a:t>
-            </a:r>
-          </a:p>
-          <a:p>
-            <a:r>
-              <a:rPr lang="en-US" dirty="0" smtClean="0"/>
-              <a:t>Copying data makes branching more complex</a:t>
-            </a:r>
-          </a:p>
-          <a:p>
-            <a:r>
-              <a:rPr lang="en-US" dirty="0" smtClean="0"/>
-              <a:t>Our schema isn’t just “code”</a:t>
-            </a:r>
-            <a:endParaRPr lang="en-US" dirty="0"/>
-          </a:p>
-        </p:txBody>
-      </p:sp>
-    </p:spTree>
-    <p:extLst>
-      <p:ext uri="{BB962C8B-B14F-4D97-AF65-F5344CB8AC3E}">
-        <p14:creationId xmlns:p14="http://schemas.microsoft.com/office/powerpoint/2010/main" val="1222131821"/>
-      </p:ext>
-    </p:extLst>
-  </p:cSld>
-  <p:clrMapOvr>
-    <a:masterClrMapping/>
-  </p:clrMapOvr>
-</p:sld>
-</file>
-
-<file path=ppt/slides/slide17.xml><?xml version="1.0" encoding="utf-8"?>
-<p:sld xmlns:a="http://schemas.openxmlformats.org/drawingml/2006/main" xmlns:r="http://schemas.openxmlformats.org/officeDocument/2006/relationships" xmlns:p="http://schemas.openxmlformats.org/presentationml/2006/main">
-  <p:cSld>
-    <p:spTree>
-      <p:nvGrpSpPr>
-        <p:cNvPr id="1" name=""/>
-        <p:cNvGrpSpPr/>
-        <p:nvPr/>
-      </p:nvGrpSpPr>
-      <p:grpSpPr>
-        <a:xfrm>
-          <a:off x="0" y="0"/>
-          <a:ext cx="0" cy="0"/>
-          <a:chOff x="0" y="0"/>
-          <a:chExt cx="0" cy="0"/>
-        </a:xfrm>
-      </p:grpSpPr>
-      <p:sp>
-        <p:nvSpPr>
-          <p:cNvPr id="2" name="Title 1"/>
-          <p:cNvSpPr>
-            <a:spLocks noGrp="1"/>
-          </p:cNvSpPr>
-          <p:nvPr>
-            <p:ph type="title"/>
-          </p:nvPr>
-        </p:nvSpPr>
-        <p:spPr>
-          <a:xfrm>
-            <a:off x="457200" y="685800"/>
-            <a:ext cx="8229600" cy="1143000"/>
-          </a:xfrm>
-        </p:spPr>
-        <p:txBody>
-          <a:bodyPr/>
-          <a:lstStyle/>
-          <a:p>
-            <a:r>
-              <a:rPr lang="en-US" dirty="0" smtClean="0"/>
-              <a:t>Why does data make this hard?</a:t>
-            </a:r>
-            <a:endParaRPr lang="en-US" dirty="0"/>
-          </a:p>
-        </p:txBody>
-      </p:sp>
-      <p:sp>
-        <p:nvSpPr>
-          <p:cNvPr id="3" name="Content Placeholder 2"/>
-          <p:cNvSpPr>
-            <a:spLocks noGrp="1"/>
-          </p:cNvSpPr>
-          <p:nvPr>
-            <p:ph idx="1"/>
-          </p:nvPr>
-        </p:nvSpPr>
-        <p:spPr>
-          <a:xfrm>
-            <a:off x="462815" y="2286000"/>
-            <a:ext cx="8229600" cy="3810000"/>
-          </a:xfrm>
-        </p:spPr>
-        <p:txBody>
-          <a:bodyPr anchor="t"/>
-          <a:lstStyle/>
-          <a:p>
-            <a:r>
-              <a:rPr lang="en-US" dirty="0" smtClean="0"/>
-              <a:t>The table is a container</a:t>
-            </a:r>
-          </a:p>
-          <a:p>
-            <a:r>
-              <a:rPr lang="en-US" dirty="0" smtClean="0"/>
-              <a:t>Some parts of schema alteration mean we have extra or no buckets.</a:t>
-            </a:r>
-            <a:endParaRPr lang="en-US" dirty="0"/>
-          </a:p>
-        </p:txBody>
-      </p:sp>
-    </p:spTree>
-    <p:extLst>
-      <p:ext uri="{BB962C8B-B14F-4D97-AF65-F5344CB8AC3E}">
-        <p14:creationId xmlns:p14="http://schemas.microsoft.com/office/powerpoint/2010/main" val="323030245"/>
-      </p:ext>
-    </p:extLst>
-  </p:cSld>
-  <p:clrMapOvr>
-    <a:masterClrMapping/>
-  </p:clrMapOvr>
-</p:sld>
-</file>
-
-<file path=ppt/slides/slide18.xml><?xml version="1.0" encoding="utf-8"?>
-<p:sld xmlns:a="http://schemas.openxmlformats.org/drawingml/2006/main" xmlns:r="http://schemas.openxmlformats.org/officeDocument/2006/relationships" xmlns:p="http://schemas.openxmlformats.org/presentationml/2006/main">
-  <p:cSld>
-    <p:spTree>
-      <p:nvGrpSpPr>
-        <p:cNvPr id="1" name=""/>
-        <p:cNvGrpSpPr/>
-        <p:nvPr/>
-      </p:nvGrpSpPr>
-      <p:grpSpPr>
-        <a:xfrm>
-          <a:off x="0" y="0"/>
-          <a:ext cx="0" cy="0"/>
-          <a:chOff x="0" y="0"/>
-          <a:chExt cx="0" cy="0"/>
-        </a:xfrm>
-      </p:grpSpPr>
-      <p:sp>
-        <p:nvSpPr>
-          <p:cNvPr id="4" name="Title 3"/>
-          <p:cNvSpPr>
-            <a:spLocks noGrp="1"/>
-          </p:cNvSpPr>
-          <p:nvPr>
-            <p:ph type="title"/>
-          </p:nvPr>
-        </p:nvSpPr>
-        <p:spPr>
-          <a:xfrm>
-            <a:off x="381000" y="1066800"/>
-            <a:ext cx="8229600" cy="1143000"/>
-          </a:xfrm>
-        </p:spPr>
-        <p:txBody>
-          <a:bodyPr/>
-          <a:lstStyle/>
-          <a:p>
-            <a:pPr algn="l"/>
-            <a:r>
-              <a:rPr lang="en-US" dirty="0" smtClean="0"/>
-              <a:t>Demo</a:t>
-            </a:r>
-            <a:endParaRPr lang="en-US" dirty="0"/>
-          </a:p>
-        </p:txBody>
-      </p:sp>
-      <p:sp>
-        <p:nvSpPr>
-          <p:cNvPr id="5" name="Text Placeholder 4"/>
-          <p:cNvSpPr>
-            <a:spLocks noGrp="1"/>
-          </p:cNvSpPr>
-          <p:nvPr>
-            <p:ph idx="1"/>
-          </p:nvPr>
-        </p:nvSpPr>
-        <p:spPr>
-          <a:xfrm>
-            <a:off x="381000" y="1905000"/>
-            <a:ext cx="8229600" cy="1981200"/>
-          </a:xfrm>
-        </p:spPr>
-        <p:txBody>
-          <a:bodyPr/>
-          <a:lstStyle/>
-          <a:p>
-            <a:pPr marL="0" indent="0">
-              <a:buNone/>
-            </a:pPr>
-            <a:r>
-              <a:rPr lang="en-US" b="1" dirty="0" smtClean="0">
-                <a:solidFill>
-                  <a:schemeClr val="tx1"/>
-                </a:solidFill>
-              </a:rPr>
-              <a:t>Branch </a:t>
-            </a:r>
-            <a:r>
-              <a:rPr lang="en-US" b="1" dirty="0" smtClean="0">
-                <a:solidFill>
-                  <a:schemeClr val="tx1"/>
-                </a:solidFill>
-              </a:rPr>
-              <a:t>Issues with Code</a:t>
-            </a:r>
-            <a:endParaRPr lang="en-US" b="1" dirty="0">
-              <a:solidFill>
-                <a:schemeClr val="tx1"/>
-              </a:solidFill>
-            </a:endParaRPr>
-          </a:p>
-        </p:txBody>
-      </p:sp>
-    </p:spTree>
-    <p:extLst>
-      <p:ext uri="{BB962C8B-B14F-4D97-AF65-F5344CB8AC3E}">
-        <p14:creationId xmlns:p14="http://schemas.microsoft.com/office/powerpoint/2010/main" val="2158241043"/>
-      </p:ext>
-    </p:extLst>
-  </p:cSld>
-  <p:clrMapOvr>
-    <a:masterClrMapping/>
-  </p:clrMapOvr>
-  <p:timing>
-    <p:tnLst>
-      <p:par>
-        <p:cTn id="1" dur="indefinite" restart="never" nodeType="tmRoot"/>
-      </p:par>
-    </p:tnLst>
-  </p:timing>
-</p:sld>
-</file>
-
 <file path=ppt/slides/slide19.xml><?xml version="1.0" encoding="utf-8"?>
 <p:sld xmlns:a="http://schemas.openxmlformats.org/drawingml/2006/main" xmlns:r="http://schemas.openxmlformats.org/officeDocument/2006/relationships" xmlns:p="http://schemas.openxmlformats.org/presentationml/2006/main">
   <p:cSld>
@@ -9157,7 +9587,7 @@
       </p:grpSpPr>
       <p:sp>
         <p:nvSpPr>
-          <p:cNvPr id="4" name="Title 3"/>
+          <p:cNvPr id="7" name="Title 6"/>
           <p:cNvSpPr>
             <a:spLocks noGrp="1"/>
           </p:cNvSpPr>
@@ -9172,20 +9602,49 @@
           <a:p>
             <a:r>
               <a:rPr lang="en-US" dirty="0" smtClean="0"/>
-              <a:t>Demo</a:t>
+              <a:t>Application and Database</a:t>
             </a:r>
             <a:endParaRPr lang="en-US" dirty="0"/>
           </a:p>
         </p:txBody>
       </p:sp>
-      <p:sp>
-        <p:nvSpPr>
-          <p:cNvPr id="5" name="Text Placeholder 4"/>
+      <p:pic>
+        <p:nvPicPr>
+          <p:cNvPr id="9" name="Content Placeholder 8"/>
+          <p:cNvPicPr>
+            <a:picLocks noGrp="1" noChangeAspect="1"/>
+          </p:cNvPicPr>
+          <p:nvPr>
+            <p:ph idx="1"/>
+          </p:nvPr>
+        </p:nvPicPr>
+        <p:blipFill>
+          <a:blip r:embed="rId3">
+            <a:extLst>
+              <a:ext uri="{28A0092B-C50C-407E-A947-70E740481C1C}">
+                <a14:useLocalDpi xmlns:a14="http://schemas.microsoft.com/office/drawing/2010/main" val="0"/>
+              </a:ext>
+            </a:extLst>
+          </a:blip>
+          <a:stretch>
+            <a:fillRect/>
+          </a:stretch>
+        </p:blipFill>
+        <p:spPr>
+          <a:xfrm>
+            <a:off x="1371600" y="1828800"/>
+            <a:ext cx="2152761" cy="3905451"/>
+          </a:xfrm>
+        </p:spPr>
+      </p:pic>
+      <p:sp>
+        <p:nvSpPr>
+          <p:cNvPr id="4" name="Footer Placeholder 3"/>
           <p:cNvSpPr>
             <a:spLocks noGrp="1"/>
           </p:cNvSpPr>
           <p:nvPr>
-            <p:ph type="body" idx="1"/>
+            <p:ph type="ftr" sz="quarter" idx="10"/>
           </p:nvPr>
         </p:nvSpPr>
         <p:spPr/>
@@ -9193,39 +9652,101 @@
           <a:bodyPr/>
           <a:lstStyle/>
           <a:p>
-            <a:r>
-              <a:rPr lang="en-US" dirty="0" smtClean="0">
-                <a:solidFill>
-                  <a:schemeClr val="tx1"/>
-                </a:solidFill>
-              </a:rPr>
-              <a:t>Branch strategies</a:t>
-            </a:r>
-            <a:endParaRPr lang="en-US" dirty="0">
-              <a:solidFill>
-                <a:schemeClr val="tx1"/>
-              </a:solidFill>
-            </a:endParaRPr>
+            <a:pPr>
+              <a:defRPr/>
+            </a:pPr>
+            <a:r>
+              <a:rPr lang="en-US" smtClean="0"/>
+              <a:t>#ITDEVCON</a:t>
+            </a:r>
+            <a:endParaRPr lang="en-US"/>
+          </a:p>
+        </p:txBody>
+      </p:sp>
+      <p:pic>
+        <p:nvPicPr>
+          <p:cNvPr id="10" name="Picture 9"/>
+          <p:cNvPicPr>
+            <a:picLocks noChangeAspect="1"/>
+          </p:cNvPicPr>
+          <p:nvPr/>
+        </p:nvPicPr>
+        <p:blipFill>
+          <a:blip r:embed="rId4">
+            <a:extLst>
+              <a:ext uri="{28A0092B-C50C-407E-A947-70E740481C1C}">
+                <a14:useLocalDpi xmlns:a14="http://schemas.microsoft.com/office/drawing/2010/main" val="0"/>
+              </a:ext>
+            </a:extLst>
+          </a:blip>
+          <a:stretch>
+            <a:fillRect/>
+          </a:stretch>
+        </p:blipFill>
+        <p:spPr>
+          <a:xfrm>
+            <a:off x="4876800" y="1828800"/>
+            <a:ext cx="2222614" cy="3930852"/>
+          </a:xfrm>
+          <a:prstGeom prst="rect">
+            <a:avLst/>
+          </a:prstGeom>
+        </p:spPr>
+      </p:pic>
+      <p:sp>
+        <p:nvSpPr>
+          <p:cNvPr id="2" name="Oval 1"/>
+          <p:cNvSpPr/>
+          <p:nvPr/>
+        </p:nvSpPr>
+        <p:spPr>
+          <a:xfrm>
+            <a:off x="4610481" y="1447800"/>
+            <a:ext cx="2514600" cy="4500033"/>
+          </a:xfrm>
+          <a:prstGeom prst="ellipse">
+            <a:avLst/>
+          </a:prstGeom>
+          <a:noFill/>
+          <a:ln w="28575">
+            <a:solidFill>
+              <a:srgbClr val="FF0000"/>
+            </a:solidFill>
+          </a:ln>
+        </p:spPr>
+        <p:style>
+          <a:lnRef idx="1">
+            <a:schemeClr val="accent1"/>
+          </a:lnRef>
+          <a:fillRef idx="3">
+            <a:schemeClr val="accent1"/>
+          </a:fillRef>
+          <a:effectRef idx="2">
+            <a:schemeClr val="accent1"/>
+          </a:effectRef>
+          <a:fontRef idx="minor">
+            <a:schemeClr val="lt1"/>
+          </a:fontRef>
+        </p:style>
+        <p:txBody>
+          <a:bodyPr rtlCol="0" anchor="ctr"/>
+          <a:lstStyle/>
+          <a:p>
+            <a:pPr algn="ctr"/>
+            <a:endParaRPr lang="en-US"/>
           </a:p>
         </p:txBody>
       </p:sp>
     </p:spTree>
     <p:extLst>
       <p:ext uri="{BB962C8B-B14F-4D97-AF65-F5344CB8AC3E}">
-        <p14:creationId xmlns:p14="http://schemas.microsoft.com/office/powerpoint/2010/main" val="1844486463"/>
+        <p14:creationId xmlns:p14="http://schemas.microsoft.com/office/powerpoint/2010/main" val="3709657323"/>
       </p:ext>
     </p:extLst>
   </p:cSld>
   <p:clrMapOvr>
     <a:masterClrMapping/>
   </p:clrMapOvr>
-  <p:timing>
-    <p:tnLst>
-      <p:par>
-        <p:cTn id="1" dur="indefinite" restart="never" nodeType="tmRoot"/>
-      </p:par>
-    </p:tnLst>
-  </p:timing>
 </p:sld>
 </file>
 
@@ -9286,11 +9807,7 @@
           <a:p>
             <a:r>
               <a:rPr lang="en-US" dirty="0" smtClean="0"/>
-              <a:t>Who Am I</a:t>
-            </a:r>
-            <a:r>
-              <a:rPr lang="en-US" dirty="0" smtClean="0"/>
-              <a:t>?</a:t>
+              <a:t>Who Am I?</a:t>
             </a:r>
           </a:p>
           <a:p>
@@ -9298,7 +9815,6 @@
               <a:rPr lang="en-US" dirty="0" smtClean="0"/>
               <a:t>What is Branching?</a:t>
             </a:r>
-            <a:endParaRPr lang="en-US" dirty="0" smtClean="0"/>
           </a:p>
           <a:p>
             <a:r>
@@ -9372,7 +9888,7 @@
       </p:grpSpPr>
       <p:sp>
         <p:nvSpPr>
-          <p:cNvPr id="2" name="Title 1"/>
+          <p:cNvPr id="5" name="Title 4"/>
           <p:cNvSpPr>
             <a:spLocks noGrp="1"/>
           </p:cNvSpPr>
@@ -9387,7 +9903,7 @@
           <a:p>
             <a:r>
               <a:rPr lang="en-US" dirty="0" smtClean="0"/>
-              <a:t>Merging</a:t>
+              <a:t>Database Branching</a:t>
             </a:r>
             <a:endParaRPr lang="en-US" dirty="0"/>
           </a:p>
@@ -9395,12 +9911,46 @@
       </p:sp>
       <p:sp>
         <p:nvSpPr>
-          <p:cNvPr id="3" name="Content Placeholder 2"/>
+          <p:cNvPr id="6" name="Content Placeholder 5"/>
           <p:cNvSpPr>
             <a:spLocks noGrp="1"/>
           </p:cNvSpPr>
           <p:nvPr>
             <p:ph idx="1"/>
+          </p:nvPr>
+        </p:nvSpPr>
+        <p:spPr>
+          <a:xfrm>
+            <a:off x="457200" y="1600201"/>
+            <a:ext cx="5791200" cy="4525433"/>
+          </a:xfrm>
+        </p:spPr>
+        <p:txBody>
+          <a:bodyPr anchor="t"/>
+          <a:lstStyle/>
+          <a:p>
+            <a:r>
+              <a:rPr lang="en-US" sz="2800" dirty="0" smtClean="0"/>
+              <a:t>Keep the database separate from app code</a:t>
+            </a:r>
+          </a:p>
+          <a:p>
+            <a:r>
+              <a:rPr lang="en-US" sz="2800" dirty="0" smtClean="0"/>
+              <a:t>Keep branches and trunk under the database name</a:t>
+            </a:r>
+            <a:endParaRPr lang="en-US" sz="2800" dirty="0"/>
+          </a:p>
+        </p:txBody>
+      </p:sp>
+      <p:sp>
+        <p:nvSpPr>
+          <p:cNvPr id="4" name="Footer Placeholder 3"/>
+          <p:cNvSpPr>
+            <a:spLocks noGrp="1"/>
+          </p:cNvSpPr>
+          <p:nvPr>
+            <p:ph type="ftr" sz="quarter" idx="10"/>
           </p:nvPr>
         </p:nvSpPr>
         <p:spPr/>
@@ -9408,14 +9958,51 @@
           <a:bodyPr/>
           <a:lstStyle/>
           <a:p>
+            <a:pPr>
+              <a:defRPr/>
+            </a:pPr>
+            <a:r>
+              <a:rPr lang="en-US" smtClean="0"/>
+              <a:t>#ITDEVCON</a:t>
+            </a:r>
             <a:endParaRPr lang="en-US"/>
           </a:p>
         </p:txBody>
       </p:sp>
+      <p:pic>
+        <p:nvPicPr>
+          <p:cNvPr id="7" name="Picture 6"/>
+          <p:cNvPicPr>
+            <a:picLocks noChangeAspect="1"/>
+          </p:cNvPicPr>
+          <p:nvPr/>
+        </p:nvPicPr>
+        <p:blipFill>
+          <a:blip r:embed="rId2">
+            <a:extLst>
+              <a:ext uri="{28A0092B-C50C-407E-A947-70E740481C1C}">
+                <a14:useLocalDpi xmlns:a14="http://schemas.microsoft.com/office/drawing/2010/main" val="0"/>
+              </a:ext>
+            </a:extLst>
+          </a:blip>
+          <a:stretch>
+            <a:fillRect/>
+          </a:stretch>
+        </p:blipFill>
+        <p:spPr>
+          <a:xfrm>
+            <a:off x="6477000" y="1905000"/>
+            <a:ext cx="2013053" cy="3225966"/>
+          </a:xfrm>
+          <a:prstGeom prst="rect">
+            <a:avLst/>
+          </a:prstGeom>
+        </p:spPr>
+      </p:pic>
     </p:spTree>
     <p:extLst>
       <p:ext uri="{BB962C8B-B14F-4D97-AF65-F5344CB8AC3E}">
-        <p14:creationId xmlns:p14="http://schemas.microsoft.com/office/powerpoint/2010/main" val="380817839"/>
+        <p14:creationId xmlns:p14="http://schemas.microsoft.com/office/powerpoint/2010/main" val="3987387336"/>
       </p:ext>
     </p:extLst>
   </p:cSld>
@@ -9452,11 +10039,17 @@
             <p:ph type="title"/>
           </p:nvPr>
         </p:nvSpPr>
-        <p:spPr/>
+        <p:spPr>
+          <a:xfrm>
+            <a:off x="381000" y="1066800"/>
+            <a:ext cx="8229600" cy="1143000"/>
+          </a:xfrm>
+        </p:spPr>
         <p:txBody>
           <a:bodyPr/>
           <a:lstStyle/>
           <a:p>
+            <a:pPr algn="l"/>
             <a:r>
               <a:rPr lang="en-US" dirty="0" smtClean="0"/>
               <a:t>Demo</a:t>
@@ -9472,26 +10065,71 @@
             <a:spLocks noGrp="1"/>
           </p:cNvSpPr>
           <p:nvPr>
-            <p:ph type="body" idx="1"/>
-          </p:nvPr>
-        </p:nvSpPr>
-        <p:spPr/>
+            <p:ph idx="1"/>
+          </p:nvPr>
+        </p:nvSpPr>
+        <p:spPr>
+          <a:xfrm>
+            <a:off x="381000" y="1905000"/>
+            <a:ext cx="8229600" cy="1981200"/>
+          </a:xfrm>
+        </p:spPr>
         <p:txBody>
           <a:bodyPr/>
           <a:lstStyle/>
           <a:p>
-            <a:r>
-              <a:rPr lang="en-US" dirty="0" smtClean="0"/>
-              <a:t>Merging Stored Procedures</a:t>
-            </a:r>
-            <a:endParaRPr lang="en-US" dirty="0"/>
+            <a:pPr marL="0" indent="0">
+              <a:buNone/>
+            </a:pPr>
+            <a:r>
+              <a:rPr lang="en-US" b="1" dirty="0" smtClean="0">
+                <a:solidFill>
+                  <a:schemeClr val="tx1"/>
+                </a:solidFill>
+              </a:rPr>
+              <a:t>Branch </a:t>
+            </a:r>
+            <a:r>
+              <a:rPr lang="en-US" b="1" dirty="0" smtClean="0">
+                <a:solidFill>
+                  <a:schemeClr val="tx1"/>
+                </a:solidFill>
+              </a:rPr>
+              <a:t>Setup</a:t>
+            </a:r>
+          </a:p>
+          <a:p>
+            <a:pPr marL="0" indent="0">
+              <a:buNone/>
+            </a:pPr>
+            <a:r>
+              <a:rPr lang="en-US" b="1" dirty="0" smtClean="0">
+                <a:solidFill>
+                  <a:schemeClr val="tx1"/>
+                </a:solidFill>
+              </a:rPr>
+              <a:t>Branch </a:t>
+            </a:r>
+            <a:r>
+              <a:rPr lang="en-US" b="1" dirty="0" smtClean="0">
+                <a:solidFill>
+                  <a:schemeClr val="tx1"/>
+                </a:solidFill>
+              </a:rPr>
+              <a:t>Issues</a:t>
+            </a:r>
+            <a:endParaRPr lang="en-US" b="1" dirty="0">
+              <a:solidFill>
+                <a:schemeClr val="tx1"/>
+              </a:solidFill>
+            </a:endParaRPr>
           </a:p>
         </p:txBody>
       </p:sp>
     </p:spTree>
     <p:extLst>
       <p:ext uri="{BB962C8B-B14F-4D97-AF65-F5344CB8AC3E}">
-        <p14:creationId xmlns:p14="http://schemas.microsoft.com/office/powerpoint/2010/main" val="3660770935"/>
+        <p14:creationId xmlns:p14="http://schemas.microsoft.com/office/powerpoint/2010/main" val="2158241043"/>
       </p:ext>
     </p:extLst>
   </p:cSld>
@@ -9527,7 +10165,7 @@
       </p:grpSpPr>
       <p:sp>
         <p:nvSpPr>
-          <p:cNvPr id="2" name="Title 1"/>
+          <p:cNvPr id="5" name="Title 4"/>
           <p:cNvSpPr>
             <a:spLocks noGrp="1"/>
           </p:cNvSpPr>
@@ -9542,6 +10180,708 @@
           <a:p>
             <a:r>
               <a:rPr lang="en-US" dirty="0" smtClean="0"/>
+              <a:t>Merging</a:t>
+            </a:r>
+            <a:endParaRPr lang="en-US" dirty="0"/>
+          </a:p>
+        </p:txBody>
+      </p:sp>
+      <p:sp>
+        <p:nvSpPr>
+          <p:cNvPr id="6" name="Content Placeholder 5"/>
+          <p:cNvSpPr>
+            <a:spLocks noGrp="1"/>
+          </p:cNvSpPr>
+          <p:nvPr>
+            <p:ph idx="1"/>
+          </p:nvPr>
+        </p:nvSpPr>
+        <p:spPr/>
+        <p:txBody>
+          <a:bodyPr anchor="t"/>
+          <a:lstStyle/>
+          <a:p>
+            <a:r>
+              <a:rPr lang="en-US" dirty="0" smtClean="0"/>
+              <a:t>Merges are a way to combine code from two developers</a:t>
+            </a:r>
+          </a:p>
+          <a:p>
+            <a:r>
+              <a:rPr lang="en-US" dirty="0" smtClean="0"/>
+              <a:t>Two cases for databases</a:t>
+            </a:r>
+          </a:p>
+          <a:p>
+            <a:pPr lvl="1"/>
+            <a:r>
+              <a:rPr lang="en-US" dirty="0" smtClean="0"/>
+              <a:t>Table code</a:t>
+            </a:r>
+          </a:p>
+          <a:p>
+            <a:pPr lvl="1"/>
+            <a:r>
+              <a:rPr lang="en-US" dirty="0" smtClean="0"/>
+              <a:t>All other schema objects</a:t>
+            </a:r>
+            <a:endParaRPr lang="en-US" dirty="0"/>
+          </a:p>
+        </p:txBody>
+      </p:sp>
+      <p:sp>
+        <p:nvSpPr>
+          <p:cNvPr id="4" name="Footer Placeholder 3"/>
+          <p:cNvSpPr>
+            <a:spLocks noGrp="1"/>
+          </p:cNvSpPr>
+          <p:nvPr>
+            <p:ph type="ftr" sz="quarter" idx="10"/>
+          </p:nvPr>
+        </p:nvSpPr>
+        <p:spPr/>
+        <p:txBody>
+          <a:bodyPr/>
+          <a:lstStyle/>
+          <a:p>
+            <a:pPr>
+              <a:defRPr/>
+            </a:pPr>
+            <a:r>
+              <a:rPr lang="en-US" smtClean="0"/>
+              <a:t>#ITDEVCON</a:t>
+            </a:r>
+            <a:endParaRPr lang="en-US"/>
+          </a:p>
+        </p:txBody>
+      </p:sp>
+    </p:spTree>
+    <p:extLst>
+      <p:ext uri="{BB962C8B-B14F-4D97-AF65-F5344CB8AC3E}">
+        <p14:creationId xmlns:p14="http://schemas.microsoft.com/office/powerpoint/2010/main" val="391799093"/>
+      </p:ext>
+    </p:extLst>
+  </p:cSld>
+  <p:clrMapOvr>
+    <a:masterClrMapping/>
+  </p:clrMapOvr>
+</p:sld>
+</file>
+
+<file path=ppt/slides/slide23.xml><?xml version="1.0" encoding="utf-8"?>
+<p:sld xmlns:a="http://schemas.openxmlformats.org/drawingml/2006/main" xmlns:r="http://schemas.openxmlformats.org/officeDocument/2006/relationships" xmlns:p="http://schemas.openxmlformats.org/presentationml/2006/main">
+  <p:cSld>
+    <p:spTree>
+      <p:nvGrpSpPr>
+        <p:cNvPr id="1" name=""/>
+        <p:cNvGrpSpPr/>
+        <p:nvPr/>
+      </p:nvGrpSpPr>
+      <p:grpSpPr>
+        <a:xfrm>
+          <a:off x="0" y="0"/>
+          <a:ext cx="0" cy="0"/>
+          <a:chOff x="0" y="0"/>
+          <a:chExt cx="0" cy="0"/>
+        </a:xfrm>
+      </p:grpSpPr>
+      <p:sp>
+        <p:nvSpPr>
+          <p:cNvPr id="5" name="Title 4"/>
+          <p:cNvSpPr>
+            <a:spLocks noGrp="1"/>
+          </p:cNvSpPr>
+          <p:nvPr>
+            <p:ph type="title"/>
+          </p:nvPr>
+        </p:nvSpPr>
+        <p:spPr/>
+        <p:txBody>
+          <a:bodyPr/>
+          <a:lstStyle/>
+          <a:p>
+            <a:r>
+              <a:rPr lang="en-US" dirty="0" smtClean="0"/>
+              <a:t>Merging Table Schemas</a:t>
+            </a:r>
+            <a:endParaRPr lang="en-US" dirty="0"/>
+          </a:p>
+        </p:txBody>
+      </p:sp>
+      <p:sp>
+        <p:nvSpPr>
+          <p:cNvPr id="6" name="Content Placeholder 5"/>
+          <p:cNvSpPr>
+            <a:spLocks noGrp="1"/>
+          </p:cNvSpPr>
+          <p:nvPr>
+            <p:ph idx="1"/>
+          </p:nvPr>
+        </p:nvSpPr>
+        <p:spPr/>
+        <p:txBody>
+          <a:bodyPr anchor="t"/>
+          <a:lstStyle/>
+          <a:p>
+            <a:r>
+              <a:rPr lang="en-US" dirty="0" smtClean="0"/>
+              <a:t>Complex because the data must be preserved</a:t>
+            </a:r>
+          </a:p>
+          <a:p>
+            <a:pPr lvl="1"/>
+            <a:r>
+              <a:rPr lang="en-US" dirty="0" smtClean="0"/>
+              <a:t>May require data movement scripts</a:t>
+            </a:r>
+          </a:p>
+          <a:p>
+            <a:pPr lvl="1"/>
+            <a:r>
+              <a:rPr lang="en-US" dirty="0" smtClean="0"/>
+              <a:t>Often needs some manual intervention</a:t>
+            </a:r>
+          </a:p>
+          <a:p>
+            <a:r>
+              <a:rPr lang="en-US" dirty="0" smtClean="0"/>
+              <a:t>Made easier if the application logic doesn’t depend on column order</a:t>
+            </a:r>
+            <a:endParaRPr lang="en-US" dirty="0"/>
+          </a:p>
+        </p:txBody>
+      </p:sp>
+      <p:sp>
+        <p:nvSpPr>
+          <p:cNvPr id="4" name="Footer Placeholder 3"/>
+          <p:cNvSpPr>
+            <a:spLocks noGrp="1"/>
+          </p:cNvSpPr>
+          <p:nvPr>
+            <p:ph type="ftr" sz="quarter" idx="10"/>
+          </p:nvPr>
+        </p:nvSpPr>
+        <p:spPr/>
+        <p:txBody>
+          <a:bodyPr/>
+          <a:lstStyle/>
+          <a:p>
+            <a:pPr>
+              <a:defRPr/>
+            </a:pPr>
+            <a:r>
+              <a:rPr lang="en-US" smtClean="0"/>
+              <a:t>#ITDEVCON</a:t>
+            </a:r>
+            <a:endParaRPr lang="en-US"/>
+          </a:p>
+        </p:txBody>
+      </p:sp>
+    </p:spTree>
+    <p:extLst>
+      <p:ext uri="{BB962C8B-B14F-4D97-AF65-F5344CB8AC3E}">
+        <p14:creationId xmlns:p14="http://schemas.microsoft.com/office/powerpoint/2010/main" val="2329894320"/>
+      </p:ext>
+    </p:extLst>
+  </p:cSld>
+  <p:clrMapOvr>
+    <a:masterClrMapping/>
+  </p:clrMapOvr>
+</p:sld>
+</file>
+
+<file path=ppt/slides/slide24.xml><?xml version="1.0" encoding="utf-8"?>
+<p:sld xmlns:a="http://schemas.openxmlformats.org/drawingml/2006/main" xmlns:r="http://schemas.openxmlformats.org/officeDocument/2006/relationships" xmlns:p="http://schemas.openxmlformats.org/presentationml/2006/main">
+  <p:cSld>
+    <p:spTree>
+      <p:nvGrpSpPr>
+        <p:cNvPr id="1" name=""/>
+        <p:cNvGrpSpPr/>
+        <p:nvPr/>
+      </p:nvGrpSpPr>
+      <p:grpSpPr>
+        <a:xfrm>
+          <a:off x="0" y="0"/>
+          <a:ext cx="0" cy="0"/>
+          <a:chOff x="0" y="0"/>
+          <a:chExt cx="0" cy="0"/>
+        </a:xfrm>
+      </p:grpSpPr>
+      <p:sp>
+        <p:nvSpPr>
+          <p:cNvPr id="4" name="Title 3"/>
+          <p:cNvSpPr>
+            <a:spLocks noGrp="1"/>
+          </p:cNvSpPr>
+          <p:nvPr>
+            <p:ph type="title"/>
+          </p:nvPr>
+        </p:nvSpPr>
+        <p:spPr>
+          <a:xfrm>
+            <a:off x="381000" y="1066800"/>
+            <a:ext cx="8229600" cy="1143000"/>
+          </a:xfrm>
+        </p:spPr>
+        <p:txBody>
+          <a:bodyPr/>
+          <a:lstStyle/>
+          <a:p>
+            <a:pPr algn="l"/>
+            <a:r>
+              <a:rPr lang="en-US" dirty="0" smtClean="0"/>
+              <a:t>Demo</a:t>
+            </a:r>
+            <a:endParaRPr lang="en-US" dirty="0"/>
+          </a:p>
+        </p:txBody>
+      </p:sp>
+      <p:sp>
+        <p:nvSpPr>
+          <p:cNvPr id="5" name="Text Placeholder 4"/>
+          <p:cNvSpPr>
+            <a:spLocks noGrp="1"/>
+          </p:cNvSpPr>
+          <p:nvPr>
+            <p:ph idx="1"/>
+          </p:nvPr>
+        </p:nvSpPr>
+        <p:spPr>
+          <a:xfrm>
+            <a:off x="381000" y="1905000"/>
+            <a:ext cx="8229600" cy="1981200"/>
+          </a:xfrm>
+        </p:spPr>
+        <p:txBody>
+          <a:bodyPr/>
+          <a:lstStyle/>
+          <a:p>
+            <a:pPr marL="0" indent="0">
+              <a:buNone/>
+            </a:pPr>
+            <a:r>
+              <a:rPr lang="en-US" b="1" dirty="0" smtClean="0">
+                <a:solidFill>
+                  <a:schemeClr val="tx1"/>
+                </a:solidFill>
+              </a:rPr>
+              <a:t>Merging Table Schema Changes</a:t>
+            </a:r>
+            <a:endParaRPr lang="en-US" b="1" dirty="0">
+              <a:solidFill>
+                <a:schemeClr val="tx1"/>
+              </a:solidFill>
+            </a:endParaRPr>
+          </a:p>
+        </p:txBody>
+      </p:sp>
+    </p:spTree>
+    <p:extLst>
+      <p:ext uri="{BB962C8B-B14F-4D97-AF65-F5344CB8AC3E}">
+        <p14:creationId xmlns:p14="http://schemas.microsoft.com/office/powerpoint/2010/main" val="1632886933"/>
+      </p:ext>
+    </p:extLst>
+  </p:cSld>
+  <p:clrMapOvr>
+    <a:masterClrMapping/>
+  </p:clrMapOvr>
+  <p:timing>
+    <p:tnLst>
+      <p:par>
+        <p:cTn id="1" dur="indefinite" restart="never" nodeType="tmRoot"/>
+      </p:par>
+    </p:tnLst>
+  </p:timing>
+</p:sld>
+</file>
+
+<file path=ppt/slides/slide25.xml><?xml version="1.0" encoding="utf-8"?>
+<p:sld xmlns:a="http://schemas.openxmlformats.org/drawingml/2006/main" xmlns:r="http://schemas.openxmlformats.org/officeDocument/2006/relationships" xmlns:p="http://schemas.openxmlformats.org/presentationml/2006/main">
+  <p:cSld>
+    <p:spTree>
+      <p:nvGrpSpPr>
+        <p:cNvPr id="1" name=""/>
+        <p:cNvGrpSpPr/>
+        <p:nvPr/>
+      </p:nvGrpSpPr>
+      <p:grpSpPr>
+        <a:xfrm>
+          <a:off x="0" y="0"/>
+          <a:ext cx="0" cy="0"/>
+          <a:chOff x="0" y="0"/>
+          <a:chExt cx="0" cy="0"/>
+        </a:xfrm>
+      </p:grpSpPr>
+      <p:sp>
+        <p:nvSpPr>
+          <p:cNvPr id="5" name="Title 4"/>
+          <p:cNvSpPr>
+            <a:spLocks noGrp="1"/>
+          </p:cNvSpPr>
+          <p:nvPr>
+            <p:ph type="title"/>
+          </p:nvPr>
+        </p:nvSpPr>
+        <p:spPr/>
+        <p:txBody>
+          <a:bodyPr anchor="t"/>
+          <a:lstStyle/>
+          <a:p>
+            <a:r>
+              <a:rPr lang="en-US" dirty="0" smtClean="0"/>
+              <a:t>Merging Stored Procedures</a:t>
+            </a:r>
+            <a:endParaRPr lang="en-US" dirty="0"/>
+          </a:p>
+        </p:txBody>
+      </p:sp>
+      <p:sp>
+        <p:nvSpPr>
+          <p:cNvPr id="6" name="Content Placeholder 5"/>
+          <p:cNvSpPr>
+            <a:spLocks noGrp="1"/>
+          </p:cNvSpPr>
+          <p:nvPr>
+            <p:ph idx="1"/>
+          </p:nvPr>
+        </p:nvSpPr>
+        <p:spPr/>
+        <p:txBody>
+          <a:bodyPr anchor="t"/>
+          <a:lstStyle/>
+          <a:p>
+            <a:r>
+              <a:rPr lang="en-US" dirty="0" smtClean="0"/>
+              <a:t>Stored procedures are more like application code for branching/merging</a:t>
+            </a:r>
+          </a:p>
+          <a:p>
+            <a:r>
+              <a:rPr lang="en-US" dirty="0" smtClean="0"/>
+              <a:t>Views/functions are the same as stored procedures</a:t>
+            </a:r>
+          </a:p>
+          <a:p>
+            <a:r>
+              <a:rPr lang="en-US" dirty="0" smtClean="0"/>
+              <a:t>Various options </a:t>
+            </a:r>
+            <a:r>
+              <a:rPr lang="en-US" smtClean="0"/>
+              <a:t>for help</a:t>
+            </a:r>
+            <a:endParaRPr lang="en-US" dirty="0" smtClean="0"/>
+          </a:p>
+          <a:p>
+            <a:pPr lvl="1"/>
+            <a:r>
+              <a:rPr lang="en-US" dirty="0" smtClean="0"/>
+              <a:t>We will use </a:t>
+            </a:r>
+            <a:r>
+              <a:rPr lang="en-US" dirty="0" smtClean="0">
+                <a:hlinkClick r:id="rId2"/>
+              </a:rPr>
+              <a:t>KDiff3</a:t>
+            </a:r>
+            <a:endParaRPr lang="en-US" dirty="0"/>
+          </a:p>
+        </p:txBody>
+      </p:sp>
+      <p:sp>
+        <p:nvSpPr>
+          <p:cNvPr id="4" name="Footer Placeholder 3"/>
+          <p:cNvSpPr>
+            <a:spLocks noGrp="1"/>
+          </p:cNvSpPr>
+          <p:nvPr>
+            <p:ph type="ftr" sz="quarter" idx="10"/>
+          </p:nvPr>
+        </p:nvSpPr>
+        <p:spPr/>
+        <p:txBody>
+          <a:bodyPr/>
+          <a:lstStyle/>
+          <a:p>
+            <a:pPr>
+              <a:defRPr/>
+            </a:pPr>
+            <a:r>
+              <a:rPr lang="en-US" smtClean="0"/>
+              <a:t>#ITDEVCON</a:t>
+            </a:r>
+            <a:endParaRPr lang="en-US"/>
+          </a:p>
+        </p:txBody>
+      </p:sp>
+    </p:spTree>
+    <p:extLst>
+      <p:ext uri="{BB962C8B-B14F-4D97-AF65-F5344CB8AC3E}">
+        <p14:creationId xmlns:p14="http://schemas.microsoft.com/office/powerpoint/2010/main" val="4220291616"/>
+      </p:ext>
+    </p:extLst>
+  </p:cSld>
+  <p:clrMapOvr>
+    <a:masterClrMapping/>
+  </p:clrMapOvr>
+</p:sld>
+</file>
+
+<file path=ppt/slides/slide26.xml><?xml version="1.0" encoding="utf-8"?>
+<p:sld xmlns:a="http://schemas.openxmlformats.org/drawingml/2006/main" xmlns:r="http://schemas.openxmlformats.org/officeDocument/2006/relationships" xmlns:p="http://schemas.openxmlformats.org/presentationml/2006/main">
+  <p:cSld>
+    <p:spTree>
+      <p:nvGrpSpPr>
+        <p:cNvPr id="1" name=""/>
+        <p:cNvGrpSpPr/>
+        <p:nvPr/>
+      </p:nvGrpSpPr>
+      <p:grpSpPr>
+        <a:xfrm>
+          <a:off x="0" y="0"/>
+          <a:ext cx="0" cy="0"/>
+          <a:chOff x="0" y="0"/>
+          <a:chExt cx="0" cy="0"/>
+        </a:xfrm>
+      </p:grpSpPr>
+      <p:sp>
+        <p:nvSpPr>
+          <p:cNvPr id="4" name="Title 3"/>
+          <p:cNvSpPr>
+            <a:spLocks noGrp="1"/>
+          </p:cNvSpPr>
+          <p:nvPr>
+            <p:ph type="title"/>
+          </p:nvPr>
+        </p:nvSpPr>
+        <p:spPr>
+          <a:xfrm>
+            <a:off x="381000" y="1066800"/>
+            <a:ext cx="8229600" cy="1143000"/>
+          </a:xfrm>
+        </p:spPr>
+        <p:txBody>
+          <a:bodyPr/>
+          <a:lstStyle/>
+          <a:p>
+            <a:pPr algn="l"/>
+            <a:r>
+              <a:rPr lang="en-US" dirty="0" smtClean="0"/>
+              <a:t>Demo</a:t>
+            </a:r>
+            <a:endParaRPr lang="en-US" dirty="0"/>
+          </a:p>
+        </p:txBody>
+      </p:sp>
+      <p:sp>
+        <p:nvSpPr>
+          <p:cNvPr id="5" name="Text Placeholder 4"/>
+          <p:cNvSpPr>
+            <a:spLocks noGrp="1"/>
+          </p:cNvSpPr>
+          <p:nvPr>
+            <p:ph idx="1"/>
+          </p:nvPr>
+        </p:nvSpPr>
+        <p:spPr>
+          <a:xfrm>
+            <a:off x="381000" y="1905000"/>
+            <a:ext cx="8229600" cy="1981200"/>
+          </a:xfrm>
+        </p:spPr>
+        <p:txBody>
+          <a:bodyPr/>
+          <a:lstStyle/>
+          <a:p>
+            <a:pPr marL="0" indent="0">
+              <a:buNone/>
+            </a:pPr>
+            <a:r>
+              <a:rPr lang="en-US" b="1" dirty="0" smtClean="0">
+                <a:solidFill>
+                  <a:schemeClr val="tx1"/>
+                </a:solidFill>
+              </a:rPr>
+              <a:t>Merging Stored Procedures</a:t>
+            </a:r>
+            <a:endParaRPr lang="en-US" b="1" dirty="0">
+              <a:solidFill>
+                <a:schemeClr val="tx1"/>
+              </a:solidFill>
+            </a:endParaRPr>
+          </a:p>
+        </p:txBody>
+      </p:sp>
+    </p:spTree>
+    <p:extLst>
+      <p:ext uri="{BB962C8B-B14F-4D97-AF65-F5344CB8AC3E}">
+        <p14:creationId xmlns:p14="http://schemas.microsoft.com/office/powerpoint/2010/main" val="1507576538"/>
+      </p:ext>
+    </p:extLst>
+  </p:cSld>
+  <p:clrMapOvr>
+    <a:masterClrMapping/>
+  </p:clrMapOvr>
+  <p:timing>
+    <p:tnLst>
+      <p:par>
+        <p:cTn id="1" dur="indefinite" restart="never" nodeType="tmRoot"/>
+      </p:par>
+    </p:tnLst>
+  </p:timing>
+</p:sld>
+</file>
+
+<file path=ppt/slides/slide27.xml><?xml version="1.0" encoding="utf-8"?>
+<p:sld xmlns:a="http://schemas.openxmlformats.org/drawingml/2006/main" xmlns:r="http://schemas.openxmlformats.org/officeDocument/2006/relationships" xmlns:p="http://schemas.openxmlformats.org/presentationml/2006/main">
+  <p:cSld>
+    <p:spTree>
+      <p:nvGrpSpPr>
+        <p:cNvPr id="1" name=""/>
+        <p:cNvGrpSpPr/>
+        <p:nvPr/>
+      </p:nvGrpSpPr>
+      <p:grpSpPr>
+        <a:xfrm>
+          <a:off x="0" y="0"/>
+          <a:ext cx="0" cy="0"/>
+          <a:chOff x="0" y="0"/>
+          <a:chExt cx="0" cy="0"/>
+        </a:xfrm>
+      </p:grpSpPr>
+      <p:sp>
+        <p:nvSpPr>
+          <p:cNvPr id="2" name="Title 1"/>
+          <p:cNvSpPr>
+            <a:spLocks noGrp="1"/>
+          </p:cNvSpPr>
+          <p:nvPr>
+            <p:ph type="title"/>
+          </p:nvPr>
+        </p:nvSpPr>
+        <p:spPr/>
+        <p:txBody>
+          <a:bodyPr/>
+          <a:lstStyle/>
+          <a:p>
+            <a:r>
+              <a:rPr lang="en-US" dirty="0" smtClean="0"/>
+              <a:t>Goals</a:t>
+            </a:r>
+            <a:endParaRPr lang="en-US" dirty="0"/>
+          </a:p>
+        </p:txBody>
+      </p:sp>
+      <p:sp>
+        <p:nvSpPr>
+          <p:cNvPr id="3" name="Content Placeholder 2"/>
+          <p:cNvSpPr>
+            <a:spLocks noGrp="1"/>
+          </p:cNvSpPr>
+          <p:nvPr>
+            <p:ph idx="1"/>
+          </p:nvPr>
+        </p:nvSpPr>
+        <p:spPr/>
+        <p:txBody>
+          <a:bodyPr anchor="t"/>
+          <a:lstStyle/>
+          <a:p>
+            <a:r>
+              <a:rPr lang="en-US" dirty="0" smtClean="0"/>
+              <a:t>Learn </a:t>
+            </a:r>
+            <a:r>
+              <a:rPr lang="en-US" dirty="0" smtClean="0"/>
+              <a:t>types</a:t>
+            </a:r>
+            <a:r>
+              <a:rPr lang="en-US" dirty="0" smtClean="0"/>
+              <a:t> </a:t>
+            </a:r>
+            <a:r>
+              <a:rPr lang="en-US" dirty="0" smtClean="0"/>
+              <a:t>of branching database code in Version Control </a:t>
+            </a:r>
+            <a:r>
+              <a:rPr lang="en-US" dirty="0" smtClean="0"/>
+              <a:t>Systems</a:t>
+            </a:r>
+            <a:endParaRPr lang="en-US" dirty="0" smtClean="0"/>
+          </a:p>
+          <a:p>
+            <a:r>
+              <a:rPr lang="en-US" dirty="0" smtClean="0"/>
+              <a:t>Merges for table schema </a:t>
+            </a:r>
+            <a:r>
+              <a:rPr lang="en-US" dirty="0" smtClean="0"/>
+              <a:t>changes</a:t>
+            </a:r>
+          </a:p>
+          <a:p>
+            <a:r>
+              <a:rPr lang="en-US" dirty="0" smtClean="0"/>
+              <a:t>Merges for stored procedure code</a:t>
+            </a:r>
+            <a:endParaRPr lang="en-US" dirty="0" smtClean="0"/>
+          </a:p>
+        </p:txBody>
+      </p:sp>
+    </p:spTree>
+    <p:extLst>
+      <p:ext uri="{BB962C8B-B14F-4D97-AF65-F5344CB8AC3E}">
+        <p14:creationId xmlns:p14="http://schemas.microsoft.com/office/powerpoint/2010/main" val="1107095185"/>
+      </p:ext>
+    </p:extLst>
+  </p:cSld>
+  <p:clrMapOvr>
+    <a:masterClrMapping/>
+  </p:clrMapOvr>
+  <p:timing>
+    <p:tnLst>
+      <p:par>
+        <p:cTn id="1" dur="indefinite" restart="never" nodeType="tmRoot"/>
+      </p:par>
+    </p:tnLst>
+  </p:timing>
+</p:sld>
+</file>
+
+<file path=ppt/slides/slide28.xml><?xml version="1.0" encoding="utf-8"?>
+<p:sld xmlns:a="http://schemas.openxmlformats.org/drawingml/2006/main" xmlns:r="http://schemas.openxmlformats.org/officeDocument/2006/relationships" xmlns:p="http://schemas.openxmlformats.org/presentationml/2006/main">
+  <p:cSld>
+    <p:spTree>
+      <p:nvGrpSpPr>
+        <p:cNvPr id="1" name=""/>
+        <p:cNvGrpSpPr/>
+        <p:nvPr/>
+      </p:nvGrpSpPr>
+      <p:grpSpPr>
+        <a:xfrm>
+          <a:off x="0" y="0"/>
+          <a:ext cx="0" cy="0"/>
+          <a:chOff x="0" y="0"/>
+          <a:chExt cx="0" cy="0"/>
+        </a:xfrm>
+      </p:grpSpPr>
+      <p:sp>
+        <p:nvSpPr>
+          <p:cNvPr id="2" name="Title 1"/>
+          <p:cNvSpPr>
+            <a:spLocks noGrp="1"/>
+          </p:cNvSpPr>
+          <p:nvPr>
+            <p:ph type="title"/>
+          </p:nvPr>
+        </p:nvSpPr>
+        <p:spPr/>
+        <p:txBody>
+          <a:bodyPr/>
+          <a:lstStyle/>
+          <a:p>
+            <a:r>
+              <a:rPr lang="en-US" dirty="0" smtClean="0"/>
               <a:t>The End</a:t>
             </a:r>
             <a:endParaRPr lang="en-US" dirty="0"/>
@@ -9560,7 +10900,7 @@
         </p:nvSpPr>
         <p:spPr/>
         <p:txBody>
-          <a:bodyPr>
+          <a:bodyPr anchor="t">
             <a:normAutofit/>
           </a:bodyPr>
           <a:lstStyle/>
@@ -9583,33 +10923,38 @@
             </a:r>
           </a:p>
           <a:p>
-            <a:r>
-              <a:rPr lang="en-US" dirty="0" smtClean="0"/>
-              <a:t>More information</a:t>
-            </a:r>
-            <a:endParaRPr lang="en-US" sz="3200" dirty="0" smtClean="0">
-              <a:hlinkClick r:id="rId2"/>
+            <a:pPr lvl="1"/>
+            <a:r>
+              <a:rPr lang="en-US" sz="2400" dirty="0" smtClean="0">
+                <a:solidFill>
+                  <a:schemeClr val="tx2"/>
+                </a:solidFill>
+                <a:hlinkClick r:id="rId2"/>
+              </a:rPr>
+              <a:t>www.sqlservercentral.com/Forums</a:t>
+            </a:r>
+            <a:endParaRPr lang="en-US" sz="2400" dirty="0" smtClean="0">
+              <a:solidFill>
+                <a:schemeClr val="tx2"/>
+              </a:solidFill>
             </a:endParaRPr>
           </a:p>
           <a:p>
             <a:pPr lvl="1"/>
             <a:r>
               <a:rPr lang="en-US" sz="2400" dirty="0" smtClean="0">
+                <a:solidFill>
+                  <a:schemeClr val="tx1"/>
+                </a:solidFill>
                 <a:hlinkClick r:id="rId3"/>
               </a:rPr>
-              <a:t>www.sqlservercentral.com/Forums</a:t>
-            </a:r>
-            <a:endParaRPr lang="en-US" sz="2400" dirty="0" smtClean="0"/>
-          </a:p>
-          <a:p>
-            <a:pPr lvl="1"/>
-            <a:r>
-              <a:rPr lang="en-US" sz="2400" dirty="0" smtClean="0">
-                <a:hlinkClick r:id="rId4"/>
-              </a:rPr>
               <a:t>www.sqlservercentral.com/Window Functions</a:t>
             </a:r>
-            <a:endParaRPr lang="en-US" sz="2400" dirty="0"/>
+            <a:endParaRPr lang="en-US" sz="2400" dirty="0">
+              <a:solidFill>
+                <a:schemeClr val="tx1"/>
+              </a:solidFill>
+            </a:endParaRPr>
           </a:p>
         </p:txBody>
       </p:sp>
@@ -9621,7 +10966,7 @@
         </p:nvSpPr>
         <p:spPr>
           <a:xfrm>
-            <a:off x="1028079" y="5149663"/>
+            <a:off x="1028079" y="4728241"/>
             <a:ext cx="3973501" cy="507831"/>
           </a:xfrm>
           <a:prstGeom prst="rect">
@@ -9662,7 +11007,7 @@
         </p:nvSpPr>
         <p:spPr>
           <a:xfrm>
-            <a:off x="1028077" y="5850139"/>
+            <a:off x="1028077" y="5428717"/>
             <a:ext cx="4460872" cy="461665"/>
           </a:xfrm>
           <a:prstGeom prst="rect">
@@ -9712,7 +11057,7 @@
         </p:nvSpPr>
         <p:spPr>
           <a:xfrm>
-            <a:off x="5964230" y="5145822"/>
+            <a:off x="5964230" y="4724400"/>
             <a:ext cx="3560770" cy="507831"/>
           </a:xfrm>
           <a:prstGeom prst="rect">
@@ -9754,14 +11099,14 @@
           <p:nvPr/>
         </p:nvPicPr>
         <p:blipFill>
-          <a:blip r:embed="rId5"/>
+          <a:blip r:embed="rId4"/>
           <a:stretch>
             <a:fillRect/>
           </a:stretch>
         </p:blipFill>
         <p:spPr>
           <a:xfrm>
-            <a:off x="457200" y="5179620"/>
+            <a:off x="457200" y="4758198"/>
             <a:ext cx="434779" cy="478257"/>
           </a:xfrm>
           <a:prstGeom prst="rect">
@@ -9778,14 +11123,14 @@
           <p:nvPr/>
         </p:nvPicPr>
         <p:blipFill>
-          <a:blip r:embed="rId6"/>
+          <a:blip r:embed="rId5"/>
           <a:stretch>
             <a:fillRect/>
           </a:stretch>
         </p:blipFill>
         <p:spPr>
           <a:xfrm>
-            <a:off x="457200" y="5945386"/>
+            <a:off x="457200" y="5523964"/>
             <a:ext cx="463485" cy="379214"/>
           </a:xfrm>
           <a:prstGeom prst="rect">
@@ -9802,14 +11147,14 @@
           <p:nvPr/>
         </p:nvPicPr>
         <p:blipFill>
-          <a:blip r:embed="rId7"/>
+          <a:blip r:embed="rId6"/>
           <a:stretch>
             <a:fillRect/>
           </a:stretch>
         </p:blipFill>
         <p:spPr>
           <a:xfrm>
-            <a:off x="5393350" y="5183920"/>
+            <a:off x="5393350" y="4762498"/>
             <a:ext cx="504842" cy="462772"/>
           </a:xfrm>
           <a:prstGeom prst="rect">
@@ -9826,7 +11171,7 @@
           <p:nvPr/>
         </p:nvPicPr>
         <p:blipFill>
-          <a:blip r:embed="rId8" cstate="print">
+          <a:blip r:embed="rId7" cstate="print">
             <a:extLst>
               <a:ext uri="{28A0092B-C50C-407E-A947-70E740481C1C}">
                 <a14:useLocalDpi xmlns:a14="http://schemas.microsoft.com/office/drawing/2010/main" val="0"/>
@@ -9839,7 +11184,7 @@
         </p:blipFill>
         <p:spPr>
           <a:xfrm>
-            <a:off x="5393350" y="5816768"/>
+            <a:off x="5393350" y="5395346"/>
             <a:ext cx="495926" cy="495926"/>
           </a:xfrm>
           <a:prstGeom prst="rect">
@@ -9855,7 +11200,7 @@
         </p:nvSpPr>
         <p:spPr>
           <a:xfrm>
-            <a:off x="5964232" y="5816769"/>
+            <a:off x="5964232" y="5395347"/>
             <a:ext cx="3006223" cy="507831"/>
           </a:xfrm>
           <a:prstGeom prst="rect">
@@ -9909,7 +11254,7 @@
 </p:sld>
 </file>
 
-<file path=ppt/slides/slide23.xml><?xml version="1.0" encoding="utf-8"?>
+<file path=ppt/slides/slide29.xml><?xml version="1.0" encoding="utf-8"?>
 <p:sld xmlns:a="http://schemas.openxmlformats.org/drawingml/2006/main" xmlns:r="http://schemas.openxmlformats.org/officeDocument/2006/relationships" xmlns:p="http://schemas.openxmlformats.org/presentationml/2006/main">
   <p:cSld>
     <p:spTree>
@@ -10202,25 +11547,47 @@
         </p:nvSpPr>
         <p:spPr/>
         <p:txBody>
-          <a:bodyPr/>
+          <a:bodyPr anchor="t"/>
           <a:lstStyle/>
           <a:p>
             <a:r>
               <a:rPr lang="en-US" dirty="0" smtClean="0"/>
-              <a:t>Learn different ways of branching database code in Version Control Systems</a:t>
-            </a:r>
-          </a:p>
-          <a:p>
+              <a:t>Learn </a:t>
+            </a:r>
             <a:r>
               <a:rPr lang="en-US" dirty="0" smtClean="0"/>
-              <a:t>Techniques for branching database code</a:t>
-            </a:r>
-          </a:p>
-          <a:p>
+              <a:t>types</a:t>
+            </a:r>
             <a:r>
               <a:rPr lang="en-US" dirty="0" smtClean="0"/>
-              <a:t>Merges for table schema changes</a:t>
-            </a:r>
+              <a:t> </a:t>
+            </a:r>
+            <a:r>
+              <a:rPr lang="en-US" dirty="0" smtClean="0"/>
+              <a:t>of branching database code in Version Control </a:t>
+            </a:r>
+            <a:r>
+              <a:rPr lang="en-US" dirty="0" smtClean="0"/>
+              <a:t>Systems</a:t>
+            </a:r>
+            <a:endParaRPr lang="en-US" dirty="0" smtClean="0"/>
+          </a:p>
+          <a:p>
+            <a:r>
+              <a:rPr lang="en-US" dirty="0" smtClean="0"/>
+              <a:t>Merges for table schema </a:t>
+            </a:r>
+            <a:r>
+              <a:rPr lang="en-US" dirty="0" smtClean="0"/>
+              <a:t>changes</a:t>
+            </a:r>
+          </a:p>
+          <a:p>
+            <a:r>
+              <a:rPr lang="en-US" dirty="0" smtClean="0"/>
+              <a:t>Merges for stored procedure code</a:t>
+            </a:r>
+            <a:endParaRPr lang="en-US" dirty="0" smtClean="0"/>
           </a:p>
         </p:txBody>
       </p:sp>
@@ -10700,11 +12067,11 @@
   <p:clrMapOvr>
     <a:masterClrMapping/>
   </p:clrMapOvr>
-  <mc:AlternateContent xmlns:mc="http://schemas.openxmlformats.org/markup-compatibility/2006">
-    <mc:Choice xmlns:p14="http://schemas.microsoft.com/office/powerpoint/2010/main" Requires="p14">
+  <mc:AlternateContent xmlns:mc="http://schemas.openxmlformats.org/markup-compatibility/2006" xmlns:p14="http://schemas.microsoft.com/office/powerpoint/2010/main">
+    <mc:Choice Requires="p14">
       <p:transition spd="slow" p14:dur="2000"/>
     </mc:Choice>
-    <mc:Fallback>
+    <mc:Fallback xmlns="">
       <p:transition spd="slow"/>
     </mc:Fallback>
   </mc:AlternateContent>
@@ -10737,7 +12104,7 @@
       </p:grpSpPr>
       <p:sp>
         <p:nvSpPr>
-          <p:cNvPr id="2" name="Title 1"/>
+          <p:cNvPr id="4" name="Title 3"/>
           <p:cNvSpPr>
             <a:spLocks noGrp="1"/>
           </p:cNvSpPr>
@@ -10752,135 +12119,7 @@
           <a:p>
             <a:r>
               <a:rPr lang="en-US" dirty="0" smtClean="0"/>
-              <a:t>Agenda</a:t>
-            </a:r>
-            <a:endParaRPr lang="en-US" dirty="0"/>
-          </a:p>
-        </p:txBody>
-      </p:sp>
-      <p:sp>
-        <p:nvSpPr>
-          <p:cNvPr id="3" name="Content Placeholder 2"/>
-          <p:cNvSpPr>
-            <a:spLocks noGrp="1"/>
-          </p:cNvSpPr>
-          <p:nvPr>
-            <p:ph idx="1"/>
-          </p:nvPr>
-        </p:nvSpPr>
-        <p:spPr/>
-        <p:txBody>
-          <a:bodyPr/>
-          <a:lstStyle/>
-          <a:p>
-            <a:r>
-              <a:rPr lang="en-US" dirty="0" smtClean="0"/>
-              <a:t>Who Am I</a:t>
-            </a:r>
-            <a:r>
-              <a:rPr lang="en-US" dirty="0" smtClean="0"/>
-              <a:t>?</a:t>
-            </a:r>
-          </a:p>
-          <a:p>
-            <a:r>
-              <a:rPr lang="en-US" b="1" dirty="0" smtClean="0"/>
-              <a:t>What is Branching?</a:t>
-            </a:r>
-            <a:endParaRPr lang="en-US" b="1" dirty="0" smtClean="0"/>
-          </a:p>
-          <a:p>
-            <a:r>
-              <a:rPr lang="en-US" dirty="0" smtClean="0"/>
-              <a:t>Branching strategies in a VCS</a:t>
-            </a:r>
-          </a:p>
-          <a:p>
-            <a:r>
-              <a:rPr lang="en-US" dirty="0" smtClean="0"/>
-              <a:t>Managing databases for branches</a:t>
-            </a:r>
-          </a:p>
-          <a:p>
-            <a:r>
-              <a:rPr lang="en-US" dirty="0" smtClean="0"/>
-              <a:t>Merging stored procedure code</a:t>
-            </a:r>
-          </a:p>
-          <a:p>
-            <a:r>
-              <a:rPr lang="en-US" dirty="0" smtClean="0"/>
-              <a:t>Merging table schema changes</a:t>
-            </a:r>
-          </a:p>
-          <a:p>
-            <a:endParaRPr lang="en-US" dirty="0"/>
-          </a:p>
-          <a:p>
-            <a:pPr lvl="1"/>
-            <a:endParaRPr lang="en-US" dirty="0" smtClean="0"/>
-          </a:p>
-        </p:txBody>
-      </p:sp>
-    </p:spTree>
-    <p:extLst>
-      <p:ext uri="{BB962C8B-B14F-4D97-AF65-F5344CB8AC3E}">
-        <p14:creationId xmlns:p14="http://schemas.microsoft.com/office/powerpoint/2010/main" val="2725435494"/>
-      </p:ext>
-    </p:extLst>
-  </p:cSld>
-  <p:clrMapOvr>
-    <a:masterClrMapping/>
-  </p:clrMapOvr>
-  <p:timing>
-    <p:tnLst>
-      <p:par>
-        <p:cTn id="1" dur="indefinite" restart="never" nodeType="tmRoot"/>
-      </p:par>
-    </p:tnLst>
-  </p:timing>
-</p:sld>
-</file>
-
-<file path=ppt/slides/slide6.xml><?xml version="1.0" encoding="utf-8"?>
-<p:sld xmlns:a="http://schemas.openxmlformats.org/drawingml/2006/main" xmlns:r="http://schemas.openxmlformats.org/officeDocument/2006/relationships" xmlns:p="http://schemas.openxmlformats.org/presentationml/2006/main">
-  <p:cSld>
-    <p:spTree>
-      <p:nvGrpSpPr>
-        <p:cNvPr id="1" name=""/>
-        <p:cNvGrpSpPr/>
-        <p:nvPr/>
-      </p:nvGrpSpPr>
-      <p:grpSpPr>
-        <a:xfrm>
-          <a:off x="0" y="0"/>
-          <a:ext cx="0" cy="0"/>
-          <a:chOff x="0" y="0"/>
-          <a:chExt cx="0" cy="0"/>
-        </a:xfrm>
-      </p:grpSpPr>
-      <p:sp>
-        <p:nvSpPr>
-          <p:cNvPr id="4" name="Title 3"/>
-          <p:cNvSpPr>
-            <a:spLocks noGrp="1"/>
-          </p:cNvSpPr>
-          <p:nvPr>
-            <p:ph type="title"/>
-          </p:nvPr>
-        </p:nvSpPr>
-        <p:spPr/>
-        <p:txBody>
-          <a:bodyPr/>
-          <a:lstStyle/>
-          <a:p>
-            <a:r>
-              <a:rPr lang="en-US" dirty="0" smtClean="0"/>
-              <a:t>What is Branching?</a:t>
-            </a:r>
-            <a:r>
-              <a:rPr lang="en-US" dirty="0" smtClean="0"/>
-              <a:t> </a:t>
+              <a:t>What is Branching? </a:t>
             </a:r>
             <a:endParaRPr lang="en-US" dirty="0"/>
           </a:p>
@@ -11115,6 +12354,120 @@
 </p:sld>
 </file>
 
+<file path=ppt/slides/slide6.xml><?xml version="1.0" encoding="utf-8"?>
+<p:sld xmlns:a="http://schemas.openxmlformats.org/drawingml/2006/main" xmlns:r="http://schemas.openxmlformats.org/officeDocument/2006/relationships" xmlns:p="http://schemas.openxmlformats.org/presentationml/2006/main">
+  <p:cSld>
+    <p:spTree>
+      <p:nvGrpSpPr>
+        <p:cNvPr id="1" name=""/>
+        <p:cNvGrpSpPr/>
+        <p:nvPr/>
+      </p:nvGrpSpPr>
+      <p:grpSpPr>
+        <a:xfrm>
+          <a:off x="0" y="0"/>
+          <a:ext cx="0" cy="0"/>
+          <a:chOff x="0" y="0"/>
+          <a:chExt cx="0" cy="0"/>
+        </a:xfrm>
+      </p:grpSpPr>
+      <p:sp>
+        <p:nvSpPr>
+          <p:cNvPr id="5" name="Title 4"/>
+          <p:cNvSpPr>
+            <a:spLocks noGrp="1"/>
+          </p:cNvSpPr>
+          <p:nvPr>
+            <p:ph type="title"/>
+          </p:nvPr>
+        </p:nvSpPr>
+        <p:spPr/>
+        <p:txBody>
+          <a:bodyPr/>
+          <a:lstStyle/>
+          <a:p>
+            <a:r>
+              <a:rPr lang="en-US" dirty="0" smtClean="0"/>
+              <a:t>The Purpose of Branching</a:t>
+            </a:r>
+            <a:endParaRPr lang="en-US" dirty="0"/>
+          </a:p>
+        </p:txBody>
+      </p:sp>
+      <p:sp>
+        <p:nvSpPr>
+          <p:cNvPr id="6" name="Content Placeholder 5"/>
+          <p:cNvSpPr>
+            <a:spLocks noGrp="1"/>
+          </p:cNvSpPr>
+          <p:nvPr>
+            <p:ph idx="1"/>
+          </p:nvPr>
+        </p:nvSpPr>
+        <p:spPr/>
+        <p:txBody>
+          <a:bodyPr anchor="t"/>
+          <a:lstStyle/>
+          <a:p>
+            <a:r>
+              <a:rPr lang="en-US" dirty="0" smtClean="0"/>
+              <a:t>Branching is for isolation</a:t>
+            </a:r>
+          </a:p>
+          <a:p>
+            <a:r>
+              <a:rPr lang="en-US" dirty="0" smtClean="0"/>
+              <a:t>One person’s code doesn’t affect others</a:t>
+            </a:r>
+          </a:p>
+          <a:p>
+            <a:r>
+              <a:rPr lang="en-US" dirty="0" smtClean="0"/>
+              <a:t>For the database, this breaks the traditional “dev database” model</a:t>
+            </a:r>
+            <a:endParaRPr lang="en-US" dirty="0"/>
+          </a:p>
+        </p:txBody>
+      </p:sp>
+      <p:sp>
+        <p:nvSpPr>
+          <p:cNvPr id="4" name="Footer Placeholder 3"/>
+          <p:cNvSpPr>
+            <a:spLocks noGrp="1"/>
+          </p:cNvSpPr>
+          <p:nvPr>
+            <p:ph type="ftr" sz="quarter" idx="10"/>
+          </p:nvPr>
+        </p:nvSpPr>
+        <p:spPr/>
+        <p:txBody>
+          <a:bodyPr/>
+          <a:lstStyle/>
+          <a:p>
+            <a:pPr>
+              <a:defRPr/>
+            </a:pPr>
+            <a:r>
+              <a:rPr lang="en-US" smtClean="0"/>
+              <a:t>#ITDEVCON</a:t>
+            </a:r>
+            <a:endParaRPr lang="en-US"/>
+          </a:p>
+        </p:txBody>
+      </p:sp>
+    </p:spTree>
+    <p:extLst>
+      <p:ext uri="{BB962C8B-B14F-4D97-AF65-F5344CB8AC3E}">
+        <p14:creationId xmlns:p14="http://schemas.microsoft.com/office/powerpoint/2010/main" val="2773300760"/>
+      </p:ext>
+    </p:extLst>
+  </p:cSld>
+  <p:clrMapOvr>
+    <a:masterClrMapping/>
+  </p:clrMapOvr>
+</p:sld>
+</file>
+
 <file path=ppt/slides/slide7.xml><?xml version="1.0" encoding="utf-8"?>
 <p:sld xmlns:a="http://schemas.openxmlformats.org/drawingml/2006/main" xmlns:r="http://schemas.openxmlformats.org/officeDocument/2006/relationships" xmlns:p="http://schemas.openxmlformats.org/presentationml/2006/main">
   <p:cSld>
@@ -11134,7 +12487,7 @@
       </p:grpSpPr>
       <p:sp>
         <p:nvSpPr>
-          <p:cNvPr id="5" name="Title 4"/>
+          <p:cNvPr id="2" name="Title 1"/>
           <p:cNvSpPr>
             <a:spLocks noGrp="1"/>
           </p:cNvSpPr>
@@ -11149,77 +12502,45 @@
           <a:p>
             <a:r>
               <a:rPr lang="en-US" dirty="0" smtClean="0"/>
-              <a:t>The Purpose of Branching</a:t>
+              <a:t>Branching</a:t>
             </a:r>
             <a:endParaRPr lang="en-US" dirty="0"/>
           </a:p>
         </p:txBody>
       </p:sp>
-      <p:sp>
-        <p:nvSpPr>
-          <p:cNvPr id="6" name="Content Placeholder 5"/>
-          <p:cNvSpPr>
-            <a:spLocks noGrp="1"/>
-          </p:cNvSpPr>
+      <p:pic>
+        <p:nvPicPr>
+          <p:cNvPr id="4" name="Content Placeholder 3"/>
+          <p:cNvPicPr>
+            <a:picLocks noGrp="1" noChangeAspect="1"/>
+          </p:cNvPicPr>
           <p:nvPr>
             <p:ph idx="1"/>
           </p:nvPr>
-        </p:nvSpPr>
-        <p:spPr/>
-        <p:txBody>
-          <a:bodyPr anchor="t"/>
-          <a:lstStyle/>
-          <a:p>
-            <a:r>
-              <a:rPr lang="en-US" dirty="0" smtClean="0"/>
-              <a:t>Branching is for isolation</a:t>
-            </a:r>
-          </a:p>
-          <a:p>
-            <a:r>
-              <a:rPr lang="en-US" dirty="0" smtClean="0"/>
-              <a:t>One person’s code doesn’t affect others</a:t>
-            </a:r>
-          </a:p>
-          <a:p>
-            <a:r>
-              <a:rPr lang="en-US" dirty="0" smtClean="0"/>
-              <a:t>For the database, this breaks the traditional “dev database” model</a:t>
-            </a:r>
-            <a:endParaRPr lang="en-US" dirty="0"/>
-          </a:p>
-        </p:txBody>
-      </p:sp>
-      <p:sp>
-        <p:nvSpPr>
-          <p:cNvPr id="4" name="Footer Placeholder 3"/>
-          <p:cNvSpPr>
-            <a:spLocks noGrp="1"/>
-          </p:cNvSpPr>
-          <p:nvPr>
-            <p:ph type="ftr" sz="quarter" idx="10"/>
-          </p:nvPr>
-        </p:nvSpPr>
-        <p:spPr/>
-        <p:txBody>
-          <a:bodyPr/>
-          <a:lstStyle/>
-          <a:p>
-            <a:pPr>
-              <a:defRPr/>
-            </a:pPr>
-            <a:r>
-              <a:rPr lang="en-US" smtClean="0"/>
-              <a:t>#ITDEVCON</a:t>
-            </a:r>
-            <a:endParaRPr lang="en-US"/>
-          </a:p>
-        </p:txBody>
-      </p:sp>
+        </p:nvPicPr>
+        <p:blipFill>
+          <a:blip r:embed="rId3">
+            <a:extLst>
+              <a:ext uri="{28A0092B-C50C-407E-A947-70E740481C1C}">
+                <a14:useLocalDpi xmlns:a14="http://schemas.microsoft.com/office/drawing/2010/main" val="0"/>
+              </a:ext>
+            </a:extLst>
+          </a:blip>
+          <a:stretch>
+            <a:fillRect/>
+          </a:stretch>
+        </p:blipFill>
+        <p:spPr>
+          <a:xfrm>
+            <a:off x="2633662" y="3286919"/>
+            <a:ext cx="3876675" cy="1152525"/>
+          </a:xfrm>
+        </p:spPr>
+      </p:pic>
     </p:spTree>
     <p:extLst>
       <p:ext uri="{BB962C8B-B14F-4D97-AF65-F5344CB8AC3E}">
-        <p14:creationId xmlns:p14="http://schemas.microsoft.com/office/powerpoint/2010/main" val="2773300760"/>
+        <p14:creationId xmlns:p14="http://schemas.microsoft.com/office/powerpoint/2010/main" val="3632557199"/>
       </p:ext>
     </p:extLst>
   </p:cSld>
@@ -11263,93 +12584,51 @@
           <a:p>
             <a:r>
               <a:rPr lang="en-US" dirty="0" smtClean="0"/>
-              <a:t>Agenda</a:t>
+              <a:t>Branching</a:t>
             </a:r>
             <a:endParaRPr lang="en-US" dirty="0"/>
           </a:p>
         </p:txBody>
       </p:sp>
-      <p:sp>
-        <p:nvSpPr>
-          <p:cNvPr id="3" name="Content Placeholder 2"/>
-          <p:cNvSpPr>
-            <a:spLocks noGrp="1"/>
-          </p:cNvSpPr>
+      <p:pic>
+        <p:nvPicPr>
+          <p:cNvPr id="5" name="Content Placeholder 4"/>
+          <p:cNvPicPr>
+            <a:picLocks noGrp="1" noChangeAspect="1"/>
+          </p:cNvPicPr>
           <p:nvPr>
             <p:ph idx="1"/>
           </p:nvPr>
-        </p:nvSpPr>
-        <p:spPr/>
-        <p:txBody>
-          <a:bodyPr/>
-          <a:lstStyle/>
-          <a:p>
-            <a:r>
-              <a:rPr lang="en-US" dirty="0" smtClean="0"/>
-              <a:t>Who Am I</a:t>
-            </a:r>
-            <a:r>
-              <a:rPr lang="en-US" dirty="0" smtClean="0"/>
-              <a:t>?</a:t>
-            </a:r>
-          </a:p>
-          <a:p>
-            <a:r>
-              <a:rPr lang="en-US" dirty="0" smtClean="0"/>
-              <a:t>What is Branching?</a:t>
-            </a:r>
-            <a:endParaRPr lang="en-US" dirty="0" smtClean="0"/>
-          </a:p>
-          <a:p>
-            <a:r>
-              <a:rPr lang="en-US" b="1" dirty="0" smtClean="0"/>
-              <a:t>Branching strategies in a VCS</a:t>
-            </a:r>
-          </a:p>
-          <a:p>
-            <a:r>
-              <a:rPr lang="en-US" dirty="0" smtClean="0"/>
-              <a:t>Managing databases for branches</a:t>
-            </a:r>
-          </a:p>
-          <a:p>
-            <a:r>
-              <a:rPr lang="en-US" dirty="0" smtClean="0"/>
-              <a:t>Merging stored procedure code</a:t>
-            </a:r>
-          </a:p>
-          <a:p>
-            <a:r>
-              <a:rPr lang="en-US" dirty="0" smtClean="0"/>
-              <a:t>Merging table schema changes</a:t>
-            </a:r>
-          </a:p>
-          <a:p>
-            <a:endParaRPr lang="en-US" dirty="0"/>
-          </a:p>
-          <a:p>
-            <a:pPr lvl="1"/>
-            <a:endParaRPr lang="en-US" dirty="0" smtClean="0"/>
-          </a:p>
-        </p:txBody>
-      </p:sp>
+        </p:nvPicPr>
+        <p:blipFill>
+          <a:blip r:embed="rId3">
+            <a:extLst>
+              <a:ext uri="{28A0092B-C50C-407E-A947-70E740481C1C}">
+                <a14:useLocalDpi xmlns:a14="http://schemas.microsoft.com/office/drawing/2010/main" val="0"/>
+              </a:ext>
+            </a:extLst>
+          </a:blip>
+          <a:stretch>
+            <a:fillRect/>
+          </a:stretch>
+        </p:blipFill>
+        <p:spPr>
+          <a:xfrm>
+            <a:off x="2438400" y="2910681"/>
+            <a:ext cx="4267200" cy="1905000"/>
+          </a:xfrm>
+        </p:spPr>
+      </p:pic>
     </p:spTree>
     <p:extLst>
       <p:ext uri="{BB962C8B-B14F-4D97-AF65-F5344CB8AC3E}">
-        <p14:creationId xmlns:p14="http://schemas.microsoft.com/office/powerpoint/2010/main" val="3780073349"/>
+        <p14:creationId xmlns:p14="http://schemas.microsoft.com/office/powerpoint/2010/main" val="2870144613"/>
       </p:ext>
     </p:extLst>
   </p:cSld>
   <p:clrMapOvr>
     <a:masterClrMapping/>
   </p:clrMapOvr>
-  <p:timing>
-    <p:tnLst>
-      <p:par>
-        <p:cTn id="1" dur="indefinite" restart="never" nodeType="tmRoot"/>
-      </p:par>
-    </p:tnLst>
-  </p:timing>
 </p:sld>
 </file>
 
@@ -11417,15 +12696,15 @@
         </p:blipFill>
         <p:spPr>
           <a:xfrm>
-            <a:off x="2633662" y="3286919"/>
-            <a:ext cx="3876675" cy="1152525"/>
+            <a:off x="1714500" y="2386806"/>
+            <a:ext cx="5715000" cy="2952750"/>
           </a:xfrm>
         </p:spPr>
       </p:pic>
     </p:spTree>
     <p:extLst>
       <p:ext uri="{BB962C8B-B14F-4D97-AF65-F5344CB8AC3E}">
-        <p14:creationId xmlns:p14="http://schemas.microsoft.com/office/powerpoint/2010/main" val="3632557199"/>
+        <p14:creationId xmlns:p14="http://schemas.microsoft.com/office/powerpoint/2010/main" val="3213046857"/>
       </p:ext>
     </p:extLst>
   </p:cSld>

--- a/Presentation/BranchMergeDBCode.pptx
+++ b/Presentation/BranchMergeDBCode.pptx
@@ -638,11 +638,37 @@
           <a:p>
             <a:r>
               <a:rPr lang="en-US" dirty="0" smtClean="0"/>
-              <a:t>Two views, DB stuff together,</a:t>
+              <a:t>What can we do about the issues? First, you can use a shared database. This isn’t recommended because it defeats</a:t>
             </a:r>
             <a:r>
               <a:rPr lang="en-US" baseline="0" dirty="0" smtClean="0"/>
-              <a:t> or all applications stuff together.</a:t>
+              <a:t> the purpose of branching. You will need a shared database somewhere, at some point, to get your code together, but for development branching, you need a separate </a:t>
+            </a:r>
+            <a:r>
+              <a:rPr lang="en-US" baseline="0" dirty="0" err="1" smtClean="0"/>
+              <a:t>db</a:t>
+            </a:r>
+            <a:r>
+              <a:rPr lang="en-US" baseline="0" dirty="0" smtClean="0"/>
+              <a:t> per branch, if not per developer. </a:t>
+            </a:r>
+          </a:p>
+          <a:p>
+            <a:r>
+              <a:rPr lang="en-US" baseline="0" dirty="0" smtClean="0"/>
+              <a:t>Branches shouldn’t exist a long time without merging. Certainly you might have a period of time to complete a feature or idea, but merge this back quickly so that others can get the change. Otherwise, merges and the scripts that might be needed for upgrades become complex. </a:t>
+            </a:r>
+          </a:p>
+          <a:p>
+            <a:r>
+              <a:rPr lang="en-US" baseline="0" dirty="0" smtClean="0"/>
+              <a:t>Communication between people is key. Whether you have a DBA doing development changes, or individual front end developers, communicate schema changes.</a:t>
+            </a:r>
+          </a:p>
+          <a:p>
+            <a:r>
+              <a:rPr lang="en-US" baseline="0" dirty="0" smtClean="0"/>
+              <a:t>You will need sample data scripts that can be shared, otherwise this becomes a hassle.</a:t>
             </a:r>
             <a:endParaRPr lang="en-US" dirty="0"/>
           </a:p>
@@ -665,7 +691,7 @@
           <a:p>
             <a:fld id="{E332A5C1-A9B8-4707-ACEF-98CB367ABD38}" type="slidenum">
               <a:rPr lang="en-US" smtClean="0"/>
-              <a:t>19</a:t>
+              <a:t>16</a:t>
             </a:fld>
             <a:endParaRPr lang="en-US"/>
           </a:p>
@@ -674,7 +700,7 @@
     </p:spTree>
     <p:extLst>
       <p:ext uri="{BB962C8B-B14F-4D97-AF65-F5344CB8AC3E}">
-        <p14:creationId xmlns:p14="http://schemas.microsoft.com/office/powerpoint/2010/main" val="407951254"/>
+        <p14:creationId xmlns:p14="http://schemas.microsoft.com/office/powerpoint/2010/main" val="4077472175"/>
       </p:ext>
     </p:extLst>
   </p:cSld>
@@ -730,7 +756,32 @@
           <a:p>
             <a:r>
               <a:rPr lang="en-US" dirty="0" smtClean="0"/>
-              <a:t>Database problems with having table alters in two places.</a:t>
+              <a:t>What does this normally look like in a VCS. Here’s how multiple</a:t>
+            </a:r>
+            <a:r>
+              <a:rPr lang="en-US" baseline="0" dirty="0" smtClean="0"/>
+              <a:t> apps look.</a:t>
+            </a:r>
+          </a:p>
+          <a:p>
+            <a:endParaRPr lang="en-US" dirty="0" smtClean="0"/>
+          </a:p>
+          <a:p>
+            <a:r>
+              <a:rPr lang="en-US" dirty="0" smtClean="0"/>
+              <a:t>Image:</a:t>
+            </a:r>
+            <a:r>
+              <a:rPr lang="en-US" baseline="0" dirty="0" smtClean="0"/>
+              <a:t> </a:t>
+            </a:r>
+            <a:r>
+              <a:rPr lang="en-US" dirty="0" smtClean="0"/>
+              <a:t>http</a:t>
+            </a:r>
+            <a:r>
+              <a:rPr lang="en-US" dirty="0" smtClean="0"/>
+              <a:t>://svnbook.red-bean.com/en/1.6/images/ch04dia3.png</a:t>
             </a:r>
             <a:endParaRPr lang="en-US" dirty="0"/>
           </a:p>
@@ -753,7 +804,7 @@
           <a:p>
             <a:fld id="{E332A5C1-A9B8-4707-ACEF-98CB367ABD38}" type="slidenum">
               <a:rPr lang="en-US" smtClean="0"/>
-              <a:t>21</a:t>
+              <a:t>17</a:t>
             </a:fld>
             <a:endParaRPr lang="en-US"/>
           </a:p>
@@ -762,7 +813,7 @@
     </p:spTree>
     <p:extLst>
       <p:ext uri="{BB962C8B-B14F-4D97-AF65-F5344CB8AC3E}">
-        <p14:creationId xmlns:p14="http://schemas.microsoft.com/office/powerpoint/2010/main" val="2610162191"/>
+        <p14:creationId xmlns:p14="http://schemas.microsoft.com/office/powerpoint/2010/main" val="1113470866"/>
       </p:ext>
     </p:extLst>
   </p:cSld>
@@ -818,7 +869,11 @@
           <a:p>
             <a:r>
               <a:rPr lang="en-US" dirty="0" smtClean="0"/>
-              <a:t>Database problems with having table alters in two places.</a:t>
+              <a:t>Two views, DB stuff together,</a:t>
+            </a:r>
+            <a:r>
+              <a:rPr lang="en-US" baseline="0" dirty="0" smtClean="0"/>
+              <a:t> or all applications stuff together.</a:t>
             </a:r>
             <a:endParaRPr lang="en-US" dirty="0"/>
           </a:p>
@@ -841,7 +896,7 @@
           <a:p>
             <a:fld id="{E332A5C1-A9B8-4707-ACEF-98CB367ABD38}" type="slidenum">
               <a:rPr lang="en-US" smtClean="0"/>
-              <a:t>24</a:t>
+              <a:t>18</a:t>
             </a:fld>
             <a:endParaRPr lang="en-US"/>
           </a:p>
@@ -850,7 +905,7 @@
     </p:spTree>
     <p:extLst>
       <p:ext uri="{BB962C8B-B14F-4D97-AF65-F5344CB8AC3E}">
-        <p14:creationId xmlns:p14="http://schemas.microsoft.com/office/powerpoint/2010/main" val="2426956326"/>
+        <p14:creationId xmlns:p14="http://schemas.microsoft.com/office/powerpoint/2010/main" val="3295225639"/>
       </p:ext>
     </p:extLst>
   </p:cSld>
@@ -906,7 +961,431 @@
           <a:p>
             <a:r>
               <a:rPr lang="en-US" dirty="0" smtClean="0"/>
-              <a:t>Database problems with having table alters in two places.</a:t>
+              <a:t>I prefer the right side. Keep the </a:t>
+            </a:r>
+            <a:r>
+              <a:rPr lang="en-US" dirty="0" err="1" smtClean="0"/>
+              <a:t>db</a:t>
+            </a:r>
+            <a:r>
+              <a:rPr lang="en-US" dirty="0" smtClean="0"/>
+              <a:t> separate, as it’s only likely your application count</a:t>
+            </a:r>
+            <a:r>
+              <a:rPr lang="en-US" baseline="0" dirty="0" smtClean="0"/>
+              <a:t> will grow.</a:t>
+            </a:r>
+            <a:endParaRPr lang="en-US" dirty="0"/>
+          </a:p>
+        </p:txBody>
+      </p:sp>
+      <p:sp>
+        <p:nvSpPr>
+          <p:cNvPr id="4" name="Slide Number Placeholder 3"/>
+          <p:cNvSpPr>
+            <a:spLocks noGrp="1"/>
+          </p:cNvSpPr>
+          <p:nvPr>
+            <p:ph type="sldNum" sz="quarter" idx="10"/>
+          </p:nvPr>
+        </p:nvSpPr>
+        <p:spPr/>
+        <p:txBody>
+          <a:bodyPr/>
+          <a:lstStyle/>
+          <a:p>
+            <a:fld id="{E332A5C1-A9B8-4707-ACEF-98CB367ABD38}" type="slidenum">
+              <a:rPr lang="en-US" smtClean="0"/>
+              <a:t>19</a:t>
+            </a:fld>
+            <a:endParaRPr lang="en-US"/>
+          </a:p>
+        </p:txBody>
+      </p:sp>
+    </p:spTree>
+    <p:extLst>
+      <p:ext uri="{BB962C8B-B14F-4D97-AF65-F5344CB8AC3E}">
+        <p14:creationId xmlns:p14="http://schemas.microsoft.com/office/powerpoint/2010/main" val="407951254"/>
+      </p:ext>
+    </p:extLst>
+  </p:cSld>
+  <p:clrMapOvr>
+    <a:masterClrMapping/>
+  </p:clrMapOvr>
+</p:notes>
+</file>
+
+<file path=ppt/notesSlides/notesSlide14.xml><?xml version="1.0" encoding="utf-8"?>
+<p:notes xmlns:a="http://schemas.openxmlformats.org/drawingml/2006/main" xmlns:r="http://schemas.openxmlformats.org/officeDocument/2006/relationships" xmlns:p="http://schemas.openxmlformats.org/presentationml/2006/main">
+  <p:cSld>
+    <p:spTree>
+      <p:nvGrpSpPr>
+        <p:cNvPr id="1" name=""/>
+        <p:cNvGrpSpPr/>
+        <p:nvPr/>
+      </p:nvGrpSpPr>
+      <p:grpSpPr>
+        <a:xfrm>
+          <a:off x="0" y="0"/>
+          <a:ext cx="0" cy="0"/>
+          <a:chOff x="0" y="0"/>
+          <a:chExt cx="0" cy="0"/>
+        </a:xfrm>
+      </p:grpSpPr>
+      <p:sp>
+        <p:nvSpPr>
+          <p:cNvPr id="2" name="Slide Image Placeholder 1"/>
+          <p:cNvSpPr>
+            <a:spLocks noGrp="1" noRot="1" noChangeAspect="1"/>
+          </p:cNvSpPr>
+          <p:nvPr>
+            <p:ph type="sldImg"/>
+          </p:nvPr>
+        </p:nvSpPr>
+        <p:spPr/>
+      </p:sp>
+      <p:sp>
+        <p:nvSpPr>
+          <p:cNvPr id="3" name="Notes Placeholder 2"/>
+          <p:cNvSpPr>
+            <a:spLocks noGrp="1"/>
+          </p:cNvSpPr>
+          <p:nvPr>
+            <p:ph type="body" idx="1"/>
+          </p:nvPr>
+        </p:nvSpPr>
+        <p:spPr/>
+        <p:txBody>
+          <a:bodyPr/>
+          <a:lstStyle/>
+          <a:p>
+            <a:r>
+              <a:rPr lang="en-US" dirty="0" smtClean="0"/>
+              <a:t>Keep</a:t>
+            </a:r>
+            <a:r>
+              <a:rPr lang="en-US" baseline="0" dirty="0" smtClean="0"/>
+              <a:t> the branches separate from trunk. Whether they’re at the root or below a folder, that’s fine. One thing I’d be sure to do is version data movement scripts as well. </a:t>
+            </a:r>
+            <a:endParaRPr lang="en-US" dirty="0"/>
+          </a:p>
+        </p:txBody>
+      </p:sp>
+      <p:sp>
+        <p:nvSpPr>
+          <p:cNvPr id="4" name="Slide Number Placeholder 3"/>
+          <p:cNvSpPr>
+            <a:spLocks noGrp="1"/>
+          </p:cNvSpPr>
+          <p:nvPr>
+            <p:ph type="sldNum" sz="quarter" idx="10"/>
+          </p:nvPr>
+        </p:nvSpPr>
+        <p:spPr/>
+        <p:txBody>
+          <a:bodyPr/>
+          <a:lstStyle/>
+          <a:p>
+            <a:fld id="{E332A5C1-A9B8-4707-ACEF-98CB367ABD38}" type="slidenum">
+              <a:rPr lang="en-US" smtClean="0"/>
+              <a:t>20</a:t>
+            </a:fld>
+            <a:endParaRPr lang="en-US"/>
+          </a:p>
+        </p:txBody>
+      </p:sp>
+    </p:spTree>
+    <p:extLst>
+      <p:ext uri="{BB962C8B-B14F-4D97-AF65-F5344CB8AC3E}">
+        <p14:creationId xmlns:p14="http://schemas.microsoft.com/office/powerpoint/2010/main" val="1559963019"/>
+      </p:ext>
+    </p:extLst>
+  </p:cSld>
+  <p:clrMapOvr>
+    <a:masterClrMapping/>
+  </p:clrMapOvr>
+</p:notes>
+</file>
+
+<file path=ppt/notesSlides/notesSlide15.xml><?xml version="1.0" encoding="utf-8"?>
+<p:notes xmlns:a="http://schemas.openxmlformats.org/drawingml/2006/main" xmlns:r="http://schemas.openxmlformats.org/officeDocument/2006/relationships" xmlns:p="http://schemas.openxmlformats.org/presentationml/2006/main">
+  <p:cSld>
+    <p:spTree>
+      <p:nvGrpSpPr>
+        <p:cNvPr id="1" name=""/>
+        <p:cNvGrpSpPr/>
+        <p:nvPr/>
+      </p:nvGrpSpPr>
+      <p:grpSpPr>
+        <a:xfrm>
+          <a:off x="0" y="0"/>
+          <a:ext cx="0" cy="0"/>
+          <a:chOff x="0" y="0"/>
+          <a:chExt cx="0" cy="0"/>
+        </a:xfrm>
+      </p:grpSpPr>
+      <p:sp>
+        <p:nvSpPr>
+          <p:cNvPr id="2" name="Slide Image Placeholder 1"/>
+          <p:cNvSpPr>
+            <a:spLocks noGrp="1" noRot="1" noChangeAspect="1"/>
+          </p:cNvSpPr>
+          <p:nvPr>
+            <p:ph type="sldImg"/>
+          </p:nvPr>
+        </p:nvSpPr>
+        <p:spPr/>
+      </p:sp>
+      <p:sp>
+        <p:nvSpPr>
+          <p:cNvPr id="3" name="Notes Placeholder 2"/>
+          <p:cNvSpPr>
+            <a:spLocks noGrp="1"/>
+          </p:cNvSpPr>
+          <p:nvPr>
+            <p:ph type="body" idx="1"/>
+          </p:nvPr>
+        </p:nvSpPr>
+        <p:spPr/>
+        <p:txBody>
+          <a:bodyPr/>
+          <a:lstStyle/>
+          <a:p>
+            <a:r>
+              <a:rPr lang="en-US" dirty="0" smtClean="0"/>
+              <a:t>Demo – show how to make a branch in SVN,</a:t>
+            </a:r>
+            <a:r>
+              <a:rPr lang="en-US" baseline="0" dirty="0" smtClean="0"/>
+              <a:t> copy code. Make changes in two places. Note separation.</a:t>
+            </a:r>
+          </a:p>
+          <a:p>
+            <a:r>
+              <a:rPr lang="en-US" baseline="0" dirty="0" smtClean="0"/>
+              <a:t>Use two databases.</a:t>
+            </a:r>
+          </a:p>
+          <a:p>
+            <a:pPr marL="171450" indent="-171450">
+              <a:buFontTx/>
+              <a:buChar char="-"/>
+            </a:pPr>
+            <a:r>
+              <a:rPr lang="en-US" baseline="0" dirty="0" smtClean="0"/>
+              <a:t>Change two tables</a:t>
+            </a:r>
+          </a:p>
+          <a:p>
+            <a:pPr marL="171450" indent="-171450">
+              <a:buFontTx/>
+              <a:buChar char="-"/>
+            </a:pPr>
+            <a:r>
+              <a:rPr lang="en-US" baseline="0" dirty="0" smtClean="0"/>
+              <a:t>One has no conflicts (add)</a:t>
+            </a:r>
+          </a:p>
+          <a:p>
+            <a:pPr marL="171450" indent="-171450">
+              <a:buFontTx/>
+              <a:buChar char="-"/>
+            </a:pPr>
+            <a:r>
+              <a:rPr lang="en-US" baseline="0" dirty="0" smtClean="0"/>
+              <a:t>One has multiple changes that conflict</a:t>
+            </a:r>
+            <a:endParaRPr lang="en-US" dirty="0"/>
+          </a:p>
+        </p:txBody>
+      </p:sp>
+      <p:sp>
+        <p:nvSpPr>
+          <p:cNvPr id="4" name="Slide Number Placeholder 3"/>
+          <p:cNvSpPr>
+            <a:spLocks noGrp="1"/>
+          </p:cNvSpPr>
+          <p:nvPr>
+            <p:ph type="sldNum" sz="quarter" idx="10"/>
+          </p:nvPr>
+        </p:nvSpPr>
+        <p:spPr/>
+        <p:txBody>
+          <a:bodyPr/>
+          <a:lstStyle/>
+          <a:p>
+            <a:fld id="{E332A5C1-A9B8-4707-ACEF-98CB367ABD38}" type="slidenum">
+              <a:rPr lang="en-US" smtClean="0"/>
+              <a:t>21</a:t>
+            </a:fld>
+            <a:endParaRPr lang="en-US"/>
+          </a:p>
+        </p:txBody>
+      </p:sp>
+    </p:spTree>
+    <p:extLst>
+      <p:ext uri="{BB962C8B-B14F-4D97-AF65-F5344CB8AC3E}">
+        <p14:creationId xmlns:p14="http://schemas.microsoft.com/office/powerpoint/2010/main" val="2610162191"/>
+      </p:ext>
+    </p:extLst>
+  </p:cSld>
+  <p:clrMapOvr>
+    <a:masterClrMapping/>
+  </p:clrMapOvr>
+</p:notes>
+</file>
+
+<file path=ppt/notesSlides/notesSlide16.xml><?xml version="1.0" encoding="utf-8"?>
+<p:notes xmlns:a="http://schemas.openxmlformats.org/drawingml/2006/main" xmlns:r="http://schemas.openxmlformats.org/officeDocument/2006/relationships" xmlns:p="http://schemas.openxmlformats.org/presentationml/2006/main">
+  <p:cSld>
+    <p:spTree>
+      <p:nvGrpSpPr>
+        <p:cNvPr id="1" name=""/>
+        <p:cNvGrpSpPr/>
+        <p:nvPr/>
+      </p:nvGrpSpPr>
+      <p:grpSpPr>
+        <a:xfrm>
+          <a:off x="0" y="0"/>
+          <a:ext cx="0" cy="0"/>
+          <a:chOff x="0" y="0"/>
+          <a:chExt cx="0" cy="0"/>
+        </a:xfrm>
+      </p:grpSpPr>
+      <p:sp>
+        <p:nvSpPr>
+          <p:cNvPr id="2" name="Slide Image Placeholder 1"/>
+          <p:cNvSpPr>
+            <a:spLocks noGrp="1" noRot="1" noChangeAspect="1"/>
+          </p:cNvSpPr>
+          <p:nvPr>
+            <p:ph type="sldImg"/>
+          </p:nvPr>
+        </p:nvSpPr>
+        <p:spPr/>
+      </p:sp>
+      <p:sp>
+        <p:nvSpPr>
+          <p:cNvPr id="3" name="Notes Placeholder 2"/>
+          <p:cNvSpPr>
+            <a:spLocks noGrp="1"/>
+          </p:cNvSpPr>
+          <p:nvPr>
+            <p:ph type="body" idx="1"/>
+          </p:nvPr>
+        </p:nvSpPr>
+        <p:spPr/>
+        <p:txBody>
+          <a:bodyPr/>
+          <a:lstStyle/>
+          <a:p>
+            <a:r>
+              <a:rPr lang="en-US" dirty="0" smtClean="0"/>
+              <a:t>Merge</a:t>
+            </a:r>
+            <a:r>
+              <a:rPr lang="en-US" baseline="0" dirty="0" smtClean="0"/>
+              <a:t> the previous table changes.</a:t>
+            </a:r>
+            <a:endParaRPr lang="en-US" dirty="0"/>
+          </a:p>
+        </p:txBody>
+      </p:sp>
+      <p:sp>
+        <p:nvSpPr>
+          <p:cNvPr id="4" name="Slide Number Placeholder 3"/>
+          <p:cNvSpPr>
+            <a:spLocks noGrp="1"/>
+          </p:cNvSpPr>
+          <p:nvPr>
+            <p:ph type="sldNum" sz="quarter" idx="10"/>
+          </p:nvPr>
+        </p:nvSpPr>
+        <p:spPr/>
+        <p:txBody>
+          <a:bodyPr/>
+          <a:lstStyle/>
+          <a:p>
+            <a:fld id="{E332A5C1-A9B8-4707-ACEF-98CB367ABD38}" type="slidenum">
+              <a:rPr lang="en-US" smtClean="0"/>
+              <a:t>24</a:t>
+            </a:fld>
+            <a:endParaRPr lang="en-US"/>
+          </a:p>
+        </p:txBody>
+      </p:sp>
+    </p:spTree>
+    <p:extLst>
+      <p:ext uri="{BB962C8B-B14F-4D97-AF65-F5344CB8AC3E}">
+        <p14:creationId xmlns:p14="http://schemas.microsoft.com/office/powerpoint/2010/main" val="2426956326"/>
+      </p:ext>
+    </p:extLst>
+  </p:cSld>
+  <p:clrMapOvr>
+    <a:masterClrMapping/>
+  </p:clrMapOvr>
+</p:notes>
+</file>
+
+<file path=ppt/notesSlides/notesSlide17.xml><?xml version="1.0" encoding="utf-8"?>
+<p:notes xmlns:a="http://schemas.openxmlformats.org/drawingml/2006/main" xmlns:r="http://schemas.openxmlformats.org/officeDocument/2006/relationships" xmlns:p="http://schemas.openxmlformats.org/presentationml/2006/main">
+  <p:cSld>
+    <p:spTree>
+      <p:nvGrpSpPr>
+        <p:cNvPr id="1" name=""/>
+        <p:cNvGrpSpPr/>
+        <p:nvPr/>
+      </p:nvGrpSpPr>
+      <p:grpSpPr>
+        <a:xfrm>
+          <a:off x="0" y="0"/>
+          <a:ext cx="0" cy="0"/>
+          <a:chOff x="0" y="0"/>
+          <a:chExt cx="0" cy="0"/>
+        </a:xfrm>
+      </p:grpSpPr>
+      <p:sp>
+        <p:nvSpPr>
+          <p:cNvPr id="2" name="Slide Image Placeholder 1"/>
+          <p:cNvSpPr>
+            <a:spLocks noGrp="1" noRot="1" noChangeAspect="1"/>
+          </p:cNvSpPr>
+          <p:nvPr>
+            <p:ph type="sldImg"/>
+          </p:nvPr>
+        </p:nvSpPr>
+        <p:spPr/>
+      </p:sp>
+      <p:sp>
+        <p:nvSpPr>
+          <p:cNvPr id="3" name="Notes Placeholder 2"/>
+          <p:cNvSpPr>
+            <a:spLocks noGrp="1"/>
+          </p:cNvSpPr>
+          <p:nvPr>
+            <p:ph type="body" idx="1"/>
+          </p:nvPr>
+        </p:nvSpPr>
+        <p:spPr/>
+        <p:txBody>
+          <a:bodyPr/>
+          <a:lstStyle/>
+          <a:p>
+            <a:r>
+              <a:rPr lang="en-US" dirty="0" smtClean="0"/>
+              <a:t>Merge</a:t>
+            </a:r>
+            <a:r>
+              <a:rPr lang="en-US" baseline="0" dirty="0" smtClean="0"/>
+              <a:t> demo for stored procedures. Show changes in two </a:t>
+            </a:r>
+            <a:r>
+              <a:rPr lang="en-US" baseline="0" dirty="0" err="1" smtClean="0"/>
+              <a:t>procs</a:t>
+            </a:r>
+            <a:r>
+              <a:rPr lang="en-US" baseline="0" dirty="0" smtClean="0"/>
+              <a:t>. Make multiple changes. One is non conflicting. One conflicts.</a:t>
             </a:r>
             <a:endParaRPr lang="en-US" dirty="0"/>
           </a:p>
@@ -1544,7 +2023,11 @@
           <a:p>
             <a:r>
               <a:rPr lang="en-US" dirty="0" smtClean="0"/>
-              <a:t>http://svnbook.red-bean.com/en/1.6/images/ch04dia3.png</a:t>
+              <a:t>What</a:t>
+            </a:r>
+            <a:r>
+              <a:rPr lang="en-US" baseline="0" dirty="0" smtClean="0"/>
+              <a:t> happens if I normalize the trunk table in my feature branch? Where does this data go?  For the branch, I can write a script to change this, but the merge back into trunk needs the same data movement.</a:t>
             </a:r>
             <a:endParaRPr lang="en-US" dirty="0"/>
           </a:p>
@@ -1567,7 +2050,7 @@
           <a:p>
             <a:fld id="{E332A5C1-A9B8-4707-ACEF-98CB367ABD38}" type="slidenum">
               <a:rPr lang="en-US" smtClean="0"/>
-              <a:t>17</a:t>
+              <a:t>14</a:t>
             </a:fld>
             <a:endParaRPr lang="en-US"/>
           </a:p>
@@ -1576,7 +2059,7 @@
     </p:spTree>
     <p:extLst>
       <p:ext uri="{BB962C8B-B14F-4D97-AF65-F5344CB8AC3E}">
-        <p14:creationId xmlns:p14="http://schemas.microsoft.com/office/powerpoint/2010/main" val="1113470866"/>
+        <p14:creationId xmlns:p14="http://schemas.microsoft.com/office/powerpoint/2010/main" val="2537944743"/>
       </p:ext>
     </p:extLst>
   </p:cSld>
@@ -1632,11 +2115,11 @@
           <a:p>
             <a:r>
               <a:rPr lang="en-US" dirty="0" smtClean="0"/>
-              <a:t>Two views, DB stuff together,</a:t>
+              <a:t>The reverse</a:t>
             </a:r>
             <a:r>
               <a:rPr lang="en-US" baseline="0" dirty="0" smtClean="0"/>
-              <a:t> or all applications stuff together.</a:t>
+              <a:t> case is also an issue. How do I get this data? Especially true for not null columns, though defaults will usually be enforced here.</a:t>
             </a:r>
             <a:endParaRPr lang="en-US" dirty="0"/>
           </a:p>
@@ -1659,7 +2142,7 @@
           <a:p>
             <a:fld id="{E332A5C1-A9B8-4707-ACEF-98CB367ABD38}" type="slidenum">
               <a:rPr lang="en-US" smtClean="0"/>
-              <a:t>18</a:t>
+              <a:t>15</a:t>
             </a:fld>
             <a:endParaRPr lang="en-US"/>
           </a:p>
@@ -1668,7 +2151,7 @@
     </p:spTree>
     <p:extLst>
       <p:ext uri="{BB962C8B-B14F-4D97-AF65-F5344CB8AC3E}">
-        <p14:creationId xmlns:p14="http://schemas.microsoft.com/office/powerpoint/2010/main" val="3295225639"/>
+        <p14:creationId xmlns:p14="http://schemas.microsoft.com/office/powerpoint/2010/main" val="3695067373"/>
       </p:ext>
     </p:extLst>
   </p:cSld>
@@ -8468,19 +8951,7 @@
           <a:p>
             <a:r>
               <a:rPr lang="en-US" dirty="0" smtClean="0"/>
-              <a:t>Why </a:t>
-            </a:r>
-            <a:r>
-              <a:rPr lang="en-US" dirty="0" smtClean="0"/>
-              <a:t>is</a:t>
-            </a:r>
-            <a:r>
-              <a:rPr lang="en-US" dirty="0" smtClean="0"/>
-              <a:t> </a:t>
-            </a:r>
-            <a:r>
-              <a:rPr lang="en-US" dirty="0" smtClean="0"/>
-              <a:t>this hard?</a:t>
+              <a:t>Why is this hard?</a:t>
             </a:r>
             <a:endParaRPr lang="en-US" dirty="0"/>
           </a:p>
@@ -8584,7 +9055,7 @@
           </p:nvPr>
         </p:nvPicPr>
         <p:blipFill>
-          <a:blip r:embed="rId2">
+          <a:blip r:embed="rId3">
             <a:extLst>
               <a:ext uri="{28A0092B-C50C-407E-A947-70E740481C1C}">
                 <a14:useLocalDpi xmlns:a14="http://schemas.microsoft.com/office/drawing/2010/main" val="0"/>
@@ -8699,7 +9170,7 @@
           <p:nvPr/>
         </p:nvPicPr>
         <p:blipFill>
-          <a:blip r:embed="rId3">
+          <a:blip r:embed="rId4">
             <a:extLst>
               <a:ext uri="{28A0092B-C50C-407E-A947-70E740481C1C}">
                 <a14:useLocalDpi xmlns:a14="http://schemas.microsoft.com/office/drawing/2010/main" val="0"/>
@@ -8910,7 +9381,7 @@
           </p:nvPr>
         </p:nvPicPr>
         <p:blipFill>
-          <a:blip r:embed="rId2">
+          <a:blip r:embed="rId3">
             <a:extLst>
               <a:ext uri="{28A0092B-C50C-407E-A947-70E740481C1C}">
                 <a14:useLocalDpi xmlns:a14="http://schemas.microsoft.com/office/drawing/2010/main" val="0"/>
@@ -9184,7 +9655,7 @@
           <p:nvPr/>
         </p:nvPicPr>
         <p:blipFill>
-          <a:blip r:embed="rId3">
+          <a:blip r:embed="rId4">
             <a:extLst>
               <a:ext uri="{28A0092B-C50C-407E-A947-70E740481C1C}">
                 <a14:useLocalDpi xmlns:a14="http://schemas.microsoft.com/office/drawing/2010/main" val="0"/>
@@ -9282,8 +9753,16 @@
             <a:pPr lvl="1"/>
             <a:r>
               <a:rPr lang="en-US" dirty="0" smtClean="0"/>
-              <a:t>Shared database (not recommended)</a:t>
-            </a:r>
+              <a:t>Dedicated database per branch</a:t>
+            </a:r>
+          </a:p>
+          <a:p>
+            <a:pPr lvl="2"/>
+            <a:r>
+              <a:rPr lang="en-US" dirty="0" smtClean="0"/>
+              <a:t>recommended</a:t>
+            </a:r>
+            <a:endParaRPr lang="en-US" dirty="0" smtClean="0"/>
           </a:p>
           <a:p>
             <a:pPr lvl="1"/>
@@ -9296,8 +9775,27 @@
             <a:pPr lvl="1"/>
             <a:r>
               <a:rPr lang="en-US" dirty="0" smtClean="0"/>
-              <a:t>Good communication</a:t>
-            </a:r>
+              <a:t>Good </a:t>
+            </a:r>
+            <a:r>
+              <a:rPr lang="en-US" dirty="0" smtClean="0"/>
+              <a:t>communication</a:t>
+            </a:r>
+          </a:p>
+          <a:p>
+            <a:pPr lvl="2"/>
+            <a:r>
+              <a:rPr lang="en-US" dirty="0" smtClean="0"/>
+              <a:t>Mostly table changes</a:t>
+            </a:r>
+          </a:p>
+          <a:p>
+            <a:pPr lvl="2"/>
+            <a:r>
+              <a:rPr lang="en-US" dirty="0" smtClean="0"/>
+              <a:t>Maybe views</a:t>
+            </a:r>
+            <a:endParaRPr lang="en-US" dirty="0" smtClean="0"/>
           </a:p>
           <a:p>
             <a:pPr lvl="1"/>
@@ -9978,7 +10476,7 @@
           <p:nvPr/>
         </p:nvPicPr>
         <p:blipFill>
-          <a:blip r:embed="rId2">
+          <a:blip r:embed="rId3">
             <a:extLst>
               <a:ext uri="{28A0092B-C50C-407E-A947-70E740481C1C}">
                 <a14:useLocalDpi xmlns:a14="http://schemas.microsoft.com/office/drawing/2010/main" val="0"/>
@@ -10070,12 +10568,12 @@
         </p:nvSpPr>
         <p:spPr>
           <a:xfrm>
-            <a:off x="381000" y="1905000"/>
+            <a:off x="381000" y="2209800"/>
             <a:ext cx="8229600" cy="1981200"/>
           </a:xfrm>
         </p:spPr>
         <p:txBody>
-          <a:bodyPr/>
+          <a:bodyPr anchor="t"/>
           <a:lstStyle/>
           <a:p>
             <a:pPr marL="0" indent="0">
@@ -10097,28 +10595,7 @@
               </a:rPr>
               <a:t>Setup</a:t>
             </a:r>
-          </a:p>
-          <a:p>
-            <a:pPr marL="0" indent="0">
-              <a:buNone/>
-            </a:pPr>
-            <a:r>
-              <a:rPr lang="en-US" b="1" dirty="0" smtClean="0">
-                <a:solidFill>
-                  <a:schemeClr val="tx1"/>
-                </a:solidFill>
-              </a:rPr>
-              <a:t>Branch </a:t>
-            </a:r>
-            <a:r>
-              <a:rPr lang="en-US" b="1" dirty="0" smtClean="0">
-                <a:solidFill>
-                  <a:schemeClr val="tx1"/>
-                </a:solidFill>
-              </a:rPr>
-              <a:t>Issues</a:t>
-            </a:r>
-            <a:endParaRPr lang="en-US" b="1" dirty="0">
+            <a:endParaRPr lang="en-US" b="1" dirty="0" smtClean="0">
               <a:solidFill>
                 <a:schemeClr val="tx1"/>
               </a:solidFill>
@@ -10789,34 +11266,13 @@
           <a:p>
             <a:r>
               <a:rPr lang="en-US" dirty="0" smtClean="0"/>
-              <a:t>Learn </a:t>
-            </a:r>
+              <a:t>Learn types of branching database code in Version Control Systems</a:t>
+            </a:r>
+          </a:p>
+          <a:p>
             <a:r>
               <a:rPr lang="en-US" dirty="0" smtClean="0"/>
-              <a:t>types</a:t>
-            </a:r>
-            <a:r>
-              <a:rPr lang="en-US" dirty="0" smtClean="0"/>
-              <a:t> </a:t>
-            </a:r>
-            <a:r>
-              <a:rPr lang="en-US" dirty="0" smtClean="0"/>
-              <a:t>of branching database code in Version Control </a:t>
-            </a:r>
-            <a:r>
-              <a:rPr lang="en-US" dirty="0" smtClean="0"/>
-              <a:t>Systems</a:t>
-            </a:r>
-            <a:endParaRPr lang="en-US" dirty="0" smtClean="0"/>
-          </a:p>
-          <a:p>
-            <a:r>
-              <a:rPr lang="en-US" dirty="0" smtClean="0"/>
-              <a:t>Merges for table schema </a:t>
-            </a:r>
-            <a:r>
-              <a:rPr lang="en-US" dirty="0" smtClean="0"/>
-              <a:t>changes</a:t>
+              <a:t>Merges for table schema changes</a:t>
             </a:r>
           </a:p>
           <a:p>
@@ -10824,7 +11280,6 @@
               <a:rPr lang="en-US" dirty="0" smtClean="0"/>
               <a:t>Merges for stored procedure code</a:t>
             </a:r>
-            <a:endParaRPr lang="en-US" dirty="0" smtClean="0"/>
           </a:p>
         </p:txBody>
       </p:sp>
@@ -11552,34 +12007,13 @@
           <a:p>
             <a:r>
               <a:rPr lang="en-US" dirty="0" smtClean="0"/>
-              <a:t>Learn </a:t>
-            </a:r>
+              <a:t>Learn types of branching database code in Version Control Systems</a:t>
+            </a:r>
+          </a:p>
+          <a:p>
             <a:r>
               <a:rPr lang="en-US" dirty="0" smtClean="0"/>
-              <a:t>types</a:t>
-            </a:r>
-            <a:r>
-              <a:rPr lang="en-US" dirty="0" smtClean="0"/>
-              <a:t> </a:t>
-            </a:r>
-            <a:r>
-              <a:rPr lang="en-US" dirty="0" smtClean="0"/>
-              <a:t>of branching database code in Version Control </a:t>
-            </a:r>
-            <a:r>
-              <a:rPr lang="en-US" dirty="0" smtClean="0"/>
-              <a:t>Systems</a:t>
-            </a:r>
-            <a:endParaRPr lang="en-US" dirty="0" smtClean="0"/>
-          </a:p>
-          <a:p>
-            <a:r>
-              <a:rPr lang="en-US" dirty="0" smtClean="0"/>
-              <a:t>Merges for table schema </a:t>
-            </a:r>
-            <a:r>
-              <a:rPr lang="en-US" dirty="0" smtClean="0"/>
-              <a:t>changes</a:t>
+              <a:t>Merges for table schema changes</a:t>
             </a:r>
           </a:p>
           <a:p>
@@ -11587,7 +12021,6 @@
               <a:rPr lang="en-US" dirty="0" smtClean="0"/>
               <a:t>Merges for stored procedure code</a:t>
             </a:r>
-            <a:endParaRPr lang="en-US" dirty="0" smtClean="0"/>
           </a:p>
         </p:txBody>
       </p:sp>
@@ -12326,7 +12759,7 @@
         </p:blipFill>
         <p:spPr>
           <a:xfrm>
-            <a:off x="7467600" y="312337"/>
+            <a:off x="7467600" y="685800"/>
             <a:ext cx="1530429" cy="1511378"/>
           </a:xfrm>
           <a:prstGeom prst="rect">

--- a/Presentation/BranchMergeDBCode.pptx
+++ b/Presentation/BranchMergeDBCode.pptx
@@ -9,7 +9,7 @@
     <p:sldMasterId id="2147483695" r:id="rId5"/>
   </p:sldMasterIdLst>
   <p:notesMasterIdLst>
-    <p:notesMasterId r:id="rId35"/>
+    <p:notesMasterId r:id="rId36"/>
   </p:notesMasterIdLst>
   <p:sldIdLst>
     <p:sldId id="256" r:id="rId6"/>
@@ -39,8 +39,9 @@
     <p:sldId id="317" r:id="rId30"/>
     <p:sldId id="309" r:id="rId31"/>
     <p:sldId id="307" r:id="rId32"/>
-    <p:sldId id="260" r:id="rId33"/>
-    <p:sldId id="261" r:id="rId34"/>
+    <p:sldId id="318" r:id="rId33"/>
+    <p:sldId id="260" r:id="rId34"/>
+    <p:sldId id="261" r:id="rId35"/>
   </p:sldIdLst>
   <p:sldSz cx="9144000" cy="6858000" type="screen4x3"/>
   <p:notesSz cx="6858000" cy="9144000"/>
@@ -240,7 +241,7 @@
           <a:p>
             <a:fld id="{F2F907C9-8666-45EC-BDB3-62480554DCC1}" type="datetimeFigureOut">
               <a:rPr lang="en-US" smtClean="0"/>
-              <a:t>8/13/2015</a:t>
+              <a:t>8/24/2015</a:t>
             </a:fld>
             <a:endParaRPr lang="en-US"/>
           </a:p>
@@ -777,11 +778,7 @@
             </a:r>
             <a:r>
               <a:rPr lang="en-US" dirty="0" smtClean="0"/>
-              <a:t>http</a:t>
-            </a:r>
-            <a:r>
-              <a:rPr lang="en-US" dirty="0" smtClean="0"/>
-              <a:t>://svnbook.red-bean.com/en/1.6/images/ch04dia3.png</a:t>
+              <a:t>http://svnbook.red-bean.com/en/1.6/images/ch04dia3.png</a:t>
             </a:r>
             <a:endParaRPr lang="en-US" dirty="0"/>
           </a:p>
@@ -2925,6 +2922,187 @@
 </file>
 
 <file path=ppt/slideLayouts/slideLayout14.xml><?xml version="1.0" encoding="utf-8"?>
+<p:sldLayout xmlns:a="http://schemas.openxmlformats.org/drawingml/2006/main" xmlns:r="http://schemas.openxmlformats.org/officeDocument/2006/relationships" xmlns:p="http://schemas.openxmlformats.org/presentationml/2006/main" type="title">
+  <p:cSld name="Divider Title">
+    <p:spTree>
+      <p:nvGrpSpPr>
+        <p:cNvPr id="1" name=""/>
+        <p:cNvGrpSpPr/>
+        <p:nvPr/>
+      </p:nvGrpSpPr>
+      <p:grpSpPr>
+        <a:xfrm>
+          <a:off x="0" y="0"/>
+          <a:ext cx="0" cy="0"/>
+          <a:chOff x="0" y="0"/>
+          <a:chExt cx="0" cy="0"/>
+        </a:xfrm>
+      </p:grpSpPr>
+      <p:sp>
+        <p:nvSpPr>
+          <p:cNvPr id="2" name="Title 1"/>
+          <p:cNvSpPr>
+            <a:spLocks noGrp="1"/>
+          </p:cNvSpPr>
+          <p:nvPr>
+            <p:ph type="ctrTitle"/>
+          </p:nvPr>
+        </p:nvSpPr>
+        <p:spPr>
+          <a:xfrm>
+            <a:off x="685800" y="1688623"/>
+            <a:ext cx="7772400" cy="1468967"/>
+          </a:xfrm>
+          <a:prstGeom prst="rect">
+            <a:avLst/>
+          </a:prstGeom>
+        </p:spPr>
+        <p:txBody>
+          <a:bodyPr/>
+          <a:lstStyle/>
+          <a:p>
+            <a:r>
+              <a:rPr lang="en-US" dirty="0" smtClean="0"/>
+              <a:t>Click to edit Master title style</a:t>
+            </a:r>
+            <a:endParaRPr lang="en-US" dirty="0"/>
+          </a:p>
+        </p:txBody>
+      </p:sp>
+      <p:sp>
+        <p:nvSpPr>
+          <p:cNvPr id="3" name="Subtitle 2"/>
+          <p:cNvSpPr>
+            <a:spLocks noGrp="1"/>
+          </p:cNvSpPr>
+          <p:nvPr>
+            <p:ph type="subTitle" idx="1"/>
+          </p:nvPr>
+        </p:nvSpPr>
+        <p:spPr>
+          <a:xfrm>
+            <a:off x="1371600" y="3443339"/>
+            <a:ext cx="6400800" cy="1752600"/>
+          </a:xfrm>
+          <a:prstGeom prst="rect">
+            <a:avLst/>
+          </a:prstGeom>
+        </p:spPr>
+        <p:txBody>
+          <a:bodyPr/>
+          <a:lstStyle>
+            <a:lvl1pPr marL="0" indent="0" algn="ctr">
+              <a:buNone/>
+              <a:defRPr>
+                <a:solidFill>
+                  <a:schemeClr val="bg1"/>
+                </a:solidFill>
+              </a:defRPr>
+            </a:lvl1pPr>
+            <a:lvl2pPr marL="457200" indent="0" algn="ctr">
+              <a:buNone/>
+              <a:defRPr>
+                <a:solidFill>
+                  <a:schemeClr val="tx1">
+                    <a:tint val="75000"/>
+                  </a:schemeClr>
+                </a:solidFill>
+              </a:defRPr>
+            </a:lvl2pPr>
+            <a:lvl3pPr marL="914400" indent="0" algn="ctr">
+              <a:buNone/>
+              <a:defRPr>
+                <a:solidFill>
+                  <a:schemeClr val="tx1">
+                    <a:tint val="75000"/>
+                  </a:schemeClr>
+                </a:solidFill>
+              </a:defRPr>
+            </a:lvl3pPr>
+            <a:lvl4pPr marL="1371600" indent="0" algn="ctr">
+              <a:buNone/>
+              <a:defRPr>
+                <a:solidFill>
+                  <a:schemeClr val="tx1">
+                    <a:tint val="75000"/>
+                  </a:schemeClr>
+                </a:solidFill>
+              </a:defRPr>
+            </a:lvl4pPr>
+            <a:lvl5pPr marL="1828800" indent="0" algn="ctr">
+              <a:buNone/>
+              <a:defRPr>
+                <a:solidFill>
+                  <a:schemeClr val="tx1">
+                    <a:tint val="75000"/>
+                  </a:schemeClr>
+                </a:solidFill>
+              </a:defRPr>
+            </a:lvl5pPr>
+            <a:lvl6pPr marL="2286000" indent="0" algn="ctr">
+              <a:buNone/>
+              <a:defRPr>
+                <a:solidFill>
+                  <a:schemeClr val="tx1">
+                    <a:tint val="75000"/>
+                  </a:schemeClr>
+                </a:solidFill>
+              </a:defRPr>
+            </a:lvl6pPr>
+            <a:lvl7pPr marL="2743200" indent="0" algn="ctr">
+              <a:buNone/>
+              <a:defRPr>
+                <a:solidFill>
+                  <a:schemeClr val="tx1">
+                    <a:tint val="75000"/>
+                  </a:schemeClr>
+                </a:solidFill>
+              </a:defRPr>
+            </a:lvl7pPr>
+            <a:lvl8pPr marL="3200400" indent="0" algn="ctr">
+              <a:buNone/>
+              <a:defRPr>
+                <a:solidFill>
+                  <a:schemeClr val="tx1">
+                    <a:tint val="75000"/>
+                  </a:schemeClr>
+                </a:solidFill>
+              </a:defRPr>
+            </a:lvl8pPr>
+            <a:lvl9pPr marL="3657600" indent="0" algn="ctr">
+              <a:buNone/>
+              <a:defRPr>
+                <a:solidFill>
+                  <a:schemeClr val="tx1">
+                    <a:tint val="75000"/>
+                  </a:schemeClr>
+                </a:solidFill>
+              </a:defRPr>
+            </a:lvl9pPr>
+          </a:lstStyle>
+          <a:p>
+            <a:r>
+              <a:rPr lang="en-US" dirty="0" smtClean="0"/>
+              <a:t>Click to edit Master subtitle style</a:t>
+            </a:r>
+            <a:endParaRPr lang="en-US" dirty="0"/>
+          </a:p>
+        </p:txBody>
+      </p:sp>
+    </p:spTree>
+    <p:extLst>
+      <p:ext uri="{BB962C8B-B14F-4D97-AF65-F5344CB8AC3E}">
+        <p14:creationId xmlns:p14="http://schemas.microsoft.com/office/powerpoint/2010/main" val="2045356183"/>
+      </p:ext>
+    </p:extLst>
+  </p:cSld>
+  <p:clrMapOvr>
+    <a:masterClrMapping/>
+  </p:clrMapOvr>
+</p:sldLayout>
+</file>
+
+<file path=ppt/slideLayouts/slideLayout15.xml><?xml version="1.0" encoding="utf-8"?>
 <p:sldLayout xmlns:a="http://schemas.openxmlformats.org/drawingml/2006/main" xmlns:r="http://schemas.openxmlformats.org/officeDocument/2006/relationships" xmlns:p="http://schemas.openxmlformats.org/presentationml/2006/main" type="title" preserve="1">
   <p:cSld name="Divider Title">
     <p:spTree>
@@ -3105,7 +3283,7 @@
 </p:sldLayout>
 </file>
 
-<file path=ppt/slideLayouts/slideLayout15.xml><?xml version="1.0" encoding="utf-8"?>
+<file path=ppt/slideLayouts/slideLayout16.xml><?xml version="1.0" encoding="utf-8"?>
 <p:sldLayout xmlns:a="http://schemas.openxmlformats.org/drawingml/2006/main" xmlns:r="http://schemas.openxmlformats.org/officeDocument/2006/relationships" xmlns:p="http://schemas.openxmlformats.org/presentationml/2006/main" preserve="1" userDrawn="1">
   <p:cSld name="Divider Blank">
     <p:spTree>
@@ -3164,7 +3342,7 @@
 </p:sldLayout>
 </file>
 
-<file path=ppt/slideLayouts/slideLayout16.xml><?xml version="1.0" encoding="utf-8"?>
+<file path=ppt/slideLayouts/slideLayout17.xml><?xml version="1.0" encoding="utf-8"?>
 <p:sldLayout xmlns:a="http://schemas.openxmlformats.org/drawingml/2006/main" xmlns:r="http://schemas.openxmlformats.org/officeDocument/2006/relationships" xmlns:p="http://schemas.openxmlformats.org/presentationml/2006/main" preserve="1" userDrawn="1">
   <p:cSld name="Title Slide">
     <p:spTree>
@@ -3427,7 +3605,7 @@
             <a:fld id="{1D8BD707-D9CF-40AE-B4C6-C98DA3205C09}" type="datetimeFigureOut">
               <a:rPr lang="en-US" smtClean="0"/>
               <a:pPr/>
-              <a:t>8/13/2015</a:t>
+              <a:t>8/24/2015</a:t>
             </a:fld>
             <a:endParaRPr lang="en-US"/>
           </a:p>
@@ -6509,7 +6687,7 @@
           <p:nvPr/>
         </p:nvPicPr>
         <p:blipFill>
-          <a:blip r:embed="rId10">
+          <a:blip r:embed="rId11">
             <a:extLst>
               <a:ext uri="{28A0092B-C50C-407E-A947-70E740481C1C}">
                 <a14:useLocalDpi xmlns:a14="http://schemas.microsoft.com/office/drawing/2010/main" val="0"/>
@@ -6928,6 +7106,7 @@
     <p:sldLayoutId id="2147483689" r:id="rId6"/>
     <p:sldLayoutId id="2147483690" r:id="rId7"/>
     <p:sldLayoutId id="2147483691" r:id="rId8"/>
+    <p:sldLayoutId id="2147483697" r:id="rId9"/>
   </p:sldLayoutIdLst>
   <p:timing>
     <p:tnLst>
@@ -8463,18 +8642,18 @@
             <a:spLocks noGrp="1"/>
           </p:cNvSpPr>
           <p:nvPr>
-            <p:ph type="ctrTitle"/>
+            <p:ph type="title"/>
           </p:nvPr>
         </p:nvSpPr>
         <p:spPr>
           <a:xfrm>
-            <a:off x="685800" y="1143000"/>
-            <a:ext cx="7772400" cy="2505074"/>
+            <a:off x="457200" y="1219200"/>
+            <a:ext cx="8229600" cy="1494366"/>
           </a:xfrm>
         </p:spPr>
         <p:txBody>
           <a:bodyPr>
-            <a:normAutofit/>
+            <a:normAutofit fontScale="90000"/>
           </a:bodyPr>
           <a:lstStyle/>
           <a:p>
@@ -8511,19 +8690,22 @@
             <a:spLocks noGrp="1"/>
           </p:cNvSpPr>
           <p:nvPr>
-            <p:ph type="subTitle" idx="1"/>
+            <p:ph idx="1"/>
           </p:nvPr>
         </p:nvSpPr>
         <p:spPr>
           <a:xfrm>
-            <a:off x="1371600" y="3505200"/>
-            <a:ext cx="6400800" cy="1752600"/>
+            <a:off x="457200" y="1951567"/>
+            <a:ext cx="8229600" cy="4525433"/>
           </a:xfrm>
         </p:spPr>
         <p:txBody>
           <a:bodyPr/>
           <a:lstStyle/>
           <a:p>
+            <a:pPr marL="0" indent="0" algn="ctr">
+              <a:buNone/>
+            </a:pPr>
             <a:r>
               <a:rPr lang="en-US" dirty="0" smtClean="0">
                 <a:solidFill>
@@ -8534,6 +8716,9 @@
             </a:r>
           </a:p>
           <a:p>
+            <a:pPr marL="0" indent="0" algn="ctr">
+              <a:buNone/>
+            </a:pPr>
             <a:r>
               <a:rPr lang="en-US" dirty="0" smtClean="0">
                 <a:solidFill>
@@ -8544,6 +8729,9 @@
             </a:r>
           </a:p>
           <a:p>
+            <a:pPr marL="0" indent="0" algn="ctr">
+              <a:buNone/>
+            </a:pPr>
             <a:r>
               <a:rPr lang="en-US" dirty="0" smtClean="0">
                 <a:solidFill>
@@ -8582,7 +8770,7 @@
         </p:blipFill>
         <p:spPr>
           <a:xfrm>
-            <a:off x="457200" y="3962400"/>
+            <a:off x="457200" y="5592235"/>
             <a:ext cx="2070847" cy="914400"/>
           </a:xfrm>
           <a:prstGeom prst="rect">
@@ -8612,7 +8800,7 @@
         </p:blipFill>
         <p:spPr>
           <a:xfrm>
-            <a:off x="6629400" y="4124325"/>
+            <a:off x="3886200" y="5754160"/>
             <a:ext cx="1895475" cy="590550"/>
           </a:xfrm>
           <a:prstGeom prst="rect">
@@ -9762,7 +9950,6 @@
               <a:rPr lang="en-US" dirty="0" smtClean="0"/>
               <a:t>recommended</a:t>
             </a:r>
-            <a:endParaRPr lang="en-US" dirty="0" smtClean="0"/>
           </a:p>
           <a:p>
             <a:pPr lvl="1"/>
@@ -9775,11 +9962,7 @@
             <a:pPr lvl="1"/>
             <a:r>
               <a:rPr lang="en-US" dirty="0" smtClean="0"/>
-              <a:t>Good </a:t>
-            </a:r>
-            <a:r>
-              <a:rPr lang="en-US" dirty="0" smtClean="0"/>
-              <a:t>communication</a:t>
+              <a:t>Good communication</a:t>
             </a:r>
           </a:p>
           <a:p>
@@ -9795,7 +9978,6 @@
               <a:rPr lang="en-US" dirty="0" smtClean="0"/>
               <a:t>Maybe views</a:t>
             </a:r>
-            <a:endParaRPr lang="en-US" dirty="0" smtClean="0"/>
           </a:p>
           <a:p>
             <a:pPr lvl="1"/>
@@ -10585,21 +10767,8 @@
                   <a:schemeClr val="tx1"/>
                 </a:solidFill>
               </a:rPr>
-              <a:t>Branch </a:t>
-            </a:r>
-            <a:r>
-              <a:rPr lang="en-US" b="1" dirty="0" smtClean="0">
-                <a:solidFill>
-                  <a:schemeClr val="tx1"/>
-                </a:solidFill>
-              </a:rPr>
-              <a:t>Setup</a:t>
-            </a:r>
-            <a:endParaRPr lang="en-US" b="1" dirty="0" smtClean="0">
-              <a:solidFill>
-                <a:schemeClr val="tx1"/>
-              </a:solidFill>
-            </a:endParaRPr>
+              <a:t>Branch Setup</a:t>
+            </a:r>
           </a:p>
         </p:txBody>
       </p:sp>
@@ -11304,6 +11473,2029 @@
 </file>
 
 <file path=ppt/slides/slide28.xml><?xml version="1.0" encoding="utf-8"?>
+<p:sld xmlns:a="http://schemas.openxmlformats.org/drawingml/2006/main" xmlns:r="http://schemas.openxmlformats.org/officeDocument/2006/relationships" xmlns:p="http://schemas.openxmlformats.org/presentationml/2006/main">
+  <p:cSld>
+    <p:spTree>
+      <p:nvGrpSpPr>
+        <p:cNvPr id="1" name=""/>
+        <p:cNvGrpSpPr/>
+        <p:nvPr/>
+      </p:nvGrpSpPr>
+      <p:grpSpPr>
+        <a:xfrm>
+          <a:off x="0" y="0"/>
+          <a:ext cx="0" cy="0"/>
+          <a:chOff x="0" y="0"/>
+          <a:chExt cx="0" cy="0"/>
+        </a:xfrm>
+      </p:grpSpPr>
+      <p:sp>
+        <p:nvSpPr>
+          <p:cNvPr id="24578" name="Title 13"/>
+          <p:cNvSpPr>
+            <a:spLocks noGrp="1"/>
+          </p:cNvSpPr>
+          <p:nvPr>
+            <p:ph type="ctrTitle"/>
+          </p:nvPr>
+        </p:nvSpPr>
+        <p:spPr bwMode="auto">
+          <a:xfrm>
+            <a:off x="685800" y="1046163"/>
+            <a:ext cx="7772400" cy="627062"/>
+          </a:xfrm>
+          <a:noFill/>
+          <a:extLst>
+            <a:ext uri="{909E8E84-426E-40DD-AFC4-6F175D3DCCD1}">
+              <a14:hiddenFill xmlns:a14="http://schemas.microsoft.com/office/drawing/2010/main">
+                <a:solidFill>
+                  <a:srgbClr val="FFFFFF"/>
+                </a:solidFill>
+              </a14:hiddenFill>
+            </a:ext>
+            <a:ext uri="{91240B29-F687-4F45-9708-019B960494DF}">
+              <a14:hiddenLine xmlns:a14="http://schemas.microsoft.com/office/drawing/2010/main" w="9525">
+                <a:solidFill>
+                  <a:srgbClr val="000000"/>
+                </a:solidFill>
+                <a:miter lim="800000"/>
+                <a:headEnd/>
+                <a:tailEnd/>
+              </a14:hiddenLine>
+            </a:ext>
+          </a:extLst>
+        </p:spPr>
+        <p:txBody>
+          <a:bodyPr vert="horz" wrap="square" lIns="91440" tIns="45720" rIns="91440" bIns="45720" numCol="1" anchor="t" anchorCtr="0" compatLnSpc="1">
+            <a:prstTxWarp prst="textNoShape">
+              <a:avLst/>
+            </a:prstTxWarp>
+          </a:bodyPr>
+          <a:lstStyle/>
+          <a:p>
+            <a:r>
+              <a:rPr lang="en-US" altLang="en-US" b="1" smtClean="0"/>
+              <a:t>Rate This Session Now!</a:t>
+            </a:r>
+          </a:p>
+        </p:txBody>
+      </p:sp>
+      <p:sp>
+        <p:nvSpPr>
+          <p:cNvPr id="4" name="Subtitle 14"/>
+          <p:cNvSpPr txBox="1">
+            <a:spLocks/>
+          </p:cNvSpPr>
+          <p:nvPr/>
+        </p:nvSpPr>
+        <p:spPr bwMode="auto">
+          <a:xfrm>
+            <a:off x="2854326" y="2062163"/>
+            <a:ext cx="3482975" cy="366712"/>
+          </a:xfrm>
+          <a:prstGeom prst="rect">
+            <a:avLst/>
+          </a:prstGeom>
+          <a:noFill/>
+          <a:extLst>
+            <a:ext uri="{909E8E84-426E-40DD-AFC4-6F175D3DCCD1}">
+              <a14:hiddenFill xmlns:a14="http://schemas.microsoft.com/office/drawing/2010/main">
+                <a:solidFill>
+                  <a:srgbClr val="FFFFFF"/>
+                </a:solidFill>
+              </a14:hiddenFill>
+            </a:ext>
+            <a:ext uri="{91240B29-F687-4F45-9708-019B960494DF}">
+              <a14:hiddenLine xmlns:a14="http://schemas.microsoft.com/office/drawing/2010/main" w="9525">
+                <a:solidFill>
+                  <a:srgbClr val="000000"/>
+                </a:solidFill>
+                <a:miter lim="800000"/>
+                <a:headEnd/>
+                <a:tailEnd/>
+              </a14:hiddenLine>
+            </a:ext>
+            <a:ext uri="{FAA26D3D-D897-4be2-8F04-BA451C77F1D7}"/>
+          </a:extLst>
+        </p:spPr>
+        <p:txBody>
+          <a:bodyPr/>
+          <a:lstStyle>
+            <a:lvl1pPr marL="0" indent="0" algn="ctr" defTabSz="457200" rtl="0" eaLnBrk="0" fontAlgn="base" hangingPunct="0">
+              <a:spcBef>
+                <a:spcPct val="20000"/>
+              </a:spcBef>
+              <a:spcAft>
+                <a:spcPct val="0"/>
+              </a:spcAft>
+              <a:buFont typeface="Arial" charset="0"/>
+              <a:buNone/>
+              <a:defRPr sz="3200" kern="1200">
+                <a:solidFill>
+                  <a:schemeClr val="bg1"/>
+                </a:solidFill>
+                <a:latin typeface="+mn-lt"/>
+                <a:ea typeface="ＭＳ Ｐゴシック" charset="0"/>
+                <a:cs typeface="ＭＳ Ｐゴシック" charset="0"/>
+              </a:defRPr>
+            </a:lvl1pPr>
+            <a:lvl2pPr marL="457200" indent="0" algn="ctr" defTabSz="457200" rtl="0" eaLnBrk="0" fontAlgn="base" hangingPunct="0">
+              <a:spcBef>
+                <a:spcPct val="20000"/>
+              </a:spcBef>
+              <a:spcAft>
+                <a:spcPct val="0"/>
+              </a:spcAft>
+              <a:buFont typeface="Arial" charset="0"/>
+              <a:buNone/>
+              <a:defRPr sz="2800" kern="1200">
+                <a:solidFill>
+                  <a:schemeClr val="tx1">
+                    <a:tint val="75000"/>
+                  </a:schemeClr>
+                </a:solidFill>
+                <a:latin typeface="+mn-lt"/>
+                <a:ea typeface="ＭＳ Ｐゴシック" charset="0"/>
+                <a:cs typeface="+mn-cs"/>
+              </a:defRPr>
+            </a:lvl2pPr>
+            <a:lvl3pPr marL="914400" indent="0" algn="ctr" defTabSz="457200" rtl="0" eaLnBrk="0" fontAlgn="base" hangingPunct="0">
+              <a:spcBef>
+                <a:spcPct val="20000"/>
+              </a:spcBef>
+              <a:spcAft>
+                <a:spcPct val="0"/>
+              </a:spcAft>
+              <a:buFont typeface="Arial" charset="0"/>
+              <a:buNone/>
+              <a:defRPr sz="2400" kern="1200">
+                <a:solidFill>
+                  <a:schemeClr val="tx1">
+                    <a:tint val="75000"/>
+                  </a:schemeClr>
+                </a:solidFill>
+                <a:latin typeface="+mn-lt"/>
+                <a:ea typeface="ＭＳ Ｐゴシック" charset="0"/>
+                <a:cs typeface="+mn-cs"/>
+              </a:defRPr>
+            </a:lvl3pPr>
+            <a:lvl4pPr marL="1371600" indent="0" algn="ctr" defTabSz="457200" rtl="0" eaLnBrk="0" fontAlgn="base" hangingPunct="0">
+              <a:spcBef>
+                <a:spcPct val="20000"/>
+              </a:spcBef>
+              <a:spcAft>
+                <a:spcPct val="0"/>
+              </a:spcAft>
+              <a:buFont typeface="Arial" charset="0"/>
+              <a:buNone/>
+              <a:defRPr sz="2000" kern="1200">
+                <a:solidFill>
+                  <a:schemeClr val="tx1">
+                    <a:tint val="75000"/>
+                  </a:schemeClr>
+                </a:solidFill>
+                <a:latin typeface="+mn-lt"/>
+                <a:ea typeface="ＭＳ Ｐゴシック" charset="0"/>
+                <a:cs typeface="+mn-cs"/>
+              </a:defRPr>
+            </a:lvl4pPr>
+            <a:lvl5pPr marL="1828800" indent="0" algn="ctr" defTabSz="457200" rtl="0" eaLnBrk="0" fontAlgn="base" hangingPunct="0">
+              <a:spcBef>
+                <a:spcPct val="20000"/>
+              </a:spcBef>
+              <a:spcAft>
+                <a:spcPct val="0"/>
+              </a:spcAft>
+              <a:buFont typeface="Arial" charset="0"/>
+              <a:buNone/>
+              <a:defRPr sz="2000" kern="1200">
+                <a:solidFill>
+                  <a:schemeClr val="tx1">
+                    <a:tint val="75000"/>
+                  </a:schemeClr>
+                </a:solidFill>
+                <a:latin typeface="+mn-lt"/>
+                <a:ea typeface="ＭＳ Ｐゴシック" charset="0"/>
+                <a:cs typeface="+mn-cs"/>
+              </a:defRPr>
+            </a:lvl5pPr>
+            <a:lvl6pPr marL="2286000" indent="0" algn="ctr" defTabSz="457200" rtl="0" eaLnBrk="1" latinLnBrk="0" hangingPunct="1">
+              <a:spcBef>
+                <a:spcPct val="20000"/>
+              </a:spcBef>
+              <a:buFont typeface="Arial"/>
+              <a:buNone/>
+              <a:defRPr sz="2000" kern="1200">
+                <a:solidFill>
+                  <a:schemeClr val="tx1">
+                    <a:tint val="75000"/>
+                  </a:schemeClr>
+                </a:solidFill>
+                <a:latin typeface="+mn-lt"/>
+                <a:ea typeface="+mn-ea"/>
+                <a:cs typeface="+mn-cs"/>
+              </a:defRPr>
+            </a:lvl6pPr>
+            <a:lvl7pPr marL="2743200" indent="0" algn="ctr" defTabSz="457200" rtl="0" eaLnBrk="1" latinLnBrk="0" hangingPunct="1">
+              <a:spcBef>
+                <a:spcPct val="20000"/>
+              </a:spcBef>
+              <a:buFont typeface="Arial"/>
+              <a:buNone/>
+              <a:defRPr sz="2000" kern="1200">
+                <a:solidFill>
+                  <a:schemeClr val="tx1">
+                    <a:tint val="75000"/>
+                  </a:schemeClr>
+                </a:solidFill>
+                <a:latin typeface="+mn-lt"/>
+                <a:ea typeface="+mn-ea"/>
+                <a:cs typeface="+mn-cs"/>
+              </a:defRPr>
+            </a:lvl7pPr>
+            <a:lvl8pPr marL="3200400" indent="0" algn="ctr" defTabSz="457200" rtl="0" eaLnBrk="1" latinLnBrk="0" hangingPunct="1">
+              <a:spcBef>
+                <a:spcPct val="20000"/>
+              </a:spcBef>
+              <a:buFont typeface="Arial"/>
+              <a:buNone/>
+              <a:defRPr sz="2000" kern="1200">
+                <a:solidFill>
+                  <a:schemeClr val="tx1">
+                    <a:tint val="75000"/>
+                  </a:schemeClr>
+                </a:solidFill>
+                <a:latin typeface="+mn-lt"/>
+                <a:ea typeface="+mn-ea"/>
+                <a:cs typeface="+mn-cs"/>
+              </a:defRPr>
+            </a:lvl8pPr>
+            <a:lvl9pPr marL="3657600" indent="0" algn="ctr" defTabSz="457200" rtl="0" eaLnBrk="1" latinLnBrk="0" hangingPunct="1">
+              <a:spcBef>
+                <a:spcPct val="20000"/>
+              </a:spcBef>
+              <a:buFont typeface="Arial"/>
+              <a:buNone/>
+              <a:defRPr sz="2000" kern="1200">
+                <a:solidFill>
+                  <a:schemeClr val="tx1">
+                    <a:tint val="75000"/>
+                  </a:schemeClr>
+                </a:solidFill>
+                <a:latin typeface="+mn-lt"/>
+                <a:ea typeface="+mn-ea"/>
+                <a:cs typeface="+mn-cs"/>
+              </a:defRPr>
+            </a:lvl9pPr>
+          </a:lstStyle>
+          <a:p>
+            <a:pPr algn="l">
+              <a:lnSpc>
+                <a:spcPts val="2000"/>
+              </a:lnSpc>
+              <a:defRPr/>
+            </a:pPr>
+            <a:r>
+              <a:rPr lang="en-US" sz="2000" b="1" dirty="0">
+                <a:solidFill>
+                  <a:schemeClr val="tx1">
+                    <a:lumMod val="65000"/>
+                    <a:lumOff val="35000"/>
+                  </a:schemeClr>
+                </a:solidFill>
+              </a:rPr>
+              <a:t>Rate with Mobile App:</a:t>
+            </a:r>
+          </a:p>
+        </p:txBody>
+      </p:sp>
+      <p:sp>
+        <p:nvSpPr>
+          <p:cNvPr id="10" name="Subtitle 14"/>
+          <p:cNvSpPr txBox="1">
+            <a:spLocks/>
+          </p:cNvSpPr>
+          <p:nvPr/>
+        </p:nvSpPr>
+        <p:spPr bwMode="auto">
+          <a:xfrm>
+            <a:off x="2854325" y="2374900"/>
+            <a:ext cx="3582988" cy="1460500"/>
+          </a:xfrm>
+          <a:prstGeom prst="rect">
+            <a:avLst/>
+          </a:prstGeom>
+          <a:noFill/>
+          <a:extLst>
+            <a:ext uri="{909E8E84-426E-40DD-AFC4-6F175D3DCCD1}">
+              <a14:hiddenFill xmlns:a14="http://schemas.microsoft.com/office/drawing/2010/main">
+                <a:solidFill>
+                  <a:srgbClr val="FFFFFF"/>
+                </a:solidFill>
+              </a14:hiddenFill>
+            </a:ext>
+            <a:ext uri="{91240B29-F687-4F45-9708-019B960494DF}">
+              <a14:hiddenLine xmlns:a14="http://schemas.microsoft.com/office/drawing/2010/main" w="9525">
+                <a:solidFill>
+                  <a:srgbClr val="000000"/>
+                </a:solidFill>
+                <a:miter lim="800000"/>
+                <a:headEnd/>
+                <a:tailEnd/>
+              </a14:hiddenLine>
+            </a:ext>
+            <a:ext uri="{FAA26D3D-D897-4be2-8F04-BA451C77F1D7}"/>
+          </a:extLst>
+        </p:spPr>
+        <p:txBody>
+          <a:bodyPr/>
+          <a:lstStyle>
+            <a:lvl1pPr marL="0" indent="0" algn="ctr" defTabSz="457200" rtl="0" eaLnBrk="0" fontAlgn="base" hangingPunct="0">
+              <a:spcBef>
+                <a:spcPct val="20000"/>
+              </a:spcBef>
+              <a:spcAft>
+                <a:spcPct val="0"/>
+              </a:spcAft>
+              <a:buFont typeface="Arial" charset="0"/>
+              <a:buNone/>
+              <a:defRPr sz="3200" kern="1200">
+                <a:solidFill>
+                  <a:schemeClr val="bg1"/>
+                </a:solidFill>
+                <a:latin typeface="+mn-lt"/>
+                <a:ea typeface="ＭＳ Ｐゴシック" charset="0"/>
+                <a:cs typeface="ＭＳ Ｐゴシック" charset="0"/>
+              </a:defRPr>
+            </a:lvl1pPr>
+            <a:lvl2pPr marL="457200" indent="0" algn="ctr" defTabSz="457200" rtl="0" eaLnBrk="0" fontAlgn="base" hangingPunct="0">
+              <a:spcBef>
+                <a:spcPct val="20000"/>
+              </a:spcBef>
+              <a:spcAft>
+                <a:spcPct val="0"/>
+              </a:spcAft>
+              <a:buFont typeface="Arial" charset="0"/>
+              <a:buNone/>
+              <a:defRPr sz="2800" kern="1200">
+                <a:solidFill>
+                  <a:schemeClr val="tx1">
+                    <a:tint val="75000"/>
+                  </a:schemeClr>
+                </a:solidFill>
+                <a:latin typeface="+mn-lt"/>
+                <a:ea typeface="ＭＳ Ｐゴシック" charset="0"/>
+                <a:cs typeface="+mn-cs"/>
+              </a:defRPr>
+            </a:lvl2pPr>
+            <a:lvl3pPr marL="914400" indent="0" algn="ctr" defTabSz="457200" rtl="0" eaLnBrk="0" fontAlgn="base" hangingPunct="0">
+              <a:spcBef>
+                <a:spcPct val="20000"/>
+              </a:spcBef>
+              <a:spcAft>
+                <a:spcPct val="0"/>
+              </a:spcAft>
+              <a:buFont typeface="Arial" charset="0"/>
+              <a:buNone/>
+              <a:defRPr sz="2400" kern="1200">
+                <a:solidFill>
+                  <a:schemeClr val="tx1">
+                    <a:tint val="75000"/>
+                  </a:schemeClr>
+                </a:solidFill>
+                <a:latin typeface="+mn-lt"/>
+                <a:ea typeface="ＭＳ Ｐゴシック" charset="0"/>
+                <a:cs typeface="+mn-cs"/>
+              </a:defRPr>
+            </a:lvl3pPr>
+            <a:lvl4pPr marL="1371600" indent="0" algn="ctr" defTabSz="457200" rtl="0" eaLnBrk="0" fontAlgn="base" hangingPunct="0">
+              <a:spcBef>
+                <a:spcPct val="20000"/>
+              </a:spcBef>
+              <a:spcAft>
+                <a:spcPct val="0"/>
+              </a:spcAft>
+              <a:buFont typeface="Arial" charset="0"/>
+              <a:buNone/>
+              <a:defRPr sz="2000" kern="1200">
+                <a:solidFill>
+                  <a:schemeClr val="tx1">
+                    <a:tint val="75000"/>
+                  </a:schemeClr>
+                </a:solidFill>
+                <a:latin typeface="+mn-lt"/>
+                <a:ea typeface="ＭＳ Ｐゴシック" charset="0"/>
+                <a:cs typeface="+mn-cs"/>
+              </a:defRPr>
+            </a:lvl4pPr>
+            <a:lvl5pPr marL="1828800" indent="0" algn="ctr" defTabSz="457200" rtl="0" eaLnBrk="0" fontAlgn="base" hangingPunct="0">
+              <a:spcBef>
+                <a:spcPct val="20000"/>
+              </a:spcBef>
+              <a:spcAft>
+                <a:spcPct val="0"/>
+              </a:spcAft>
+              <a:buFont typeface="Arial" charset="0"/>
+              <a:buNone/>
+              <a:defRPr sz="2000" kern="1200">
+                <a:solidFill>
+                  <a:schemeClr val="tx1">
+                    <a:tint val="75000"/>
+                  </a:schemeClr>
+                </a:solidFill>
+                <a:latin typeface="+mn-lt"/>
+                <a:ea typeface="ＭＳ Ｐゴシック" charset="0"/>
+                <a:cs typeface="+mn-cs"/>
+              </a:defRPr>
+            </a:lvl5pPr>
+            <a:lvl6pPr marL="2286000" indent="0" algn="ctr" defTabSz="457200" rtl="0" eaLnBrk="1" latinLnBrk="0" hangingPunct="1">
+              <a:spcBef>
+                <a:spcPct val="20000"/>
+              </a:spcBef>
+              <a:buFont typeface="Arial"/>
+              <a:buNone/>
+              <a:defRPr sz="2000" kern="1200">
+                <a:solidFill>
+                  <a:schemeClr val="tx1">
+                    <a:tint val="75000"/>
+                  </a:schemeClr>
+                </a:solidFill>
+                <a:latin typeface="+mn-lt"/>
+                <a:ea typeface="+mn-ea"/>
+                <a:cs typeface="+mn-cs"/>
+              </a:defRPr>
+            </a:lvl6pPr>
+            <a:lvl7pPr marL="2743200" indent="0" algn="ctr" defTabSz="457200" rtl="0" eaLnBrk="1" latinLnBrk="0" hangingPunct="1">
+              <a:spcBef>
+                <a:spcPct val="20000"/>
+              </a:spcBef>
+              <a:buFont typeface="Arial"/>
+              <a:buNone/>
+              <a:defRPr sz="2000" kern="1200">
+                <a:solidFill>
+                  <a:schemeClr val="tx1">
+                    <a:tint val="75000"/>
+                  </a:schemeClr>
+                </a:solidFill>
+                <a:latin typeface="+mn-lt"/>
+                <a:ea typeface="+mn-ea"/>
+                <a:cs typeface="+mn-cs"/>
+              </a:defRPr>
+            </a:lvl7pPr>
+            <a:lvl8pPr marL="3200400" indent="0" algn="ctr" defTabSz="457200" rtl="0" eaLnBrk="1" latinLnBrk="0" hangingPunct="1">
+              <a:spcBef>
+                <a:spcPct val="20000"/>
+              </a:spcBef>
+              <a:buFont typeface="Arial"/>
+              <a:buNone/>
+              <a:defRPr sz="2000" kern="1200">
+                <a:solidFill>
+                  <a:schemeClr val="tx1">
+                    <a:tint val="75000"/>
+                  </a:schemeClr>
+                </a:solidFill>
+                <a:latin typeface="+mn-lt"/>
+                <a:ea typeface="+mn-ea"/>
+                <a:cs typeface="+mn-cs"/>
+              </a:defRPr>
+            </a:lvl8pPr>
+            <a:lvl9pPr marL="3657600" indent="0" algn="ctr" defTabSz="457200" rtl="0" eaLnBrk="1" latinLnBrk="0" hangingPunct="1">
+              <a:spcBef>
+                <a:spcPct val="20000"/>
+              </a:spcBef>
+              <a:buFont typeface="Arial"/>
+              <a:buNone/>
+              <a:defRPr sz="2000" kern="1200">
+                <a:solidFill>
+                  <a:schemeClr val="tx1">
+                    <a:tint val="75000"/>
+                  </a:schemeClr>
+                </a:solidFill>
+                <a:latin typeface="+mn-lt"/>
+                <a:ea typeface="+mn-ea"/>
+                <a:cs typeface="+mn-cs"/>
+              </a:defRPr>
+            </a:lvl9pPr>
+          </a:lstStyle>
+          <a:p>
+            <a:pPr marL="285750" indent="-285750" algn="l">
+              <a:lnSpc>
+                <a:spcPts val="2000"/>
+              </a:lnSpc>
+              <a:buFont typeface="Arial"/>
+              <a:buChar char="•"/>
+              <a:defRPr/>
+            </a:pPr>
+            <a:r>
+              <a:rPr lang="en-US" sz="1400" dirty="0">
+                <a:solidFill>
+                  <a:schemeClr val="tx1">
+                    <a:lumMod val="65000"/>
+                    <a:lumOff val="35000"/>
+                  </a:schemeClr>
+                </a:solidFill>
+              </a:rPr>
+              <a:t>Select the session from the </a:t>
+            </a:r>
+            <a:br>
+              <a:rPr lang="en-US" sz="1400" dirty="0">
+                <a:solidFill>
+                  <a:schemeClr val="tx1">
+                    <a:lumMod val="65000"/>
+                    <a:lumOff val="35000"/>
+                  </a:schemeClr>
+                </a:solidFill>
+              </a:rPr>
+            </a:br>
+            <a:r>
+              <a:rPr lang="en-US" sz="1400" dirty="0">
+                <a:solidFill>
+                  <a:schemeClr val="tx1">
+                    <a:lumMod val="65000"/>
+                    <a:lumOff val="35000"/>
+                  </a:schemeClr>
+                </a:solidFill>
+              </a:rPr>
+              <a:t>Agenda or Speakers menus</a:t>
+            </a:r>
+          </a:p>
+          <a:p>
+            <a:pPr marL="285750" indent="-285750" algn="l">
+              <a:lnSpc>
+                <a:spcPts val="2000"/>
+              </a:lnSpc>
+              <a:buFont typeface="Arial"/>
+              <a:buChar char="•"/>
+              <a:defRPr/>
+            </a:pPr>
+            <a:r>
+              <a:rPr lang="en-US" sz="1400" dirty="0">
+                <a:solidFill>
+                  <a:schemeClr val="tx1">
+                    <a:lumMod val="65000"/>
+                    <a:lumOff val="35000"/>
+                  </a:schemeClr>
+                </a:solidFill>
+              </a:rPr>
+              <a:t>Select the Actions tab</a:t>
+            </a:r>
+          </a:p>
+          <a:p>
+            <a:pPr marL="285750" indent="-285750" algn="l">
+              <a:lnSpc>
+                <a:spcPts val="2000"/>
+              </a:lnSpc>
+              <a:buFont typeface="Arial"/>
+              <a:buChar char="•"/>
+              <a:defRPr/>
+            </a:pPr>
+            <a:r>
+              <a:rPr lang="en-US" sz="1400" dirty="0">
+                <a:solidFill>
+                  <a:schemeClr val="tx1">
+                    <a:lumMod val="65000"/>
+                    <a:lumOff val="35000"/>
+                  </a:schemeClr>
+                </a:solidFill>
+              </a:rPr>
+              <a:t>Click Rate Session</a:t>
+            </a:r>
+          </a:p>
+        </p:txBody>
+      </p:sp>
+      <p:sp>
+        <p:nvSpPr>
+          <p:cNvPr id="11" name="Subtitle 14"/>
+          <p:cNvSpPr txBox="1">
+            <a:spLocks/>
+          </p:cNvSpPr>
+          <p:nvPr/>
+        </p:nvSpPr>
+        <p:spPr bwMode="auto">
+          <a:xfrm>
+            <a:off x="2854326" y="3840163"/>
+            <a:ext cx="3482975" cy="368300"/>
+          </a:xfrm>
+          <a:prstGeom prst="rect">
+            <a:avLst/>
+          </a:prstGeom>
+          <a:noFill/>
+          <a:extLst>
+            <a:ext uri="{909E8E84-426E-40DD-AFC4-6F175D3DCCD1}">
+              <a14:hiddenFill xmlns:a14="http://schemas.microsoft.com/office/drawing/2010/main">
+                <a:solidFill>
+                  <a:srgbClr val="FFFFFF"/>
+                </a:solidFill>
+              </a14:hiddenFill>
+            </a:ext>
+            <a:ext uri="{91240B29-F687-4F45-9708-019B960494DF}">
+              <a14:hiddenLine xmlns:a14="http://schemas.microsoft.com/office/drawing/2010/main" w="9525">
+                <a:solidFill>
+                  <a:srgbClr val="000000"/>
+                </a:solidFill>
+                <a:miter lim="800000"/>
+                <a:headEnd/>
+                <a:tailEnd/>
+              </a14:hiddenLine>
+            </a:ext>
+            <a:ext uri="{FAA26D3D-D897-4be2-8F04-BA451C77F1D7}"/>
+          </a:extLst>
+        </p:spPr>
+        <p:txBody>
+          <a:bodyPr/>
+          <a:lstStyle>
+            <a:lvl1pPr marL="0" indent="0" algn="ctr" defTabSz="457200" rtl="0" eaLnBrk="0" fontAlgn="base" hangingPunct="0">
+              <a:spcBef>
+                <a:spcPct val="20000"/>
+              </a:spcBef>
+              <a:spcAft>
+                <a:spcPct val="0"/>
+              </a:spcAft>
+              <a:buFont typeface="Arial" charset="0"/>
+              <a:buNone/>
+              <a:defRPr sz="3200" kern="1200">
+                <a:solidFill>
+                  <a:schemeClr val="bg1"/>
+                </a:solidFill>
+                <a:latin typeface="+mn-lt"/>
+                <a:ea typeface="ＭＳ Ｐゴシック" charset="0"/>
+                <a:cs typeface="ＭＳ Ｐゴシック" charset="0"/>
+              </a:defRPr>
+            </a:lvl1pPr>
+            <a:lvl2pPr marL="457200" indent="0" algn="ctr" defTabSz="457200" rtl="0" eaLnBrk="0" fontAlgn="base" hangingPunct="0">
+              <a:spcBef>
+                <a:spcPct val="20000"/>
+              </a:spcBef>
+              <a:spcAft>
+                <a:spcPct val="0"/>
+              </a:spcAft>
+              <a:buFont typeface="Arial" charset="0"/>
+              <a:buNone/>
+              <a:defRPr sz="2800" kern="1200">
+                <a:solidFill>
+                  <a:schemeClr val="tx1">
+                    <a:tint val="75000"/>
+                  </a:schemeClr>
+                </a:solidFill>
+                <a:latin typeface="+mn-lt"/>
+                <a:ea typeface="ＭＳ Ｐゴシック" charset="0"/>
+                <a:cs typeface="+mn-cs"/>
+              </a:defRPr>
+            </a:lvl2pPr>
+            <a:lvl3pPr marL="914400" indent="0" algn="ctr" defTabSz="457200" rtl="0" eaLnBrk="0" fontAlgn="base" hangingPunct="0">
+              <a:spcBef>
+                <a:spcPct val="20000"/>
+              </a:spcBef>
+              <a:spcAft>
+                <a:spcPct val="0"/>
+              </a:spcAft>
+              <a:buFont typeface="Arial" charset="0"/>
+              <a:buNone/>
+              <a:defRPr sz="2400" kern="1200">
+                <a:solidFill>
+                  <a:schemeClr val="tx1">
+                    <a:tint val="75000"/>
+                  </a:schemeClr>
+                </a:solidFill>
+                <a:latin typeface="+mn-lt"/>
+                <a:ea typeface="ＭＳ Ｐゴシック" charset="0"/>
+                <a:cs typeface="+mn-cs"/>
+              </a:defRPr>
+            </a:lvl3pPr>
+            <a:lvl4pPr marL="1371600" indent="0" algn="ctr" defTabSz="457200" rtl="0" eaLnBrk="0" fontAlgn="base" hangingPunct="0">
+              <a:spcBef>
+                <a:spcPct val="20000"/>
+              </a:spcBef>
+              <a:spcAft>
+                <a:spcPct val="0"/>
+              </a:spcAft>
+              <a:buFont typeface="Arial" charset="0"/>
+              <a:buNone/>
+              <a:defRPr sz="2000" kern="1200">
+                <a:solidFill>
+                  <a:schemeClr val="tx1">
+                    <a:tint val="75000"/>
+                  </a:schemeClr>
+                </a:solidFill>
+                <a:latin typeface="+mn-lt"/>
+                <a:ea typeface="ＭＳ Ｐゴシック" charset="0"/>
+                <a:cs typeface="+mn-cs"/>
+              </a:defRPr>
+            </a:lvl4pPr>
+            <a:lvl5pPr marL="1828800" indent="0" algn="ctr" defTabSz="457200" rtl="0" eaLnBrk="0" fontAlgn="base" hangingPunct="0">
+              <a:spcBef>
+                <a:spcPct val="20000"/>
+              </a:spcBef>
+              <a:spcAft>
+                <a:spcPct val="0"/>
+              </a:spcAft>
+              <a:buFont typeface="Arial" charset="0"/>
+              <a:buNone/>
+              <a:defRPr sz="2000" kern="1200">
+                <a:solidFill>
+                  <a:schemeClr val="tx1">
+                    <a:tint val="75000"/>
+                  </a:schemeClr>
+                </a:solidFill>
+                <a:latin typeface="+mn-lt"/>
+                <a:ea typeface="ＭＳ Ｐゴシック" charset="0"/>
+                <a:cs typeface="+mn-cs"/>
+              </a:defRPr>
+            </a:lvl5pPr>
+            <a:lvl6pPr marL="2286000" indent="0" algn="ctr" defTabSz="457200" rtl="0" eaLnBrk="1" latinLnBrk="0" hangingPunct="1">
+              <a:spcBef>
+                <a:spcPct val="20000"/>
+              </a:spcBef>
+              <a:buFont typeface="Arial"/>
+              <a:buNone/>
+              <a:defRPr sz="2000" kern="1200">
+                <a:solidFill>
+                  <a:schemeClr val="tx1">
+                    <a:tint val="75000"/>
+                  </a:schemeClr>
+                </a:solidFill>
+                <a:latin typeface="+mn-lt"/>
+                <a:ea typeface="+mn-ea"/>
+                <a:cs typeface="+mn-cs"/>
+              </a:defRPr>
+            </a:lvl6pPr>
+            <a:lvl7pPr marL="2743200" indent="0" algn="ctr" defTabSz="457200" rtl="0" eaLnBrk="1" latinLnBrk="0" hangingPunct="1">
+              <a:spcBef>
+                <a:spcPct val="20000"/>
+              </a:spcBef>
+              <a:buFont typeface="Arial"/>
+              <a:buNone/>
+              <a:defRPr sz="2000" kern="1200">
+                <a:solidFill>
+                  <a:schemeClr val="tx1">
+                    <a:tint val="75000"/>
+                  </a:schemeClr>
+                </a:solidFill>
+                <a:latin typeface="+mn-lt"/>
+                <a:ea typeface="+mn-ea"/>
+                <a:cs typeface="+mn-cs"/>
+              </a:defRPr>
+            </a:lvl7pPr>
+            <a:lvl8pPr marL="3200400" indent="0" algn="ctr" defTabSz="457200" rtl="0" eaLnBrk="1" latinLnBrk="0" hangingPunct="1">
+              <a:spcBef>
+                <a:spcPct val="20000"/>
+              </a:spcBef>
+              <a:buFont typeface="Arial"/>
+              <a:buNone/>
+              <a:defRPr sz="2000" kern="1200">
+                <a:solidFill>
+                  <a:schemeClr val="tx1">
+                    <a:tint val="75000"/>
+                  </a:schemeClr>
+                </a:solidFill>
+                <a:latin typeface="+mn-lt"/>
+                <a:ea typeface="+mn-ea"/>
+                <a:cs typeface="+mn-cs"/>
+              </a:defRPr>
+            </a:lvl8pPr>
+            <a:lvl9pPr marL="3657600" indent="0" algn="ctr" defTabSz="457200" rtl="0" eaLnBrk="1" latinLnBrk="0" hangingPunct="1">
+              <a:spcBef>
+                <a:spcPct val="20000"/>
+              </a:spcBef>
+              <a:buFont typeface="Arial"/>
+              <a:buNone/>
+              <a:defRPr sz="2000" kern="1200">
+                <a:solidFill>
+                  <a:schemeClr val="tx1">
+                    <a:tint val="75000"/>
+                  </a:schemeClr>
+                </a:solidFill>
+                <a:latin typeface="+mn-lt"/>
+                <a:ea typeface="+mn-ea"/>
+                <a:cs typeface="+mn-cs"/>
+              </a:defRPr>
+            </a:lvl9pPr>
+          </a:lstStyle>
+          <a:p>
+            <a:pPr algn="l">
+              <a:lnSpc>
+                <a:spcPts val="2000"/>
+              </a:lnSpc>
+              <a:defRPr/>
+            </a:pPr>
+            <a:r>
+              <a:rPr lang="en-US" sz="2000" b="1" dirty="0">
+                <a:solidFill>
+                  <a:schemeClr val="tx1">
+                    <a:lumMod val="65000"/>
+                    <a:lumOff val="35000"/>
+                  </a:schemeClr>
+                </a:solidFill>
+              </a:rPr>
+              <a:t>Rate with Website:</a:t>
+            </a:r>
+          </a:p>
+        </p:txBody>
+      </p:sp>
+      <p:sp>
+        <p:nvSpPr>
+          <p:cNvPr id="12" name="Subtitle 14"/>
+          <p:cNvSpPr txBox="1">
+            <a:spLocks/>
+          </p:cNvSpPr>
+          <p:nvPr/>
+        </p:nvSpPr>
+        <p:spPr bwMode="auto">
+          <a:xfrm>
+            <a:off x="2854326" y="4152900"/>
+            <a:ext cx="6289675" cy="973138"/>
+          </a:xfrm>
+          <a:prstGeom prst="rect">
+            <a:avLst/>
+          </a:prstGeom>
+          <a:noFill/>
+          <a:extLst>
+            <a:ext uri="{909E8E84-426E-40DD-AFC4-6F175D3DCCD1}">
+              <a14:hiddenFill xmlns:a14="http://schemas.microsoft.com/office/drawing/2010/main">
+                <a:solidFill>
+                  <a:srgbClr val="FFFFFF"/>
+                </a:solidFill>
+              </a14:hiddenFill>
+            </a:ext>
+            <a:ext uri="{91240B29-F687-4F45-9708-019B960494DF}">
+              <a14:hiddenLine xmlns:a14="http://schemas.microsoft.com/office/drawing/2010/main" w="9525">
+                <a:solidFill>
+                  <a:srgbClr val="000000"/>
+                </a:solidFill>
+                <a:miter lim="800000"/>
+                <a:headEnd/>
+                <a:tailEnd/>
+              </a14:hiddenLine>
+            </a:ext>
+            <a:ext uri="{FAA26D3D-D897-4be2-8F04-BA451C77F1D7}"/>
+          </a:extLst>
+        </p:spPr>
+        <p:txBody>
+          <a:bodyPr/>
+          <a:lstStyle>
+            <a:lvl1pPr marL="0" indent="0" algn="ctr" defTabSz="457200" rtl="0" eaLnBrk="0" fontAlgn="base" hangingPunct="0">
+              <a:spcBef>
+                <a:spcPct val="20000"/>
+              </a:spcBef>
+              <a:spcAft>
+                <a:spcPct val="0"/>
+              </a:spcAft>
+              <a:buFont typeface="Arial" charset="0"/>
+              <a:buNone/>
+              <a:defRPr sz="3200" kern="1200">
+                <a:solidFill>
+                  <a:schemeClr val="bg1"/>
+                </a:solidFill>
+                <a:latin typeface="+mn-lt"/>
+                <a:ea typeface="ＭＳ Ｐゴシック" charset="0"/>
+                <a:cs typeface="ＭＳ Ｐゴシック" charset="0"/>
+              </a:defRPr>
+            </a:lvl1pPr>
+            <a:lvl2pPr marL="457200" indent="0" algn="ctr" defTabSz="457200" rtl="0" eaLnBrk="0" fontAlgn="base" hangingPunct="0">
+              <a:spcBef>
+                <a:spcPct val="20000"/>
+              </a:spcBef>
+              <a:spcAft>
+                <a:spcPct val="0"/>
+              </a:spcAft>
+              <a:buFont typeface="Arial" charset="0"/>
+              <a:buNone/>
+              <a:defRPr sz="2800" kern="1200">
+                <a:solidFill>
+                  <a:schemeClr val="tx1">
+                    <a:tint val="75000"/>
+                  </a:schemeClr>
+                </a:solidFill>
+                <a:latin typeface="+mn-lt"/>
+                <a:ea typeface="ＭＳ Ｐゴシック" charset="0"/>
+                <a:cs typeface="+mn-cs"/>
+              </a:defRPr>
+            </a:lvl2pPr>
+            <a:lvl3pPr marL="914400" indent="0" algn="ctr" defTabSz="457200" rtl="0" eaLnBrk="0" fontAlgn="base" hangingPunct="0">
+              <a:spcBef>
+                <a:spcPct val="20000"/>
+              </a:spcBef>
+              <a:spcAft>
+                <a:spcPct val="0"/>
+              </a:spcAft>
+              <a:buFont typeface="Arial" charset="0"/>
+              <a:buNone/>
+              <a:defRPr sz="2400" kern="1200">
+                <a:solidFill>
+                  <a:schemeClr val="tx1">
+                    <a:tint val="75000"/>
+                  </a:schemeClr>
+                </a:solidFill>
+                <a:latin typeface="+mn-lt"/>
+                <a:ea typeface="ＭＳ Ｐゴシック" charset="0"/>
+                <a:cs typeface="+mn-cs"/>
+              </a:defRPr>
+            </a:lvl3pPr>
+            <a:lvl4pPr marL="1371600" indent="0" algn="ctr" defTabSz="457200" rtl="0" eaLnBrk="0" fontAlgn="base" hangingPunct="0">
+              <a:spcBef>
+                <a:spcPct val="20000"/>
+              </a:spcBef>
+              <a:spcAft>
+                <a:spcPct val="0"/>
+              </a:spcAft>
+              <a:buFont typeface="Arial" charset="0"/>
+              <a:buNone/>
+              <a:defRPr sz="2000" kern="1200">
+                <a:solidFill>
+                  <a:schemeClr val="tx1">
+                    <a:tint val="75000"/>
+                  </a:schemeClr>
+                </a:solidFill>
+                <a:latin typeface="+mn-lt"/>
+                <a:ea typeface="ＭＳ Ｐゴシック" charset="0"/>
+                <a:cs typeface="+mn-cs"/>
+              </a:defRPr>
+            </a:lvl4pPr>
+            <a:lvl5pPr marL="1828800" indent="0" algn="ctr" defTabSz="457200" rtl="0" eaLnBrk="0" fontAlgn="base" hangingPunct="0">
+              <a:spcBef>
+                <a:spcPct val="20000"/>
+              </a:spcBef>
+              <a:spcAft>
+                <a:spcPct val="0"/>
+              </a:spcAft>
+              <a:buFont typeface="Arial" charset="0"/>
+              <a:buNone/>
+              <a:defRPr sz="2000" kern="1200">
+                <a:solidFill>
+                  <a:schemeClr val="tx1">
+                    <a:tint val="75000"/>
+                  </a:schemeClr>
+                </a:solidFill>
+                <a:latin typeface="+mn-lt"/>
+                <a:ea typeface="ＭＳ Ｐゴシック" charset="0"/>
+                <a:cs typeface="+mn-cs"/>
+              </a:defRPr>
+            </a:lvl5pPr>
+            <a:lvl6pPr marL="2286000" indent="0" algn="ctr" defTabSz="457200" rtl="0" eaLnBrk="1" latinLnBrk="0" hangingPunct="1">
+              <a:spcBef>
+                <a:spcPct val="20000"/>
+              </a:spcBef>
+              <a:buFont typeface="Arial"/>
+              <a:buNone/>
+              <a:defRPr sz="2000" kern="1200">
+                <a:solidFill>
+                  <a:schemeClr val="tx1">
+                    <a:tint val="75000"/>
+                  </a:schemeClr>
+                </a:solidFill>
+                <a:latin typeface="+mn-lt"/>
+                <a:ea typeface="+mn-ea"/>
+                <a:cs typeface="+mn-cs"/>
+              </a:defRPr>
+            </a:lvl6pPr>
+            <a:lvl7pPr marL="2743200" indent="0" algn="ctr" defTabSz="457200" rtl="0" eaLnBrk="1" latinLnBrk="0" hangingPunct="1">
+              <a:spcBef>
+                <a:spcPct val="20000"/>
+              </a:spcBef>
+              <a:buFont typeface="Arial"/>
+              <a:buNone/>
+              <a:defRPr sz="2000" kern="1200">
+                <a:solidFill>
+                  <a:schemeClr val="tx1">
+                    <a:tint val="75000"/>
+                  </a:schemeClr>
+                </a:solidFill>
+                <a:latin typeface="+mn-lt"/>
+                <a:ea typeface="+mn-ea"/>
+                <a:cs typeface="+mn-cs"/>
+              </a:defRPr>
+            </a:lvl7pPr>
+            <a:lvl8pPr marL="3200400" indent="0" algn="ctr" defTabSz="457200" rtl="0" eaLnBrk="1" latinLnBrk="0" hangingPunct="1">
+              <a:spcBef>
+                <a:spcPct val="20000"/>
+              </a:spcBef>
+              <a:buFont typeface="Arial"/>
+              <a:buNone/>
+              <a:defRPr sz="2000" kern="1200">
+                <a:solidFill>
+                  <a:schemeClr val="tx1">
+                    <a:tint val="75000"/>
+                  </a:schemeClr>
+                </a:solidFill>
+                <a:latin typeface="+mn-lt"/>
+                <a:ea typeface="+mn-ea"/>
+                <a:cs typeface="+mn-cs"/>
+              </a:defRPr>
+            </a:lvl8pPr>
+            <a:lvl9pPr marL="3657600" indent="0" algn="ctr" defTabSz="457200" rtl="0" eaLnBrk="1" latinLnBrk="0" hangingPunct="1">
+              <a:spcBef>
+                <a:spcPct val="20000"/>
+              </a:spcBef>
+              <a:buFont typeface="Arial"/>
+              <a:buNone/>
+              <a:defRPr sz="2000" kern="1200">
+                <a:solidFill>
+                  <a:schemeClr val="tx1">
+                    <a:tint val="75000"/>
+                  </a:schemeClr>
+                </a:solidFill>
+                <a:latin typeface="+mn-lt"/>
+                <a:ea typeface="+mn-ea"/>
+                <a:cs typeface="+mn-cs"/>
+              </a:defRPr>
+            </a:lvl9pPr>
+          </a:lstStyle>
+          <a:p>
+            <a:pPr algn="l">
+              <a:lnSpc>
+                <a:spcPts val="2000"/>
+              </a:lnSpc>
+              <a:defRPr/>
+            </a:pPr>
+            <a:r>
+              <a:rPr lang="en-US" sz="1400" dirty="0">
+                <a:solidFill>
+                  <a:schemeClr val="tx1">
+                    <a:lumMod val="65000"/>
+                    <a:lumOff val="35000"/>
+                  </a:schemeClr>
+                </a:solidFill>
+              </a:rPr>
+              <a:t>Register at </a:t>
+            </a:r>
+            <a:r>
+              <a:rPr lang="en-US" sz="1400" b="1" dirty="0" err="1">
+                <a:solidFill>
+                  <a:srgbClr val="2E85BD"/>
+                </a:solidFill>
+              </a:rPr>
+              <a:t>www.devconnections.com</a:t>
+            </a:r>
+            <a:r>
+              <a:rPr lang="en-US" sz="1400" b="1" dirty="0">
+                <a:solidFill>
+                  <a:srgbClr val="2E85BD"/>
+                </a:solidFill>
+              </a:rPr>
+              <a:t>/</a:t>
+            </a:r>
+            <a:r>
+              <a:rPr lang="en-US" sz="1400" b="1" dirty="0" err="1">
+                <a:solidFill>
+                  <a:srgbClr val="2E85BD"/>
+                </a:solidFill>
+              </a:rPr>
+              <a:t>logintoratesession</a:t>
+            </a:r>
+            <a:r>
+              <a:rPr lang="en-US" sz="1400" b="1" dirty="0">
+                <a:solidFill>
+                  <a:srgbClr val="2E85BD"/>
+                </a:solidFill>
+              </a:rPr>
+              <a:t> </a:t>
+            </a:r>
+          </a:p>
+          <a:p>
+            <a:pPr algn="l">
+              <a:lnSpc>
+                <a:spcPts val="2000"/>
+              </a:lnSpc>
+              <a:defRPr/>
+            </a:pPr>
+            <a:r>
+              <a:rPr lang="en-US" sz="1400" dirty="0">
+                <a:solidFill>
+                  <a:schemeClr val="tx1">
+                    <a:lumMod val="65000"/>
+                    <a:lumOff val="35000"/>
+                  </a:schemeClr>
+                </a:solidFill>
+              </a:rPr>
+              <a:t>Go to </a:t>
+            </a:r>
+            <a:r>
+              <a:rPr lang="en-US" sz="1400" b="1" dirty="0" err="1">
+                <a:solidFill>
+                  <a:srgbClr val="2E85BD"/>
+                </a:solidFill>
+              </a:rPr>
+              <a:t>www.devconnections.com</a:t>
+            </a:r>
+            <a:r>
+              <a:rPr lang="en-US" sz="1400" b="1" dirty="0">
+                <a:solidFill>
+                  <a:srgbClr val="2E85BD"/>
+                </a:solidFill>
+              </a:rPr>
+              <a:t>/</a:t>
+            </a:r>
+            <a:r>
+              <a:rPr lang="en-US" sz="1400" b="1" dirty="0" err="1">
+                <a:solidFill>
+                  <a:srgbClr val="2E85BD"/>
+                </a:solidFill>
+              </a:rPr>
+              <a:t>ratesession</a:t>
+            </a:r>
+            <a:r>
+              <a:rPr lang="en-US" sz="1400" b="1" dirty="0">
+                <a:solidFill>
+                  <a:srgbClr val="2E85BD"/>
+                </a:solidFill>
+              </a:rPr>
+              <a:t> </a:t>
+            </a:r>
+          </a:p>
+          <a:p>
+            <a:pPr algn="l">
+              <a:lnSpc>
+                <a:spcPts val="2000"/>
+              </a:lnSpc>
+              <a:defRPr/>
+            </a:pPr>
+            <a:r>
+              <a:rPr lang="en-US" sz="1400" dirty="0">
+                <a:solidFill>
+                  <a:schemeClr val="tx1">
+                    <a:lumMod val="65000"/>
+                    <a:lumOff val="35000"/>
+                  </a:schemeClr>
+                </a:solidFill>
+              </a:rPr>
+              <a:t>Select this session from the list and rate it</a:t>
+            </a:r>
+          </a:p>
+        </p:txBody>
+      </p:sp>
+      <p:sp>
+        <p:nvSpPr>
+          <p:cNvPr id="24583" name="Title 13"/>
+          <p:cNvSpPr txBox="1">
+            <a:spLocks/>
+          </p:cNvSpPr>
+          <p:nvPr/>
+        </p:nvSpPr>
+        <p:spPr bwMode="auto">
+          <a:xfrm>
+            <a:off x="390526" y="2254250"/>
+            <a:ext cx="2081213" cy="2693988"/>
+          </a:xfrm>
+          <a:prstGeom prst="rect">
+            <a:avLst/>
+          </a:prstGeom>
+          <a:noFill/>
+          <a:ln>
+            <a:noFill/>
+          </a:ln>
+          <a:extLst>
+            <a:ext uri="{909E8E84-426E-40DD-AFC4-6F175D3DCCD1}">
+              <a14:hiddenFill xmlns:a14="http://schemas.microsoft.com/office/drawing/2010/main">
+                <a:solidFill>
+                  <a:srgbClr val="FFFFFF"/>
+                </a:solidFill>
+              </a14:hiddenFill>
+            </a:ext>
+            <a:ext uri="{91240B29-F687-4F45-9708-019B960494DF}">
+              <a14:hiddenLine xmlns:a14="http://schemas.microsoft.com/office/drawing/2010/main" w="9525">
+                <a:solidFill>
+                  <a:srgbClr val="000000"/>
+                </a:solidFill>
+                <a:miter lim="800000"/>
+                <a:headEnd/>
+                <a:tailEnd/>
+              </a14:hiddenLine>
+            </a:ext>
+          </a:extLst>
+        </p:spPr>
+        <p:txBody>
+          <a:bodyPr/>
+          <a:lstStyle>
+            <a:lvl1pPr eaLnBrk="0" hangingPunct="0">
+              <a:defRPr>
+                <a:solidFill>
+                  <a:schemeClr val="tx1"/>
+                </a:solidFill>
+                <a:latin typeface="Century Gothic" panose="020B0502020202020204" pitchFamily="34" charset="0"/>
+                <a:ea typeface="MS PGothic" pitchFamily="34" charset="-128"/>
+              </a:defRPr>
+            </a:lvl1pPr>
+            <a:lvl2pPr marL="742950" indent="-285750" eaLnBrk="0" hangingPunct="0">
+              <a:defRPr>
+                <a:solidFill>
+                  <a:schemeClr val="tx1"/>
+                </a:solidFill>
+                <a:latin typeface="Century Gothic" panose="020B0502020202020204" pitchFamily="34" charset="0"/>
+                <a:ea typeface="MS PGothic" pitchFamily="34" charset="-128"/>
+              </a:defRPr>
+            </a:lvl2pPr>
+            <a:lvl3pPr marL="1143000" indent="-228600" eaLnBrk="0" hangingPunct="0">
+              <a:defRPr>
+                <a:solidFill>
+                  <a:schemeClr val="tx1"/>
+                </a:solidFill>
+                <a:latin typeface="Century Gothic" panose="020B0502020202020204" pitchFamily="34" charset="0"/>
+                <a:ea typeface="MS PGothic" pitchFamily="34" charset="-128"/>
+              </a:defRPr>
+            </a:lvl3pPr>
+            <a:lvl4pPr marL="1600200" indent="-228600" eaLnBrk="0" hangingPunct="0">
+              <a:defRPr>
+                <a:solidFill>
+                  <a:schemeClr val="tx1"/>
+                </a:solidFill>
+                <a:latin typeface="Century Gothic" panose="020B0502020202020204" pitchFamily="34" charset="0"/>
+                <a:ea typeface="MS PGothic" pitchFamily="34" charset="-128"/>
+              </a:defRPr>
+            </a:lvl4pPr>
+            <a:lvl5pPr marL="2057400" indent="-228600" eaLnBrk="0" hangingPunct="0">
+              <a:defRPr>
+                <a:solidFill>
+                  <a:schemeClr val="tx1"/>
+                </a:solidFill>
+                <a:latin typeface="Century Gothic" panose="020B0502020202020204" pitchFamily="34" charset="0"/>
+                <a:ea typeface="MS PGothic" pitchFamily="34" charset="-128"/>
+              </a:defRPr>
+            </a:lvl5pPr>
+            <a:lvl6pPr marL="2514600" indent="-228600" defTabSz="457200" eaLnBrk="0" fontAlgn="base" hangingPunct="0">
+              <a:spcBef>
+                <a:spcPct val="0"/>
+              </a:spcBef>
+              <a:spcAft>
+                <a:spcPct val="0"/>
+              </a:spcAft>
+              <a:defRPr>
+                <a:solidFill>
+                  <a:schemeClr val="tx1"/>
+                </a:solidFill>
+                <a:latin typeface="Century Gothic" panose="020B0502020202020204" pitchFamily="34" charset="0"/>
+                <a:ea typeface="MS PGothic" pitchFamily="34" charset="-128"/>
+              </a:defRPr>
+            </a:lvl6pPr>
+            <a:lvl7pPr marL="2971800" indent="-228600" defTabSz="457200" eaLnBrk="0" fontAlgn="base" hangingPunct="0">
+              <a:spcBef>
+                <a:spcPct val="0"/>
+              </a:spcBef>
+              <a:spcAft>
+                <a:spcPct val="0"/>
+              </a:spcAft>
+              <a:defRPr>
+                <a:solidFill>
+                  <a:schemeClr val="tx1"/>
+                </a:solidFill>
+                <a:latin typeface="Century Gothic" panose="020B0502020202020204" pitchFamily="34" charset="0"/>
+                <a:ea typeface="MS PGothic" pitchFamily="34" charset="-128"/>
+              </a:defRPr>
+            </a:lvl7pPr>
+            <a:lvl8pPr marL="3429000" indent="-228600" defTabSz="457200" eaLnBrk="0" fontAlgn="base" hangingPunct="0">
+              <a:spcBef>
+                <a:spcPct val="0"/>
+              </a:spcBef>
+              <a:spcAft>
+                <a:spcPct val="0"/>
+              </a:spcAft>
+              <a:defRPr>
+                <a:solidFill>
+                  <a:schemeClr val="tx1"/>
+                </a:solidFill>
+                <a:latin typeface="Century Gothic" panose="020B0502020202020204" pitchFamily="34" charset="0"/>
+                <a:ea typeface="MS PGothic" pitchFamily="34" charset="-128"/>
+              </a:defRPr>
+            </a:lvl8pPr>
+            <a:lvl9pPr marL="3886200" indent="-228600" defTabSz="457200" eaLnBrk="0" fontAlgn="base" hangingPunct="0">
+              <a:spcBef>
+                <a:spcPct val="0"/>
+              </a:spcBef>
+              <a:spcAft>
+                <a:spcPct val="0"/>
+              </a:spcAft>
+              <a:defRPr>
+                <a:solidFill>
+                  <a:schemeClr val="tx1"/>
+                </a:solidFill>
+                <a:latin typeface="Century Gothic" panose="020B0502020202020204" pitchFamily="34" charset="0"/>
+                <a:ea typeface="MS PGothic" pitchFamily="34" charset="-128"/>
+              </a:defRPr>
+            </a:lvl9pPr>
+          </a:lstStyle>
+          <a:p>
+            <a:pPr algn="r"/>
+            <a:r>
+              <a:rPr lang="en-US" altLang="en-US" sz="3200">
+                <a:solidFill>
+                  <a:srgbClr val="649840"/>
+                </a:solidFill>
+              </a:rPr>
+              <a:t>Tell Us What You Thought of This Session</a:t>
+            </a:r>
+          </a:p>
+        </p:txBody>
+      </p:sp>
+      <p:grpSp>
+        <p:nvGrpSpPr>
+          <p:cNvPr id="24584" name="Group 19"/>
+          <p:cNvGrpSpPr>
+            <a:grpSpLocks/>
+          </p:cNvGrpSpPr>
+          <p:nvPr/>
+        </p:nvGrpSpPr>
+        <p:grpSpPr bwMode="auto">
+          <a:xfrm>
+            <a:off x="5832476" y="2146301"/>
+            <a:ext cx="1825625" cy="1801813"/>
+            <a:chOff x="6518147" y="1310285"/>
+            <a:chExt cx="1825889" cy="1800688"/>
+          </a:xfrm>
+        </p:grpSpPr>
+        <p:sp>
+          <p:nvSpPr>
+            <p:cNvPr id="9" name="Oval 8"/>
+            <p:cNvSpPr/>
+            <p:nvPr/>
+          </p:nvSpPr>
+          <p:spPr>
+            <a:xfrm>
+              <a:off x="6518147" y="1310285"/>
+              <a:ext cx="1800485" cy="1800688"/>
+            </a:xfrm>
+            <a:prstGeom prst="ellipse">
+              <a:avLst/>
+            </a:prstGeom>
+            <a:solidFill>
+              <a:srgbClr val="649840"/>
+            </a:solidFill>
+            <a:ln>
+              <a:solidFill>
+                <a:srgbClr val="649840"/>
+              </a:solidFill>
+            </a:ln>
+            <a:effectLst/>
+          </p:spPr>
+          <p:style>
+            <a:lnRef idx="1">
+              <a:schemeClr val="accent1"/>
+            </a:lnRef>
+            <a:fillRef idx="3">
+              <a:schemeClr val="accent1"/>
+            </a:fillRef>
+            <a:effectRef idx="2">
+              <a:schemeClr val="accent1"/>
+            </a:effectRef>
+            <a:fontRef idx="minor">
+              <a:schemeClr val="lt1"/>
+            </a:fontRef>
+          </p:style>
+          <p:txBody>
+            <a:bodyPr anchor="ctr"/>
+            <a:lstStyle/>
+            <a:p>
+              <a:pPr algn="ctr">
+                <a:defRPr/>
+              </a:pPr>
+              <a:endParaRPr lang="en-US">
+                <a:solidFill>
+                  <a:srgbClr val="595959"/>
+                </a:solidFill>
+              </a:endParaRPr>
+            </a:p>
+          </p:txBody>
+        </p:sp>
+        <p:sp>
+          <p:nvSpPr>
+            <p:cNvPr id="24589" name="TextBox 13"/>
+            <p:cNvSpPr txBox="1">
+              <a:spLocks noChangeArrowheads="1"/>
+            </p:cNvSpPr>
+            <p:nvPr/>
+          </p:nvSpPr>
+          <p:spPr bwMode="auto">
+            <a:xfrm>
+              <a:off x="6531518" y="1627797"/>
+              <a:ext cx="1800688" cy="307777"/>
+            </a:xfrm>
+            <a:prstGeom prst="rect">
+              <a:avLst/>
+            </a:prstGeom>
+            <a:noFill/>
+            <a:ln>
+              <a:noFill/>
+            </a:ln>
+            <a:extLst>
+              <a:ext uri="{909E8E84-426E-40DD-AFC4-6F175D3DCCD1}">
+                <a14:hiddenFill xmlns:a14="http://schemas.microsoft.com/office/drawing/2010/main">
+                  <a:solidFill>
+                    <a:srgbClr val="FFFFFF"/>
+                  </a:solidFill>
+                </a14:hiddenFill>
+              </a:ext>
+              <a:ext uri="{91240B29-F687-4F45-9708-019B960494DF}">
+                <a14:hiddenLine xmlns:a14="http://schemas.microsoft.com/office/drawing/2010/main" w="9525">
+                  <a:solidFill>
+                    <a:srgbClr val="000000"/>
+                  </a:solidFill>
+                  <a:miter lim="800000"/>
+                  <a:headEnd/>
+                  <a:tailEnd/>
+                </a14:hiddenLine>
+              </a:ext>
+            </a:extLst>
+          </p:spPr>
+          <p:txBody>
+            <a:bodyPr>
+              <a:spAutoFit/>
+            </a:bodyPr>
+            <a:lstStyle>
+              <a:lvl1pPr eaLnBrk="0" hangingPunct="0">
+                <a:defRPr>
+                  <a:solidFill>
+                    <a:schemeClr val="tx1"/>
+                  </a:solidFill>
+                  <a:latin typeface="Century Gothic" panose="020B0502020202020204" pitchFamily="34" charset="0"/>
+                  <a:ea typeface="MS PGothic" pitchFamily="34" charset="-128"/>
+                </a:defRPr>
+              </a:lvl1pPr>
+              <a:lvl2pPr marL="742950" indent="-285750" eaLnBrk="0" hangingPunct="0">
+                <a:defRPr>
+                  <a:solidFill>
+                    <a:schemeClr val="tx1"/>
+                  </a:solidFill>
+                  <a:latin typeface="Century Gothic" panose="020B0502020202020204" pitchFamily="34" charset="0"/>
+                  <a:ea typeface="MS PGothic" pitchFamily="34" charset="-128"/>
+                </a:defRPr>
+              </a:lvl2pPr>
+              <a:lvl3pPr marL="1143000" indent="-228600" eaLnBrk="0" hangingPunct="0">
+                <a:defRPr>
+                  <a:solidFill>
+                    <a:schemeClr val="tx1"/>
+                  </a:solidFill>
+                  <a:latin typeface="Century Gothic" panose="020B0502020202020204" pitchFamily="34" charset="0"/>
+                  <a:ea typeface="MS PGothic" pitchFamily="34" charset="-128"/>
+                </a:defRPr>
+              </a:lvl3pPr>
+              <a:lvl4pPr marL="1600200" indent="-228600" eaLnBrk="0" hangingPunct="0">
+                <a:defRPr>
+                  <a:solidFill>
+                    <a:schemeClr val="tx1"/>
+                  </a:solidFill>
+                  <a:latin typeface="Century Gothic" panose="020B0502020202020204" pitchFamily="34" charset="0"/>
+                  <a:ea typeface="MS PGothic" pitchFamily="34" charset="-128"/>
+                </a:defRPr>
+              </a:lvl4pPr>
+              <a:lvl5pPr marL="2057400" indent="-228600" eaLnBrk="0" hangingPunct="0">
+                <a:defRPr>
+                  <a:solidFill>
+                    <a:schemeClr val="tx1"/>
+                  </a:solidFill>
+                  <a:latin typeface="Century Gothic" panose="020B0502020202020204" pitchFamily="34" charset="0"/>
+                  <a:ea typeface="MS PGothic" pitchFamily="34" charset="-128"/>
+                </a:defRPr>
+              </a:lvl5pPr>
+              <a:lvl6pPr marL="2514600" indent="-228600" defTabSz="457200" eaLnBrk="0" fontAlgn="base" hangingPunct="0">
+                <a:spcBef>
+                  <a:spcPct val="0"/>
+                </a:spcBef>
+                <a:spcAft>
+                  <a:spcPct val="0"/>
+                </a:spcAft>
+                <a:defRPr>
+                  <a:solidFill>
+                    <a:schemeClr val="tx1"/>
+                  </a:solidFill>
+                  <a:latin typeface="Century Gothic" panose="020B0502020202020204" pitchFamily="34" charset="0"/>
+                  <a:ea typeface="MS PGothic" pitchFamily="34" charset="-128"/>
+                </a:defRPr>
+              </a:lvl6pPr>
+              <a:lvl7pPr marL="2971800" indent="-228600" defTabSz="457200" eaLnBrk="0" fontAlgn="base" hangingPunct="0">
+                <a:spcBef>
+                  <a:spcPct val="0"/>
+                </a:spcBef>
+                <a:spcAft>
+                  <a:spcPct val="0"/>
+                </a:spcAft>
+                <a:defRPr>
+                  <a:solidFill>
+                    <a:schemeClr val="tx1"/>
+                  </a:solidFill>
+                  <a:latin typeface="Century Gothic" panose="020B0502020202020204" pitchFamily="34" charset="0"/>
+                  <a:ea typeface="MS PGothic" pitchFamily="34" charset="-128"/>
+                </a:defRPr>
+              </a:lvl7pPr>
+              <a:lvl8pPr marL="3429000" indent="-228600" defTabSz="457200" eaLnBrk="0" fontAlgn="base" hangingPunct="0">
+                <a:spcBef>
+                  <a:spcPct val="0"/>
+                </a:spcBef>
+                <a:spcAft>
+                  <a:spcPct val="0"/>
+                </a:spcAft>
+                <a:defRPr>
+                  <a:solidFill>
+                    <a:schemeClr val="tx1"/>
+                  </a:solidFill>
+                  <a:latin typeface="Century Gothic" panose="020B0502020202020204" pitchFamily="34" charset="0"/>
+                  <a:ea typeface="MS PGothic" pitchFamily="34" charset="-128"/>
+                </a:defRPr>
+              </a:lvl8pPr>
+              <a:lvl9pPr marL="3886200" indent="-228600" defTabSz="457200" eaLnBrk="0" fontAlgn="base" hangingPunct="0">
+                <a:spcBef>
+                  <a:spcPct val="0"/>
+                </a:spcBef>
+                <a:spcAft>
+                  <a:spcPct val="0"/>
+                </a:spcAft>
+                <a:defRPr>
+                  <a:solidFill>
+                    <a:schemeClr val="tx1"/>
+                  </a:solidFill>
+                  <a:latin typeface="Century Gothic" panose="020B0502020202020204" pitchFamily="34" charset="0"/>
+                  <a:ea typeface="MS PGothic" pitchFamily="34" charset="-128"/>
+                </a:defRPr>
+              </a:lvl9pPr>
+            </a:lstStyle>
+            <a:p>
+              <a:pPr algn="ctr" eaLnBrk="1" hangingPunct="1"/>
+              <a:r>
+                <a:rPr lang="en-US" altLang="en-US" sz="1400">
+                  <a:solidFill>
+                    <a:schemeClr val="bg1"/>
+                  </a:solidFill>
+                </a:rPr>
+                <a:t>Be Entered to</a:t>
+              </a:r>
+            </a:p>
+          </p:txBody>
+        </p:sp>
+        <p:sp>
+          <p:nvSpPr>
+            <p:cNvPr id="17" name="TextBox 16"/>
+            <p:cNvSpPr txBox="1"/>
+            <p:nvPr/>
+          </p:nvSpPr>
+          <p:spPr>
+            <a:xfrm>
+              <a:off x="6518147" y="1683115"/>
+              <a:ext cx="1800485" cy="1015366"/>
+            </a:xfrm>
+            <a:prstGeom prst="rect">
+              <a:avLst/>
+            </a:prstGeom>
+            <a:noFill/>
+          </p:spPr>
+          <p:txBody>
+            <a:bodyPr>
+              <a:spAutoFit/>
+            </a:bodyPr>
+            <a:lstStyle/>
+            <a:p>
+              <a:pPr algn="ctr">
+                <a:defRPr/>
+              </a:pPr>
+              <a:r>
+                <a:rPr lang="en-US" sz="6000" b="1" spc="-300" dirty="0">
+                  <a:solidFill>
+                    <a:schemeClr val="bg1"/>
+                  </a:solidFill>
+                  <a:latin typeface="Century Gothic" charset="0"/>
+                  <a:ea typeface="ＭＳ Ｐゴシック" charset="0"/>
+                  <a:cs typeface="ＭＳ Ｐゴシック" charset="0"/>
+                </a:rPr>
+                <a:t>WIN</a:t>
+              </a:r>
+            </a:p>
+          </p:txBody>
+        </p:sp>
+        <p:sp>
+          <p:nvSpPr>
+            <p:cNvPr id="24591" name="TextBox 17"/>
+            <p:cNvSpPr txBox="1">
+              <a:spLocks noChangeArrowheads="1"/>
+            </p:cNvSpPr>
+            <p:nvPr/>
+          </p:nvSpPr>
+          <p:spPr bwMode="auto">
+            <a:xfrm>
+              <a:off x="6543349" y="2429043"/>
+              <a:ext cx="1800687" cy="523220"/>
+            </a:xfrm>
+            <a:prstGeom prst="rect">
+              <a:avLst/>
+            </a:prstGeom>
+            <a:noFill/>
+            <a:ln>
+              <a:noFill/>
+            </a:ln>
+            <a:extLst>
+              <a:ext uri="{909E8E84-426E-40DD-AFC4-6F175D3DCCD1}">
+                <a14:hiddenFill xmlns:a14="http://schemas.microsoft.com/office/drawing/2010/main">
+                  <a:solidFill>
+                    <a:srgbClr val="FFFFFF"/>
+                  </a:solidFill>
+                </a14:hiddenFill>
+              </a:ext>
+              <a:ext uri="{91240B29-F687-4F45-9708-019B960494DF}">
+                <a14:hiddenLine xmlns:a14="http://schemas.microsoft.com/office/drawing/2010/main" w="9525">
+                  <a:solidFill>
+                    <a:srgbClr val="000000"/>
+                  </a:solidFill>
+                  <a:miter lim="800000"/>
+                  <a:headEnd/>
+                  <a:tailEnd/>
+                </a14:hiddenLine>
+              </a:ext>
+            </a:extLst>
+          </p:spPr>
+          <p:txBody>
+            <a:bodyPr>
+              <a:spAutoFit/>
+            </a:bodyPr>
+            <a:lstStyle>
+              <a:lvl1pPr eaLnBrk="0" hangingPunct="0">
+                <a:defRPr>
+                  <a:solidFill>
+                    <a:schemeClr val="tx1"/>
+                  </a:solidFill>
+                  <a:latin typeface="Century Gothic" panose="020B0502020202020204" pitchFamily="34" charset="0"/>
+                  <a:ea typeface="MS PGothic" pitchFamily="34" charset="-128"/>
+                </a:defRPr>
+              </a:lvl1pPr>
+              <a:lvl2pPr marL="742950" indent="-285750" eaLnBrk="0" hangingPunct="0">
+                <a:defRPr>
+                  <a:solidFill>
+                    <a:schemeClr val="tx1"/>
+                  </a:solidFill>
+                  <a:latin typeface="Century Gothic" panose="020B0502020202020204" pitchFamily="34" charset="0"/>
+                  <a:ea typeface="MS PGothic" pitchFamily="34" charset="-128"/>
+                </a:defRPr>
+              </a:lvl2pPr>
+              <a:lvl3pPr marL="1143000" indent="-228600" eaLnBrk="0" hangingPunct="0">
+                <a:defRPr>
+                  <a:solidFill>
+                    <a:schemeClr val="tx1"/>
+                  </a:solidFill>
+                  <a:latin typeface="Century Gothic" panose="020B0502020202020204" pitchFamily="34" charset="0"/>
+                  <a:ea typeface="MS PGothic" pitchFamily="34" charset="-128"/>
+                </a:defRPr>
+              </a:lvl3pPr>
+              <a:lvl4pPr marL="1600200" indent="-228600" eaLnBrk="0" hangingPunct="0">
+                <a:defRPr>
+                  <a:solidFill>
+                    <a:schemeClr val="tx1"/>
+                  </a:solidFill>
+                  <a:latin typeface="Century Gothic" panose="020B0502020202020204" pitchFamily="34" charset="0"/>
+                  <a:ea typeface="MS PGothic" pitchFamily="34" charset="-128"/>
+                </a:defRPr>
+              </a:lvl4pPr>
+              <a:lvl5pPr marL="2057400" indent="-228600" eaLnBrk="0" hangingPunct="0">
+                <a:defRPr>
+                  <a:solidFill>
+                    <a:schemeClr val="tx1"/>
+                  </a:solidFill>
+                  <a:latin typeface="Century Gothic" panose="020B0502020202020204" pitchFamily="34" charset="0"/>
+                  <a:ea typeface="MS PGothic" pitchFamily="34" charset="-128"/>
+                </a:defRPr>
+              </a:lvl5pPr>
+              <a:lvl6pPr marL="2514600" indent="-228600" defTabSz="457200" eaLnBrk="0" fontAlgn="base" hangingPunct="0">
+                <a:spcBef>
+                  <a:spcPct val="0"/>
+                </a:spcBef>
+                <a:spcAft>
+                  <a:spcPct val="0"/>
+                </a:spcAft>
+                <a:defRPr>
+                  <a:solidFill>
+                    <a:schemeClr val="tx1"/>
+                  </a:solidFill>
+                  <a:latin typeface="Century Gothic" panose="020B0502020202020204" pitchFamily="34" charset="0"/>
+                  <a:ea typeface="MS PGothic" pitchFamily="34" charset="-128"/>
+                </a:defRPr>
+              </a:lvl6pPr>
+              <a:lvl7pPr marL="2971800" indent="-228600" defTabSz="457200" eaLnBrk="0" fontAlgn="base" hangingPunct="0">
+                <a:spcBef>
+                  <a:spcPct val="0"/>
+                </a:spcBef>
+                <a:spcAft>
+                  <a:spcPct val="0"/>
+                </a:spcAft>
+                <a:defRPr>
+                  <a:solidFill>
+                    <a:schemeClr val="tx1"/>
+                  </a:solidFill>
+                  <a:latin typeface="Century Gothic" panose="020B0502020202020204" pitchFamily="34" charset="0"/>
+                  <a:ea typeface="MS PGothic" pitchFamily="34" charset="-128"/>
+                </a:defRPr>
+              </a:lvl7pPr>
+              <a:lvl8pPr marL="3429000" indent="-228600" defTabSz="457200" eaLnBrk="0" fontAlgn="base" hangingPunct="0">
+                <a:spcBef>
+                  <a:spcPct val="0"/>
+                </a:spcBef>
+                <a:spcAft>
+                  <a:spcPct val="0"/>
+                </a:spcAft>
+                <a:defRPr>
+                  <a:solidFill>
+                    <a:schemeClr val="tx1"/>
+                  </a:solidFill>
+                  <a:latin typeface="Century Gothic" panose="020B0502020202020204" pitchFamily="34" charset="0"/>
+                  <a:ea typeface="MS PGothic" pitchFamily="34" charset="-128"/>
+                </a:defRPr>
+              </a:lvl8pPr>
+              <a:lvl9pPr marL="3886200" indent="-228600" defTabSz="457200" eaLnBrk="0" fontAlgn="base" hangingPunct="0">
+                <a:spcBef>
+                  <a:spcPct val="0"/>
+                </a:spcBef>
+                <a:spcAft>
+                  <a:spcPct val="0"/>
+                </a:spcAft>
+                <a:defRPr>
+                  <a:solidFill>
+                    <a:schemeClr val="tx1"/>
+                  </a:solidFill>
+                  <a:latin typeface="Century Gothic" panose="020B0502020202020204" pitchFamily="34" charset="0"/>
+                  <a:ea typeface="MS PGothic" pitchFamily="34" charset="-128"/>
+                </a:defRPr>
+              </a:lvl9pPr>
+            </a:lstStyle>
+            <a:p>
+              <a:pPr algn="ctr" eaLnBrk="1" hangingPunct="1"/>
+              <a:r>
+                <a:rPr lang="en-US" altLang="en-US" sz="2800">
+                  <a:solidFill>
+                    <a:schemeClr val="bg1"/>
+                  </a:solidFill>
+                </a:rPr>
+                <a:t>Prizes!</a:t>
+              </a:r>
+            </a:p>
+          </p:txBody>
+        </p:sp>
+      </p:grpSp>
+      <p:sp>
+        <p:nvSpPr>
+          <p:cNvPr id="21" name="Rectangle 20"/>
+          <p:cNvSpPr/>
+          <p:nvPr/>
+        </p:nvSpPr>
+        <p:spPr>
+          <a:xfrm>
+            <a:off x="1" y="2146301"/>
+            <a:ext cx="2473325" cy="68263"/>
+          </a:xfrm>
+          <a:prstGeom prst="rect">
+            <a:avLst/>
+          </a:prstGeom>
+          <a:solidFill>
+            <a:srgbClr val="649840"/>
+          </a:solidFill>
+          <a:ln>
+            <a:noFill/>
+          </a:ln>
+          <a:effectLst/>
+        </p:spPr>
+        <p:style>
+          <a:lnRef idx="1">
+            <a:schemeClr val="accent1"/>
+          </a:lnRef>
+          <a:fillRef idx="3">
+            <a:schemeClr val="accent1"/>
+          </a:fillRef>
+          <a:effectRef idx="2">
+            <a:schemeClr val="accent1"/>
+          </a:effectRef>
+          <a:fontRef idx="minor">
+            <a:schemeClr val="lt1"/>
+          </a:fontRef>
+        </p:style>
+        <p:txBody>
+          <a:bodyPr anchor="ctr"/>
+          <a:lstStyle/>
+          <a:p>
+            <a:pPr algn="ctr">
+              <a:defRPr/>
+            </a:pPr>
+            <a:endParaRPr lang="en-US"/>
+          </a:p>
+        </p:txBody>
+      </p:sp>
+      <p:sp>
+        <p:nvSpPr>
+          <p:cNvPr id="24" name="Rectangle 23"/>
+          <p:cNvSpPr/>
+          <p:nvPr/>
+        </p:nvSpPr>
+        <p:spPr>
+          <a:xfrm>
+            <a:off x="1" y="4949826"/>
+            <a:ext cx="2473325" cy="68263"/>
+          </a:xfrm>
+          <a:prstGeom prst="rect">
+            <a:avLst/>
+          </a:prstGeom>
+          <a:solidFill>
+            <a:srgbClr val="649840"/>
+          </a:solidFill>
+          <a:ln>
+            <a:noFill/>
+          </a:ln>
+          <a:effectLst/>
+        </p:spPr>
+        <p:style>
+          <a:lnRef idx="1">
+            <a:schemeClr val="accent1"/>
+          </a:lnRef>
+          <a:fillRef idx="3">
+            <a:schemeClr val="accent1"/>
+          </a:fillRef>
+          <a:effectRef idx="2">
+            <a:schemeClr val="accent1"/>
+          </a:effectRef>
+          <a:fontRef idx="minor">
+            <a:schemeClr val="lt1"/>
+          </a:fontRef>
+        </p:style>
+        <p:txBody>
+          <a:bodyPr anchor="ctr"/>
+          <a:lstStyle/>
+          <a:p>
+            <a:pPr algn="ctr">
+              <a:defRPr/>
+            </a:pPr>
+            <a:endParaRPr lang="en-US"/>
+          </a:p>
+        </p:txBody>
+      </p:sp>
+      <p:sp>
+        <p:nvSpPr>
+          <p:cNvPr id="22" name="Footer Placeholder 4"/>
+          <p:cNvSpPr txBox="1">
+            <a:spLocks/>
+          </p:cNvSpPr>
+          <p:nvPr/>
+        </p:nvSpPr>
+        <p:spPr>
+          <a:xfrm>
+            <a:off x="533400" y="5499100"/>
+            <a:ext cx="5811838" cy="273050"/>
+          </a:xfrm>
+          <a:prstGeom prst="rect">
+            <a:avLst/>
+          </a:prstGeom>
+          <a:ln>
+            <a:noFill/>
+          </a:ln>
+        </p:spPr>
+        <p:txBody>
+          <a:bodyPr/>
+          <a:lstStyle>
+            <a:defPPr>
+              <a:defRPr lang="en-US"/>
+            </a:defPPr>
+            <a:lvl1pPr algn="l" defTabSz="457200" rtl="0" fontAlgn="auto">
+              <a:spcBef>
+                <a:spcPts val="0"/>
+              </a:spcBef>
+              <a:spcAft>
+                <a:spcPts val="0"/>
+              </a:spcAft>
+              <a:defRPr sz="1000" b="1" i="0" kern="1200" dirty="0" smtClean="0">
+                <a:solidFill>
+                  <a:srgbClr val="649840"/>
+                </a:solidFill>
+                <a:effectLst/>
+                <a:latin typeface="+mn-lt"/>
+                <a:ea typeface="+mn-ea"/>
+                <a:cs typeface="+mn-cs"/>
+              </a:defRPr>
+            </a:lvl1pPr>
+            <a:lvl2pPr marL="457200" algn="l" defTabSz="457200" rtl="0" fontAlgn="base">
+              <a:spcBef>
+                <a:spcPct val="0"/>
+              </a:spcBef>
+              <a:spcAft>
+                <a:spcPct val="0"/>
+              </a:spcAft>
+              <a:defRPr kern="1200">
+                <a:solidFill>
+                  <a:schemeClr val="tx1"/>
+                </a:solidFill>
+                <a:latin typeface="Century Gothic" charset="0"/>
+                <a:ea typeface="ＭＳ Ｐゴシック" charset="0"/>
+                <a:cs typeface="ＭＳ Ｐゴシック" charset="0"/>
+              </a:defRPr>
+            </a:lvl2pPr>
+            <a:lvl3pPr marL="914400" algn="l" defTabSz="457200" rtl="0" fontAlgn="base">
+              <a:spcBef>
+                <a:spcPct val="0"/>
+              </a:spcBef>
+              <a:spcAft>
+                <a:spcPct val="0"/>
+              </a:spcAft>
+              <a:defRPr kern="1200">
+                <a:solidFill>
+                  <a:schemeClr val="tx1"/>
+                </a:solidFill>
+                <a:latin typeface="Century Gothic" charset="0"/>
+                <a:ea typeface="ＭＳ Ｐゴシック" charset="0"/>
+                <a:cs typeface="ＭＳ Ｐゴシック" charset="0"/>
+              </a:defRPr>
+            </a:lvl3pPr>
+            <a:lvl4pPr marL="1371600" algn="l" defTabSz="457200" rtl="0" fontAlgn="base">
+              <a:spcBef>
+                <a:spcPct val="0"/>
+              </a:spcBef>
+              <a:spcAft>
+                <a:spcPct val="0"/>
+              </a:spcAft>
+              <a:defRPr kern="1200">
+                <a:solidFill>
+                  <a:schemeClr val="tx1"/>
+                </a:solidFill>
+                <a:latin typeface="Century Gothic" charset="0"/>
+                <a:ea typeface="ＭＳ Ｐゴシック" charset="0"/>
+                <a:cs typeface="ＭＳ Ｐゴシック" charset="0"/>
+              </a:defRPr>
+            </a:lvl4pPr>
+            <a:lvl5pPr marL="1828800" algn="l" defTabSz="457200" rtl="0" fontAlgn="base">
+              <a:spcBef>
+                <a:spcPct val="0"/>
+              </a:spcBef>
+              <a:spcAft>
+                <a:spcPct val="0"/>
+              </a:spcAft>
+              <a:defRPr kern="1200">
+                <a:solidFill>
+                  <a:schemeClr val="tx1"/>
+                </a:solidFill>
+                <a:latin typeface="Century Gothic" charset="0"/>
+                <a:ea typeface="ＭＳ Ｐゴシック" charset="0"/>
+                <a:cs typeface="ＭＳ Ｐゴシック" charset="0"/>
+              </a:defRPr>
+            </a:lvl5pPr>
+            <a:lvl6pPr marL="2286000" algn="l" defTabSz="457200" rtl="0" eaLnBrk="1" latinLnBrk="0" hangingPunct="1">
+              <a:defRPr kern="1200">
+                <a:solidFill>
+                  <a:schemeClr val="tx1"/>
+                </a:solidFill>
+                <a:latin typeface="Century Gothic" charset="0"/>
+                <a:ea typeface="ＭＳ Ｐゴシック" charset="0"/>
+                <a:cs typeface="ＭＳ Ｐゴシック" charset="0"/>
+              </a:defRPr>
+            </a:lvl6pPr>
+            <a:lvl7pPr marL="2743200" algn="l" defTabSz="457200" rtl="0" eaLnBrk="1" latinLnBrk="0" hangingPunct="1">
+              <a:defRPr kern="1200">
+                <a:solidFill>
+                  <a:schemeClr val="tx1"/>
+                </a:solidFill>
+                <a:latin typeface="Century Gothic" charset="0"/>
+                <a:ea typeface="ＭＳ Ｐゴシック" charset="0"/>
+                <a:cs typeface="ＭＳ Ｐゴシック" charset="0"/>
+              </a:defRPr>
+            </a:lvl7pPr>
+            <a:lvl8pPr marL="3200400" algn="l" defTabSz="457200" rtl="0" eaLnBrk="1" latinLnBrk="0" hangingPunct="1">
+              <a:defRPr kern="1200">
+                <a:solidFill>
+                  <a:schemeClr val="tx1"/>
+                </a:solidFill>
+                <a:latin typeface="Century Gothic" charset="0"/>
+                <a:ea typeface="ＭＳ Ｐゴシック" charset="0"/>
+                <a:cs typeface="ＭＳ Ｐゴシック" charset="0"/>
+              </a:defRPr>
+            </a:lvl8pPr>
+            <a:lvl9pPr marL="3657600" algn="l" defTabSz="457200" rtl="0" eaLnBrk="1" latinLnBrk="0" hangingPunct="1">
+              <a:defRPr kern="1200">
+                <a:solidFill>
+                  <a:schemeClr val="tx1"/>
+                </a:solidFill>
+                <a:latin typeface="Century Gothic" charset="0"/>
+                <a:ea typeface="ＭＳ Ｐゴシック" charset="0"/>
+                <a:cs typeface="ＭＳ Ｐゴシック" charset="0"/>
+              </a:defRPr>
+            </a:lvl9pPr>
+          </a:lstStyle>
+          <a:p>
+            <a:pPr defTabSz="914400">
+              <a:defRPr/>
+            </a:pPr>
+            <a:r>
+              <a:rPr lang="en-US" kern="0"/>
+              <a:t>#ITDEVCON  </a:t>
+            </a:r>
+          </a:p>
+        </p:txBody>
+      </p:sp>
+    </p:spTree>
+    <p:extLst>
+      <p:ext uri="{BB962C8B-B14F-4D97-AF65-F5344CB8AC3E}">
+        <p14:creationId xmlns:p14="http://schemas.microsoft.com/office/powerpoint/2010/main" val="1401804334"/>
+      </p:ext>
+    </p:extLst>
+  </p:cSld>
+  <p:clrMapOvr>
+    <a:masterClrMapping/>
+  </p:clrMapOvr>
+  <p:timing>
+    <p:tnLst>
+      <p:par>
+        <p:cTn id="1" dur="indefinite" restart="never" nodeType="tmRoot"/>
+      </p:par>
+    </p:tnLst>
+  </p:timing>
+</p:sld>
+</file>
+
+<file path=ppt/slides/slide29.xml><?xml version="1.0" encoding="utf-8"?>
 <p:sld xmlns:a="http://schemas.openxmlformats.org/drawingml/2006/main" xmlns:r="http://schemas.openxmlformats.org/officeDocument/2006/relationships" xmlns:p="http://schemas.openxmlformats.org/presentationml/2006/main">
   <p:cSld>
     <p:spTree>
@@ -11709,247 +13901,6 @@
 </p:sld>
 </file>
 
-<file path=ppt/slides/slide29.xml><?xml version="1.0" encoding="utf-8"?>
-<p:sld xmlns:a="http://schemas.openxmlformats.org/drawingml/2006/main" xmlns:r="http://schemas.openxmlformats.org/officeDocument/2006/relationships" xmlns:p="http://schemas.openxmlformats.org/presentationml/2006/main">
-  <p:cSld>
-    <p:spTree>
-      <p:nvGrpSpPr>
-        <p:cNvPr id="1" name=""/>
-        <p:cNvGrpSpPr/>
-        <p:nvPr/>
-      </p:nvGrpSpPr>
-      <p:grpSpPr>
-        <a:xfrm>
-          <a:off x="0" y="0"/>
-          <a:ext cx="0" cy="0"/>
-          <a:chOff x="0" y="0"/>
-          <a:chExt cx="0" cy="0"/>
-        </a:xfrm>
-      </p:grpSpPr>
-      <p:sp>
-        <p:nvSpPr>
-          <p:cNvPr id="2" name="Title 1"/>
-          <p:cNvSpPr>
-            <a:spLocks noGrp="1"/>
-          </p:cNvSpPr>
-          <p:nvPr>
-            <p:ph type="title"/>
-          </p:nvPr>
-        </p:nvSpPr>
-        <p:spPr/>
-        <p:txBody>
-          <a:bodyPr/>
-          <a:lstStyle/>
-          <a:p>
-            <a:r>
-              <a:rPr lang="en-US" dirty="0" smtClean="0"/>
-              <a:t>References</a:t>
-            </a:r>
-            <a:endParaRPr lang="en-US" dirty="0"/>
-          </a:p>
-        </p:txBody>
-      </p:sp>
-      <p:sp>
-        <p:nvSpPr>
-          <p:cNvPr id="3" name="Content Placeholder 2"/>
-          <p:cNvSpPr>
-            <a:spLocks noGrp="1"/>
-          </p:cNvSpPr>
-          <p:nvPr>
-            <p:ph idx="1"/>
-          </p:nvPr>
-        </p:nvSpPr>
-        <p:spPr/>
-        <p:txBody>
-          <a:bodyPr>
-            <a:normAutofit fontScale="55000" lnSpcReduction="20000"/>
-          </a:bodyPr>
-          <a:lstStyle/>
-          <a:p>
-            <a:r>
-              <a:rPr lang="en-US" dirty="0" smtClean="0"/>
-              <a:t>Articles</a:t>
-            </a:r>
-          </a:p>
-          <a:p>
-            <a:pPr lvl="1"/>
-            <a:r>
-              <a:rPr lang="en-US" dirty="0" smtClean="0"/>
-              <a:t>The Performance of the T-SQL </a:t>
-            </a:r>
-            <a:r>
-              <a:rPr lang="en-US" dirty="0"/>
-              <a:t>Window Functions - </a:t>
-            </a:r>
-            <a:r>
-              <a:rPr lang="en-US" dirty="0">
-                <a:hlinkClick r:id="rId2"/>
-              </a:rPr>
-              <a:t>https://www.simple-talk.com/sql/t-sql-programming/the-performance-of-the-t-sql-window-functions</a:t>
-            </a:r>
-            <a:r>
-              <a:rPr lang="en-US" dirty="0" smtClean="0">
-                <a:hlinkClick r:id="rId2"/>
-              </a:rPr>
-              <a:t>/</a:t>
-            </a:r>
-            <a:endParaRPr lang="en-US" dirty="0" smtClean="0"/>
-          </a:p>
-          <a:p>
-            <a:pPr lvl="1"/>
-            <a:r>
-              <a:rPr lang="en-US" dirty="0" smtClean="0"/>
-              <a:t>Window </a:t>
-            </a:r>
-            <a:r>
-              <a:rPr lang="en-US" dirty="0"/>
-              <a:t>Functions in SQL - </a:t>
-            </a:r>
-            <a:r>
-              <a:rPr lang="en-US" dirty="0">
-                <a:hlinkClick r:id="rId3"/>
-              </a:rPr>
-              <a:t>https://www.simple-talk.com/sql/t-sql-programming/window-functions-in-sql</a:t>
-            </a:r>
-            <a:r>
-              <a:rPr lang="en-US" dirty="0" smtClean="0">
-                <a:hlinkClick r:id="rId3"/>
-              </a:rPr>
-              <a:t>/</a:t>
-            </a:r>
-            <a:endParaRPr lang="en-US" dirty="0" smtClean="0"/>
-          </a:p>
-          <a:p>
-            <a:pPr lvl="1"/>
-            <a:r>
-              <a:rPr lang="en-US" dirty="0" smtClean="0"/>
-              <a:t>SQL Server 2012 </a:t>
-            </a:r>
-            <a:r>
-              <a:rPr lang="en-US" dirty="0"/>
-              <a:t>Window Function Basics - </a:t>
-            </a:r>
-            <a:r>
-              <a:rPr lang="en-US" dirty="0">
-                <a:hlinkClick r:id="rId4"/>
-              </a:rPr>
-              <a:t>https://www.simple-talk.com/sql/t-sql-programming/sql-server-2012-window-function-basics</a:t>
-            </a:r>
-            <a:r>
-              <a:rPr lang="en-US" dirty="0" smtClean="0">
-                <a:hlinkClick r:id="rId4"/>
-              </a:rPr>
-              <a:t>/</a:t>
-            </a:r>
-            <a:endParaRPr lang="en-US" dirty="0" smtClean="0"/>
-          </a:p>
-          <a:p>
-            <a:pPr lvl="1"/>
-            <a:r>
-              <a:rPr lang="en-US" dirty="0" smtClean="0"/>
-              <a:t>Working with Window Functions in </a:t>
-            </a:r>
-            <a:r>
-              <a:rPr lang="en-US" dirty="0"/>
-              <a:t>SQL Server - https://www.simple-talk.com/sql/learn-sql-server/working-with-window-functions-in-sql-server/</a:t>
-            </a:r>
-            <a:endParaRPr lang="en-US" dirty="0" smtClean="0"/>
-          </a:p>
-          <a:p>
-            <a:pPr lvl="1"/>
-            <a:endParaRPr lang="en-US" dirty="0" smtClean="0"/>
-          </a:p>
-          <a:p>
-            <a:r>
-              <a:rPr lang="en-US" dirty="0" smtClean="0"/>
-              <a:t>Videos</a:t>
-            </a:r>
-          </a:p>
-          <a:p>
-            <a:pPr lvl="1"/>
-            <a:r>
-              <a:rPr lang="en-US" dirty="0" smtClean="0"/>
-              <a:t>T-SQL Power! SQL Server </a:t>
-            </a:r>
-            <a:r>
-              <a:rPr lang="en-US" dirty="0"/>
-              <a:t>Windows That Open Doors - </a:t>
-            </a:r>
-            <a:r>
-              <a:rPr lang="en-US" dirty="0">
-                <a:hlinkClick r:id="rId5"/>
-              </a:rPr>
-              <a:t>https://</a:t>
-            </a:r>
-            <a:r>
-              <a:rPr lang="en-US" dirty="0" smtClean="0">
-                <a:hlinkClick r:id="rId5"/>
-              </a:rPr>
-              <a:t>www.youtube.com/watch?v=YK-ufNpMeLU</a:t>
-            </a:r>
-            <a:endParaRPr lang="en-US" dirty="0" smtClean="0"/>
-          </a:p>
-          <a:p>
-            <a:pPr lvl="1"/>
-            <a:r>
-              <a:rPr lang="en-US" dirty="0" smtClean="0"/>
-              <a:t>Building Your T-SQL Toolkit: Window </a:t>
-            </a:r>
-            <a:r>
-              <a:rPr lang="en-US" dirty="0"/>
-              <a:t>function Fundamentals - </a:t>
-            </a:r>
-            <a:r>
-              <a:rPr lang="en-US" dirty="0">
-                <a:hlinkClick r:id="rId6"/>
-              </a:rPr>
-              <a:t>http://</a:t>
-            </a:r>
-            <a:r>
-              <a:rPr lang="en-US" dirty="0" smtClean="0">
-                <a:hlinkClick r:id="rId6"/>
-              </a:rPr>
-              <a:t>www.sqlbits.com/Sessions/Event12/Building_Your_T-SQL_Tool_Kit_Window_Function_Fundamentals</a:t>
-            </a:r>
-            <a:endParaRPr lang="en-US" dirty="0" smtClean="0"/>
-          </a:p>
-          <a:p>
-            <a:pPr lvl="1"/>
-            <a:r>
-              <a:rPr lang="en-US" dirty="0" smtClean="0"/>
-              <a:t>Using Window Functions to Solve Common </a:t>
-            </a:r>
-            <a:r>
-              <a:rPr lang="en-US" dirty="0"/>
-              <a:t>T-SQL Challenges - http://channel9.msdn.com/Events/TechEd/NewZealand/TechEd-New-Zealand-2012/DBI309</a:t>
-            </a:r>
-            <a:endParaRPr lang="en-US" dirty="0" smtClean="0"/>
-          </a:p>
-          <a:p>
-            <a:endParaRPr lang="en-US" dirty="0"/>
-          </a:p>
-        </p:txBody>
-      </p:sp>
-    </p:spTree>
-    <p:extLst>
-      <p:ext uri="{BB962C8B-B14F-4D97-AF65-F5344CB8AC3E}">
-        <p14:creationId xmlns:p14="http://schemas.microsoft.com/office/powerpoint/2010/main" val="2650404453"/>
-      </p:ext>
-    </p:extLst>
-  </p:cSld>
-  <p:clrMapOvr>
-    <a:masterClrMapping/>
-  </p:clrMapOvr>
-  <p:timing>
-    <p:tnLst>
-      <p:par>
-        <p:cTn id="1" dur="indefinite" restart="never" nodeType="tmRoot"/>
-      </p:par>
-    </p:tnLst>
-  </p:timing>
-</p:sld>
-</file>
-
 <file path=ppt/slides/slide3.xml><?xml version="1.0" encoding="utf-8"?>
 <p:sld xmlns:a="http://schemas.openxmlformats.org/drawingml/2006/main" xmlns:r="http://schemas.openxmlformats.org/officeDocument/2006/relationships" xmlns:p="http://schemas.openxmlformats.org/presentationml/2006/main">
   <p:cSld>
@@ -12028,6 +13979,247 @@
     <p:extLst>
       <p:ext uri="{BB962C8B-B14F-4D97-AF65-F5344CB8AC3E}">
         <p14:creationId xmlns:p14="http://schemas.microsoft.com/office/powerpoint/2010/main" val="1579214034"/>
+      </p:ext>
+    </p:extLst>
+  </p:cSld>
+  <p:clrMapOvr>
+    <a:masterClrMapping/>
+  </p:clrMapOvr>
+  <p:timing>
+    <p:tnLst>
+      <p:par>
+        <p:cTn id="1" dur="indefinite" restart="never" nodeType="tmRoot"/>
+      </p:par>
+    </p:tnLst>
+  </p:timing>
+</p:sld>
+</file>
+
+<file path=ppt/slides/slide30.xml><?xml version="1.0" encoding="utf-8"?>
+<p:sld xmlns:a="http://schemas.openxmlformats.org/drawingml/2006/main" xmlns:r="http://schemas.openxmlformats.org/officeDocument/2006/relationships" xmlns:p="http://schemas.openxmlformats.org/presentationml/2006/main">
+  <p:cSld>
+    <p:spTree>
+      <p:nvGrpSpPr>
+        <p:cNvPr id="1" name=""/>
+        <p:cNvGrpSpPr/>
+        <p:nvPr/>
+      </p:nvGrpSpPr>
+      <p:grpSpPr>
+        <a:xfrm>
+          <a:off x="0" y="0"/>
+          <a:ext cx="0" cy="0"/>
+          <a:chOff x="0" y="0"/>
+          <a:chExt cx="0" cy="0"/>
+        </a:xfrm>
+      </p:grpSpPr>
+      <p:sp>
+        <p:nvSpPr>
+          <p:cNvPr id="2" name="Title 1"/>
+          <p:cNvSpPr>
+            <a:spLocks noGrp="1"/>
+          </p:cNvSpPr>
+          <p:nvPr>
+            <p:ph type="title"/>
+          </p:nvPr>
+        </p:nvSpPr>
+        <p:spPr/>
+        <p:txBody>
+          <a:bodyPr/>
+          <a:lstStyle/>
+          <a:p>
+            <a:r>
+              <a:rPr lang="en-US" dirty="0" smtClean="0"/>
+              <a:t>References</a:t>
+            </a:r>
+            <a:endParaRPr lang="en-US" dirty="0"/>
+          </a:p>
+        </p:txBody>
+      </p:sp>
+      <p:sp>
+        <p:nvSpPr>
+          <p:cNvPr id="3" name="Content Placeholder 2"/>
+          <p:cNvSpPr>
+            <a:spLocks noGrp="1"/>
+          </p:cNvSpPr>
+          <p:nvPr>
+            <p:ph idx="1"/>
+          </p:nvPr>
+        </p:nvSpPr>
+        <p:spPr/>
+        <p:txBody>
+          <a:bodyPr>
+            <a:normAutofit fontScale="55000" lnSpcReduction="20000"/>
+          </a:bodyPr>
+          <a:lstStyle/>
+          <a:p>
+            <a:r>
+              <a:rPr lang="en-US" dirty="0" smtClean="0"/>
+              <a:t>Articles</a:t>
+            </a:r>
+          </a:p>
+          <a:p>
+            <a:pPr lvl="1"/>
+            <a:r>
+              <a:rPr lang="en-US" dirty="0" smtClean="0"/>
+              <a:t>The Performance of the T-SQL </a:t>
+            </a:r>
+            <a:r>
+              <a:rPr lang="en-US" dirty="0"/>
+              <a:t>Window Functions - </a:t>
+            </a:r>
+            <a:r>
+              <a:rPr lang="en-US" dirty="0">
+                <a:hlinkClick r:id="rId2"/>
+              </a:rPr>
+              <a:t>https://www.simple-talk.com/sql/t-sql-programming/the-performance-of-the-t-sql-window-functions</a:t>
+            </a:r>
+            <a:r>
+              <a:rPr lang="en-US" dirty="0" smtClean="0">
+                <a:hlinkClick r:id="rId2"/>
+              </a:rPr>
+              <a:t>/</a:t>
+            </a:r>
+            <a:endParaRPr lang="en-US" dirty="0" smtClean="0"/>
+          </a:p>
+          <a:p>
+            <a:pPr lvl="1"/>
+            <a:r>
+              <a:rPr lang="en-US" dirty="0" smtClean="0"/>
+              <a:t>Window </a:t>
+            </a:r>
+            <a:r>
+              <a:rPr lang="en-US" dirty="0"/>
+              <a:t>Functions in SQL - </a:t>
+            </a:r>
+            <a:r>
+              <a:rPr lang="en-US" dirty="0">
+                <a:hlinkClick r:id="rId3"/>
+              </a:rPr>
+              <a:t>https://www.simple-talk.com/sql/t-sql-programming/window-functions-in-sql</a:t>
+            </a:r>
+            <a:r>
+              <a:rPr lang="en-US" dirty="0" smtClean="0">
+                <a:hlinkClick r:id="rId3"/>
+              </a:rPr>
+              <a:t>/</a:t>
+            </a:r>
+            <a:endParaRPr lang="en-US" dirty="0" smtClean="0"/>
+          </a:p>
+          <a:p>
+            <a:pPr lvl="1"/>
+            <a:r>
+              <a:rPr lang="en-US" dirty="0" smtClean="0"/>
+              <a:t>SQL Server 2012 </a:t>
+            </a:r>
+            <a:r>
+              <a:rPr lang="en-US" dirty="0"/>
+              <a:t>Window Function Basics - </a:t>
+            </a:r>
+            <a:r>
+              <a:rPr lang="en-US" dirty="0">
+                <a:hlinkClick r:id="rId4"/>
+              </a:rPr>
+              <a:t>https://www.simple-talk.com/sql/t-sql-programming/sql-server-2012-window-function-basics</a:t>
+            </a:r>
+            <a:r>
+              <a:rPr lang="en-US" dirty="0" smtClean="0">
+                <a:hlinkClick r:id="rId4"/>
+              </a:rPr>
+              <a:t>/</a:t>
+            </a:r>
+            <a:endParaRPr lang="en-US" dirty="0" smtClean="0"/>
+          </a:p>
+          <a:p>
+            <a:pPr lvl="1"/>
+            <a:r>
+              <a:rPr lang="en-US" dirty="0" smtClean="0"/>
+              <a:t>Working with Window Functions in </a:t>
+            </a:r>
+            <a:r>
+              <a:rPr lang="en-US" dirty="0"/>
+              <a:t>SQL Server - https://www.simple-talk.com/sql/learn-sql-server/working-with-window-functions-in-sql-server/</a:t>
+            </a:r>
+            <a:endParaRPr lang="en-US" dirty="0" smtClean="0"/>
+          </a:p>
+          <a:p>
+            <a:pPr lvl="1"/>
+            <a:endParaRPr lang="en-US" dirty="0" smtClean="0"/>
+          </a:p>
+          <a:p>
+            <a:r>
+              <a:rPr lang="en-US" dirty="0" smtClean="0"/>
+              <a:t>Videos</a:t>
+            </a:r>
+          </a:p>
+          <a:p>
+            <a:pPr lvl="1"/>
+            <a:r>
+              <a:rPr lang="en-US" dirty="0" smtClean="0"/>
+              <a:t>T-SQL Power! SQL Server </a:t>
+            </a:r>
+            <a:r>
+              <a:rPr lang="en-US" dirty="0"/>
+              <a:t>Windows That Open Doors - </a:t>
+            </a:r>
+            <a:r>
+              <a:rPr lang="en-US" dirty="0">
+                <a:hlinkClick r:id="rId5"/>
+              </a:rPr>
+              <a:t>https://</a:t>
+            </a:r>
+            <a:r>
+              <a:rPr lang="en-US" dirty="0" smtClean="0">
+                <a:hlinkClick r:id="rId5"/>
+              </a:rPr>
+              <a:t>www.youtube.com/watch?v=YK-ufNpMeLU</a:t>
+            </a:r>
+            <a:endParaRPr lang="en-US" dirty="0" smtClean="0"/>
+          </a:p>
+          <a:p>
+            <a:pPr lvl="1"/>
+            <a:r>
+              <a:rPr lang="en-US" dirty="0" smtClean="0"/>
+              <a:t>Building Your T-SQL Toolkit: Window </a:t>
+            </a:r>
+            <a:r>
+              <a:rPr lang="en-US" dirty="0"/>
+              <a:t>function Fundamentals - </a:t>
+            </a:r>
+            <a:r>
+              <a:rPr lang="en-US" dirty="0">
+                <a:hlinkClick r:id="rId6"/>
+              </a:rPr>
+              <a:t>http://</a:t>
+            </a:r>
+            <a:r>
+              <a:rPr lang="en-US" dirty="0" smtClean="0">
+                <a:hlinkClick r:id="rId6"/>
+              </a:rPr>
+              <a:t>www.sqlbits.com/Sessions/Event12/Building_Your_T-SQL_Tool_Kit_Window_Function_Fundamentals</a:t>
+            </a:r>
+            <a:endParaRPr lang="en-US" dirty="0" smtClean="0"/>
+          </a:p>
+          <a:p>
+            <a:pPr lvl="1"/>
+            <a:r>
+              <a:rPr lang="en-US" dirty="0" smtClean="0"/>
+              <a:t>Using Window Functions to Solve Common </a:t>
+            </a:r>
+            <a:r>
+              <a:rPr lang="en-US" dirty="0"/>
+              <a:t>T-SQL Challenges - http://channel9.msdn.com/Events/TechEd/NewZealand/TechEd-New-Zealand-2012/DBI309</a:t>
+            </a:r>
+            <a:endParaRPr lang="en-US" dirty="0" smtClean="0"/>
+          </a:p>
+          <a:p>
+            <a:endParaRPr lang="en-US" dirty="0"/>
+          </a:p>
+        </p:txBody>
+      </p:sp>
+    </p:spTree>
+    <p:extLst>
+      <p:ext uri="{BB962C8B-B14F-4D97-AF65-F5344CB8AC3E}">
+        <p14:creationId xmlns:p14="http://schemas.microsoft.com/office/powerpoint/2010/main" val="2650404453"/>
       </p:ext>
     </p:extLst>
   </p:cSld>

--- a/Presentation/BranchMergeDBCode.pptx
+++ b/Presentation/BranchMergeDBCode.pptx
@@ -241,7 +241,7 @@
           <a:p>
             <a:fld id="{F2F907C9-8666-45EC-BDB3-62480554DCC1}" type="datetimeFigureOut">
               <a:rPr lang="en-US" smtClean="0"/>
-              <a:t>8/24/2015</a:t>
+              <a:t>8/25/2015</a:t>
             </a:fld>
             <a:endParaRPr lang="en-US"/>
           </a:p>
@@ -3605,7 +3605,7 @@
             <a:fld id="{1D8BD707-D9CF-40AE-B4C6-C98DA3205C09}" type="datetimeFigureOut">
               <a:rPr lang="en-US" smtClean="0"/>
               <a:pPr/>
-              <a:t>8/24/2015</a:t>
+              <a:t>8/25/2015</a:t>
             </a:fld>
             <a:endParaRPr lang="en-US"/>
           </a:p>

--- a/Presentation/BranchMergeDBCode.pptx
+++ b/Presentation/BranchMergeDBCode.pptx
@@ -9,7 +9,7 @@
     <p:sldMasterId id="2147483695" r:id="rId5"/>
   </p:sldMasterIdLst>
   <p:notesMasterIdLst>
-    <p:notesMasterId r:id="rId36"/>
+    <p:notesMasterId r:id="rId37"/>
   </p:notesMasterIdLst>
   <p:sldIdLst>
     <p:sldId id="256" r:id="rId6"/>
@@ -33,15 +33,16 @@
     <p:sldId id="310" r:id="rId24"/>
     <p:sldId id="311" r:id="rId25"/>
     <p:sldId id="301" r:id="rId26"/>
-    <p:sldId id="315" r:id="rId27"/>
-    <p:sldId id="316" r:id="rId28"/>
-    <p:sldId id="308" r:id="rId29"/>
-    <p:sldId id="317" r:id="rId30"/>
-    <p:sldId id="309" r:id="rId31"/>
-    <p:sldId id="307" r:id="rId32"/>
-    <p:sldId id="318" r:id="rId33"/>
-    <p:sldId id="260" r:id="rId34"/>
-    <p:sldId id="261" r:id="rId35"/>
+    <p:sldId id="319" r:id="rId27"/>
+    <p:sldId id="315" r:id="rId28"/>
+    <p:sldId id="316" r:id="rId29"/>
+    <p:sldId id="308" r:id="rId30"/>
+    <p:sldId id="317" r:id="rId31"/>
+    <p:sldId id="309" r:id="rId32"/>
+    <p:sldId id="307" r:id="rId33"/>
+    <p:sldId id="318" r:id="rId34"/>
+    <p:sldId id="260" r:id="rId35"/>
+    <p:sldId id="261" r:id="rId36"/>
   </p:sldIdLst>
   <p:sldSz cx="9144000" cy="6858000" type="screen4x3"/>
   <p:notesSz cx="6858000" cy="9144000"/>
@@ -241,7 +242,7 @@
           <a:p>
             <a:fld id="{F2F907C9-8666-45EC-BDB3-62480554DCC1}" type="datetimeFigureOut">
               <a:rPr lang="en-US" smtClean="0"/>
-              <a:t>8/25/2015</a:t>
+              <a:t>9/1/2015</a:t>
             </a:fld>
             <a:endParaRPr lang="en-US"/>
           </a:p>
@@ -1305,7 +1306,7 @@
           <a:p>
             <a:fld id="{E332A5C1-A9B8-4707-ACEF-98CB367ABD38}" type="slidenum">
               <a:rPr lang="en-US" smtClean="0"/>
-              <a:t>24</a:t>
+              <a:t>25</a:t>
             </a:fld>
             <a:endParaRPr lang="en-US"/>
           </a:p>
@@ -1405,7 +1406,7 @@
           <a:p>
             <a:fld id="{E332A5C1-A9B8-4707-ACEF-98CB367ABD38}" type="slidenum">
               <a:rPr lang="en-US" smtClean="0"/>
-              <a:t>26</a:t>
+              <a:t>27</a:t>
             </a:fld>
             <a:endParaRPr lang="en-US"/>
           </a:p>
@@ -3605,7 +3606,7 @@
             <a:fld id="{1D8BD707-D9CF-40AE-B4C6-C98DA3205C09}" type="datetimeFigureOut">
               <a:rPr lang="en-US" smtClean="0"/>
               <a:pPr/>
-              <a:t>8/25/2015</a:t>
+              <a:t>9/1/2015</a:t>
             </a:fld>
             <a:endParaRPr lang="en-US"/>
           </a:p>
@@ -10811,72 +10812,6 @@
       </p:grpSpPr>
       <p:sp>
         <p:nvSpPr>
-          <p:cNvPr id="5" name="Title 4"/>
-          <p:cNvSpPr>
-            <a:spLocks noGrp="1"/>
-          </p:cNvSpPr>
-          <p:nvPr>
-            <p:ph type="title"/>
-          </p:nvPr>
-        </p:nvSpPr>
-        <p:spPr/>
-        <p:txBody>
-          <a:bodyPr/>
-          <a:lstStyle/>
-          <a:p>
-            <a:r>
-              <a:rPr lang="en-US" dirty="0" smtClean="0"/>
-              <a:t>Merging</a:t>
-            </a:r>
-            <a:endParaRPr lang="en-US" dirty="0"/>
-          </a:p>
-        </p:txBody>
-      </p:sp>
-      <p:sp>
-        <p:nvSpPr>
-          <p:cNvPr id="6" name="Content Placeholder 5"/>
-          <p:cNvSpPr>
-            <a:spLocks noGrp="1"/>
-          </p:cNvSpPr>
-          <p:nvPr>
-            <p:ph idx="1"/>
-          </p:nvPr>
-        </p:nvSpPr>
-        <p:spPr/>
-        <p:txBody>
-          <a:bodyPr anchor="t"/>
-          <a:lstStyle/>
-          <a:p>
-            <a:r>
-              <a:rPr lang="en-US" dirty="0" smtClean="0"/>
-              <a:t>Merges are a way to combine code from two developers</a:t>
-            </a:r>
-          </a:p>
-          <a:p>
-            <a:r>
-              <a:rPr lang="en-US" dirty="0" smtClean="0"/>
-              <a:t>Two cases for databases</a:t>
-            </a:r>
-          </a:p>
-          <a:p>
-            <a:pPr lvl="1"/>
-            <a:r>
-              <a:rPr lang="en-US" dirty="0" smtClean="0"/>
-              <a:t>Table code</a:t>
-            </a:r>
-          </a:p>
-          <a:p>
-            <a:pPr lvl="1"/>
-            <a:r>
-              <a:rPr lang="en-US" dirty="0" smtClean="0"/>
-              <a:t>All other schema objects</a:t>
-            </a:r>
-            <a:endParaRPr lang="en-US" dirty="0"/>
-          </a:p>
-        </p:txBody>
-      </p:sp>
-      <p:sp>
-        <p:nvSpPr>
           <p:cNvPr id="4" name="Footer Placeholder 3"/>
           <p:cNvSpPr>
             <a:spLocks noGrp="1"/>
@@ -10901,10 +10836,460 @@
           </a:p>
         </p:txBody>
       </p:sp>
+      <p:sp>
+        <p:nvSpPr>
+          <p:cNvPr id="5" name="Oval 4"/>
+          <p:cNvSpPr/>
+          <p:nvPr/>
+        </p:nvSpPr>
+        <p:spPr>
+          <a:xfrm>
+            <a:off x="1253836" y="1204409"/>
+            <a:ext cx="2057400" cy="1066800"/>
+          </a:xfrm>
+          <a:prstGeom prst="ellipse">
+            <a:avLst/>
+          </a:prstGeom>
+        </p:spPr>
+        <p:style>
+          <a:lnRef idx="1">
+            <a:schemeClr val="accent1"/>
+          </a:lnRef>
+          <a:fillRef idx="3">
+            <a:schemeClr val="accent1"/>
+          </a:fillRef>
+          <a:effectRef idx="2">
+            <a:schemeClr val="accent1"/>
+          </a:effectRef>
+          <a:fontRef idx="minor">
+            <a:schemeClr val="lt1"/>
+          </a:fontRef>
+        </p:style>
+        <p:txBody>
+          <a:bodyPr rtlCol="0" anchor="ctr"/>
+          <a:lstStyle/>
+          <a:p>
+            <a:pPr algn="ctr"/>
+            <a:r>
+              <a:rPr lang="en-US" dirty="0" smtClean="0">
+                <a:solidFill>
+                  <a:srgbClr val="FF0000"/>
+                </a:solidFill>
+              </a:rPr>
+              <a:t>Branch DB</a:t>
+            </a:r>
+            <a:endParaRPr lang="en-US" dirty="0">
+              <a:solidFill>
+                <a:srgbClr val="FF0000"/>
+              </a:solidFill>
+            </a:endParaRPr>
+          </a:p>
+        </p:txBody>
+      </p:sp>
+      <p:sp>
+        <p:nvSpPr>
+          <p:cNvPr id="6" name="Rounded Rectangle 5"/>
+          <p:cNvSpPr/>
+          <p:nvPr/>
+        </p:nvSpPr>
+        <p:spPr>
+          <a:xfrm>
+            <a:off x="5708073" y="881912"/>
+            <a:ext cx="1905000" cy="1905000"/>
+          </a:xfrm>
+          <a:prstGeom prst="roundRect">
+            <a:avLst/>
+          </a:prstGeom>
+        </p:spPr>
+        <p:style>
+          <a:lnRef idx="1">
+            <a:schemeClr val="accent1"/>
+          </a:lnRef>
+          <a:fillRef idx="3">
+            <a:schemeClr val="accent1"/>
+          </a:fillRef>
+          <a:effectRef idx="2">
+            <a:schemeClr val="accent1"/>
+          </a:effectRef>
+          <a:fontRef idx="minor">
+            <a:schemeClr val="lt1"/>
+          </a:fontRef>
+        </p:style>
+        <p:txBody>
+          <a:bodyPr rtlCol="0" anchor="ctr"/>
+          <a:lstStyle/>
+          <a:p>
+            <a:pPr algn="ctr"/>
+            <a:r>
+              <a:rPr lang="en-US" dirty="0" smtClean="0">
+                <a:solidFill>
+                  <a:srgbClr val="FF0000"/>
+                </a:solidFill>
+              </a:rPr>
+              <a:t>VCS Branch</a:t>
+            </a:r>
+            <a:endParaRPr lang="en-US" dirty="0">
+              <a:solidFill>
+                <a:srgbClr val="FF0000"/>
+              </a:solidFill>
+            </a:endParaRPr>
+          </a:p>
+        </p:txBody>
+      </p:sp>
+      <p:sp>
+        <p:nvSpPr>
+          <p:cNvPr id="7" name="Left-Right Arrow 6"/>
+          <p:cNvSpPr/>
+          <p:nvPr/>
+        </p:nvSpPr>
+        <p:spPr>
+          <a:xfrm>
+            <a:off x="3604140" y="1444990"/>
+            <a:ext cx="1753022" cy="486783"/>
+          </a:xfrm>
+          <a:prstGeom prst="leftRightArrow">
+            <a:avLst/>
+          </a:prstGeom>
+        </p:spPr>
+        <p:style>
+          <a:lnRef idx="1">
+            <a:schemeClr val="accent1"/>
+          </a:lnRef>
+          <a:fillRef idx="3">
+            <a:schemeClr val="accent1"/>
+          </a:fillRef>
+          <a:effectRef idx="2">
+            <a:schemeClr val="accent1"/>
+          </a:effectRef>
+          <a:fontRef idx="minor">
+            <a:schemeClr val="lt1"/>
+          </a:fontRef>
+        </p:style>
+        <p:txBody>
+          <a:bodyPr rtlCol="0" anchor="ctr"/>
+          <a:lstStyle/>
+          <a:p>
+            <a:pPr algn="ctr"/>
+            <a:endParaRPr lang="en-US"/>
+          </a:p>
+        </p:txBody>
+      </p:sp>
+      <p:sp>
+        <p:nvSpPr>
+          <p:cNvPr id="8" name="Oval 7"/>
+          <p:cNvSpPr/>
+          <p:nvPr/>
+        </p:nvSpPr>
+        <p:spPr>
+          <a:xfrm>
+            <a:off x="1219200" y="4436929"/>
+            <a:ext cx="2057400" cy="1066800"/>
+          </a:xfrm>
+          <a:prstGeom prst="ellipse">
+            <a:avLst/>
+          </a:prstGeom>
+        </p:spPr>
+        <p:style>
+          <a:lnRef idx="1">
+            <a:schemeClr val="accent1"/>
+          </a:lnRef>
+          <a:fillRef idx="3">
+            <a:schemeClr val="accent1"/>
+          </a:fillRef>
+          <a:effectRef idx="2">
+            <a:schemeClr val="accent1"/>
+          </a:effectRef>
+          <a:fontRef idx="minor">
+            <a:schemeClr val="lt1"/>
+          </a:fontRef>
+        </p:style>
+        <p:txBody>
+          <a:bodyPr rtlCol="0" anchor="ctr"/>
+          <a:lstStyle/>
+          <a:p>
+            <a:pPr algn="ctr"/>
+            <a:r>
+              <a:rPr lang="en-US" dirty="0" smtClean="0">
+                <a:solidFill>
+                  <a:srgbClr val="FF0000"/>
+                </a:solidFill>
+              </a:rPr>
+              <a:t>Trunk DB</a:t>
+            </a:r>
+            <a:endParaRPr lang="en-US" dirty="0">
+              <a:solidFill>
+                <a:srgbClr val="FF0000"/>
+              </a:solidFill>
+            </a:endParaRPr>
+          </a:p>
+        </p:txBody>
+      </p:sp>
+      <p:sp>
+        <p:nvSpPr>
+          <p:cNvPr id="9" name="Rounded Rectangle 8"/>
+          <p:cNvSpPr/>
+          <p:nvPr/>
+        </p:nvSpPr>
+        <p:spPr>
+          <a:xfrm>
+            <a:off x="5708073" y="4011281"/>
+            <a:ext cx="1905000" cy="1905000"/>
+          </a:xfrm>
+          <a:prstGeom prst="roundRect">
+            <a:avLst/>
+          </a:prstGeom>
+        </p:spPr>
+        <p:style>
+          <a:lnRef idx="1">
+            <a:schemeClr val="accent1"/>
+          </a:lnRef>
+          <a:fillRef idx="3">
+            <a:schemeClr val="accent1"/>
+          </a:fillRef>
+          <a:effectRef idx="2">
+            <a:schemeClr val="accent1"/>
+          </a:effectRef>
+          <a:fontRef idx="minor">
+            <a:schemeClr val="lt1"/>
+          </a:fontRef>
+        </p:style>
+        <p:txBody>
+          <a:bodyPr rtlCol="0" anchor="ctr"/>
+          <a:lstStyle/>
+          <a:p>
+            <a:pPr algn="ctr"/>
+            <a:r>
+              <a:rPr lang="en-US" dirty="0" smtClean="0">
+                <a:solidFill>
+                  <a:srgbClr val="FF0000"/>
+                </a:solidFill>
+              </a:rPr>
+              <a:t>VCS Trunk</a:t>
+            </a:r>
+            <a:endParaRPr lang="en-US" dirty="0">
+              <a:solidFill>
+                <a:srgbClr val="FF0000"/>
+              </a:solidFill>
+            </a:endParaRPr>
+          </a:p>
+        </p:txBody>
+      </p:sp>
+      <p:sp>
+        <p:nvSpPr>
+          <p:cNvPr id="10" name="Left-Right Arrow 9"/>
+          <p:cNvSpPr/>
+          <p:nvPr/>
+        </p:nvSpPr>
+        <p:spPr>
+          <a:xfrm>
+            <a:off x="3615825" y="4963781"/>
+            <a:ext cx="1753022" cy="486783"/>
+          </a:xfrm>
+          <a:prstGeom prst="leftRightArrow">
+            <a:avLst/>
+          </a:prstGeom>
+        </p:spPr>
+        <p:style>
+          <a:lnRef idx="1">
+            <a:schemeClr val="accent1"/>
+          </a:lnRef>
+          <a:fillRef idx="3">
+            <a:schemeClr val="accent1"/>
+          </a:fillRef>
+          <a:effectRef idx="2">
+            <a:schemeClr val="accent1"/>
+          </a:effectRef>
+          <a:fontRef idx="minor">
+            <a:schemeClr val="lt1"/>
+          </a:fontRef>
+        </p:style>
+        <p:txBody>
+          <a:bodyPr rtlCol="0" anchor="ctr"/>
+          <a:lstStyle/>
+          <a:p>
+            <a:pPr algn="ctr"/>
+            <a:endParaRPr lang="en-US"/>
+          </a:p>
+        </p:txBody>
+      </p:sp>
+      <p:sp>
+        <p:nvSpPr>
+          <p:cNvPr id="11" name="Up-Down Arrow 10"/>
+          <p:cNvSpPr/>
+          <p:nvPr/>
+        </p:nvSpPr>
+        <p:spPr>
+          <a:xfrm>
+            <a:off x="6404192" y="2874994"/>
+            <a:ext cx="467663" cy="1136287"/>
+          </a:xfrm>
+          <a:prstGeom prst="upDownArrow">
+            <a:avLst/>
+          </a:prstGeom>
+        </p:spPr>
+        <p:style>
+          <a:lnRef idx="1">
+            <a:schemeClr val="accent1"/>
+          </a:lnRef>
+          <a:fillRef idx="3">
+            <a:schemeClr val="accent1"/>
+          </a:fillRef>
+          <a:effectRef idx="2">
+            <a:schemeClr val="accent1"/>
+          </a:effectRef>
+          <a:fontRef idx="minor">
+            <a:schemeClr val="lt1"/>
+          </a:fontRef>
+        </p:style>
+        <p:txBody>
+          <a:bodyPr rtlCol="0" anchor="ctr"/>
+          <a:lstStyle/>
+          <a:p>
+            <a:pPr algn="ctr"/>
+            <a:endParaRPr lang="en-US"/>
+          </a:p>
+        </p:txBody>
+      </p:sp>
+      <p:sp>
+        <p:nvSpPr>
+          <p:cNvPr id="12" name="TextBox 11"/>
+          <p:cNvSpPr txBox="1"/>
+          <p:nvPr/>
+        </p:nvSpPr>
+        <p:spPr>
+          <a:xfrm>
+            <a:off x="6871855" y="3383074"/>
+            <a:ext cx="990600" cy="369332"/>
+          </a:xfrm>
+          <a:prstGeom prst="rect">
+            <a:avLst/>
+          </a:prstGeom>
+          <a:noFill/>
+        </p:spPr>
+        <p:txBody>
+          <a:bodyPr wrap="square" rtlCol="0">
+            <a:spAutoFit/>
+          </a:bodyPr>
+          <a:lstStyle/>
+          <a:p>
+            <a:r>
+              <a:rPr lang="en-US" dirty="0" smtClean="0"/>
+              <a:t>Merge</a:t>
+            </a:r>
+            <a:endParaRPr lang="en-US" dirty="0"/>
+          </a:p>
+        </p:txBody>
+      </p:sp>
+      <p:sp>
+        <p:nvSpPr>
+          <p:cNvPr id="15" name="TextBox 14"/>
+          <p:cNvSpPr txBox="1"/>
+          <p:nvPr/>
+        </p:nvSpPr>
+        <p:spPr>
+          <a:xfrm>
+            <a:off x="277479" y="3198408"/>
+            <a:ext cx="1676400" cy="369332"/>
+          </a:xfrm>
+          <a:prstGeom prst="rect">
+            <a:avLst/>
+          </a:prstGeom>
+          <a:noFill/>
+        </p:spPr>
+        <p:txBody>
+          <a:bodyPr wrap="square" rtlCol="0">
+            <a:spAutoFit/>
+          </a:bodyPr>
+          <a:lstStyle/>
+          <a:p>
+            <a:r>
+              <a:rPr lang="en-US" dirty="0" smtClean="0"/>
+              <a:t>Developer</a:t>
+            </a:r>
+            <a:endParaRPr lang="en-US" dirty="0"/>
+          </a:p>
+        </p:txBody>
+      </p:sp>
+      <p:sp>
+        <p:nvSpPr>
+          <p:cNvPr id="16" name="Right Arrow 15"/>
+          <p:cNvSpPr/>
+          <p:nvPr/>
+        </p:nvSpPr>
+        <p:spPr>
+          <a:xfrm rot="18151600">
+            <a:off x="781592" y="2478507"/>
+            <a:ext cx="1033248" cy="471494"/>
+          </a:xfrm>
+          <a:prstGeom prst="rightArrow">
+            <a:avLst/>
+          </a:prstGeom>
+        </p:spPr>
+        <p:style>
+          <a:lnRef idx="1">
+            <a:schemeClr val="accent1"/>
+          </a:lnRef>
+          <a:fillRef idx="3">
+            <a:schemeClr val="accent1"/>
+          </a:fillRef>
+          <a:effectRef idx="2">
+            <a:schemeClr val="accent1"/>
+          </a:effectRef>
+          <a:fontRef idx="minor">
+            <a:schemeClr val="lt1"/>
+          </a:fontRef>
+        </p:style>
+        <p:txBody>
+          <a:bodyPr rtlCol="0" anchor="ctr"/>
+          <a:lstStyle/>
+          <a:p>
+            <a:pPr algn="ctr"/>
+            <a:endParaRPr lang="en-US"/>
+          </a:p>
+        </p:txBody>
+      </p:sp>
+      <p:sp>
+        <p:nvSpPr>
+          <p:cNvPr id="17" name="Right Arrow 16"/>
+          <p:cNvSpPr/>
+          <p:nvPr/>
+        </p:nvSpPr>
+        <p:spPr>
+          <a:xfrm rot="3490334">
+            <a:off x="599055" y="3929320"/>
+            <a:ext cx="1033248" cy="471494"/>
+          </a:xfrm>
+          <a:prstGeom prst="rightArrow">
+            <a:avLst/>
+          </a:prstGeom>
+        </p:spPr>
+        <p:style>
+          <a:lnRef idx="1">
+            <a:schemeClr val="accent1"/>
+          </a:lnRef>
+          <a:fillRef idx="3">
+            <a:schemeClr val="accent1"/>
+          </a:fillRef>
+          <a:effectRef idx="2">
+            <a:schemeClr val="accent1"/>
+          </a:effectRef>
+          <a:fontRef idx="minor">
+            <a:schemeClr val="lt1"/>
+          </a:fontRef>
+        </p:style>
+        <p:txBody>
+          <a:bodyPr rtlCol="0" anchor="ctr"/>
+          <a:lstStyle/>
+          <a:p>
+            <a:pPr algn="ctr"/>
+            <a:endParaRPr lang="en-US"/>
+          </a:p>
+        </p:txBody>
+      </p:sp>
     </p:spTree>
     <p:extLst>
       <p:ext uri="{BB962C8B-B14F-4D97-AF65-F5344CB8AC3E}">
-        <p14:creationId xmlns:p14="http://schemas.microsoft.com/office/powerpoint/2010/main" val="391799093"/>
+        <p14:creationId xmlns:p14="http://schemas.microsoft.com/office/powerpoint/2010/main" val="1648173520"/>
       </p:ext>
     </p:extLst>
   </p:cSld>
@@ -10948,7 +11333,7 @@
           <a:p>
             <a:r>
               <a:rPr lang="en-US" dirty="0" smtClean="0"/>
-              <a:t>Merging Table Schemas</a:t>
+              <a:t>Merging</a:t>
             </a:r>
             <a:endParaRPr lang="en-US" dirty="0"/>
           </a:p>
@@ -10971,27 +11356,27 @@
           <a:p>
             <a:r>
               <a:rPr lang="en-US" dirty="0" smtClean="0"/>
-              <a:t>Complex because the data must be preserved</a:t>
+              <a:t>Merges are a way to combine code from two developers</a:t>
+            </a:r>
+          </a:p>
+          <a:p>
+            <a:r>
+              <a:rPr lang="en-US" dirty="0" smtClean="0"/>
+              <a:t>Two cases for databases</a:t>
             </a:r>
           </a:p>
           <a:p>
             <a:pPr lvl="1"/>
             <a:r>
               <a:rPr lang="en-US" dirty="0" smtClean="0"/>
-              <a:t>May require data movement scripts</a:t>
+              <a:t>Table code</a:t>
             </a:r>
           </a:p>
           <a:p>
             <a:pPr lvl="1"/>
             <a:r>
               <a:rPr lang="en-US" dirty="0" smtClean="0"/>
-              <a:t>Often needs some manual intervention</a:t>
-            </a:r>
-          </a:p>
-          <a:p>
-            <a:r>
-              <a:rPr lang="en-US" dirty="0" smtClean="0"/>
-              <a:t>Made easier if the application logic doesn’t depend on column order</a:t>
+              <a:t>All other schema objects</a:t>
             </a:r>
             <a:endParaRPr lang="en-US" dirty="0"/>
           </a:p>
@@ -11026,7 +11411,7 @@
     </p:spTree>
     <p:extLst>
       <p:ext uri="{BB962C8B-B14F-4D97-AF65-F5344CB8AC3E}">
-        <p14:creationId xmlns:p14="http://schemas.microsoft.com/office/powerpoint/2010/main" val="2329894320"/>
+        <p14:creationId xmlns:p14="http://schemas.microsoft.com/office/powerpoint/2010/main" val="391799093"/>
       </p:ext>
     </p:extLst>
   </p:cSld>
@@ -11055,6 +11440,128 @@
       </p:grpSpPr>
       <p:sp>
         <p:nvSpPr>
+          <p:cNvPr id="5" name="Title 4"/>
+          <p:cNvSpPr>
+            <a:spLocks noGrp="1"/>
+          </p:cNvSpPr>
+          <p:nvPr>
+            <p:ph type="title"/>
+          </p:nvPr>
+        </p:nvSpPr>
+        <p:spPr/>
+        <p:txBody>
+          <a:bodyPr/>
+          <a:lstStyle/>
+          <a:p>
+            <a:r>
+              <a:rPr lang="en-US" dirty="0" smtClean="0"/>
+              <a:t>Merging Table Schemas</a:t>
+            </a:r>
+            <a:endParaRPr lang="en-US" dirty="0"/>
+          </a:p>
+        </p:txBody>
+      </p:sp>
+      <p:sp>
+        <p:nvSpPr>
+          <p:cNvPr id="6" name="Content Placeholder 5"/>
+          <p:cNvSpPr>
+            <a:spLocks noGrp="1"/>
+          </p:cNvSpPr>
+          <p:nvPr>
+            <p:ph idx="1"/>
+          </p:nvPr>
+        </p:nvSpPr>
+        <p:spPr/>
+        <p:txBody>
+          <a:bodyPr anchor="t"/>
+          <a:lstStyle/>
+          <a:p>
+            <a:r>
+              <a:rPr lang="en-US" dirty="0" smtClean="0"/>
+              <a:t>Complex because the data must be preserved</a:t>
+            </a:r>
+          </a:p>
+          <a:p>
+            <a:pPr lvl="1"/>
+            <a:r>
+              <a:rPr lang="en-US" dirty="0" smtClean="0"/>
+              <a:t>May require data movement scripts</a:t>
+            </a:r>
+          </a:p>
+          <a:p>
+            <a:pPr lvl="1"/>
+            <a:r>
+              <a:rPr lang="en-US" dirty="0" smtClean="0"/>
+              <a:t>Often needs some manual intervention</a:t>
+            </a:r>
+          </a:p>
+          <a:p>
+            <a:r>
+              <a:rPr lang="en-US" dirty="0" smtClean="0"/>
+              <a:t>Made easier if the application logic doesn’t depend on column order</a:t>
+            </a:r>
+            <a:endParaRPr lang="en-US" dirty="0"/>
+          </a:p>
+        </p:txBody>
+      </p:sp>
+      <p:sp>
+        <p:nvSpPr>
+          <p:cNvPr id="4" name="Footer Placeholder 3"/>
+          <p:cNvSpPr>
+            <a:spLocks noGrp="1"/>
+          </p:cNvSpPr>
+          <p:nvPr>
+            <p:ph type="ftr" sz="quarter" idx="10"/>
+          </p:nvPr>
+        </p:nvSpPr>
+        <p:spPr/>
+        <p:txBody>
+          <a:bodyPr/>
+          <a:lstStyle/>
+          <a:p>
+            <a:pPr>
+              <a:defRPr/>
+            </a:pPr>
+            <a:r>
+              <a:rPr lang="en-US" smtClean="0"/>
+              <a:t>#ITDEVCON</a:t>
+            </a:r>
+            <a:endParaRPr lang="en-US"/>
+          </a:p>
+        </p:txBody>
+      </p:sp>
+    </p:spTree>
+    <p:extLst>
+      <p:ext uri="{BB962C8B-B14F-4D97-AF65-F5344CB8AC3E}">
+        <p14:creationId xmlns:p14="http://schemas.microsoft.com/office/powerpoint/2010/main" val="2329894320"/>
+      </p:ext>
+    </p:extLst>
+  </p:cSld>
+  <p:clrMapOvr>
+    <a:masterClrMapping/>
+  </p:clrMapOvr>
+</p:sld>
+</file>
+
+<file path=ppt/slides/slide25.xml><?xml version="1.0" encoding="utf-8"?>
+<p:sld xmlns:a="http://schemas.openxmlformats.org/drawingml/2006/main" xmlns:r="http://schemas.openxmlformats.org/officeDocument/2006/relationships" xmlns:p="http://schemas.openxmlformats.org/presentationml/2006/main">
+  <p:cSld>
+    <p:spTree>
+      <p:nvGrpSpPr>
+        <p:cNvPr id="1" name=""/>
+        <p:cNvGrpSpPr/>
+        <p:nvPr/>
+      </p:nvGrpSpPr>
+      <p:grpSpPr>
+        <a:xfrm>
+          <a:off x="0" y="0"/>
+          <a:ext cx="0" cy="0"/>
+          <a:chOff x="0" y="0"/>
+          <a:chExt cx="0" cy="0"/>
+        </a:xfrm>
+      </p:grpSpPr>
+      <p:sp>
+        <p:nvSpPr>
           <p:cNvPr id="4" name="Title 3"/>
           <p:cNvSpPr>
             <a:spLocks noGrp="1"/>
@@ -11141,7 +11648,7 @@
 </p:sld>
 </file>
 
-<file path=ppt/slides/slide25.xml><?xml version="1.0" encoding="utf-8"?>
+<file path=ppt/slides/slide26.xml><?xml version="1.0" encoding="utf-8"?>
 <p:sld xmlns:a="http://schemas.openxmlformats.org/drawingml/2006/main" xmlns:r="http://schemas.openxmlformats.org/officeDocument/2006/relationships" xmlns:p="http://schemas.openxmlformats.org/presentationml/2006/main">
   <p:cSld>
     <p:spTree>
@@ -11273,7 +11780,7 @@
 </p:sld>
 </file>
 
-<file path=ppt/slides/slide26.xml><?xml version="1.0" encoding="utf-8"?>
+<file path=ppt/slides/slide27.xml><?xml version="1.0" encoding="utf-8"?>
 <p:sld xmlns:a="http://schemas.openxmlformats.org/drawingml/2006/main" xmlns:r="http://schemas.openxmlformats.org/officeDocument/2006/relationships" xmlns:p="http://schemas.openxmlformats.org/presentationml/2006/main">
   <p:cSld>
     <p:spTree>
@@ -11378,7 +11885,7 @@
 </p:sld>
 </file>
 
-<file path=ppt/slides/slide27.xml><?xml version="1.0" encoding="utf-8"?>
+<file path=ppt/slides/slide28.xml><?xml version="1.0" encoding="utf-8"?>
 <p:sld xmlns:a="http://schemas.openxmlformats.org/drawingml/2006/main" xmlns:r="http://schemas.openxmlformats.org/officeDocument/2006/relationships" xmlns:p="http://schemas.openxmlformats.org/presentationml/2006/main">
   <p:cSld>
     <p:spTree>
@@ -11472,7 +11979,7 @@
 </p:sld>
 </file>
 
-<file path=ppt/slides/slide28.xml><?xml version="1.0" encoding="utf-8"?>
+<file path=ppt/slides/slide29.xml><?xml version="1.0" encoding="utf-8"?>
 <p:sld xmlns:a="http://schemas.openxmlformats.org/drawingml/2006/main" xmlns:r="http://schemas.openxmlformats.org/officeDocument/2006/relationships" xmlns:p="http://schemas.openxmlformats.org/presentationml/2006/main">
   <p:cSld>
     <p:spTree>
@@ -13495,7 +14002,101 @@
 </p:sld>
 </file>
 
-<file path=ppt/slides/slide29.xml><?xml version="1.0" encoding="utf-8"?>
+<file path=ppt/slides/slide3.xml><?xml version="1.0" encoding="utf-8"?>
+<p:sld xmlns:a="http://schemas.openxmlformats.org/drawingml/2006/main" xmlns:r="http://schemas.openxmlformats.org/officeDocument/2006/relationships" xmlns:p="http://schemas.openxmlformats.org/presentationml/2006/main">
+  <p:cSld>
+    <p:spTree>
+      <p:nvGrpSpPr>
+        <p:cNvPr id="1" name=""/>
+        <p:cNvGrpSpPr/>
+        <p:nvPr/>
+      </p:nvGrpSpPr>
+      <p:grpSpPr>
+        <a:xfrm>
+          <a:off x="0" y="0"/>
+          <a:ext cx="0" cy="0"/>
+          <a:chOff x="0" y="0"/>
+          <a:chExt cx="0" cy="0"/>
+        </a:xfrm>
+      </p:grpSpPr>
+      <p:sp>
+        <p:nvSpPr>
+          <p:cNvPr id="2" name="Title 1"/>
+          <p:cNvSpPr>
+            <a:spLocks noGrp="1"/>
+          </p:cNvSpPr>
+          <p:nvPr>
+            <p:ph type="title"/>
+          </p:nvPr>
+        </p:nvSpPr>
+        <p:spPr/>
+        <p:txBody>
+          <a:bodyPr/>
+          <a:lstStyle/>
+          <a:p>
+            <a:r>
+              <a:rPr lang="en-US" dirty="0" smtClean="0"/>
+              <a:t>Goals</a:t>
+            </a:r>
+            <a:endParaRPr lang="en-US" dirty="0"/>
+          </a:p>
+        </p:txBody>
+      </p:sp>
+      <p:sp>
+        <p:nvSpPr>
+          <p:cNvPr id="3" name="Content Placeholder 2"/>
+          <p:cNvSpPr>
+            <a:spLocks noGrp="1"/>
+          </p:cNvSpPr>
+          <p:nvPr>
+            <p:ph idx="1"/>
+          </p:nvPr>
+        </p:nvSpPr>
+        <p:spPr/>
+        <p:txBody>
+          <a:bodyPr anchor="t"/>
+          <a:lstStyle/>
+          <a:p>
+            <a:r>
+              <a:rPr lang="en-US" dirty="0" smtClean="0"/>
+              <a:t>Learn types of branching database code in Version Control Systems</a:t>
+            </a:r>
+          </a:p>
+          <a:p>
+            <a:r>
+              <a:rPr lang="en-US" dirty="0" smtClean="0"/>
+              <a:t>Merges for table schema changes</a:t>
+            </a:r>
+          </a:p>
+          <a:p>
+            <a:r>
+              <a:rPr lang="en-US" dirty="0" smtClean="0"/>
+              <a:t>Merges for stored procedure code</a:t>
+            </a:r>
+          </a:p>
+        </p:txBody>
+      </p:sp>
+    </p:spTree>
+    <p:extLst>
+      <p:ext uri="{BB962C8B-B14F-4D97-AF65-F5344CB8AC3E}">
+        <p14:creationId xmlns:p14="http://schemas.microsoft.com/office/powerpoint/2010/main" val="1579214034"/>
+      </p:ext>
+    </p:extLst>
+  </p:cSld>
+  <p:clrMapOvr>
+    <a:masterClrMapping/>
+  </p:clrMapOvr>
+  <p:timing>
+    <p:tnLst>
+      <p:par>
+        <p:cTn id="1" dur="indefinite" restart="never" nodeType="tmRoot"/>
+      </p:par>
+    </p:tnLst>
+  </p:timing>
+</p:sld>
+</file>
+
+<file path=ppt/slides/slide30.xml><?xml version="1.0" encoding="utf-8"?>
 <p:sld xmlns:a="http://schemas.openxmlformats.org/drawingml/2006/main" xmlns:r="http://schemas.openxmlformats.org/officeDocument/2006/relationships" xmlns:p="http://schemas.openxmlformats.org/presentationml/2006/main">
   <p:cSld>
     <p:spTree>
@@ -13901,101 +14502,7 @@
 </p:sld>
 </file>
 
-<file path=ppt/slides/slide3.xml><?xml version="1.0" encoding="utf-8"?>
-<p:sld xmlns:a="http://schemas.openxmlformats.org/drawingml/2006/main" xmlns:r="http://schemas.openxmlformats.org/officeDocument/2006/relationships" xmlns:p="http://schemas.openxmlformats.org/presentationml/2006/main">
-  <p:cSld>
-    <p:spTree>
-      <p:nvGrpSpPr>
-        <p:cNvPr id="1" name=""/>
-        <p:cNvGrpSpPr/>
-        <p:nvPr/>
-      </p:nvGrpSpPr>
-      <p:grpSpPr>
-        <a:xfrm>
-          <a:off x="0" y="0"/>
-          <a:ext cx="0" cy="0"/>
-          <a:chOff x="0" y="0"/>
-          <a:chExt cx="0" cy="0"/>
-        </a:xfrm>
-      </p:grpSpPr>
-      <p:sp>
-        <p:nvSpPr>
-          <p:cNvPr id="2" name="Title 1"/>
-          <p:cNvSpPr>
-            <a:spLocks noGrp="1"/>
-          </p:cNvSpPr>
-          <p:nvPr>
-            <p:ph type="title"/>
-          </p:nvPr>
-        </p:nvSpPr>
-        <p:spPr/>
-        <p:txBody>
-          <a:bodyPr/>
-          <a:lstStyle/>
-          <a:p>
-            <a:r>
-              <a:rPr lang="en-US" dirty="0" smtClean="0"/>
-              <a:t>Goals</a:t>
-            </a:r>
-            <a:endParaRPr lang="en-US" dirty="0"/>
-          </a:p>
-        </p:txBody>
-      </p:sp>
-      <p:sp>
-        <p:nvSpPr>
-          <p:cNvPr id="3" name="Content Placeholder 2"/>
-          <p:cNvSpPr>
-            <a:spLocks noGrp="1"/>
-          </p:cNvSpPr>
-          <p:nvPr>
-            <p:ph idx="1"/>
-          </p:nvPr>
-        </p:nvSpPr>
-        <p:spPr/>
-        <p:txBody>
-          <a:bodyPr anchor="t"/>
-          <a:lstStyle/>
-          <a:p>
-            <a:r>
-              <a:rPr lang="en-US" dirty="0" smtClean="0"/>
-              <a:t>Learn types of branching database code in Version Control Systems</a:t>
-            </a:r>
-          </a:p>
-          <a:p>
-            <a:r>
-              <a:rPr lang="en-US" dirty="0" smtClean="0"/>
-              <a:t>Merges for table schema changes</a:t>
-            </a:r>
-          </a:p>
-          <a:p>
-            <a:r>
-              <a:rPr lang="en-US" dirty="0" smtClean="0"/>
-              <a:t>Merges for stored procedure code</a:t>
-            </a:r>
-          </a:p>
-        </p:txBody>
-      </p:sp>
-    </p:spTree>
-    <p:extLst>
-      <p:ext uri="{BB962C8B-B14F-4D97-AF65-F5344CB8AC3E}">
-        <p14:creationId xmlns:p14="http://schemas.microsoft.com/office/powerpoint/2010/main" val="1579214034"/>
-      </p:ext>
-    </p:extLst>
-  </p:cSld>
-  <p:clrMapOvr>
-    <a:masterClrMapping/>
-  </p:clrMapOvr>
-  <p:timing>
-    <p:tnLst>
-      <p:par>
-        <p:cTn id="1" dur="indefinite" restart="never" nodeType="tmRoot"/>
-      </p:par>
-    </p:tnLst>
-  </p:timing>
-</p:sld>
-</file>
-
-<file path=ppt/slides/slide30.xml><?xml version="1.0" encoding="utf-8"?>
+<file path=ppt/slides/slide31.xml><?xml version="1.0" encoding="utf-8"?>
 <p:sld xmlns:a="http://schemas.openxmlformats.org/drawingml/2006/main" xmlns:r="http://schemas.openxmlformats.org/officeDocument/2006/relationships" xmlns:p="http://schemas.openxmlformats.org/presentationml/2006/main">
   <p:cSld>
     <p:spTree>
